--- a/gr2_kkb/기범- 화면설계(Project5).pptx
+++ b/gr2_kkb/기범- 화면설계(Project5).pptx
@@ -11,6 +11,16 @@
     <p:sldId id="259" r:id="rId5"/>
     <p:sldId id="260" r:id="rId6"/>
     <p:sldId id="261" r:id="rId7"/>
+    <p:sldId id="262" r:id="rId8"/>
+    <p:sldId id="264" r:id="rId9"/>
+    <p:sldId id="271" r:id="rId10"/>
+    <p:sldId id="265" r:id="rId11"/>
+    <p:sldId id="266" r:id="rId12"/>
+    <p:sldId id="267" r:id="rId13"/>
+    <p:sldId id="268" r:id="rId14"/>
+    <p:sldId id="272" r:id="rId15"/>
+    <p:sldId id="273" r:id="rId16"/>
+    <p:sldId id="274" r:id="rId17"/>
   </p:sldIdLst>
   <p:sldSz cx="12192000" cy="6858000"/>
   <p:notesSz cx="6858000" cy="9144000"/>
@@ -109,6 +119,11 @@
       </a:defRPr>
     </a:lvl9pPr>
   </p:defaultTextStyle>
+  <p:extLst>
+    <p:ext uri="{EFAFB233-063F-42B5-8137-9DF3F51BA10A}">
+      <p15:sldGuideLst xmlns:p15="http://schemas.microsoft.com/office/powerpoint/2012/main"/>
+    </p:ext>
+  </p:extLst>
 </p:presentation>
 </file>
 
@@ -243,7 +258,7 @@
           <a:p>
             <a:fld id="{9DD4B223-6D49-44B0-B9F8-07EF6F23F5E9}" type="datetimeFigureOut">
               <a:rPr lang="ko-KR" altLang="en-US" smtClean="0"/>
-              <a:t>2020-03-30</a:t>
+              <a:t>2020-03-31</a:t>
             </a:fld>
             <a:endParaRPr lang="ko-KR" altLang="en-US"/>
           </a:p>
@@ -413,7 +428,7 @@
           <a:p>
             <a:fld id="{9DD4B223-6D49-44B0-B9F8-07EF6F23F5E9}" type="datetimeFigureOut">
               <a:rPr lang="ko-KR" altLang="en-US" smtClean="0"/>
-              <a:t>2020-03-30</a:t>
+              <a:t>2020-03-31</a:t>
             </a:fld>
             <a:endParaRPr lang="ko-KR" altLang="en-US"/>
           </a:p>
@@ -593,7 +608,7 @@
           <a:p>
             <a:fld id="{9DD4B223-6D49-44B0-B9F8-07EF6F23F5E9}" type="datetimeFigureOut">
               <a:rPr lang="ko-KR" altLang="en-US" smtClean="0"/>
-              <a:t>2020-03-30</a:t>
+              <a:t>2020-03-31</a:t>
             </a:fld>
             <a:endParaRPr lang="ko-KR" altLang="en-US"/>
           </a:p>
@@ -763,7 +778,7 @@
           <a:p>
             <a:fld id="{9DD4B223-6D49-44B0-B9F8-07EF6F23F5E9}" type="datetimeFigureOut">
               <a:rPr lang="ko-KR" altLang="en-US" smtClean="0"/>
-              <a:t>2020-03-30</a:t>
+              <a:t>2020-03-31</a:t>
             </a:fld>
             <a:endParaRPr lang="ko-KR" altLang="en-US"/>
           </a:p>
@@ -1009,7 +1024,7 @@
           <a:p>
             <a:fld id="{9DD4B223-6D49-44B0-B9F8-07EF6F23F5E9}" type="datetimeFigureOut">
               <a:rPr lang="ko-KR" altLang="en-US" smtClean="0"/>
-              <a:t>2020-03-30</a:t>
+              <a:t>2020-03-31</a:t>
             </a:fld>
             <a:endParaRPr lang="ko-KR" altLang="en-US"/>
           </a:p>
@@ -1241,7 +1256,7 @@
           <a:p>
             <a:fld id="{9DD4B223-6D49-44B0-B9F8-07EF6F23F5E9}" type="datetimeFigureOut">
               <a:rPr lang="ko-KR" altLang="en-US" smtClean="0"/>
-              <a:t>2020-03-30</a:t>
+              <a:t>2020-03-31</a:t>
             </a:fld>
             <a:endParaRPr lang="ko-KR" altLang="en-US"/>
           </a:p>
@@ -1608,7 +1623,7 @@
           <a:p>
             <a:fld id="{9DD4B223-6D49-44B0-B9F8-07EF6F23F5E9}" type="datetimeFigureOut">
               <a:rPr lang="ko-KR" altLang="en-US" smtClean="0"/>
-              <a:t>2020-03-30</a:t>
+              <a:t>2020-03-31</a:t>
             </a:fld>
             <a:endParaRPr lang="ko-KR" altLang="en-US"/>
           </a:p>
@@ -1726,7 +1741,7 @@
           <a:p>
             <a:fld id="{9DD4B223-6D49-44B0-B9F8-07EF6F23F5E9}" type="datetimeFigureOut">
               <a:rPr lang="ko-KR" altLang="en-US" smtClean="0"/>
-              <a:t>2020-03-30</a:t>
+              <a:t>2020-03-31</a:t>
             </a:fld>
             <a:endParaRPr lang="ko-KR" altLang="en-US"/>
           </a:p>
@@ -1821,7 +1836,7 @@
           <a:p>
             <a:fld id="{9DD4B223-6D49-44B0-B9F8-07EF6F23F5E9}" type="datetimeFigureOut">
               <a:rPr lang="ko-KR" altLang="en-US" smtClean="0"/>
-              <a:t>2020-03-30</a:t>
+              <a:t>2020-03-31</a:t>
             </a:fld>
             <a:endParaRPr lang="ko-KR" altLang="en-US"/>
           </a:p>
@@ -2098,7 +2113,7 @@
           <a:p>
             <a:fld id="{9DD4B223-6D49-44B0-B9F8-07EF6F23F5E9}" type="datetimeFigureOut">
               <a:rPr lang="ko-KR" altLang="en-US" smtClean="0"/>
-              <a:t>2020-03-30</a:t>
+              <a:t>2020-03-31</a:t>
             </a:fld>
             <a:endParaRPr lang="ko-KR" altLang="en-US"/>
           </a:p>
@@ -2351,7 +2366,7 @@
           <a:p>
             <a:fld id="{9DD4B223-6D49-44B0-B9F8-07EF6F23F5E9}" type="datetimeFigureOut">
               <a:rPr lang="ko-KR" altLang="en-US" smtClean="0"/>
-              <a:t>2020-03-30</a:t>
+              <a:t>2020-03-31</a:t>
             </a:fld>
             <a:endParaRPr lang="ko-KR" altLang="en-US"/>
           </a:p>
@@ -2564,7 +2579,7 @@
           <a:p>
             <a:fld id="{9DD4B223-6D49-44B0-B9F8-07EF6F23F5E9}" type="datetimeFigureOut">
               <a:rPr lang="ko-KR" altLang="en-US" smtClean="0"/>
-              <a:t>2020-03-30</a:t>
+              <a:t>2020-03-31</a:t>
             </a:fld>
             <a:endParaRPr lang="ko-KR" altLang="en-US"/>
           </a:p>
@@ -3058,14 +3073,14 @@
           <a:p>
             <a:pPr algn="ctr"/>
             <a:r>
-              <a:rPr lang="ko-KR" altLang="en-US" dirty="0" smtClean="0">
+              <a:rPr lang="ko-KR" altLang="en-US" smtClean="0">
                 <a:solidFill>
                   <a:schemeClr val="tx1"/>
                 </a:solidFill>
               </a:rPr>
               <a:t>로고</a:t>
             </a:r>
-            <a:endParaRPr lang="ko-KR" altLang="en-US" dirty="0">
+            <a:endParaRPr lang="ko-KR" altLang="en-US">
               <a:solidFill>
                 <a:schemeClr val="tx1"/>
               </a:solidFill>
@@ -3115,7 +3130,7 @@
           <a:lstStyle/>
           <a:p>
             <a:pPr algn="ctr"/>
-            <a:endParaRPr lang="ko-KR" altLang="en-US" dirty="0">
+            <a:endParaRPr lang="ko-KR" altLang="en-US">
               <a:solidFill>
                 <a:schemeClr val="tx1"/>
               </a:solidFill>
@@ -3166,7 +3181,7 @@
           <a:p>
             <a:pPr algn="ctr"/>
             <a:r>
-              <a:rPr lang="ko-KR" altLang="en-US" sz="1200" dirty="0" smtClean="0">
+              <a:rPr lang="ko-KR" altLang="en-US" sz="1200" smtClean="0">
                 <a:solidFill>
                   <a:schemeClr val="tx1"/>
                 </a:solidFill>
@@ -3174,7 +3189,7 @@
               <a:t>로그인</a:t>
             </a:r>
             <a:r>
-              <a:rPr lang="en-US" altLang="ko-KR" sz="1200" dirty="0" smtClean="0">
+              <a:rPr lang="en-US" altLang="ko-KR" sz="1200" smtClean="0">
                 <a:solidFill>
                   <a:schemeClr val="tx1"/>
                 </a:solidFill>
@@ -3182,14 +3197,14 @@
               <a:t>/</a:t>
             </a:r>
             <a:r>
-              <a:rPr lang="ko-KR" altLang="en-US" sz="1200" dirty="0" smtClean="0">
+              <a:rPr lang="ko-KR" altLang="en-US" sz="1200" smtClean="0">
                 <a:solidFill>
                   <a:schemeClr val="tx1"/>
                 </a:solidFill>
               </a:rPr>
               <a:t>로그아웃</a:t>
             </a:r>
-            <a:endParaRPr lang="ko-KR" altLang="en-US" sz="1200" dirty="0">
+            <a:endParaRPr lang="ko-KR" altLang="en-US" sz="1200">
               <a:solidFill>
                 <a:schemeClr val="tx1"/>
               </a:solidFill>
@@ -3247,7 +3262,7 @@
               </a:rPr>
               <a:t>마이페이지</a:t>
             </a:r>
-            <a:endParaRPr lang="ko-KR" altLang="en-US" dirty="0">
+            <a:endParaRPr lang="ko-KR" altLang="en-US">
               <a:solidFill>
                 <a:schemeClr val="tx1"/>
               </a:solidFill>
@@ -3383,10 +3398,10 @@
           <a:lstStyle/>
           <a:p>
             <a:r>
-              <a:rPr lang="ko-KR" altLang="en-US" dirty="0" err="1" smtClean="0"/>
+              <a:rPr lang="ko-KR" altLang="en-US" err="1" smtClean="0"/>
               <a:t>세미나존</a:t>
             </a:r>
-            <a:endParaRPr lang="ko-KR" altLang="en-US" dirty="0"/>
+            <a:endParaRPr lang="ko-KR" altLang="en-US"/>
           </a:p>
         </p:txBody>
       </p:sp>
@@ -3413,10 +3428,10 @@
           <a:lstStyle/>
           <a:p>
             <a:r>
-              <a:rPr lang="ko-KR" altLang="en-US" dirty="0" smtClean="0"/>
+              <a:rPr lang="ko-KR" altLang="en-US" smtClean="0"/>
               <a:t>커뮤니티</a:t>
             </a:r>
-            <a:endParaRPr lang="ko-KR" altLang="en-US" dirty="0"/>
+            <a:endParaRPr lang="ko-KR" altLang="en-US"/>
           </a:p>
         </p:txBody>
       </p:sp>
@@ -3443,10 +3458,10 @@
           <a:lstStyle/>
           <a:p>
             <a:r>
-              <a:rPr lang="ko-KR" altLang="en-US" dirty="0" smtClean="0"/>
+              <a:rPr lang="ko-KR" altLang="en-US" smtClean="0"/>
               <a:t>세미나</a:t>
             </a:r>
-            <a:endParaRPr lang="ko-KR" altLang="en-US" dirty="0"/>
+            <a:endParaRPr lang="ko-KR" altLang="en-US"/>
           </a:p>
         </p:txBody>
       </p:sp>
@@ -3504,7 +3519,7 @@
         </p:nvSpPr>
         <p:spPr>
           <a:xfrm>
-            <a:off x="4096441" y="2177415"/>
+            <a:off x="4058061" y="2097662"/>
             <a:ext cx="1830950" cy="369332"/>
           </a:xfrm>
           <a:prstGeom prst="rect">
@@ -3519,14 +3534,14 @@
           <a:lstStyle/>
           <a:p>
             <a:r>
-              <a:rPr lang="en-US" altLang="ko-KR" dirty="0" smtClean="0"/>
+              <a:rPr lang="en-US" altLang="ko-KR" smtClean="0"/>
               <a:t>* </a:t>
             </a:r>
             <a:r>
-              <a:rPr lang="ko-KR" altLang="en-US" dirty="0" smtClean="0"/>
+              <a:rPr lang="ko-KR" altLang="en-US" smtClean="0"/>
               <a:t>세미나실 정보</a:t>
             </a:r>
-            <a:endParaRPr lang="ko-KR" altLang="en-US" dirty="0"/>
+            <a:endParaRPr lang="ko-KR" altLang="en-US"/>
           </a:p>
         </p:txBody>
       </p:sp>
@@ -3538,7 +3553,7 @@
         </p:nvSpPr>
         <p:spPr>
           <a:xfrm>
-            <a:off x="4005218" y="2609123"/>
+            <a:off x="4058061" y="2481704"/>
             <a:ext cx="2334293" cy="646331"/>
           </a:xfrm>
           <a:prstGeom prst="rect">
@@ -3557,17 +3572,17 @@
               <a:buChar char="•"/>
             </a:pPr>
             <a:r>
-              <a:rPr lang="ko-KR" altLang="en-US" dirty="0" smtClean="0"/>
+              <a:rPr lang="ko-KR" altLang="en-US" smtClean="0"/>
               <a:t>세미나실 대관 및 </a:t>
             </a:r>
-            <a:endParaRPr lang="en-US" altLang="ko-KR" dirty="0" smtClean="0"/>
-          </a:p>
-          <a:p>
-            <a:r>
-              <a:rPr lang="ko-KR" altLang="en-US" dirty="0" smtClean="0"/>
+            <a:endParaRPr lang="en-US" altLang="ko-KR" smtClean="0"/>
+          </a:p>
+          <a:p>
+            <a:r>
+              <a:rPr lang="ko-KR" altLang="en-US" smtClean="0"/>
               <a:t>    세미나실 등록</a:t>
             </a:r>
-            <a:endParaRPr lang="ko-KR" altLang="en-US" dirty="0"/>
+            <a:endParaRPr lang="ko-KR" altLang="en-US"/>
           </a:p>
         </p:txBody>
       </p:sp>
@@ -3644,10 +3659,10 @@
               <a:buChar char="•"/>
             </a:pPr>
             <a:r>
-              <a:rPr lang="ko-KR" altLang="en-US" dirty="0" smtClean="0"/>
+              <a:rPr lang="ko-KR" altLang="en-US" smtClean="0"/>
               <a:t>공지사항</a:t>
             </a:r>
-            <a:endParaRPr lang="en-US" altLang="ko-KR" dirty="0" smtClean="0"/>
+            <a:endParaRPr lang="en-US" altLang="ko-KR" smtClean="0"/>
           </a:p>
           <a:p>
             <a:pPr marL="285750" indent="-285750">
@@ -3655,7 +3670,7 @@
               <a:buChar char="•"/>
             </a:pPr>
             <a:r>
-              <a:rPr lang="en-US" altLang="ko-KR" dirty="0" smtClean="0"/>
+              <a:rPr lang="en-US" altLang="ko-KR" smtClean="0"/>
               <a:t>Q &amp; A</a:t>
             </a:r>
           </a:p>
@@ -3665,10 +3680,10 @@
               <a:buChar char="•"/>
             </a:pPr>
             <a:r>
-              <a:rPr lang="en-US" altLang="ko-KR" dirty="0" smtClean="0"/>
+              <a:rPr lang="en-US" altLang="ko-KR" smtClean="0"/>
               <a:t>F A Q</a:t>
             </a:r>
-            <a:endParaRPr lang="ko-KR" altLang="en-US" dirty="0"/>
+            <a:endParaRPr lang="ko-KR" altLang="en-US"/>
           </a:p>
         </p:txBody>
       </p:sp>
@@ -3769,7 +3784,7 @@
               <a:buChar char="•"/>
             </a:pPr>
             <a:r>
-              <a:rPr lang="en-US" altLang="ko-KR" dirty="0" smtClean="0"/>
+              <a:rPr lang="en-US" altLang="ko-KR" smtClean="0"/>
               <a:t>IT</a:t>
             </a:r>
           </a:p>
@@ -3779,10 +3794,10 @@
               <a:buChar char="•"/>
             </a:pPr>
             <a:r>
-              <a:rPr lang="ko-KR" altLang="en-US" dirty="0" smtClean="0"/>
+              <a:rPr lang="ko-KR" altLang="en-US" smtClean="0"/>
               <a:t>인문학</a:t>
             </a:r>
-            <a:endParaRPr lang="en-US" altLang="ko-KR" dirty="0" smtClean="0"/>
+            <a:endParaRPr lang="en-US" altLang="ko-KR" smtClean="0"/>
           </a:p>
           <a:p>
             <a:pPr marL="285750" indent="-285750">
@@ -3790,10 +3805,10 @@
               <a:buChar char="•"/>
             </a:pPr>
             <a:r>
-              <a:rPr lang="ko-KR" altLang="en-US" dirty="0" smtClean="0"/>
+              <a:rPr lang="ko-KR" altLang="en-US" smtClean="0"/>
               <a:t>철학</a:t>
             </a:r>
-            <a:endParaRPr lang="en-US" altLang="ko-KR" dirty="0" smtClean="0"/>
+            <a:endParaRPr lang="en-US" altLang="ko-KR" smtClean="0"/>
           </a:p>
           <a:p>
             <a:pPr marL="285750" indent="-285750">
@@ -3801,10 +3816,10 @@
               <a:buChar char="•"/>
             </a:pPr>
             <a:r>
-              <a:rPr lang="ko-KR" altLang="en-US" dirty="0" smtClean="0"/>
+              <a:rPr lang="ko-KR" altLang="en-US" smtClean="0"/>
               <a:t>멀티미디어</a:t>
             </a:r>
-            <a:endParaRPr lang="ko-KR" altLang="en-US" dirty="0"/>
+            <a:endParaRPr lang="ko-KR" altLang="en-US"/>
           </a:p>
         </p:txBody>
       </p:sp>
@@ -3866,10 +3881,10 @@
           <a:lstStyle/>
           <a:p>
             <a:r>
-              <a:rPr lang="en-US" altLang="ko-KR" dirty="0" smtClean="0"/>
+              <a:rPr lang="en-US" altLang="ko-KR" smtClean="0"/>
               <a:t>Meet Up</a:t>
             </a:r>
-            <a:endParaRPr lang="ko-KR" altLang="en-US" dirty="0"/>
+            <a:endParaRPr lang="ko-KR" altLang="en-US"/>
           </a:p>
         </p:txBody>
       </p:sp>
@@ -3946,10 +3961,10 @@
               <a:buChar char="•"/>
             </a:pPr>
             <a:r>
-              <a:rPr lang="ko-KR" altLang="en-US" dirty="0" smtClean="0"/>
+              <a:rPr lang="ko-KR" altLang="en-US" smtClean="0"/>
               <a:t>모임 등록</a:t>
             </a:r>
-            <a:endParaRPr lang="en-US" altLang="ko-KR" dirty="0" smtClean="0"/>
+            <a:endParaRPr lang="en-US" altLang="ko-KR" smtClean="0"/>
           </a:p>
           <a:p>
             <a:pPr marL="285750" indent="-285750">
@@ -3957,10 +3972,48 @@
               <a:buChar char="•"/>
             </a:pPr>
             <a:r>
-              <a:rPr lang="ko-KR" altLang="en-US" dirty="0" smtClean="0"/>
+              <a:rPr lang="ko-KR" altLang="en-US" smtClean="0"/>
               <a:t>모임 참가</a:t>
             </a:r>
-            <a:endParaRPr lang="en-US" altLang="ko-KR" dirty="0" smtClean="0"/>
+            <a:endParaRPr lang="en-US" altLang="ko-KR" smtClean="0"/>
+          </a:p>
+        </p:txBody>
+      </p:sp>
+      <p:sp>
+        <p:nvSpPr>
+          <p:cNvPr id="26" name="TextBox 25"/>
+          <p:cNvSpPr txBox="1"/>
+          <p:nvPr/>
+        </p:nvSpPr>
+        <p:spPr>
+          <a:xfrm>
+            <a:off x="4037533" y="3126328"/>
+            <a:ext cx="1939955" cy="369332"/>
+          </a:xfrm>
+          <a:prstGeom prst="rect">
+            <a:avLst/>
+          </a:prstGeom>
+          <a:noFill/>
+        </p:spPr>
+        <p:txBody>
+          <a:bodyPr wrap="none" rtlCol="0">
+            <a:spAutoFit/>
+          </a:bodyPr>
+          <a:lstStyle/>
+          <a:p>
+            <a:pPr marL="285750" indent="-285750">
+              <a:buFont typeface="Arial" panose="020B0604020202020204" pitchFamily="34" charset="0"/>
+              <a:buChar char="•"/>
+            </a:pPr>
+            <a:r>
+              <a:rPr lang="ko-KR" altLang="en-US" err="1" smtClean="0"/>
+              <a:t>세미나존</a:t>
+            </a:r>
+            <a:r>
+              <a:rPr lang="ko-KR" altLang="en-US" smtClean="0"/>
+              <a:t> 후기</a:t>
+            </a:r>
+            <a:endParaRPr lang="ko-KR" altLang="en-US"/>
           </a:p>
         </p:txBody>
       </p:sp>
@@ -3974,6 +4027,3449 @@
   <p:clrMapOvr>
     <a:masterClrMapping/>
   </p:clrMapOvr>
+</p:sld>
+</file>
+
+<file path=ppt/slides/slide10.xml><?xml version="1.0" encoding="utf-8"?>
+<p:sld xmlns:a="http://schemas.openxmlformats.org/drawingml/2006/main" xmlns:r="http://schemas.openxmlformats.org/officeDocument/2006/relationships" xmlns:p="http://schemas.openxmlformats.org/presentationml/2006/main">
+  <p:cSld>
+    <p:spTree>
+      <p:nvGrpSpPr>
+        <p:cNvPr id="1" name=""/>
+        <p:cNvGrpSpPr/>
+        <p:nvPr/>
+      </p:nvGrpSpPr>
+      <p:grpSpPr>
+        <a:xfrm>
+          <a:off x="0" y="0"/>
+          <a:ext cx="0" cy="0"/>
+          <a:chOff x="0" y="0"/>
+          <a:chExt cx="0" cy="0"/>
+        </a:xfrm>
+      </p:grpSpPr>
+      <p:sp>
+        <p:nvSpPr>
+          <p:cNvPr id="5" name="TextBox 4"/>
+          <p:cNvSpPr txBox="1"/>
+          <p:nvPr/>
+        </p:nvSpPr>
+        <p:spPr>
+          <a:xfrm>
+            <a:off x="4553527" y="701963"/>
+            <a:ext cx="1651414" cy="369332"/>
+          </a:xfrm>
+          <a:prstGeom prst="rect">
+            <a:avLst/>
+          </a:prstGeom>
+          <a:noFill/>
+        </p:spPr>
+        <p:txBody>
+          <a:bodyPr wrap="none" rtlCol="0">
+            <a:spAutoFit/>
+          </a:bodyPr>
+          <a:lstStyle/>
+          <a:p>
+            <a:r>
+              <a:rPr lang="ko-KR" altLang="en-US" err="1" smtClean="0"/>
+              <a:t>세미나존</a:t>
+            </a:r>
+            <a:r>
+              <a:rPr lang="ko-KR" altLang="en-US" smtClean="0"/>
+              <a:t> 후기</a:t>
+            </a:r>
+            <a:endParaRPr lang="ko-KR" altLang="en-US"/>
+          </a:p>
+        </p:txBody>
+      </p:sp>
+      <p:graphicFrame>
+        <p:nvGraphicFramePr>
+          <p:cNvPr id="6" name="표 5"/>
+          <p:cNvGraphicFramePr>
+            <a:graphicFrameLocks noGrp="1"/>
+          </p:cNvGraphicFramePr>
+          <p:nvPr>
+            <p:extLst>
+              <p:ext uri="{D42A27DB-BD31-4B8C-83A1-F6EECF244321}">
+                <p14:modId xmlns:p14="http://schemas.microsoft.com/office/powerpoint/2010/main" val="1292496662"/>
+              </p:ext>
+            </p:extLst>
+          </p:nvPr>
+        </p:nvGraphicFramePr>
+        <p:xfrm>
+          <a:off x="1782618" y="1283084"/>
+          <a:ext cx="8128000" cy="2225040"/>
+        </p:xfrm>
+        <a:graphic>
+          <a:graphicData uri="http://schemas.openxmlformats.org/drawingml/2006/table">
+            <a:tbl>
+              <a:tblPr firstRow="1" bandRow="1">
+                <a:tableStyleId>{5C22544A-7EE6-4342-B048-85BDC9FD1C3A}</a:tableStyleId>
+              </a:tblPr>
+              <a:tblGrid>
+                <a:gridCol w="1062182"/>
+                <a:gridCol w="1727200"/>
+                <a:gridCol w="2272145"/>
+                <a:gridCol w="1634837"/>
+                <a:gridCol w="1431636"/>
+              </a:tblGrid>
+              <a:tr h="370840">
+                <a:tc>
+                  <a:txBody>
+                    <a:bodyPr/>
+                    <a:lstStyle/>
+                    <a:p>
+                      <a:pPr algn="ctr" latinLnBrk="1"/>
+                      <a:r>
+                        <a:rPr lang="ko-KR" altLang="en-US" smtClean="0"/>
+                        <a:t>글 번호</a:t>
+                      </a:r>
+                      <a:endParaRPr lang="ko-KR" altLang="en-US"/>
+                    </a:p>
+                  </a:txBody>
+                  <a:tcPr/>
+                </a:tc>
+                <a:tc>
+                  <a:txBody>
+                    <a:bodyPr/>
+                    <a:lstStyle/>
+                    <a:p>
+                      <a:pPr algn="ctr" latinLnBrk="1"/>
+                      <a:r>
+                        <a:rPr lang="ko-KR" altLang="en-US" err="1" smtClean="0"/>
+                        <a:t>세미나존</a:t>
+                      </a:r>
+                      <a:r>
+                        <a:rPr lang="ko-KR" altLang="en-US" smtClean="0"/>
+                        <a:t> 이름</a:t>
+                      </a:r>
+                      <a:endParaRPr lang="ko-KR" altLang="en-US"/>
+                    </a:p>
+                  </a:txBody>
+                  <a:tcPr/>
+                </a:tc>
+                <a:tc>
+                  <a:txBody>
+                    <a:bodyPr/>
+                    <a:lstStyle/>
+                    <a:p>
+                      <a:pPr algn="ctr" latinLnBrk="1"/>
+                      <a:r>
+                        <a:rPr lang="ko-KR" altLang="en-US" smtClean="0"/>
+                        <a:t>세미나 타이틀</a:t>
+                      </a:r>
+                      <a:endParaRPr lang="ko-KR" altLang="en-US"/>
+                    </a:p>
+                  </a:txBody>
+                  <a:tcPr/>
+                </a:tc>
+                <a:tc>
+                  <a:txBody>
+                    <a:bodyPr/>
+                    <a:lstStyle/>
+                    <a:p>
+                      <a:pPr algn="ctr" latinLnBrk="1"/>
+                      <a:r>
+                        <a:rPr lang="ko-KR" altLang="en-US" smtClean="0"/>
+                        <a:t>날짜</a:t>
+                      </a:r>
+                      <a:endParaRPr lang="ko-KR" altLang="en-US"/>
+                    </a:p>
+                  </a:txBody>
+                  <a:tcPr/>
+                </a:tc>
+                <a:tc>
+                  <a:txBody>
+                    <a:bodyPr/>
+                    <a:lstStyle/>
+                    <a:p>
+                      <a:pPr algn="ctr" latinLnBrk="1"/>
+                      <a:r>
+                        <a:rPr lang="ko-KR" altLang="en-US" smtClean="0"/>
+                        <a:t>글쓴이</a:t>
+                      </a:r>
+                      <a:endParaRPr lang="ko-KR" altLang="en-US"/>
+                    </a:p>
+                  </a:txBody>
+                  <a:tcPr/>
+                </a:tc>
+              </a:tr>
+              <a:tr h="370840">
+                <a:tc>
+                  <a:txBody>
+                    <a:bodyPr/>
+                    <a:lstStyle/>
+                    <a:p>
+                      <a:pPr algn="ctr" latinLnBrk="1"/>
+                      <a:r>
+                        <a:rPr lang="en-US" altLang="ko-KR" smtClean="0"/>
+                        <a:t>1</a:t>
+                      </a:r>
+                      <a:endParaRPr lang="ko-KR" altLang="en-US"/>
+                    </a:p>
+                  </a:txBody>
+                  <a:tcPr/>
+                </a:tc>
+                <a:tc>
+                  <a:txBody>
+                    <a:bodyPr/>
+                    <a:lstStyle/>
+                    <a:p>
+                      <a:pPr algn="ctr" latinLnBrk="1"/>
+                      <a:r>
+                        <a:rPr lang="ko-KR" altLang="en-US" err="1" smtClean="0"/>
+                        <a:t>프리미엄존</a:t>
+                      </a:r>
+                      <a:endParaRPr lang="ko-KR" altLang="en-US"/>
+                    </a:p>
+                  </a:txBody>
+                  <a:tcPr/>
+                </a:tc>
+                <a:tc>
+                  <a:txBody>
+                    <a:bodyPr/>
+                    <a:lstStyle/>
+                    <a:p>
+                      <a:pPr algn="ctr" latinLnBrk="1"/>
+                      <a:r>
+                        <a:rPr lang="ko-KR" altLang="en-US" err="1" smtClean="0"/>
+                        <a:t>정말좋았어요</a:t>
+                      </a:r>
+                      <a:endParaRPr lang="ko-KR" altLang="en-US"/>
+                    </a:p>
+                  </a:txBody>
+                  <a:tcPr/>
+                </a:tc>
+                <a:tc>
+                  <a:txBody>
+                    <a:bodyPr/>
+                    <a:lstStyle/>
+                    <a:p>
+                      <a:pPr algn="ctr" latinLnBrk="1"/>
+                      <a:r>
+                        <a:rPr lang="en-US" altLang="ko-KR" smtClean="0"/>
+                        <a:t>2020.03.31</a:t>
+                      </a:r>
+                      <a:endParaRPr lang="ko-KR" altLang="en-US"/>
+                    </a:p>
+                  </a:txBody>
+                  <a:tcPr/>
+                </a:tc>
+                <a:tc>
+                  <a:txBody>
+                    <a:bodyPr/>
+                    <a:lstStyle/>
+                    <a:p>
+                      <a:pPr algn="ctr" latinLnBrk="1"/>
+                      <a:r>
+                        <a:rPr lang="en-US" altLang="ko-KR" err="1" smtClean="0"/>
+                        <a:t>ezenkb</a:t>
+                      </a:r>
+                      <a:endParaRPr lang="ko-KR" altLang="en-US"/>
+                    </a:p>
+                  </a:txBody>
+                  <a:tcPr/>
+                </a:tc>
+              </a:tr>
+              <a:tr h="370840">
+                <a:tc>
+                  <a:txBody>
+                    <a:bodyPr/>
+                    <a:lstStyle/>
+                    <a:p>
+                      <a:pPr algn="ctr" latinLnBrk="1"/>
+                      <a:r>
+                        <a:rPr lang="en-US" altLang="ko-KR" smtClean="0"/>
+                        <a:t>2</a:t>
+                      </a:r>
+                      <a:endParaRPr lang="ko-KR" altLang="en-US"/>
+                    </a:p>
+                  </a:txBody>
+                  <a:tcPr/>
+                </a:tc>
+                <a:tc>
+                  <a:txBody>
+                    <a:bodyPr/>
+                    <a:lstStyle/>
+                    <a:p>
+                      <a:pPr algn="ctr" latinLnBrk="1"/>
+                      <a:r>
+                        <a:rPr lang="ko-KR" altLang="en-US" err="1" smtClean="0"/>
+                        <a:t>골드존</a:t>
+                      </a:r>
+                      <a:endParaRPr lang="ko-KR" altLang="en-US"/>
+                    </a:p>
+                  </a:txBody>
+                  <a:tcPr/>
+                </a:tc>
+                <a:tc>
+                  <a:txBody>
+                    <a:bodyPr/>
+                    <a:lstStyle/>
+                    <a:p>
+                      <a:pPr algn="ctr" latinLnBrk="1"/>
+                      <a:r>
+                        <a:rPr lang="ko-KR" altLang="en-US" smtClean="0"/>
+                        <a:t>좋았습니다</a:t>
+                      </a:r>
+                      <a:endParaRPr lang="ko-KR" altLang="en-US"/>
+                    </a:p>
+                  </a:txBody>
+                  <a:tcPr/>
+                </a:tc>
+                <a:tc>
+                  <a:txBody>
+                    <a:bodyPr/>
+                    <a:lstStyle/>
+                    <a:p>
+                      <a:pPr algn="ctr" latinLnBrk="1"/>
+                      <a:r>
+                        <a:rPr lang="en-US" altLang="ko-KR" smtClean="0"/>
+                        <a:t>2020.03.31</a:t>
+                      </a:r>
+                      <a:endParaRPr lang="ko-KR" altLang="en-US"/>
+                    </a:p>
+                  </a:txBody>
+                  <a:tcPr/>
+                </a:tc>
+                <a:tc>
+                  <a:txBody>
+                    <a:bodyPr/>
+                    <a:lstStyle/>
+                    <a:p>
+                      <a:pPr algn="ctr" latinLnBrk="1"/>
+                      <a:r>
+                        <a:rPr lang="en-US" altLang="ko-KR" err="1" smtClean="0"/>
+                        <a:t>ezenkb</a:t>
+                      </a:r>
+                      <a:endParaRPr lang="ko-KR" altLang="en-US"/>
+                    </a:p>
+                  </a:txBody>
+                  <a:tcPr/>
+                </a:tc>
+              </a:tr>
+              <a:tr h="370840">
+                <a:tc>
+                  <a:txBody>
+                    <a:bodyPr/>
+                    <a:lstStyle/>
+                    <a:p>
+                      <a:pPr algn="ctr" latinLnBrk="1"/>
+                      <a:r>
+                        <a:rPr lang="en-US" altLang="ko-KR" smtClean="0"/>
+                        <a:t>3</a:t>
+                      </a:r>
+                      <a:endParaRPr lang="ko-KR" altLang="en-US"/>
+                    </a:p>
+                  </a:txBody>
+                  <a:tcPr/>
+                </a:tc>
+                <a:tc>
+                  <a:txBody>
+                    <a:bodyPr/>
+                    <a:lstStyle/>
+                    <a:p>
+                      <a:pPr algn="ctr" latinLnBrk="1"/>
+                      <a:r>
+                        <a:rPr lang="ko-KR" altLang="en-US" smtClean="0"/>
+                        <a:t>실버존</a:t>
+                      </a:r>
+                      <a:endParaRPr lang="ko-KR" altLang="en-US"/>
+                    </a:p>
+                  </a:txBody>
+                  <a:tcPr/>
+                </a:tc>
+                <a:tc>
+                  <a:txBody>
+                    <a:bodyPr/>
+                    <a:lstStyle/>
+                    <a:p>
+                      <a:pPr algn="ctr" latinLnBrk="1"/>
+                      <a:r>
+                        <a:rPr lang="ko-KR" altLang="en-US" err="1" smtClean="0"/>
+                        <a:t>정말좋았어요</a:t>
+                      </a:r>
+                      <a:endParaRPr lang="ko-KR" altLang="en-US"/>
+                    </a:p>
+                  </a:txBody>
+                  <a:tcPr/>
+                </a:tc>
+                <a:tc>
+                  <a:txBody>
+                    <a:bodyPr/>
+                    <a:lstStyle/>
+                    <a:p>
+                      <a:pPr algn="ctr" latinLnBrk="1"/>
+                      <a:r>
+                        <a:rPr lang="en-US" altLang="ko-KR" smtClean="0"/>
+                        <a:t>2020.03.31</a:t>
+                      </a:r>
+                      <a:endParaRPr lang="ko-KR" altLang="en-US"/>
+                    </a:p>
+                  </a:txBody>
+                  <a:tcPr/>
+                </a:tc>
+                <a:tc>
+                  <a:txBody>
+                    <a:bodyPr/>
+                    <a:lstStyle/>
+                    <a:p>
+                      <a:pPr algn="ctr" latinLnBrk="1"/>
+                      <a:r>
+                        <a:rPr lang="en-US" altLang="ko-KR" err="1" smtClean="0"/>
+                        <a:t>ezenkb</a:t>
+                      </a:r>
+                      <a:endParaRPr lang="ko-KR" altLang="en-US"/>
+                    </a:p>
+                  </a:txBody>
+                  <a:tcPr/>
+                </a:tc>
+              </a:tr>
+              <a:tr h="370840">
+                <a:tc>
+                  <a:txBody>
+                    <a:bodyPr/>
+                    <a:lstStyle/>
+                    <a:p>
+                      <a:pPr algn="ctr" latinLnBrk="1"/>
+                      <a:r>
+                        <a:rPr lang="en-US" altLang="ko-KR" smtClean="0"/>
+                        <a:t>4</a:t>
+                      </a:r>
+                      <a:endParaRPr lang="ko-KR" altLang="en-US"/>
+                    </a:p>
+                  </a:txBody>
+                  <a:tcPr/>
+                </a:tc>
+                <a:tc>
+                  <a:txBody>
+                    <a:bodyPr/>
+                    <a:lstStyle/>
+                    <a:p>
+                      <a:pPr algn="ctr" latinLnBrk="1"/>
+                      <a:r>
+                        <a:rPr lang="ko-KR" altLang="en-US" smtClean="0"/>
+                        <a:t>다이아몬드존</a:t>
+                      </a:r>
+                      <a:endParaRPr lang="ko-KR" altLang="en-US"/>
+                    </a:p>
+                  </a:txBody>
+                  <a:tcPr/>
+                </a:tc>
+                <a:tc>
+                  <a:txBody>
+                    <a:bodyPr/>
+                    <a:lstStyle/>
+                    <a:p>
+                      <a:pPr algn="ctr" latinLnBrk="1"/>
+                      <a:r>
+                        <a:rPr lang="ko-KR" altLang="en-US" err="1" smtClean="0"/>
+                        <a:t>정말좋았어요</a:t>
+                      </a:r>
+                      <a:endParaRPr lang="ko-KR" altLang="en-US"/>
+                    </a:p>
+                  </a:txBody>
+                  <a:tcPr/>
+                </a:tc>
+                <a:tc>
+                  <a:txBody>
+                    <a:bodyPr/>
+                    <a:lstStyle/>
+                    <a:p>
+                      <a:pPr algn="ctr" latinLnBrk="1"/>
+                      <a:r>
+                        <a:rPr lang="en-US" altLang="ko-KR" smtClean="0"/>
+                        <a:t>2020.03.31</a:t>
+                      </a:r>
+                      <a:endParaRPr lang="ko-KR" altLang="en-US"/>
+                    </a:p>
+                  </a:txBody>
+                  <a:tcPr/>
+                </a:tc>
+                <a:tc>
+                  <a:txBody>
+                    <a:bodyPr/>
+                    <a:lstStyle/>
+                    <a:p>
+                      <a:pPr algn="ctr" latinLnBrk="1"/>
+                      <a:r>
+                        <a:rPr lang="en-US" altLang="ko-KR" err="1" smtClean="0"/>
+                        <a:t>ezenkb</a:t>
+                      </a:r>
+                      <a:endParaRPr lang="ko-KR" altLang="en-US"/>
+                    </a:p>
+                  </a:txBody>
+                  <a:tcPr/>
+                </a:tc>
+              </a:tr>
+              <a:tr h="370840">
+                <a:tc>
+                  <a:txBody>
+                    <a:bodyPr/>
+                    <a:lstStyle/>
+                    <a:p>
+                      <a:pPr algn="ctr" latinLnBrk="1"/>
+                      <a:r>
+                        <a:rPr lang="en-US" altLang="ko-KR" smtClean="0"/>
+                        <a:t>5</a:t>
+                      </a:r>
+                      <a:endParaRPr lang="ko-KR" altLang="en-US"/>
+                    </a:p>
+                  </a:txBody>
+                  <a:tcPr/>
+                </a:tc>
+                <a:tc>
+                  <a:txBody>
+                    <a:bodyPr/>
+                    <a:lstStyle/>
+                    <a:p>
+                      <a:pPr algn="ctr" latinLnBrk="1"/>
+                      <a:r>
+                        <a:rPr lang="ko-KR" altLang="en-US" err="1" smtClean="0"/>
+                        <a:t>프리미엄존</a:t>
+                      </a:r>
+                      <a:endParaRPr lang="ko-KR" altLang="en-US"/>
+                    </a:p>
+                  </a:txBody>
+                  <a:tcPr/>
+                </a:tc>
+                <a:tc>
+                  <a:txBody>
+                    <a:bodyPr/>
+                    <a:lstStyle/>
+                    <a:p>
+                      <a:pPr algn="ctr" latinLnBrk="1"/>
+                      <a:r>
+                        <a:rPr lang="ko-KR" altLang="en-US" err="1" smtClean="0"/>
+                        <a:t>정말좋았어요</a:t>
+                      </a:r>
+                      <a:endParaRPr lang="ko-KR" altLang="en-US"/>
+                    </a:p>
+                  </a:txBody>
+                  <a:tcPr/>
+                </a:tc>
+                <a:tc>
+                  <a:txBody>
+                    <a:bodyPr/>
+                    <a:lstStyle/>
+                    <a:p>
+                      <a:pPr algn="ctr" latinLnBrk="1"/>
+                      <a:r>
+                        <a:rPr lang="en-US" altLang="ko-KR" smtClean="0"/>
+                        <a:t>2020.03.31</a:t>
+                      </a:r>
+                      <a:endParaRPr lang="ko-KR" altLang="en-US"/>
+                    </a:p>
+                  </a:txBody>
+                  <a:tcPr/>
+                </a:tc>
+                <a:tc>
+                  <a:txBody>
+                    <a:bodyPr/>
+                    <a:lstStyle/>
+                    <a:p>
+                      <a:pPr algn="ctr" latinLnBrk="1"/>
+                      <a:r>
+                        <a:rPr lang="en-US" altLang="ko-KR" err="1" smtClean="0"/>
+                        <a:t>ezenkb</a:t>
+                      </a:r>
+                      <a:endParaRPr lang="ko-KR" altLang="en-US"/>
+                    </a:p>
+                  </a:txBody>
+                  <a:tcPr/>
+                </a:tc>
+              </a:tr>
+            </a:tbl>
+          </a:graphicData>
+        </a:graphic>
+      </p:graphicFrame>
+      <p:sp>
+        <p:nvSpPr>
+          <p:cNvPr id="7" name="직사각형 6"/>
+          <p:cNvSpPr/>
+          <p:nvPr/>
+        </p:nvSpPr>
+        <p:spPr>
+          <a:xfrm>
+            <a:off x="8190410" y="770790"/>
+            <a:ext cx="1720207" cy="406400"/>
+          </a:xfrm>
+          <a:prstGeom prst="rect">
+            <a:avLst/>
+          </a:prstGeom>
+          <a:noFill/>
+          <a:ln w="25400"/>
+        </p:spPr>
+        <p:style>
+          <a:lnRef idx="2">
+            <a:schemeClr val="accent1">
+              <a:shade val="50000"/>
+            </a:schemeClr>
+          </a:lnRef>
+          <a:fillRef idx="1">
+            <a:schemeClr val="accent1"/>
+          </a:fillRef>
+          <a:effectRef idx="0">
+            <a:schemeClr val="accent1"/>
+          </a:effectRef>
+          <a:fontRef idx="minor">
+            <a:schemeClr val="lt1"/>
+          </a:fontRef>
+        </p:style>
+        <p:txBody>
+          <a:bodyPr rtlCol="0" anchor="ctr"/>
+          <a:lstStyle/>
+          <a:p>
+            <a:pPr algn="ctr"/>
+            <a:endParaRPr lang="ko-KR" altLang="en-US"/>
+          </a:p>
+        </p:txBody>
+      </p:sp>
+      <p:sp>
+        <p:nvSpPr>
+          <p:cNvPr id="8" name="이등변 삼각형 7"/>
+          <p:cNvSpPr/>
+          <p:nvPr/>
+        </p:nvSpPr>
+        <p:spPr>
+          <a:xfrm rot="10800000">
+            <a:off x="9481129" y="855250"/>
+            <a:ext cx="295563" cy="258495"/>
+          </a:xfrm>
+          <a:prstGeom prst="triangle">
+            <a:avLst/>
+          </a:prstGeom>
+        </p:spPr>
+        <p:style>
+          <a:lnRef idx="2">
+            <a:schemeClr val="accent1">
+              <a:shade val="50000"/>
+            </a:schemeClr>
+          </a:lnRef>
+          <a:fillRef idx="1">
+            <a:schemeClr val="accent1"/>
+          </a:fillRef>
+          <a:effectRef idx="0">
+            <a:schemeClr val="accent1"/>
+          </a:effectRef>
+          <a:fontRef idx="minor">
+            <a:schemeClr val="lt1"/>
+          </a:fontRef>
+        </p:style>
+        <p:txBody>
+          <a:bodyPr rtlCol="0" anchor="ctr"/>
+          <a:lstStyle/>
+          <a:p>
+            <a:pPr algn="ctr"/>
+            <a:endParaRPr lang="ko-KR" altLang="en-US"/>
+          </a:p>
+        </p:txBody>
+      </p:sp>
+      <p:sp>
+        <p:nvSpPr>
+          <p:cNvPr id="9" name="직사각형 8"/>
+          <p:cNvSpPr/>
+          <p:nvPr/>
+        </p:nvSpPr>
+        <p:spPr>
+          <a:xfrm>
+            <a:off x="3918857" y="3749040"/>
+            <a:ext cx="548640" cy="457200"/>
+          </a:xfrm>
+          <a:prstGeom prst="rect">
+            <a:avLst/>
+          </a:prstGeom>
+        </p:spPr>
+        <p:style>
+          <a:lnRef idx="2">
+            <a:schemeClr val="accent1">
+              <a:shade val="50000"/>
+            </a:schemeClr>
+          </a:lnRef>
+          <a:fillRef idx="1">
+            <a:schemeClr val="accent1"/>
+          </a:fillRef>
+          <a:effectRef idx="0">
+            <a:schemeClr val="accent1"/>
+          </a:effectRef>
+          <a:fontRef idx="minor">
+            <a:schemeClr val="lt1"/>
+          </a:fontRef>
+        </p:style>
+        <p:txBody>
+          <a:bodyPr rtlCol="0" anchor="ctr"/>
+          <a:lstStyle/>
+          <a:p>
+            <a:pPr algn="ctr"/>
+            <a:r>
+              <a:rPr lang="en-US" altLang="ko-KR" smtClean="0"/>
+              <a:t>&lt;&lt;</a:t>
+            </a:r>
+            <a:endParaRPr lang="ko-KR" altLang="en-US"/>
+          </a:p>
+        </p:txBody>
+      </p:sp>
+      <p:sp>
+        <p:nvSpPr>
+          <p:cNvPr id="10" name="직사각형 9"/>
+          <p:cNvSpPr/>
+          <p:nvPr/>
+        </p:nvSpPr>
+        <p:spPr>
+          <a:xfrm>
+            <a:off x="4598125" y="3749040"/>
+            <a:ext cx="548640" cy="457200"/>
+          </a:xfrm>
+          <a:prstGeom prst="rect">
+            <a:avLst/>
+          </a:prstGeom>
+        </p:spPr>
+        <p:style>
+          <a:lnRef idx="2">
+            <a:schemeClr val="accent1">
+              <a:shade val="50000"/>
+            </a:schemeClr>
+          </a:lnRef>
+          <a:fillRef idx="1">
+            <a:schemeClr val="accent1"/>
+          </a:fillRef>
+          <a:effectRef idx="0">
+            <a:schemeClr val="accent1"/>
+          </a:effectRef>
+          <a:fontRef idx="minor">
+            <a:schemeClr val="lt1"/>
+          </a:fontRef>
+        </p:style>
+        <p:txBody>
+          <a:bodyPr rtlCol="0" anchor="ctr"/>
+          <a:lstStyle/>
+          <a:p>
+            <a:pPr algn="ctr"/>
+            <a:r>
+              <a:rPr lang="en-US" altLang="ko-KR" smtClean="0"/>
+              <a:t>1</a:t>
+            </a:r>
+            <a:endParaRPr lang="ko-KR" altLang="en-US"/>
+          </a:p>
+        </p:txBody>
+      </p:sp>
+      <p:sp>
+        <p:nvSpPr>
+          <p:cNvPr id="11" name="직사각형 10"/>
+          <p:cNvSpPr/>
+          <p:nvPr/>
+        </p:nvSpPr>
+        <p:spPr>
+          <a:xfrm>
+            <a:off x="5303520" y="3742509"/>
+            <a:ext cx="548640" cy="457200"/>
+          </a:xfrm>
+          <a:prstGeom prst="rect">
+            <a:avLst/>
+          </a:prstGeom>
+        </p:spPr>
+        <p:style>
+          <a:lnRef idx="2">
+            <a:schemeClr val="accent1">
+              <a:shade val="50000"/>
+            </a:schemeClr>
+          </a:lnRef>
+          <a:fillRef idx="1">
+            <a:schemeClr val="accent1"/>
+          </a:fillRef>
+          <a:effectRef idx="0">
+            <a:schemeClr val="accent1"/>
+          </a:effectRef>
+          <a:fontRef idx="minor">
+            <a:schemeClr val="lt1"/>
+          </a:fontRef>
+        </p:style>
+        <p:txBody>
+          <a:bodyPr rtlCol="0" anchor="ctr"/>
+          <a:lstStyle/>
+          <a:p>
+            <a:pPr algn="ctr"/>
+            <a:r>
+              <a:rPr lang="en-US" altLang="ko-KR" smtClean="0"/>
+              <a:t>2</a:t>
+            </a:r>
+            <a:endParaRPr lang="ko-KR" altLang="en-US"/>
+          </a:p>
+        </p:txBody>
+      </p:sp>
+      <p:sp>
+        <p:nvSpPr>
+          <p:cNvPr id="12" name="직사각형 11"/>
+          <p:cNvSpPr/>
+          <p:nvPr/>
+        </p:nvSpPr>
+        <p:spPr>
+          <a:xfrm>
+            <a:off x="6008915" y="3749040"/>
+            <a:ext cx="548640" cy="457200"/>
+          </a:xfrm>
+          <a:prstGeom prst="rect">
+            <a:avLst/>
+          </a:prstGeom>
+        </p:spPr>
+        <p:style>
+          <a:lnRef idx="2">
+            <a:schemeClr val="accent1">
+              <a:shade val="50000"/>
+            </a:schemeClr>
+          </a:lnRef>
+          <a:fillRef idx="1">
+            <a:schemeClr val="accent1"/>
+          </a:fillRef>
+          <a:effectRef idx="0">
+            <a:schemeClr val="accent1"/>
+          </a:effectRef>
+          <a:fontRef idx="minor">
+            <a:schemeClr val="lt1"/>
+          </a:fontRef>
+        </p:style>
+        <p:txBody>
+          <a:bodyPr rtlCol="0" anchor="ctr"/>
+          <a:lstStyle/>
+          <a:p>
+            <a:pPr algn="ctr"/>
+            <a:r>
+              <a:rPr lang="en-US" altLang="ko-KR" smtClean="0"/>
+              <a:t>3</a:t>
+            </a:r>
+            <a:endParaRPr lang="ko-KR" altLang="en-US"/>
+          </a:p>
+        </p:txBody>
+      </p:sp>
+      <p:sp>
+        <p:nvSpPr>
+          <p:cNvPr id="13" name="직사각형 12"/>
+          <p:cNvSpPr/>
+          <p:nvPr/>
+        </p:nvSpPr>
+        <p:spPr>
+          <a:xfrm>
+            <a:off x="6714310" y="3749040"/>
+            <a:ext cx="548640" cy="457200"/>
+          </a:xfrm>
+          <a:prstGeom prst="rect">
+            <a:avLst/>
+          </a:prstGeom>
+        </p:spPr>
+        <p:style>
+          <a:lnRef idx="2">
+            <a:schemeClr val="accent1">
+              <a:shade val="50000"/>
+            </a:schemeClr>
+          </a:lnRef>
+          <a:fillRef idx="1">
+            <a:schemeClr val="accent1"/>
+          </a:fillRef>
+          <a:effectRef idx="0">
+            <a:schemeClr val="accent1"/>
+          </a:effectRef>
+          <a:fontRef idx="minor">
+            <a:schemeClr val="lt1"/>
+          </a:fontRef>
+        </p:style>
+        <p:txBody>
+          <a:bodyPr rtlCol="0" anchor="ctr"/>
+          <a:lstStyle/>
+          <a:p>
+            <a:pPr algn="ctr"/>
+            <a:r>
+              <a:rPr lang="en-US" altLang="ko-KR" smtClean="0"/>
+              <a:t>4</a:t>
+            </a:r>
+            <a:endParaRPr lang="ko-KR" altLang="en-US"/>
+          </a:p>
+        </p:txBody>
+      </p:sp>
+      <p:sp>
+        <p:nvSpPr>
+          <p:cNvPr id="14" name="직사각형 13"/>
+          <p:cNvSpPr/>
+          <p:nvPr/>
+        </p:nvSpPr>
+        <p:spPr>
+          <a:xfrm>
+            <a:off x="7419705" y="3742509"/>
+            <a:ext cx="548640" cy="457200"/>
+          </a:xfrm>
+          <a:prstGeom prst="rect">
+            <a:avLst/>
+          </a:prstGeom>
+        </p:spPr>
+        <p:style>
+          <a:lnRef idx="2">
+            <a:schemeClr val="accent1">
+              <a:shade val="50000"/>
+            </a:schemeClr>
+          </a:lnRef>
+          <a:fillRef idx="1">
+            <a:schemeClr val="accent1"/>
+          </a:fillRef>
+          <a:effectRef idx="0">
+            <a:schemeClr val="accent1"/>
+          </a:effectRef>
+          <a:fontRef idx="minor">
+            <a:schemeClr val="lt1"/>
+          </a:fontRef>
+        </p:style>
+        <p:txBody>
+          <a:bodyPr rtlCol="0" anchor="ctr"/>
+          <a:lstStyle/>
+          <a:p>
+            <a:pPr algn="ctr"/>
+            <a:r>
+              <a:rPr lang="en-US" altLang="ko-KR" smtClean="0"/>
+              <a:t>&gt;&gt;</a:t>
+            </a:r>
+            <a:endParaRPr lang="ko-KR" altLang="en-US"/>
+          </a:p>
+        </p:txBody>
+      </p:sp>
+    </p:spTree>
+    <p:extLst>
+      <p:ext uri="{BB962C8B-B14F-4D97-AF65-F5344CB8AC3E}">
+        <p14:creationId xmlns:p14="http://schemas.microsoft.com/office/powerpoint/2010/main" val="1644527118"/>
+      </p:ext>
+    </p:extLst>
+  </p:cSld>
+  <p:clrMapOvr>
+    <a:masterClrMapping/>
+  </p:clrMapOvr>
+  <p:timing>
+    <p:tnLst>
+      <p:par>
+        <p:cTn id="1" dur="indefinite" restart="never" nodeType="tmRoot"/>
+      </p:par>
+    </p:tnLst>
+  </p:timing>
+</p:sld>
+</file>
+
+<file path=ppt/slides/slide11.xml><?xml version="1.0" encoding="utf-8"?>
+<p:sld xmlns:a="http://schemas.openxmlformats.org/drawingml/2006/main" xmlns:r="http://schemas.openxmlformats.org/officeDocument/2006/relationships" xmlns:p="http://schemas.openxmlformats.org/presentationml/2006/main">
+  <p:cSld>
+    <p:spTree>
+      <p:nvGrpSpPr>
+        <p:cNvPr id="1" name=""/>
+        <p:cNvGrpSpPr/>
+        <p:nvPr/>
+      </p:nvGrpSpPr>
+      <p:grpSpPr>
+        <a:xfrm>
+          <a:off x="0" y="0"/>
+          <a:ext cx="0" cy="0"/>
+          <a:chOff x="0" y="0"/>
+          <a:chExt cx="0" cy="0"/>
+        </a:xfrm>
+      </p:grpSpPr>
+      <p:sp>
+        <p:nvSpPr>
+          <p:cNvPr id="4" name="직사각형 3"/>
+          <p:cNvSpPr/>
+          <p:nvPr/>
+        </p:nvSpPr>
+        <p:spPr>
+          <a:xfrm>
+            <a:off x="1062182" y="221674"/>
+            <a:ext cx="10344729" cy="6142182"/>
+          </a:xfrm>
+          <a:prstGeom prst="rect">
+            <a:avLst/>
+          </a:prstGeom>
+          <a:noFill/>
+          <a:ln w="25400">
+            <a:solidFill>
+              <a:schemeClr val="tx1"/>
+            </a:solidFill>
+          </a:ln>
+        </p:spPr>
+        <p:style>
+          <a:lnRef idx="2">
+            <a:schemeClr val="accent1">
+              <a:shade val="50000"/>
+            </a:schemeClr>
+          </a:lnRef>
+          <a:fillRef idx="1">
+            <a:schemeClr val="accent1"/>
+          </a:fillRef>
+          <a:effectRef idx="0">
+            <a:schemeClr val="accent1"/>
+          </a:effectRef>
+          <a:fontRef idx="minor">
+            <a:schemeClr val="lt1"/>
+          </a:fontRef>
+        </p:style>
+        <p:txBody>
+          <a:bodyPr rtlCol="0" anchor="ctr"/>
+          <a:lstStyle/>
+          <a:p>
+            <a:pPr algn="ctr"/>
+            <a:endParaRPr lang="ko-KR" altLang="en-US"/>
+          </a:p>
+        </p:txBody>
+      </p:sp>
+      <p:sp>
+        <p:nvSpPr>
+          <p:cNvPr id="5" name="직사각형 4"/>
+          <p:cNvSpPr/>
+          <p:nvPr/>
+        </p:nvSpPr>
+        <p:spPr>
+          <a:xfrm>
+            <a:off x="1283855" y="443345"/>
+            <a:ext cx="9845963" cy="572655"/>
+          </a:xfrm>
+          <a:prstGeom prst="rect">
+            <a:avLst/>
+          </a:prstGeom>
+          <a:noFill/>
+          <a:ln w="25400">
+            <a:solidFill>
+              <a:schemeClr val="tx1"/>
+            </a:solidFill>
+          </a:ln>
+        </p:spPr>
+        <p:style>
+          <a:lnRef idx="2">
+            <a:schemeClr val="accent1">
+              <a:shade val="50000"/>
+            </a:schemeClr>
+          </a:lnRef>
+          <a:fillRef idx="1">
+            <a:schemeClr val="accent1"/>
+          </a:fillRef>
+          <a:effectRef idx="0">
+            <a:schemeClr val="accent1"/>
+          </a:effectRef>
+          <a:fontRef idx="minor">
+            <a:schemeClr val="lt1"/>
+          </a:fontRef>
+        </p:style>
+        <p:txBody>
+          <a:bodyPr rtlCol="0" anchor="ctr"/>
+          <a:lstStyle/>
+          <a:p>
+            <a:pPr algn="ctr"/>
+            <a:r>
+              <a:rPr lang="ko-KR" altLang="en-US" smtClean="0">
+                <a:solidFill>
+                  <a:schemeClr val="tx1"/>
+                </a:solidFill>
+              </a:rPr>
+              <a:t>세미나 타이틀</a:t>
+            </a:r>
+            <a:endParaRPr lang="ko-KR" altLang="en-US">
+              <a:solidFill>
+                <a:schemeClr val="tx1"/>
+              </a:solidFill>
+            </a:endParaRPr>
+          </a:p>
+        </p:txBody>
+      </p:sp>
+      <p:sp>
+        <p:nvSpPr>
+          <p:cNvPr id="6" name="직사각형 5"/>
+          <p:cNvSpPr/>
+          <p:nvPr/>
+        </p:nvSpPr>
+        <p:spPr>
+          <a:xfrm>
+            <a:off x="6818811" y="1162594"/>
+            <a:ext cx="4311007" cy="522515"/>
+          </a:xfrm>
+          <a:prstGeom prst="rect">
+            <a:avLst/>
+          </a:prstGeom>
+          <a:noFill/>
+          <a:ln w="25400">
+            <a:solidFill>
+              <a:schemeClr val="tx1"/>
+            </a:solidFill>
+          </a:ln>
+        </p:spPr>
+        <p:style>
+          <a:lnRef idx="2">
+            <a:schemeClr val="accent1">
+              <a:shade val="50000"/>
+            </a:schemeClr>
+          </a:lnRef>
+          <a:fillRef idx="1">
+            <a:schemeClr val="accent1"/>
+          </a:fillRef>
+          <a:effectRef idx="0">
+            <a:schemeClr val="accent1"/>
+          </a:effectRef>
+          <a:fontRef idx="minor">
+            <a:schemeClr val="lt1"/>
+          </a:fontRef>
+        </p:style>
+        <p:txBody>
+          <a:bodyPr rtlCol="0" anchor="ctr"/>
+          <a:lstStyle/>
+          <a:p>
+            <a:pPr algn="ctr"/>
+            <a:r>
+              <a:rPr lang="ko-KR" altLang="en-US" smtClean="0">
+                <a:solidFill>
+                  <a:schemeClr val="tx1"/>
+                </a:solidFill>
+              </a:rPr>
+              <a:t>등록날짜</a:t>
+            </a:r>
+            <a:endParaRPr lang="ko-KR" altLang="en-US">
+              <a:solidFill>
+                <a:schemeClr val="tx1"/>
+              </a:solidFill>
+            </a:endParaRPr>
+          </a:p>
+        </p:txBody>
+      </p:sp>
+      <p:sp>
+        <p:nvSpPr>
+          <p:cNvPr id="7" name="직사각형 6"/>
+          <p:cNvSpPr/>
+          <p:nvPr/>
+        </p:nvSpPr>
+        <p:spPr>
+          <a:xfrm>
+            <a:off x="1420751" y="1946366"/>
+            <a:ext cx="9627589" cy="3670663"/>
+          </a:xfrm>
+          <a:prstGeom prst="rect">
+            <a:avLst/>
+          </a:prstGeom>
+          <a:noFill/>
+          <a:ln w="25400">
+            <a:solidFill>
+              <a:schemeClr val="tx1"/>
+            </a:solidFill>
+          </a:ln>
+        </p:spPr>
+        <p:style>
+          <a:lnRef idx="2">
+            <a:schemeClr val="accent1">
+              <a:shade val="50000"/>
+            </a:schemeClr>
+          </a:lnRef>
+          <a:fillRef idx="1">
+            <a:schemeClr val="accent1"/>
+          </a:fillRef>
+          <a:effectRef idx="0">
+            <a:schemeClr val="accent1"/>
+          </a:effectRef>
+          <a:fontRef idx="minor">
+            <a:schemeClr val="lt1"/>
+          </a:fontRef>
+        </p:style>
+        <p:txBody>
+          <a:bodyPr rtlCol="0" anchor="ctr"/>
+          <a:lstStyle/>
+          <a:p>
+            <a:pPr algn="ctr"/>
+            <a:r>
+              <a:rPr lang="ko-KR" altLang="en-US" smtClean="0">
+                <a:solidFill>
+                  <a:schemeClr val="tx1"/>
+                </a:solidFill>
+              </a:rPr>
+              <a:t>후기 내용</a:t>
+            </a:r>
+            <a:endParaRPr lang="ko-KR" altLang="en-US">
+              <a:solidFill>
+                <a:schemeClr val="tx1"/>
+              </a:solidFill>
+            </a:endParaRPr>
+          </a:p>
+        </p:txBody>
+      </p:sp>
+      <p:sp>
+        <p:nvSpPr>
+          <p:cNvPr id="8" name="직사각형 7"/>
+          <p:cNvSpPr/>
+          <p:nvPr/>
+        </p:nvSpPr>
+        <p:spPr>
+          <a:xfrm>
+            <a:off x="4062548" y="5734594"/>
+            <a:ext cx="4311007" cy="522515"/>
+          </a:xfrm>
+          <a:prstGeom prst="rect">
+            <a:avLst/>
+          </a:prstGeom>
+          <a:noFill/>
+          <a:ln w="25400">
+            <a:solidFill>
+              <a:schemeClr val="tx1"/>
+            </a:solidFill>
+          </a:ln>
+        </p:spPr>
+        <p:style>
+          <a:lnRef idx="2">
+            <a:schemeClr val="accent1">
+              <a:shade val="50000"/>
+            </a:schemeClr>
+          </a:lnRef>
+          <a:fillRef idx="1">
+            <a:schemeClr val="accent1"/>
+          </a:fillRef>
+          <a:effectRef idx="0">
+            <a:schemeClr val="accent1"/>
+          </a:effectRef>
+          <a:fontRef idx="minor">
+            <a:schemeClr val="lt1"/>
+          </a:fontRef>
+        </p:style>
+        <p:txBody>
+          <a:bodyPr rtlCol="0" anchor="ctr"/>
+          <a:lstStyle/>
+          <a:p>
+            <a:pPr algn="ctr"/>
+            <a:r>
+              <a:rPr lang="ko-KR" altLang="en-US" smtClean="0">
+                <a:solidFill>
+                  <a:schemeClr val="tx1"/>
+                </a:solidFill>
+              </a:rPr>
+              <a:t>목록보기</a:t>
+            </a:r>
+            <a:endParaRPr lang="ko-KR" altLang="en-US">
+              <a:solidFill>
+                <a:schemeClr val="tx1"/>
+              </a:solidFill>
+            </a:endParaRPr>
+          </a:p>
+        </p:txBody>
+      </p:sp>
+    </p:spTree>
+    <p:extLst>
+      <p:ext uri="{BB962C8B-B14F-4D97-AF65-F5344CB8AC3E}">
+        <p14:creationId xmlns:p14="http://schemas.microsoft.com/office/powerpoint/2010/main" val="3074771721"/>
+      </p:ext>
+    </p:extLst>
+  </p:cSld>
+  <p:clrMapOvr>
+    <a:masterClrMapping/>
+  </p:clrMapOvr>
+  <p:timing>
+    <p:tnLst>
+      <p:par>
+        <p:cTn id="1" dur="indefinite" restart="never" nodeType="tmRoot"/>
+      </p:par>
+    </p:tnLst>
+  </p:timing>
+</p:sld>
+</file>
+
+<file path=ppt/slides/slide12.xml><?xml version="1.0" encoding="utf-8"?>
+<p:sld xmlns:a="http://schemas.openxmlformats.org/drawingml/2006/main" xmlns:r="http://schemas.openxmlformats.org/officeDocument/2006/relationships" xmlns:p="http://schemas.openxmlformats.org/presentationml/2006/main">
+  <p:cSld>
+    <p:spTree>
+      <p:nvGrpSpPr>
+        <p:cNvPr id="1" name=""/>
+        <p:cNvGrpSpPr/>
+        <p:nvPr/>
+      </p:nvGrpSpPr>
+      <p:grpSpPr>
+        <a:xfrm>
+          <a:off x="0" y="0"/>
+          <a:ext cx="0" cy="0"/>
+          <a:chOff x="0" y="0"/>
+          <a:chExt cx="0" cy="0"/>
+        </a:xfrm>
+      </p:grpSpPr>
+      <p:sp>
+        <p:nvSpPr>
+          <p:cNvPr id="4" name="직사각형 3"/>
+          <p:cNvSpPr/>
+          <p:nvPr/>
+        </p:nvSpPr>
+        <p:spPr>
+          <a:xfrm>
+            <a:off x="3735977" y="274320"/>
+            <a:ext cx="5042263" cy="6100354"/>
+          </a:xfrm>
+          <a:prstGeom prst="rect">
+            <a:avLst/>
+          </a:prstGeom>
+          <a:noFill/>
+          <a:ln w="25400">
+            <a:solidFill>
+              <a:schemeClr val="tx1"/>
+            </a:solidFill>
+          </a:ln>
+        </p:spPr>
+        <p:style>
+          <a:lnRef idx="2">
+            <a:schemeClr val="accent1">
+              <a:shade val="50000"/>
+            </a:schemeClr>
+          </a:lnRef>
+          <a:fillRef idx="1">
+            <a:schemeClr val="accent1"/>
+          </a:fillRef>
+          <a:effectRef idx="0">
+            <a:schemeClr val="accent1"/>
+          </a:effectRef>
+          <a:fontRef idx="minor">
+            <a:schemeClr val="lt1"/>
+          </a:fontRef>
+        </p:style>
+        <p:txBody>
+          <a:bodyPr rtlCol="0" anchor="ctr"/>
+          <a:lstStyle/>
+          <a:p>
+            <a:pPr algn="ctr"/>
+            <a:endParaRPr lang="ko-KR" altLang="en-US"/>
+          </a:p>
+        </p:txBody>
+      </p:sp>
+      <p:sp>
+        <p:nvSpPr>
+          <p:cNvPr id="5" name="TextBox 4"/>
+          <p:cNvSpPr txBox="1"/>
+          <p:nvPr/>
+        </p:nvSpPr>
+        <p:spPr>
+          <a:xfrm>
+            <a:off x="5196269" y="571334"/>
+            <a:ext cx="1651414" cy="369332"/>
+          </a:xfrm>
+          <a:prstGeom prst="rect">
+            <a:avLst/>
+          </a:prstGeom>
+          <a:noFill/>
+        </p:spPr>
+        <p:txBody>
+          <a:bodyPr wrap="none" rtlCol="0">
+            <a:spAutoFit/>
+          </a:bodyPr>
+          <a:lstStyle/>
+          <a:p>
+            <a:r>
+              <a:rPr lang="ko-KR" altLang="en-US" err="1" smtClean="0"/>
+              <a:t>세미나존</a:t>
+            </a:r>
+            <a:r>
+              <a:rPr lang="ko-KR" altLang="en-US" smtClean="0"/>
+              <a:t> 후기</a:t>
+            </a:r>
+            <a:endParaRPr lang="ko-KR" altLang="en-US"/>
+          </a:p>
+        </p:txBody>
+      </p:sp>
+      <p:graphicFrame>
+        <p:nvGraphicFramePr>
+          <p:cNvPr id="6" name="표 5"/>
+          <p:cNvGraphicFramePr>
+            <a:graphicFrameLocks noGrp="1"/>
+          </p:cNvGraphicFramePr>
+          <p:nvPr>
+            <p:extLst>
+              <p:ext uri="{D42A27DB-BD31-4B8C-83A1-F6EECF244321}">
+                <p14:modId xmlns:p14="http://schemas.microsoft.com/office/powerpoint/2010/main" val="677095620"/>
+              </p:ext>
+            </p:extLst>
+          </p:nvPr>
+        </p:nvGraphicFramePr>
+        <p:xfrm>
+          <a:off x="4153988" y="1410789"/>
+          <a:ext cx="4206240" cy="2756261"/>
+        </p:xfrm>
+        <a:graphic>
+          <a:graphicData uri="http://schemas.openxmlformats.org/drawingml/2006/table">
+            <a:tbl>
+              <a:tblPr firstRow="1" bandRow="1">
+                <a:tableStyleId>{5C22544A-7EE6-4342-B048-85BDC9FD1C3A}</a:tableStyleId>
+              </a:tblPr>
+              <a:tblGrid>
+                <a:gridCol w="549679"/>
+                <a:gridCol w="893826"/>
+                <a:gridCol w="1175835"/>
+                <a:gridCol w="846028"/>
+                <a:gridCol w="740872"/>
+              </a:tblGrid>
+              <a:tr h="476821">
+                <a:tc>
+                  <a:txBody>
+                    <a:bodyPr/>
+                    <a:lstStyle/>
+                    <a:p>
+                      <a:pPr algn="ctr" latinLnBrk="1"/>
+                      <a:r>
+                        <a:rPr lang="ko-KR" altLang="en-US" sz="1100" smtClean="0"/>
+                        <a:t>번호</a:t>
+                      </a:r>
+                      <a:endParaRPr lang="ko-KR" altLang="en-US" sz="1100"/>
+                    </a:p>
+                  </a:txBody>
+                  <a:tcPr anchor="ctr"/>
+                </a:tc>
+                <a:tc>
+                  <a:txBody>
+                    <a:bodyPr/>
+                    <a:lstStyle/>
+                    <a:p>
+                      <a:pPr algn="ctr" latinLnBrk="1"/>
+                      <a:r>
+                        <a:rPr lang="ko-KR" altLang="en-US" sz="1100" err="1" smtClean="0"/>
+                        <a:t>세미나존</a:t>
+                      </a:r>
+                      <a:r>
+                        <a:rPr lang="ko-KR" altLang="en-US" sz="1100" smtClean="0"/>
+                        <a:t> 이름</a:t>
+                      </a:r>
+                      <a:endParaRPr lang="ko-KR" altLang="en-US" sz="1100"/>
+                    </a:p>
+                  </a:txBody>
+                  <a:tcPr anchor="ctr"/>
+                </a:tc>
+                <a:tc>
+                  <a:txBody>
+                    <a:bodyPr/>
+                    <a:lstStyle/>
+                    <a:p>
+                      <a:pPr algn="ctr" latinLnBrk="1"/>
+                      <a:r>
+                        <a:rPr lang="ko-KR" altLang="en-US" sz="1100" smtClean="0"/>
+                        <a:t>세미나 타이틀</a:t>
+                      </a:r>
+                      <a:endParaRPr lang="ko-KR" altLang="en-US" sz="1100"/>
+                    </a:p>
+                  </a:txBody>
+                  <a:tcPr anchor="ctr"/>
+                </a:tc>
+                <a:tc>
+                  <a:txBody>
+                    <a:bodyPr/>
+                    <a:lstStyle/>
+                    <a:p>
+                      <a:pPr algn="ctr" latinLnBrk="1"/>
+                      <a:r>
+                        <a:rPr lang="ko-KR" altLang="en-US" sz="1100" smtClean="0"/>
+                        <a:t>날짜</a:t>
+                      </a:r>
+                      <a:endParaRPr lang="ko-KR" altLang="en-US" sz="1100"/>
+                    </a:p>
+                  </a:txBody>
+                  <a:tcPr anchor="ctr"/>
+                </a:tc>
+                <a:tc>
+                  <a:txBody>
+                    <a:bodyPr/>
+                    <a:lstStyle/>
+                    <a:p>
+                      <a:pPr algn="ctr" latinLnBrk="1"/>
+                      <a:r>
+                        <a:rPr lang="ko-KR" altLang="en-US" sz="1100" smtClean="0"/>
+                        <a:t>글쓴이</a:t>
+                      </a:r>
+                      <a:endParaRPr lang="ko-KR" altLang="en-US" sz="1100"/>
+                    </a:p>
+                  </a:txBody>
+                  <a:tcPr anchor="ctr"/>
+                </a:tc>
+              </a:tr>
+              <a:tr h="455888">
+                <a:tc>
+                  <a:txBody>
+                    <a:bodyPr/>
+                    <a:lstStyle/>
+                    <a:p>
+                      <a:pPr algn="ctr" latinLnBrk="1"/>
+                      <a:r>
+                        <a:rPr lang="en-US" altLang="ko-KR" sz="1100" smtClean="0"/>
+                        <a:t>1</a:t>
+                      </a:r>
+                      <a:endParaRPr lang="ko-KR" altLang="en-US" sz="1100"/>
+                    </a:p>
+                  </a:txBody>
+                  <a:tcPr anchor="ctr"/>
+                </a:tc>
+                <a:tc>
+                  <a:txBody>
+                    <a:bodyPr/>
+                    <a:lstStyle/>
+                    <a:p>
+                      <a:pPr algn="ctr" latinLnBrk="1"/>
+                      <a:r>
+                        <a:rPr lang="ko-KR" altLang="en-US" sz="1100" err="1" smtClean="0"/>
+                        <a:t>프리미엄존</a:t>
+                      </a:r>
+                      <a:endParaRPr lang="ko-KR" altLang="en-US" sz="1100"/>
+                    </a:p>
+                  </a:txBody>
+                  <a:tcPr anchor="ctr"/>
+                </a:tc>
+                <a:tc>
+                  <a:txBody>
+                    <a:bodyPr/>
+                    <a:lstStyle/>
+                    <a:p>
+                      <a:pPr algn="ctr" latinLnBrk="1"/>
+                      <a:r>
+                        <a:rPr lang="ko-KR" altLang="en-US" sz="1100" err="1" smtClean="0"/>
+                        <a:t>정말좋았어요</a:t>
+                      </a:r>
+                      <a:endParaRPr lang="ko-KR" altLang="en-US" sz="1100"/>
+                    </a:p>
+                  </a:txBody>
+                  <a:tcPr anchor="ctr"/>
+                </a:tc>
+                <a:tc>
+                  <a:txBody>
+                    <a:bodyPr/>
+                    <a:lstStyle/>
+                    <a:p>
+                      <a:pPr algn="ctr" latinLnBrk="1"/>
+                      <a:r>
+                        <a:rPr lang="en-US" altLang="ko-KR" sz="1100" smtClean="0"/>
+                        <a:t>2020.03.31</a:t>
+                      </a:r>
+                      <a:endParaRPr lang="ko-KR" altLang="en-US" sz="1100"/>
+                    </a:p>
+                  </a:txBody>
+                  <a:tcPr anchor="ctr"/>
+                </a:tc>
+                <a:tc>
+                  <a:txBody>
+                    <a:bodyPr/>
+                    <a:lstStyle/>
+                    <a:p>
+                      <a:pPr algn="ctr" latinLnBrk="1"/>
+                      <a:r>
+                        <a:rPr lang="en-US" altLang="ko-KR" sz="1100" err="1" smtClean="0"/>
+                        <a:t>ezenkb</a:t>
+                      </a:r>
+                      <a:endParaRPr lang="ko-KR" altLang="en-US" sz="1100"/>
+                    </a:p>
+                  </a:txBody>
+                  <a:tcPr anchor="ctr"/>
+                </a:tc>
+              </a:tr>
+              <a:tr h="455888">
+                <a:tc>
+                  <a:txBody>
+                    <a:bodyPr/>
+                    <a:lstStyle/>
+                    <a:p>
+                      <a:pPr algn="ctr" latinLnBrk="1"/>
+                      <a:r>
+                        <a:rPr lang="en-US" altLang="ko-KR" sz="1100" smtClean="0"/>
+                        <a:t>2</a:t>
+                      </a:r>
+                      <a:endParaRPr lang="ko-KR" altLang="en-US" sz="1100"/>
+                    </a:p>
+                  </a:txBody>
+                  <a:tcPr anchor="ctr"/>
+                </a:tc>
+                <a:tc>
+                  <a:txBody>
+                    <a:bodyPr/>
+                    <a:lstStyle/>
+                    <a:p>
+                      <a:pPr algn="ctr" latinLnBrk="1"/>
+                      <a:r>
+                        <a:rPr lang="ko-KR" altLang="en-US" sz="1100" err="1" smtClean="0"/>
+                        <a:t>골드존</a:t>
+                      </a:r>
+                      <a:endParaRPr lang="ko-KR" altLang="en-US" sz="1100"/>
+                    </a:p>
+                  </a:txBody>
+                  <a:tcPr anchor="ctr"/>
+                </a:tc>
+                <a:tc>
+                  <a:txBody>
+                    <a:bodyPr/>
+                    <a:lstStyle/>
+                    <a:p>
+                      <a:pPr algn="ctr" latinLnBrk="1"/>
+                      <a:r>
+                        <a:rPr lang="ko-KR" altLang="en-US" sz="1100" smtClean="0"/>
+                        <a:t>좋았습니다</a:t>
+                      </a:r>
+                      <a:endParaRPr lang="ko-KR" altLang="en-US" sz="1100"/>
+                    </a:p>
+                  </a:txBody>
+                  <a:tcPr anchor="ctr"/>
+                </a:tc>
+                <a:tc>
+                  <a:txBody>
+                    <a:bodyPr/>
+                    <a:lstStyle/>
+                    <a:p>
+                      <a:pPr algn="ctr" latinLnBrk="1"/>
+                      <a:r>
+                        <a:rPr lang="en-US" altLang="ko-KR" sz="1100" smtClean="0"/>
+                        <a:t>2020.03.31</a:t>
+                      </a:r>
+                      <a:endParaRPr lang="ko-KR" altLang="en-US" sz="1100"/>
+                    </a:p>
+                  </a:txBody>
+                  <a:tcPr anchor="ctr"/>
+                </a:tc>
+                <a:tc>
+                  <a:txBody>
+                    <a:bodyPr/>
+                    <a:lstStyle/>
+                    <a:p>
+                      <a:pPr algn="ctr" latinLnBrk="1"/>
+                      <a:r>
+                        <a:rPr lang="en-US" altLang="ko-KR" sz="1100" err="1" smtClean="0"/>
+                        <a:t>ezenkb</a:t>
+                      </a:r>
+                      <a:endParaRPr lang="ko-KR" altLang="en-US" sz="1100"/>
+                    </a:p>
+                  </a:txBody>
+                  <a:tcPr anchor="ctr"/>
+                </a:tc>
+              </a:tr>
+              <a:tr h="455888">
+                <a:tc>
+                  <a:txBody>
+                    <a:bodyPr/>
+                    <a:lstStyle/>
+                    <a:p>
+                      <a:pPr algn="ctr" latinLnBrk="1"/>
+                      <a:r>
+                        <a:rPr lang="en-US" altLang="ko-KR" sz="1100" smtClean="0"/>
+                        <a:t>3</a:t>
+                      </a:r>
+                      <a:endParaRPr lang="ko-KR" altLang="en-US" sz="1100"/>
+                    </a:p>
+                  </a:txBody>
+                  <a:tcPr anchor="ctr"/>
+                </a:tc>
+                <a:tc>
+                  <a:txBody>
+                    <a:bodyPr/>
+                    <a:lstStyle/>
+                    <a:p>
+                      <a:pPr algn="ctr" latinLnBrk="1"/>
+                      <a:r>
+                        <a:rPr lang="ko-KR" altLang="en-US" sz="1100" smtClean="0"/>
+                        <a:t>실버존</a:t>
+                      </a:r>
+                      <a:endParaRPr lang="ko-KR" altLang="en-US" sz="1100"/>
+                    </a:p>
+                  </a:txBody>
+                  <a:tcPr anchor="ctr"/>
+                </a:tc>
+                <a:tc>
+                  <a:txBody>
+                    <a:bodyPr/>
+                    <a:lstStyle/>
+                    <a:p>
+                      <a:pPr algn="ctr" latinLnBrk="1"/>
+                      <a:r>
+                        <a:rPr lang="ko-KR" altLang="en-US" sz="1100" err="1" smtClean="0"/>
+                        <a:t>정말좋았어요</a:t>
+                      </a:r>
+                      <a:endParaRPr lang="ko-KR" altLang="en-US" sz="1100"/>
+                    </a:p>
+                  </a:txBody>
+                  <a:tcPr anchor="ctr"/>
+                </a:tc>
+                <a:tc>
+                  <a:txBody>
+                    <a:bodyPr/>
+                    <a:lstStyle/>
+                    <a:p>
+                      <a:pPr algn="ctr" latinLnBrk="1"/>
+                      <a:r>
+                        <a:rPr lang="en-US" altLang="ko-KR" sz="1100" smtClean="0"/>
+                        <a:t>2020.03.31</a:t>
+                      </a:r>
+                      <a:endParaRPr lang="ko-KR" altLang="en-US" sz="1100"/>
+                    </a:p>
+                  </a:txBody>
+                  <a:tcPr anchor="ctr"/>
+                </a:tc>
+                <a:tc>
+                  <a:txBody>
+                    <a:bodyPr/>
+                    <a:lstStyle/>
+                    <a:p>
+                      <a:pPr algn="ctr" latinLnBrk="1"/>
+                      <a:r>
+                        <a:rPr lang="en-US" altLang="ko-KR" sz="1100" err="1" smtClean="0"/>
+                        <a:t>ezenkb</a:t>
+                      </a:r>
+                      <a:endParaRPr lang="ko-KR" altLang="en-US" sz="1100"/>
+                    </a:p>
+                  </a:txBody>
+                  <a:tcPr anchor="ctr"/>
+                </a:tc>
+              </a:tr>
+              <a:tr h="455888">
+                <a:tc>
+                  <a:txBody>
+                    <a:bodyPr/>
+                    <a:lstStyle/>
+                    <a:p>
+                      <a:pPr algn="ctr" latinLnBrk="1"/>
+                      <a:r>
+                        <a:rPr lang="en-US" altLang="ko-KR" sz="1100" smtClean="0"/>
+                        <a:t>4</a:t>
+                      </a:r>
+                      <a:endParaRPr lang="ko-KR" altLang="en-US" sz="1100"/>
+                    </a:p>
+                  </a:txBody>
+                  <a:tcPr anchor="ctr"/>
+                </a:tc>
+                <a:tc>
+                  <a:txBody>
+                    <a:bodyPr/>
+                    <a:lstStyle/>
+                    <a:p>
+                      <a:pPr algn="ctr" latinLnBrk="1"/>
+                      <a:r>
+                        <a:rPr lang="ko-KR" altLang="en-US" sz="1100" smtClean="0"/>
+                        <a:t>다이아몬드존</a:t>
+                      </a:r>
+                      <a:endParaRPr lang="ko-KR" altLang="en-US" sz="1100"/>
+                    </a:p>
+                  </a:txBody>
+                  <a:tcPr anchor="ctr"/>
+                </a:tc>
+                <a:tc>
+                  <a:txBody>
+                    <a:bodyPr/>
+                    <a:lstStyle/>
+                    <a:p>
+                      <a:pPr algn="ctr" latinLnBrk="1"/>
+                      <a:r>
+                        <a:rPr lang="ko-KR" altLang="en-US" sz="1100" err="1" smtClean="0"/>
+                        <a:t>정말좋았어요</a:t>
+                      </a:r>
+                      <a:endParaRPr lang="ko-KR" altLang="en-US" sz="1100"/>
+                    </a:p>
+                  </a:txBody>
+                  <a:tcPr anchor="ctr"/>
+                </a:tc>
+                <a:tc>
+                  <a:txBody>
+                    <a:bodyPr/>
+                    <a:lstStyle/>
+                    <a:p>
+                      <a:pPr algn="ctr" latinLnBrk="1"/>
+                      <a:r>
+                        <a:rPr lang="en-US" altLang="ko-KR" sz="1100" smtClean="0"/>
+                        <a:t>2020.03.31</a:t>
+                      </a:r>
+                      <a:endParaRPr lang="ko-KR" altLang="en-US" sz="1100"/>
+                    </a:p>
+                  </a:txBody>
+                  <a:tcPr anchor="ctr"/>
+                </a:tc>
+                <a:tc>
+                  <a:txBody>
+                    <a:bodyPr/>
+                    <a:lstStyle/>
+                    <a:p>
+                      <a:pPr algn="ctr" latinLnBrk="1"/>
+                      <a:r>
+                        <a:rPr lang="en-US" altLang="ko-KR" sz="1100" err="1" smtClean="0"/>
+                        <a:t>ezenkb</a:t>
+                      </a:r>
+                      <a:endParaRPr lang="ko-KR" altLang="en-US" sz="1100"/>
+                    </a:p>
+                  </a:txBody>
+                  <a:tcPr anchor="ctr"/>
+                </a:tc>
+              </a:tr>
+              <a:tr h="455888">
+                <a:tc>
+                  <a:txBody>
+                    <a:bodyPr/>
+                    <a:lstStyle/>
+                    <a:p>
+                      <a:pPr algn="ctr" latinLnBrk="1"/>
+                      <a:r>
+                        <a:rPr lang="en-US" altLang="ko-KR" sz="1100" smtClean="0"/>
+                        <a:t>5</a:t>
+                      </a:r>
+                      <a:endParaRPr lang="ko-KR" altLang="en-US" sz="1100"/>
+                    </a:p>
+                  </a:txBody>
+                  <a:tcPr anchor="ctr"/>
+                </a:tc>
+                <a:tc>
+                  <a:txBody>
+                    <a:bodyPr/>
+                    <a:lstStyle/>
+                    <a:p>
+                      <a:pPr algn="ctr" latinLnBrk="1"/>
+                      <a:r>
+                        <a:rPr lang="ko-KR" altLang="en-US" sz="1100" err="1" smtClean="0"/>
+                        <a:t>프리미엄존</a:t>
+                      </a:r>
+                      <a:endParaRPr lang="ko-KR" altLang="en-US" sz="1100"/>
+                    </a:p>
+                  </a:txBody>
+                  <a:tcPr anchor="ctr"/>
+                </a:tc>
+                <a:tc>
+                  <a:txBody>
+                    <a:bodyPr/>
+                    <a:lstStyle/>
+                    <a:p>
+                      <a:pPr algn="ctr" latinLnBrk="1"/>
+                      <a:r>
+                        <a:rPr lang="ko-KR" altLang="en-US" sz="1100" err="1" smtClean="0"/>
+                        <a:t>정말좋았어요</a:t>
+                      </a:r>
+                      <a:endParaRPr lang="ko-KR" altLang="en-US" sz="1100"/>
+                    </a:p>
+                  </a:txBody>
+                  <a:tcPr anchor="ctr"/>
+                </a:tc>
+                <a:tc>
+                  <a:txBody>
+                    <a:bodyPr/>
+                    <a:lstStyle/>
+                    <a:p>
+                      <a:pPr algn="ctr" latinLnBrk="1"/>
+                      <a:r>
+                        <a:rPr lang="en-US" altLang="ko-KR" sz="1100" smtClean="0"/>
+                        <a:t>2020.03.31</a:t>
+                      </a:r>
+                      <a:endParaRPr lang="ko-KR" altLang="en-US" sz="1100"/>
+                    </a:p>
+                  </a:txBody>
+                  <a:tcPr anchor="ctr"/>
+                </a:tc>
+                <a:tc>
+                  <a:txBody>
+                    <a:bodyPr/>
+                    <a:lstStyle/>
+                    <a:p>
+                      <a:pPr algn="ctr" latinLnBrk="1"/>
+                      <a:r>
+                        <a:rPr lang="en-US" altLang="ko-KR" sz="1100" err="1" smtClean="0"/>
+                        <a:t>ezenkb</a:t>
+                      </a:r>
+                      <a:endParaRPr lang="ko-KR" altLang="en-US" sz="1100"/>
+                    </a:p>
+                  </a:txBody>
+                  <a:tcPr anchor="ctr"/>
+                </a:tc>
+              </a:tr>
+            </a:tbl>
+          </a:graphicData>
+        </a:graphic>
+      </p:graphicFrame>
+      <p:pic>
+        <p:nvPicPr>
+          <p:cNvPr id="8" name="그림 7"/>
+          <p:cNvPicPr>
+            <a:picLocks noChangeAspect="1"/>
+          </p:cNvPicPr>
+          <p:nvPr/>
+        </p:nvPicPr>
+        <p:blipFill>
+          <a:blip r:embed="rId2"/>
+          <a:stretch>
+            <a:fillRect/>
+          </a:stretch>
+        </p:blipFill>
+        <p:spPr>
+          <a:xfrm>
+            <a:off x="4652145" y="4327610"/>
+            <a:ext cx="3209925" cy="619125"/>
+          </a:xfrm>
+          <a:prstGeom prst="rect">
+            <a:avLst/>
+          </a:prstGeom>
+        </p:spPr>
+      </p:pic>
+    </p:spTree>
+    <p:extLst>
+      <p:ext uri="{BB962C8B-B14F-4D97-AF65-F5344CB8AC3E}">
+        <p14:creationId xmlns:p14="http://schemas.microsoft.com/office/powerpoint/2010/main" val="962733116"/>
+      </p:ext>
+    </p:extLst>
+  </p:cSld>
+  <p:clrMapOvr>
+    <a:masterClrMapping/>
+  </p:clrMapOvr>
+  <p:timing>
+    <p:tnLst>
+      <p:par>
+        <p:cTn id="1" dur="indefinite" restart="never" nodeType="tmRoot"/>
+      </p:par>
+    </p:tnLst>
+  </p:timing>
+</p:sld>
+</file>
+
+<file path=ppt/slides/slide13.xml><?xml version="1.0" encoding="utf-8"?>
+<p:sld xmlns:a="http://schemas.openxmlformats.org/drawingml/2006/main" xmlns:r="http://schemas.openxmlformats.org/officeDocument/2006/relationships" xmlns:p="http://schemas.openxmlformats.org/presentationml/2006/main">
+  <p:cSld>
+    <p:spTree>
+      <p:nvGrpSpPr>
+        <p:cNvPr id="1" name=""/>
+        <p:cNvGrpSpPr/>
+        <p:nvPr/>
+      </p:nvGrpSpPr>
+      <p:grpSpPr>
+        <a:xfrm>
+          <a:off x="0" y="0"/>
+          <a:ext cx="0" cy="0"/>
+          <a:chOff x="0" y="0"/>
+          <a:chExt cx="0" cy="0"/>
+        </a:xfrm>
+      </p:grpSpPr>
+      <p:sp>
+        <p:nvSpPr>
+          <p:cNvPr id="4" name="직사각형 3"/>
+          <p:cNvSpPr/>
+          <p:nvPr/>
+        </p:nvSpPr>
+        <p:spPr>
+          <a:xfrm>
+            <a:off x="3409405" y="431075"/>
+            <a:ext cx="4036423" cy="5865223"/>
+          </a:xfrm>
+          <a:prstGeom prst="rect">
+            <a:avLst/>
+          </a:prstGeom>
+          <a:noFill/>
+          <a:ln w="25400">
+            <a:solidFill>
+              <a:schemeClr val="tx1"/>
+            </a:solidFill>
+          </a:ln>
+        </p:spPr>
+        <p:style>
+          <a:lnRef idx="2">
+            <a:schemeClr val="accent1">
+              <a:shade val="50000"/>
+            </a:schemeClr>
+          </a:lnRef>
+          <a:fillRef idx="1">
+            <a:schemeClr val="accent1"/>
+          </a:fillRef>
+          <a:effectRef idx="0">
+            <a:schemeClr val="accent1"/>
+          </a:effectRef>
+          <a:fontRef idx="minor">
+            <a:schemeClr val="lt1"/>
+          </a:fontRef>
+        </p:style>
+        <p:txBody>
+          <a:bodyPr rtlCol="0" anchor="ctr"/>
+          <a:lstStyle/>
+          <a:p>
+            <a:pPr algn="ctr"/>
+            <a:endParaRPr lang="ko-KR" altLang="en-US"/>
+          </a:p>
+        </p:txBody>
+      </p:sp>
+      <p:sp>
+        <p:nvSpPr>
+          <p:cNvPr id="5" name="직사각형 4"/>
+          <p:cNvSpPr/>
+          <p:nvPr/>
+        </p:nvSpPr>
+        <p:spPr>
+          <a:xfrm>
+            <a:off x="3657600" y="627017"/>
+            <a:ext cx="3331029" cy="483326"/>
+          </a:xfrm>
+          <a:prstGeom prst="rect">
+            <a:avLst/>
+          </a:prstGeom>
+          <a:noFill/>
+          <a:ln w="25400">
+            <a:solidFill>
+              <a:schemeClr val="tx1"/>
+            </a:solidFill>
+          </a:ln>
+        </p:spPr>
+        <p:style>
+          <a:lnRef idx="2">
+            <a:schemeClr val="accent1">
+              <a:shade val="50000"/>
+            </a:schemeClr>
+          </a:lnRef>
+          <a:fillRef idx="1">
+            <a:schemeClr val="accent1"/>
+          </a:fillRef>
+          <a:effectRef idx="0">
+            <a:schemeClr val="accent1"/>
+          </a:effectRef>
+          <a:fontRef idx="minor">
+            <a:schemeClr val="lt1"/>
+          </a:fontRef>
+        </p:style>
+        <p:txBody>
+          <a:bodyPr rtlCol="0" anchor="ctr"/>
+          <a:lstStyle/>
+          <a:p>
+            <a:pPr algn="ctr"/>
+            <a:r>
+              <a:rPr lang="ko-KR" altLang="en-US" smtClean="0">
+                <a:solidFill>
+                  <a:schemeClr val="tx1"/>
+                </a:solidFill>
+              </a:rPr>
+              <a:t>세미나 타이틀</a:t>
+            </a:r>
+            <a:endParaRPr lang="ko-KR" altLang="en-US">
+              <a:solidFill>
+                <a:schemeClr val="tx1"/>
+              </a:solidFill>
+            </a:endParaRPr>
+          </a:p>
+        </p:txBody>
+      </p:sp>
+      <p:sp>
+        <p:nvSpPr>
+          <p:cNvPr id="6" name="직사각형 5"/>
+          <p:cNvSpPr/>
+          <p:nvPr/>
+        </p:nvSpPr>
+        <p:spPr>
+          <a:xfrm>
+            <a:off x="3657600" y="1240971"/>
+            <a:ext cx="3331029" cy="483326"/>
+          </a:xfrm>
+          <a:prstGeom prst="rect">
+            <a:avLst/>
+          </a:prstGeom>
+          <a:noFill/>
+          <a:ln w="25400">
+            <a:solidFill>
+              <a:schemeClr val="tx1"/>
+            </a:solidFill>
+          </a:ln>
+        </p:spPr>
+        <p:style>
+          <a:lnRef idx="2">
+            <a:schemeClr val="accent1">
+              <a:shade val="50000"/>
+            </a:schemeClr>
+          </a:lnRef>
+          <a:fillRef idx="1">
+            <a:schemeClr val="accent1"/>
+          </a:fillRef>
+          <a:effectRef idx="0">
+            <a:schemeClr val="accent1"/>
+          </a:effectRef>
+          <a:fontRef idx="minor">
+            <a:schemeClr val="lt1"/>
+          </a:fontRef>
+        </p:style>
+        <p:txBody>
+          <a:bodyPr rtlCol="0" anchor="ctr"/>
+          <a:lstStyle/>
+          <a:p>
+            <a:pPr algn="ctr"/>
+            <a:r>
+              <a:rPr lang="ko-KR" altLang="en-US" smtClean="0">
+                <a:solidFill>
+                  <a:schemeClr val="tx1"/>
+                </a:solidFill>
+              </a:rPr>
+              <a:t>글쓴이 </a:t>
+            </a:r>
+            <a:r>
+              <a:rPr lang="en-US" altLang="ko-KR" smtClean="0">
+                <a:solidFill>
+                  <a:schemeClr val="tx1"/>
+                </a:solidFill>
+              </a:rPr>
+              <a:t>/ </a:t>
+            </a:r>
+            <a:r>
+              <a:rPr lang="ko-KR" altLang="en-US" smtClean="0">
+                <a:solidFill>
+                  <a:schemeClr val="tx1"/>
+                </a:solidFill>
+              </a:rPr>
+              <a:t>등록날짜</a:t>
+            </a:r>
+            <a:endParaRPr lang="ko-KR" altLang="en-US">
+              <a:solidFill>
+                <a:schemeClr val="tx1"/>
+              </a:solidFill>
+            </a:endParaRPr>
+          </a:p>
+        </p:txBody>
+      </p:sp>
+      <p:sp>
+        <p:nvSpPr>
+          <p:cNvPr id="7" name="직사각형 6"/>
+          <p:cNvSpPr/>
+          <p:nvPr/>
+        </p:nvSpPr>
+        <p:spPr>
+          <a:xfrm>
+            <a:off x="3657599" y="1854925"/>
+            <a:ext cx="3331029" cy="2429692"/>
+          </a:xfrm>
+          <a:prstGeom prst="rect">
+            <a:avLst/>
+          </a:prstGeom>
+          <a:noFill/>
+          <a:ln w="25400">
+            <a:solidFill>
+              <a:schemeClr val="tx1"/>
+            </a:solidFill>
+          </a:ln>
+        </p:spPr>
+        <p:style>
+          <a:lnRef idx="2">
+            <a:schemeClr val="accent1">
+              <a:shade val="50000"/>
+            </a:schemeClr>
+          </a:lnRef>
+          <a:fillRef idx="1">
+            <a:schemeClr val="accent1"/>
+          </a:fillRef>
+          <a:effectRef idx="0">
+            <a:schemeClr val="accent1"/>
+          </a:effectRef>
+          <a:fontRef idx="minor">
+            <a:schemeClr val="lt1"/>
+          </a:fontRef>
+        </p:style>
+        <p:txBody>
+          <a:bodyPr rtlCol="0" anchor="ctr"/>
+          <a:lstStyle/>
+          <a:p>
+            <a:pPr algn="ctr"/>
+            <a:r>
+              <a:rPr lang="ko-KR" altLang="en-US" smtClean="0">
+                <a:solidFill>
+                  <a:schemeClr val="tx1"/>
+                </a:solidFill>
+              </a:rPr>
+              <a:t>후기 내용</a:t>
+            </a:r>
+            <a:endParaRPr lang="ko-KR" altLang="en-US">
+              <a:solidFill>
+                <a:schemeClr val="tx1"/>
+              </a:solidFill>
+            </a:endParaRPr>
+          </a:p>
+        </p:txBody>
+      </p:sp>
+      <p:sp>
+        <p:nvSpPr>
+          <p:cNvPr id="8" name="직사각형 7"/>
+          <p:cNvSpPr/>
+          <p:nvPr/>
+        </p:nvSpPr>
+        <p:spPr>
+          <a:xfrm>
+            <a:off x="3657600" y="4898571"/>
+            <a:ext cx="3331029" cy="483326"/>
+          </a:xfrm>
+          <a:prstGeom prst="rect">
+            <a:avLst/>
+          </a:prstGeom>
+          <a:noFill/>
+          <a:ln w="25400">
+            <a:solidFill>
+              <a:schemeClr val="tx1"/>
+            </a:solidFill>
+          </a:ln>
+        </p:spPr>
+        <p:style>
+          <a:lnRef idx="2">
+            <a:schemeClr val="accent1">
+              <a:shade val="50000"/>
+            </a:schemeClr>
+          </a:lnRef>
+          <a:fillRef idx="1">
+            <a:schemeClr val="accent1"/>
+          </a:fillRef>
+          <a:effectRef idx="0">
+            <a:schemeClr val="accent1"/>
+          </a:effectRef>
+          <a:fontRef idx="minor">
+            <a:schemeClr val="lt1"/>
+          </a:fontRef>
+        </p:style>
+        <p:txBody>
+          <a:bodyPr rtlCol="0" anchor="ctr"/>
+          <a:lstStyle/>
+          <a:p>
+            <a:pPr algn="ctr"/>
+            <a:r>
+              <a:rPr lang="ko-KR" altLang="en-US" smtClean="0">
+                <a:solidFill>
+                  <a:schemeClr val="tx1"/>
+                </a:solidFill>
+              </a:rPr>
+              <a:t>목록내용</a:t>
+            </a:r>
+            <a:endParaRPr lang="ko-KR" altLang="en-US">
+              <a:solidFill>
+                <a:schemeClr val="tx1"/>
+              </a:solidFill>
+            </a:endParaRPr>
+          </a:p>
+        </p:txBody>
+      </p:sp>
+    </p:spTree>
+    <p:extLst>
+      <p:ext uri="{BB962C8B-B14F-4D97-AF65-F5344CB8AC3E}">
+        <p14:creationId xmlns:p14="http://schemas.microsoft.com/office/powerpoint/2010/main" val="3268793221"/>
+      </p:ext>
+    </p:extLst>
+  </p:cSld>
+  <p:clrMapOvr>
+    <a:masterClrMapping/>
+  </p:clrMapOvr>
+  <p:timing>
+    <p:tnLst>
+      <p:par>
+        <p:cTn id="1" dur="indefinite" restart="never" nodeType="tmRoot"/>
+      </p:par>
+    </p:tnLst>
+  </p:timing>
+</p:sld>
+</file>
+
+<file path=ppt/slides/slide14.xml><?xml version="1.0" encoding="utf-8"?>
+<p:sld xmlns:a="http://schemas.openxmlformats.org/drawingml/2006/main" xmlns:r="http://schemas.openxmlformats.org/officeDocument/2006/relationships" xmlns:p="http://schemas.openxmlformats.org/presentationml/2006/main">
+  <p:cSld>
+    <p:spTree>
+      <p:nvGrpSpPr>
+        <p:cNvPr id="1" name=""/>
+        <p:cNvGrpSpPr/>
+        <p:nvPr/>
+      </p:nvGrpSpPr>
+      <p:grpSpPr>
+        <a:xfrm>
+          <a:off x="0" y="0"/>
+          <a:ext cx="0" cy="0"/>
+          <a:chOff x="0" y="0"/>
+          <a:chExt cx="0" cy="0"/>
+        </a:xfrm>
+      </p:grpSpPr>
+      <p:graphicFrame>
+        <p:nvGraphicFramePr>
+          <p:cNvPr id="5" name="표 4"/>
+          <p:cNvGraphicFramePr>
+            <a:graphicFrameLocks noGrp="1"/>
+          </p:cNvGraphicFramePr>
+          <p:nvPr>
+            <p:extLst>
+              <p:ext uri="{D42A27DB-BD31-4B8C-83A1-F6EECF244321}">
+                <p14:modId xmlns:p14="http://schemas.microsoft.com/office/powerpoint/2010/main" val="3715512570"/>
+              </p:ext>
+            </p:extLst>
+          </p:nvPr>
+        </p:nvGraphicFramePr>
+        <p:xfrm>
+          <a:off x="2227943" y="2039015"/>
+          <a:ext cx="8128000" cy="2988492"/>
+        </p:xfrm>
+        <a:graphic>
+          <a:graphicData uri="http://schemas.openxmlformats.org/drawingml/2006/table">
+            <a:tbl>
+              <a:tblPr firstRow="1" bandRow="1">
+                <a:tableStyleId>{5C22544A-7EE6-4342-B048-85BDC9FD1C3A}</a:tableStyleId>
+              </a:tblPr>
+              <a:tblGrid>
+                <a:gridCol w="2032000"/>
+                <a:gridCol w="2032000"/>
+                <a:gridCol w="2032000"/>
+                <a:gridCol w="2032000"/>
+              </a:tblGrid>
+              <a:tr h="498082">
+                <a:tc>
+                  <a:txBody>
+                    <a:bodyPr/>
+                    <a:lstStyle/>
+                    <a:p>
+                      <a:pPr algn="ctr" latinLnBrk="1"/>
+                      <a:r>
+                        <a:rPr lang="ko-KR" altLang="en-US" smtClean="0"/>
+                        <a:t>아이디</a:t>
+                      </a:r>
+                      <a:endParaRPr lang="ko-KR" altLang="en-US"/>
+                    </a:p>
+                  </a:txBody>
+                  <a:tcPr anchor="ctr"/>
+                </a:tc>
+                <a:tc>
+                  <a:txBody>
+                    <a:bodyPr/>
+                    <a:lstStyle/>
+                    <a:p>
+                      <a:pPr algn="ctr" latinLnBrk="1"/>
+                      <a:r>
+                        <a:rPr lang="ko-KR" altLang="en-US" smtClean="0"/>
+                        <a:t>이름</a:t>
+                      </a:r>
+                      <a:endParaRPr lang="ko-KR" altLang="en-US"/>
+                    </a:p>
+                  </a:txBody>
+                  <a:tcPr anchor="ctr"/>
+                </a:tc>
+                <a:tc>
+                  <a:txBody>
+                    <a:bodyPr/>
+                    <a:lstStyle/>
+                    <a:p>
+                      <a:pPr algn="ctr" latinLnBrk="1"/>
+                      <a:r>
+                        <a:rPr lang="ko-KR" altLang="en-US" smtClean="0"/>
+                        <a:t>수정</a:t>
+                      </a:r>
+                      <a:endParaRPr lang="ko-KR" altLang="en-US"/>
+                    </a:p>
+                  </a:txBody>
+                  <a:tcPr anchor="ctr"/>
+                </a:tc>
+                <a:tc>
+                  <a:txBody>
+                    <a:bodyPr/>
+                    <a:lstStyle/>
+                    <a:p>
+                      <a:pPr algn="ctr" latinLnBrk="1"/>
+                      <a:r>
+                        <a:rPr lang="ko-KR" altLang="en-US" smtClean="0"/>
+                        <a:t>상태</a:t>
+                      </a:r>
+                      <a:endParaRPr lang="ko-KR" altLang="en-US"/>
+                    </a:p>
+                  </a:txBody>
+                  <a:tcPr anchor="ctr"/>
+                </a:tc>
+              </a:tr>
+              <a:tr h="498082">
+                <a:tc>
+                  <a:txBody>
+                    <a:bodyPr/>
+                    <a:lstStyle/>
+                    <a:p>
+                      <a:pPr algn="ctr" latinLnBrk="1"/>
+                      <a:r>
+                        <a:rPr lang="en-US" altLang="ko-KR" smtClean="0"/>
+                        <a:t>Ezenkb77</a:t>
+                      </a:r>
+                      <a:endParaRPr lang="ko-KR" altLang="en-US"/>
+                    </a:p>
+                  </a:txBody>
+                  <a:tcPr anchor="ctr"/>
+                </a:tc>
+                <a:tc>
+                  <a:txBody>
+                    <a:bodyPr/>
+                    <a:lstStyle/>
+                    <a:p>
+                      <a:pPr algn="ctr" latinLnBrk="1"/>
+                      <a:r>
+                        <a:rPr lang="ko-KR" altLang="en-US" smtClean="0"/>
+                        <a:t>권기범</a:t>
+                      </a:r>
+                      <a:endParaRPr lang="ko-KR" altLang="en-US"/>
+                    </a:p>
+                  </a:txBody>
+                  <a:tcPr anchor="ctr"/>
+                </a:tc>
+                <a:tc>
+                  <a:txBody>
+                    <a:bodyPr/>
+                    <a:lstStyle/>
+                    <a:p>
+                      <a:pPr algn="ctr" latinLnBrk="1"/>
+                      <a:r>
+                        <a:rPr lang="ko-KR" altLang="en-US" smtClean="0"/>
+                        <a:t>수정</a:t>
+                      </a:r>
+                      <a:endParaRPr lang="ko-KR" altLang="en-US"/>
+                    </a:p>
+                  </a:txBody>
+                  <a:tcPr anchor="ctr"/>
+                </a:tc>
+                <a:tc>
+                  <a:txBody>
+                    <a:bodyPr/>
+                    <a:lstStyle/>
+                    <a:p>
+                      <a:pPr algn="ctr" latinLnBrk="1"/>
+                      <a:r>
+                        <a:rPr lang="ko-KR" altLang="en-US" smtClean="0"/>
+                        <a:t>활성화</a:t>
+                      </a:r>
+                      <a:endParaRPr lang="ko-KR" altLang="en-US"/>
+                    </a:p>
+                  </a:txBody>
+                  <a:tcPr anchor="ctr"/>
+                </a:tc>
+              </a:tr>
+              <a:tr h="498082">
+                <a:tc>
+                  <a:txBody>
+                    <a:bodyPr/>
+                    <a:lstStyle/>
+                    <a:p>
+                      <a:pPr algn="ctr" latinLnBrk="1"/>
+                      <a:r>
+                        <a:rPr lang="en-US" altLang="ko-KR" smtClean="0"/>
+                        <a:t>Ezenht77</a:t>
+                      </a:r>
+                      <a:endParaRPr lang="ko-KR" altLang="en-US"/>
+                    </a:p>
+                  </a:txBody>
+                  <a:tcPr anchor="ctr"/>
+                </a:tc>
+                <a:tc>
+                  <a:txBody>
+                    <a:bodyPr/>
+                    <a:lstStyle/>
+                    <a:p>
+                      <a:pPr algn="ctr" latinLnBrk="1"/>
+                      <a:r>
+                        <a:rPr lang="ko-KR" altLang="en-US" smtClean="0"/>
+                        <a:t>김현태</a:t>
+                      </a:r>
+                      <a:endParaRPr lang="ko-KR" altLang="en-US"/>
+                    </a:p>
+                  </a:txBody>
+                  <a:tcPr anchor="ctr"/>
+                </a:tc>
+                <a:tc>
+                  <a:txBody>
+                    <a:bodyPr/>
+                    <a:lstStyle/>
+                    <a:p>
+                      <a:pPr algn="ctr" latinLnBrk="1"/>
+                      <a:r>
+                        <a:rPr lang="ko-KR" altLang="en-US" smtClean="0"/>
+                        <a:t>수정</a:t>
+                      </a:r>
+                      <a:endParaRPr lang="ko-KR" altLang="en-US"/>
+                    </a:p>
+                  </a:txBody>
+                  <a:tcPr anchor="ctr"/>
+                </a:tc>
+                <a:tc>
+                  <a:txBody>
+                    <a:bodyPr/>
+                    <a:lstStyle/>
+                    <a:p>
+                      <a:pPr algn="ctr" latinLnBrk="1"/>
+                      <a:r>
+                        <a:rPr lang="ko-KR" altLang="en-US" smtClean="0"/>
+                        <a:t>활성화</a:t>
+                      </a:r>
+                      <a:endParaRPr lang="ko-KR" altLang="en-US"/>
+                    </a:p>
+                  </a:txBody>
+                  <a:tcPr anchor="ctr"/>
+                </a:tc>
+              </a:tr>
+              <a:tr h="498082">
+                <a:tc>
+                  <a:txBody>
+                    <a:bodyPr/>
+                    <a:lstStyle/>
+                    <a:p>
+                      <a:pPr algn="ctr" latinLnBrk="1"/>
+                      <a:r>
+                        <a:rPr lang="en-US" altLang="ko-KR" smtClean="0"/>
+                        <a:t>Ezenhj77</a:t>
+                      </a:r>
+                      <a:endParaRPr lang="ko-KR" altLang="en-US"/>
+                    </a:p>
+                  </a:txBody>
+                  <a:tcPr anchor="ctr"/>
+                </a:tc>
+                <a:tc>
+                  <a:txBody>
+                    <a:bodyPr/>
+                    <a:lstStyle/>
+                    <a:p>
+                      <a:pPr algn="ctr" latinLnBrk="1"/>
+                      <a:r>
+                        <a:rPr lang="ko-KR" altLang="en-US" smtClean="0"/>
+                        <a:t>이형준</a:t>
+                      </a:r>
+                      <a:endParaRPr lang="ko-KR" altLang="en-US"/>
+                    </a:p>
+                  </a:txBody>
+                  <a:tcPr anchor="ctr"/>
+                </a:tc>
+                <a:tc>
+                  <a:txBody>
+                    <a:bodyPr/>
+                    <a:lstStyle/>
+                    <a:p>
+                      <a:pPr algn="ctr" latinLnBrk="1"/>
+                      <a:r>
+                        <a:rPr lang="ko-KR" altLang="en-US" smtClean="0"/>
+                        <a:t>수정</a:t>
+                      </a:r>
+                      <a:endParaRPr lang="ko-KR" altLang="en-US"/>
+                    </a:p>
+                  </a:txBody>
+                  <a:tcPr anchor="ctr"/>
+                </a:tc>
+                <a:tc>
+                  <a:txBody>
+                    <a:bodyPr/>
+                    <a:lstStyle/>
+                    <a:p>
+                      <a:pPr algn="ctr" latinLnBrk="1"/>
+                      <a:r>
+                        <a:rPr lang="ko-KR" altLang="en-US" smtClean="0"/>
+                        <a:t>활성화</a:t>
+                      </a:r>
+                      <a:endParaRPr lang="ko-KR" altLang="en-US"/>
+                    </a:p>
+                  </a:txBody>
+                  <a:tcPr anchor="ctr"/>
+                </a:tc>
+              </a:tr>
+              <a:tr h="498082">
+                <a:tc>
+                  <a:txBody>
+                    <a:bodyPr/>
+                    <a:lstStyle/>
+                    <a:p>
+                      <a:pPr algn="ctr" latinLnBrk="1"/>
+                      <a:r>
+                        <a:rPr lang="en-US" altLang="ko-KR" smtClean="0"/>
+                        <a:t>Ezensh77</a:t>
+                      </a:r>
+                      <a:endParaRPr lang="ko-KR" altLang="en-US"/>
+                    </a:p>
+                  </a:txBody>
+                  <a:tcPr anchor="ctr"/>
+                </a:tc>
+                <a:tc>
+                  <a:txBody>
+                    <a:bodyPr/>
+                    <a:lstStyle/>
+                    <a:p>
+                      <a:pPr algn="ctr" latinLnBrk="1"/>
+                      <a:r>
+                        <a:rPr lang="ko-KR" altLang="en-US" smtClean="0"/>
+                        <a:t>유서희</a:t>
+                      </a:r>
+                      <a:endParaRPr lang="ko-KR" altLang="en-US"/>
+                    </a:p>
+                  </a:txBody>
+                  <a:tcPr anchor="ctr"/>
+                </a:tc>
+                <a:tc>
+                  <a:txBody>
+                    <a:bodyPr/>
+                    <a:lstStyle/>
+                    <a:p>
+                      <a:pPr algn="ctr" latinLnBrk="1"/>
+                      <a:r>
+                        <a:rPr lang="ko-KR" altLang="en-US" smtClean="0"/>
+                        <a:t>수정</a:t>
+                      </a:r>
+                      <a:endParaRPr lang="ko-KR" altLang="en-US"/>
+                    </a:p>
+                  </a:txBody>
+                  <a:tcPr anchor="ctr"/>
+                </a:tc>
+                <a:tc>
+                  <a:txBody>
+                    <a:bodyPr/>
+                    <a:lstStyle/>
+                    <a:p>
+                      <a:pPr algn="ctr" latinLnBrk="1"/>
+                      <a:r>
+                        <a:rPr lang="ko-KR" altLang="en-US" smtClean="0"/>
+                        <a:t>활성화</a:t>
+                      </a:r>
+                      <a:endParaRPr lang="ko-KR" altLang="en-US"/>
+                    </a:p>
+                  </a:txBody>
+                  <a:tcPr anchor="ctr"/>
+                </a:tc>
+              </a:tr>
+              <a:tr h="498082">
+                <a:tc>
+                  <a:txBody>
+                    <a:bodyPr/>
+                    <a:lstStyle/>
+                    <a:p>
+                      <a:pPr algn="ctr" latinLnBrk="1"/>
+                      <a:r>
+                        <a:rPr lang="en-US" altLang="ko-KR" smtClean="0"/>
+                        <a:t>Ezenys77</a:t>
+                      </a:r>
+                      <a:endParaRPr lang="ko-KR" altLang="en-US"/>
+                    </a:p>
+                  </a:txBody>
+                  <a:tcPr anchor="ctr"/>
+                </a:tc>
+                <a:tc>
+                  <a:txBody>
+                    <a:bodyPr/>
+                    <a:lstStyle/>
+                    <a:p>
+                      <a:pPr algn="ctr" latinLnBrk="1"/>
+                      <a:r>
+                        <a:rPr lang="ko-KR" altLang="en-US" smtClean="0"/>
+                        <a:t>김용승</a:t>
+                      </a:r>
+                      <a:endParaRPr lang="ko-KR" altLang="en-US"/>
+                    </a:p>
+                  </a:txBody>
+                  <a:tcPr anchor="ctr"/>
+                </a:tc>
+                <a:tc>
+                  <a:txBody>
+                    <a:bodyPr/>
+                    <a:lstStyle/>
+                    <a:p>
+                      <a:pPr algn="ctr" latinLnBrk="1"/>
+                      <a:r>
+                        <a:rPr lang="ko-KR" altLang="en-US" smtClean="0"/>
+                        <a:t>수정</a:t>
+                      </a:r>
+                      <a:endParaRPr lang="ko-KR" altLang="en-US"/>
+                    </a:p>
+                  </a:txBody>
+                  <a:tcPr anchor="ctr"/>
+                </a:tc>
+                <a:tc>
+                  <a:txBody>
+                    <a:bodyPr/>
+                    <a:lstStyle/>
+                    <a:p>
+                      <a:pPr algn="ctr" latinLnBrk="1"/>
+                      <a:r>
+                        <a:rPr lang="ko-KR" altLang="en-US" smtClean="0"/>
+                        <a:t>비활성화</a:t>
+                      </a:r>
+                      <a:endParaRPr lang="ko-KR" altLang="en-US"/>
+                    </a:p>
+                  </a:txBody>
+                  <a:tcPr anchor="ctr"/>
+                </a:tc>
+              </a:tr>
+            </a:tbl>
+          </a:graphicData>
+        </a:graphic>
+      </p:graphicFrame>
+      <p:sp>
+        <p:nvSpPr>
+          <p:cNvPr id="6" name="TextBox 5"/>
+          <p:cNvSpPr txBox="1"/>
+          <p:nvPr/>
+        </p:nvSpPr>
+        <p:spPr>
+          <a:xfrm>
+            <a:off x="2227943" y="1267097"/>
+            <a:ext cx="1415772" cy="461665"/>
+          </a:xfrm>
+          <a:prstGeom prst="rect">
+            <a:avLst/>
+          </a:prstGeom>
+          <a:noFill/>
+        </p:spPr>
+        <p:txBody>
+          <a:bodyPr wrap="none" rtlCol="0">
+            <a:spAutoFit/>
+          </a:bodyPr>
+          <a:lstStyle/>
+          <a:p>
+            <a:r>
+              <a:rPr lang="ko-KR" altLang="en-US" sz="2400" smtClean="0"/>
+              <a:t>회원정보</a:t>
+            </a:r>
+            <a:endParaRPr lang="ko-KR" altLang="en-US" sz="2400"/>
+          </a:p>
+        </p:txBody>
+      </p:sp>
+    </p:spTree>
+    <p:extLst>
+      <p:ext uri="{BB962C8B-B14F-4D97-AF65-F5344CB8AC3E}">
+        <p14:creationId xmlns:p14="http://schemas.microsoft.com/office/powerpoint/2010/main" val="4247573446"/>
+      </p:ext>
+    </p:extLst>
+  </p:cSld>
+  <p:clrMapOvr>
+    <a:masterClrMapping/>
+  </p:clrMapOvr>
+  <p:timing>
+    <p:tnLst>
+      <p:par>
+        <p:cTn id="1" dur="indefinite" restart="never" nodeType="tmRoot"/>
+      </p:par>
+    </p:tnLst>
+  </p:timing>
+</p:sld>
+</file>
+
+<file path=ppt/slides/slide15.xml><?xml version="1.0" encoding="utf-8"?>
+<p:sld xmlns:a="http://schemas.openxmlformats.org/drawingml/2006/main" xmlns:r="http://schemas.openxmlformats.org/officeDocument/2006/relationships" xmlns:p="http://schemas.openxmlformats.org/presentationml/2006/main">
+  <p:cSld>
+    <p:spTree>
+      <p:nvGrpSpPr>
+        <p:cNvPr id="1" name=""/>
+        <p:cNvGrpSpPr/>
+        <p:nvPr/>
+      </p:nvGrpSpPr>
+      <p:grpSpPr>
+        <a:xfrm>
+          <a:off x="0" y="0"/>
+          <a:ext cx="0" cy="0"/>
+          <a:chOff x="0" y="0"/>
+          <a:chExt cx="0" cy="0"/>
+        </a:xfrm>
+      </p:grpSpPr>
+      <p:graphicFrame>
+        <p:nvGraphicFramePr>
+          <p:cNvPr id="4" name="표 3"/>
+          <p:cNvGraphicFramePr>
+            <a:graphicFrameLocks noGrp="1"/>
+          </p:cNvGraphicFramePr>
+          <p:nvPr>
+            <p:extLst>
+              <p:ext uri="{D42A27DB-BD31-4B8C-83A1-F6EECF244321}">
+                <p14:modId xmlns:p14="http://schemas.microsoft.com/office/powerpoint/2010/main" val="951036568"/>
+              </p:ext>
+            </p:extLst>
+          </p:nvPr>
+        </p:nvGraphicFramePr>
+        <p:xfrm>
+          <a:off x="2227941" y="2039015"/>
+          <a:ext cx="8624787" cy="2490410"/>
+        </p:xfrm>
+        <a:graphic>
+          <a:graphicData uri="http://schemas.openxmlformats.org/drawingml/2006/table">
+            <a:tbl>
+              <a:tblPr firstRow="1" bandRow="1">
+                <a:tableStyleId>{5C22544A-7EE6-4342-B048-85BDC9FD1C3A}</a:tableStyleId>
+              </a:tblPr>
+              <a:tblGrid>
+                <a:gridCol w="2874929"/>
+                <a:gridCol w="2874929"/>
+                <a:gridCol w="2874929"/>
+              </a:tblGrid>
+              <a:tr h="498082">
+                <a:tc>
+                  <a:txBody>
+                    <a:bodyPr/>
+                    <a:lstStyle/>
+                    <a:p>
+                      <a:pPr algn="ctr" latinLnBrk="1"/>
+                      <a:r>
+                        <a:rPr lang="ko-KR" altLang="en-US" smtClean="0"/>
+                        <a:t>세미나존</a:t>
+                      </a:r>
+                      <a:endParaRPr lang="ko-KR" altLang="en-US"/>
+                    </a:p>
+                  </a:txBody>
+                  <a:tcPr anchor="ctr"/>
+                </a:tc>
+                <a:tc>
+                  <a:txBody>
+                    <a:bodyPr/>
+                    <a:lstStyle/>
+                    <a:p>
+                      <a:pPr algn="ctr" latinLnBrk="1"/>
+                      <a:r>
+                        <a:rPr lang="ko-KR" altLang="en-US" sz="1800" smtClean="0"/>
+                        <a:t>최근 업데이트 날짜</a:t>
+                      </a:r>
+                      <a:endParaRPr lang="ko-KR" altLang="en-US" sz="1800"/>
+                    </a:p>
+                  </a:txBody>
+                  <a:tcPr anchor="ctr"/>
+                </a:tc>
+                <a:tc>
+                  <a:txBody>
+                    <a:bodyPr/>
+                    <a:lstStyle/>
+                    <a:p>
+                      <a:pPr algn="ctr" latinLnBrk="1"/>
+                      <a:r>
+                        <a:rPr lang="ko-KR" altLang="en-US" smtClean="0"/>
+                        <a:t>수정</a:t>
+                      </a:r>
+                      <a:endParaRPr lang="ko-KR" altLang="en-US"/>
+                    </a:p>
+                  </a:txBody>
+                  <a:tcPr anchor="ctr"/>
+                </a:tc>
+              </a:tr>
+              <a:tr h="498082">
+                <a:tc>
+                  <a:txBody>
+                    <a:bodyPr/>
+                    <a:lstStyle/>
+                    <a:p>
+                      <a:pPr algn="ctr" latinLnBrk="1"/>
+                      <a:r>
+                        <a:rPr lang="ko-KR" altLang="en-US" smtClean="0"/>
+                        <a:t>다이아몬드존</a:t>
+                      </a:r>
+                      <a:endParaRPr lang="ko-KR" altLang="en-US"/>
+                    </a:p>
+                  </a:txBody>
+                  <a:tcPr anchor="ctr"/>
+                </a:tc>
+                <a:tc>
+                  <a:txBody>
+                    <a:bodyPr/>
+                    <a:lstStyle/>
+                    <a:p>
+                      <a:pPr algn="ctr" latinLnBrk="1"/>
+                      <a:r>
+                        <a:rPr lang="en-US" altLang="ko-KR" smtClean="0"/>
+                        <a:t>2020.03.30</a:t>
+                      </a:r>
+                      <a:endParaRPr lang="ko-KR" altLang="en-US"/>
+                    </a:p>
+                  </a:txBody>
+                  <a:tcPr anchor="ctr"/>
+                </a:tc>
+                <a:tc>
+                  <a:txBody>
+                    <a:bodyPr/>
+                    <a:lstStyle/>
+                    <a:p>
+                      <a:pPr algn="ctr" latinLnBrk="1"/>
+                      <a:r>
+                        <a:rPr lang="ko-KR" altLang="en-US" smtClean="0"/>
+                        <a:t>수정</a:t>
+                      </a:r>
+                      <a:endParaRPr lang="ko-KR" altLang="en-US"/>
+                    </a:p>
+                  </a:txBody>
+                  <a:tcPr anchor="ctr"/>
+                </a:tc>
+              </a:tr>
+              <a:tr h="498082">
+                <a:tc>
+                  <a:txBody>
+                    <a:bodyPr/>
+                    <a:lstStyle/>
+                    <a:p>
+                      <a:pPr algn="ctr" latinLnBrk="1"/>
+                      <a:r>
+                        <a:rPr lang="ko-KR" altLang="en-US" smtClean="0"/>
+                        <a:t>프리미엄존</a:t>
+                      </a:r>
+                      <a:endParaRPr lang="ko-KR" altLang="en-US"/>
+                    </a:p>
+                  </a:txBody>
+                  <a:tcPr anchor="ctr"/>
+                </a:tc>
+                <a:tc>
+                  <a:txBody>
+                    <a:bodyPr/>
+                    <a:lstStyle/>
+                    <a:p>
+                      <a:pPr algn="ctr" latinLnBrk="1"/>
+                      <a:r>
+                        <a:rPr lang="en-US" altLang="ko-KR" smtClean="0"/>
+                        <a:t>2020.03.31</a:t>
+                      </a:r>
+                      <a:endParaRPr lang="ko-KR" altLang="en-US"/>
+                    </a:p>
+                  </a:txBody>
+                  <a:tcPr anchor="ctr"/>
+                </a:tc>
+                <a:tc>
+                  <a:txBody>
+                    <a:bodyPr/>
+                    <a:lstStyle/>
+                    <a:p>
+                      <a:pPr algn="ctr" latinLnBrk="1"/>
+                      <a:r>
+                        <a:rPr lang="ko-KR" altLang="en-US" smtClean="0"/>
+                        <a:t>수정</a:t>
+                      </a:r>
+                      <a:endParaRPr lang="ko-KR" altLang="en-US"/>
+                    </a:p>
+                  </a:txBody>
+                  <a:tcPr anchor="ctr"/>
+                </a:tc>
+              </a:tr>
+              <a:tr h="498082">
+                <a:tc>
+                  <a:txBody>
+                    <a:bodyPr/>
+                    <a:lstStyle/>
+                    <a:p>
+                      <a:pPr algn="ctr" latinLnBrk="1"/>
+                      <a:r>
+                        <a:rPr lang="ko-KR" altLang="en-US" smtClean="0"/>
+                        <a:t>골드존</a:t>
+                      </a:r>
+                      <a:endParaRPr lang="ko-KR" altLang="en-US"/>
+                    </a:p>
+                  </a:txBody>
+                  <a:tcPr anchor="ctr"/>
+                </a:tc>
+                <a:tc>
+                  <a:txBody>
+                    <a:bodyPr/>
+                    <a:lstStyle/>
+                    <a:p>
+                      <a:pPr algn="ctr" latinLnBrk="1"/>
+                      <a:r>
+                        <a:rPr lang="en-US" altLang="ko-KR" smtClean="0"/>
+                        <a:t>2020.03.29</a:t>
+                      </a:r>
+                      <a:endParaRPr lang="ko-KR" altLang="en-US"/>
+                    </a:p>
+                  </a:txBody>
+                  <a:tcPr anchor="ctr"/>
+                </a:tc>
+                <a:tc>
+                  <a:txBody>
+                    <a:bodyPr/>
+                    <a:lstStyle/>
+                    <a:p>
+                      <a:pPr algn="ctr" latinLnBrk="1"/>
+                      <a:r>
+                        <a:rPr lang="ko-KR" altLang="en-US" smtClean="0"/>
+                        <a:t>수정</a:t>
+                      </a:r>
+                      <a:endParaRPr lang="ko-KR" altLang="en-US"/>
+                    </a:p>
+                  </a:txBody>
+                  <a:tcPr anchor="ctr"/>
+                </a:tc>
+              </a:tr>
+              <a:tr h="498082">
+                <a:tc>
+                  <a:txBody>
+                    <a:bodyPr/>
+                    <a:lstStyle/>
+                    <a:p>
+                      <a:pPr algn="ctr" latinLnBrk="1"/>
+                      <a:r>
+                        <a:rPr lang="ko-KR" altLang="en-US" smtClean="0"/>
+                        <a:t>실버존</a:t>
+                      </a:r>
+                      <a:endParaRPr lang="ko-KR" altLang="en-US"/>
+                    </a:p>
+                  </a:txBody>
+                  <a:tcPr anchor="ctr"/>
+                </a:tc>
+                <a:tc>
+                  <a:txBody>
+                    <a:bodyPr/>
+                    <a:lstStyle/>
+                    <a:p>
+                      <a:pPr algn="ctr" latinLnBrk="1"/>
+                      <a:r>
+                        <a:rPr lang="en-US" altLang="ko-KR" smtClean="0"/>
+                        <a:t>2020.03.30</a:t>
+                      </a:r>
+                      <a:endParaRPr lang="ko-KR" altLang="en-US"/>
+                    </a:p>
+                  </a:txBody>
+                  <a:tcPr anchor="ctr"/>
+                </a:tc>
+                <a:tc>
+                  <a:txBody>
+                    <a:bodyPr/>
+                    <a:lstStyle/>
+                    <a:p>
+                      <a:pPr algn="ctr" latinLnBrk="1"/>
+                      <a:r>
+                        <a:rPr lang="ko-KR" altLang="en-US" smtClean="0"/>
+                        <a:t>수정</a:t>
+                      </a:r>
+                      <a:endParaRPr lang="ko-KR" altLang="en-US"/>
+                    </a:p>
+                  </a:txBody>
+                  <a:tcPr anchor="ctr"/>
+                </a:tc>
+              </a:tr>
+            </a:tbl>
+          </a:graphicData>
+        </a:graphic>
+      </p:graphicFrame>
+      <p:sp>
+        <p:nvSpPr>
+          <p:cNvPr id="5" name="TextBox 4"/>
+          <p:cNvSpPr txBox="1"/>
+          <p:nvPr/>
+        </p:nvSpPr>
+        <p:spPr>
+          <a:xfrm>
+            <a:off x="2227941" y="1487054"/>
+            <a:ext cx="1733167" cy="369332"/>
+          </a:xfrm>
+          <a:prstGeom prst="rect">
+            <a:avLst/>
+          </a:prstGeom>
+          <a:noFill/>
+        </p:spPr>
+        <p:txBody>
+          <a:bodyPr wrap="none" rtlCol="0">
+            <a:spAutoFit/>
+          </a:bodyPr>
+          <a:lstStyle/>
+          <a:p>
+            <a:r>
+              <a:rPr lang="ko-KR" altLang="en-US" smtClean="0"/>
+              <a:t>대관 시설 관리</a:t>
+            </a:r>
+            <a:endParaRPr lang="ko-KR" altLang="en-US"/>
+          </a:p>
+        </p:txBody>
+      </p:sp>
+    </p:spTree>
+    <p:extLst>
+      <p:ext uri="{BB962C8B-B14F-4D97-AF65-F5344CB8AC3E}">
+        <p14:creationId xmlns:p14="http://schemas.microsoft.com/office/powerpoint/2010/main" val="1788562963"/>
+      </p:ext>
+    </p:extLst>
+  </p:cSld>
+  <p:clrMapOvr>
+    <a:masterClrMapping/>
+  </p:clrMapOvr>
+  <p:timing>
+    <p:tnLst>
+      <p:par>
+        <p:cTn id="1" dur="indefinite" restart="never" nodeType="tmRoot"/>
+      </p:par>
+    </p:tnLst>
+  </p:timing>
+</p:sld>
+</file>
+
+<file path=ppt/slides/slide16.xml><?xml version="1.0" encoding="utf-8"?>
+<p:sld xmlns:a="http://schemas.openxmlformats.org/drawingml/2006/main" xmlns:r="http://schemas.openxmlformats.org/officeDocument/2006/relationships" xmlns:p="http://schemas.openxmlformats.org/presentationml/2006/main">
+  <p:cSld>
+    <p:spTree>
+      <p:nvGrpSpPr>
+        <p:cNvPr id="1" name=""/>
+        <p:cNvGrpSpPr/>
+        <p:nvPr/>
+      </p:nvGrpSpPr>
+      <p:grpSpPr>
+        <a:xfrm>
+          <a:off x="0" y="0"/>
+          <a:ext cx="0" cy="0"/>
+          <a:chOff x="0" y="0"/>
+          <a:chExt cx="0" cy="0"/>
+        </a:xfrm>
+      </p:grpSpPr>
+      <p:sp>
+        <p:nvSpPr>
+          <p:cNvPr id="4" name="직사각형 3"/>
+          <p:cNvSpPr/>
+          <p:nvPr/>
+        </p:nvSpPr>
+        <p:spPr>
+          <a:xfrm>
+            <a:off x="1588655" y="212436"/>
+            <a:ext cx="8820727" cy="6299200"/>
+          </a:xfrm>
+          <a:prstGeom prst="rect">
+            <a:avLst/>
+          </a:prstGeom>
+          <a:noFill/>
+          <a:ln w="25400">
+            <a:solidFill>
+              <a:schemeClr val="tx1"/>
+            </a:solidFill>
+          </a:ln>
+        </p:spPr>
+        <p:style>
+          <a:lnRef idx="2">
+            <a:schemeClr val="accent1">
+              <a:shade val="50000"/>
+            </a:schemeClr>
+          </a:lnRef>
+          <a:fillRef idx="1">
+            <a:schemeClr val="accent1"/>
+          </a:fillRef>
+          <a:effectRef idx="0">
+            <a:schemeClr val="accent1"/>
+          </a:effectRef>
+          <a:fontRef idx="minor">
+            <a:schemeClr val="lt1"/>
+          </a:fontRef>
+        </p:style>
+        <p:txBody>
+          <a:bodyPr rtlCol="0" anchor="ctr"/>
+          <a:lstStyle/>
+          <a:p>
+            <a:pPr algn="ctr"/>
+            <a:endParaRPr lang="ko-KR" altLang="en-US"/>
+          </a:p>
+        </p:txBody>
+      </p:sp>
+      <p:sp>
+        <p:nvSpPr>
+          <p:cNvPr id="5" name="TextBox 4"/>
+          <p:cNvSpPr txBox="1"/>
+          <p:nvPr/>
+        </p:nvSpPr>
+        <p:spPr>
+          <a:xfrm>
+            <a:off x="4985894" y="383370"/>
+            <a:ext cx="1338828" cy="369332"/>
+          </a:xfrm>
+          <a:prstGeom prst="rect">
+            <a:avLst/>
+          </a:prstGeom>
+          <a:noFill/>
+        </p:spPr>
+        <p:txBody>
+          <a:bodyPr wrap="none" rtlCol="0">
+            <a:spAutoFit/>
+          </a:bodyPr>
+          <a:lstStyle/>
+          <a:p>
+            <a:r>
+              <a:rPr lang="ko-KR" altLang="en-US" smtClean="0"/>
+              <a:t>프리미엄존</a:t>
+            </a:r>
+            <a:endParaRPr lang="ko-KR" altLang="en-US"/>
+          </a:p>
+        </p:txBody>
+      </p:sp>
+      <p:sp>
+        <p:nvSpPr>
+          <p:cNvPr id="6" name="직사각형 5"/>
+          <p:cNvSpPr/>
+          <p:nvPr/>
+        </p:nvSpPr>
+        <p:spPr>
+          <a:xfrm>
+            <a:off x="2378363" y="923636"/>
+            <a:ext cx="3620655" cy="563419"/>
+          </a:xfrm>
+          <a:prstGeom prst="rect">
+            <a:avLst/>
+          </a:prstGeom>
+        </p:spPr>
+        <p:style>
+          <a:lnRef idx="2">
+            <a:schemeClr val="accent1">
+              <a:shade val="50000"/>
+            </a:schemeClr>
+          </a:lnRef>
+          <a:fillRef idx="1">
+            <a:schemeClr val="accent1"/>
+          </a:fillRef>
+          <a:effectRef idx="0">
+            <a:schemeClr val="accent1"/>
+          </a:effectRef>
+          <a:fontRef idx="minor">
+            <a:schemeClr val="lt1"/>
+          </a:fontRef>
+        </p:style>
+        <p:txBody>
+          <a:bodyPr rtlCol="0" anchor="ctr"/>
+          <a:lstStyle/>
+          <a:p>
+            <a:pPr algn="ctr"/>
+            <a:r>
+              <a:rPr lang="ko-KR" altLang="en-US" smtClean="0"/>
+              <a:t>이미지 등록</a:t>
+            </a:r>
+            <a:endParaRPr lang="ko-KR" altLang="en-US"/>
+          </a:p>
+        </p:txBody>
+      </p:sp>
+      <p:sp>
+        <p:nvSpPr>
+          <p:cNvPr id="8" name="TextBox 7"/>
+          <p:cNvSpPr txBox="1"/>
+          <p:nvPr/>
+        </p:nvSpPr>
+        <p:spPr>
+          <a:xfrm>
+            <a:off x="2324319" y="1655649"/>
+            <a:ext cx="1189749" cy="369332"/>
+          </a:xfrm>
+          <a:prstGeom prst="rect">
+            <a:avLst/>
+          </a:prstGeom>
+          <a:noFill/>
+        </p:spPr>
+        <p:txBody>
+          <a:bodyPr wrap="none" rtlCol="0">
+            <a:spAutoFit/>
+          </a:bodyPr>
+          <a:lstStyle/>
+          <a:p>
+            <a:r>
+              <a:rPr lang="ko-KR" altLang="en-US" smtClean="0"/>
+              <a:t>공간 소개</a:t>
+            </a:r>
+            <a:endParaRPr lang="ko-KR" altLang="en-US"/>
+          </a:p>
+        </p:txBody>
+      </p:sp>
+      <p:sp>
+        <p:nvSpPr>
+          <p:cNvPr id="9" name="직사각형 8"/>
+          <p:cNvSpPr/>
+          <p:nvPr/>
+        </p:nvSpPr>
+        <p:spPr>
+          <a:xfrm>
+            <a:off x="2406072" y="2101211"/>
+            <a:ext cx="6271491" cy="740324"/>
+          </a:xfrm>
+          <a:prstGeom prst="rect">
+            <a:avLst/>
+          </a:prstGeom>
+          <a:noFill/>
+          <a:ln w="25400">
+            <a:solidFill>
+              <a:schemeClr val="tx1"/>
+            </a:solidFill>
+          </a:ln>
+        </p:spPr>
+        <p:style>
+          <a:lnRef idx="2">
+            <a:schemeClr val="accent1">
+              <a:shade val="50000"/>
+            </a:schemeClr>
+          </a:lnRef>
+          <a:fillRef idx="1">
+            <a:schemeClr val="accent1"/>
+          </a:fillRef>
+          <a:effectRef idx="0">
+            <a:schemeClr val="accent1"/>
+          </a:effectRef>
+          <a:fontRef idx="minor">
+            <a:schemeClr val="lt1"/>
+          </a:fontRef>
+        </p:style>
+        <p:txBody>
+          <a:bodyPr rtlCol="0" anchor="ctr"/>
+          <a:lstStyle/>
+          <a:p>
+            <a:pPr algn="ctr"/>
+            <a:endParaRPr lang="ko-KR" altLang="en-US"/>
+          </a:p>
+        </p:txBody>
+      </p:sp>
+      <p:sp>
+        <p:nvSpPr>
+          <p:cNvPr id="10" name="TextBox 9"/>
+          <p:cNvSpPr txBox="1"/>
+          <p:nvPr/>
+        </p:nvSpPr>
+        <p:spPr>
+          <a:xfrm>
+            <a:off x="2365195" y="2917765"/>
+            <a:ext cx="1107996" cy="369332"/>
+          </a:xfrm>
+          <a:prstGeom prst="rect">
+            <a:avLst/>
+          </a:prstGeom>
+          <a:noFill/>
+        </p:spPr>
+        <p:txBody>
+          <a:bodyPr wrap="none" rtlCol="0">
+            <a:spAutoFit/>
+          </a:bodyPr>
+          <a:lstStyle/>
+          <a:p>
+            <a:r>
+              <a:rPr lang="ko-KR" altLang="en-US" smtClean="0"/>
+              <a:t>주의사항</a:t>
+            </a:r>
+            <a:endParaRPr lang="ko-KR" altLang="en-US"/>
+          </a:p>
+        </p:txBody>
+      </p:sp>
+      <p:sp>
+        <p:nvSpPr>
+          <p:cNvPr id="11" name="직사각형 10"/>
+          <p:cNvSpPr/>
+          <p:nvPr/>
+        </p:nvSpPr>
+        <p:spPr>
+          <a:xfrm>
+            <a:off x="2406072" y="3417454"/>
+            <a:ext cx="6271491" cy="741127"/>
+          </a:xfrm>
+          <a:prstGeom prst="rect">
+            <a:avLst/>
+          </a:prstGeom>
+          <a:noFill/>
+          <a:ln w="25400">
+            <a:solidFill>
+              <a:schemeClr val="tx1"/>
+            </a:solidFill>
+          </a:ln>
+        </p:spPr>
+        <p:style>
+          <a:lnRef idx="2">
+            <a:schemeClr val="accent1">
+              <a:shade val="50000"/>
+            </a:schemeClr>
+          </a:lnRef>
+          <a:fillRef idx="1">
+            <a:schemeClr val="accent1"/>
+          </a:fillRef>
+          <a:effectRef idx="0">
+            <a:schemeClr val="accent1"/>
+          </a:effectRef>
+          <a:fontRef idx="minor">
+            <a:schemeClr val="lt1"/>
+          </a:fontRef>
+        </p:style>
+        <p:txBody>
+          <a:bodyPr rtlCol="0" anchor="ctr"/>
+          <a:lstStyle/>
+          <a:p>
+            <a:pPr algn="ctr"/>
+            <a:endParaRPr lang="ko-KR" altLang="en-US"/>
+          </a:p>
+        </p:txBody>
+      </p:sp>
+      <p:sp>
+        <p:nvSpPr>
+          <p:cNvPr id="12" name="TextBox 11"/>
+          <p:cNvSpPr txBox="1"/>
+          <p:nvPr/>
+        </p:nvSpPr>
+        <p:spPr>
+          <a:xfrm>
+            <a:off x="2411376" y="4275510"/>
+            <a:ext cx="1107996" cy="369332"/>
+          </a:xfrm>
+          <a:prstGeom prst="rect">
+            <a:avLst/>
+          </a:prstGeom>
+          <a:noFill/>
+        </p:spPr>
+        <p:txBody>
+          <a:bodyPr wrap="none" rtlCol="0">
+            <a:spAutoFit/>
+          </a:bodyPr>
+          <a:lstStyle/>
+          <a:p>
+            <a:r>
+              <a:rPr lang="ko-KR" altLang="en-US" smtClean="0"/>
+              <a:t>환불규정</a:t>
+            </a:r>
+            <a:endParaRPr lang="ko-KR" altLang="en-US"/>
+          </a:p>
+        </p:txBody>
+      </p:sp>
+      <p:sp>
+        <p:nvSpPr>
+          <p:cNvPr id="13" name="직사각형 12"/>
+          <p:cNvSpPr/>
+          <p:nvPr/>
+        </p:nvSpPr>
+        <p:spPr>
+          <a:xfrm>
+            <a:off x="2387599" y="4636654"/>
+            <a:ext cx="6271491" cy="741127"/>
+          </a:xfrm>
+          <a:prstGeom prst="rect">
+            <a:avLst/>
+          </a:prstGeom>
+          <a:noFill/>
+          <a:ln w="25400">
+            <a:solidFill>
+              <a:schemeClr val="tx1"/>
+            </a:solidFill>
+          </a:ln>
+        </p:spPr>
+        <p:style>
+          <a:lnRef idx="2">
+            <a:schemeClr val="accent1">
+              <a:shade val="50000"/>
+            </a:schemeClr>
+          </a:lnRef>
+          <a:fillRef idx="1">
+            <a:schemeClr val="accent1"/>
+          </a:fillRef>
+          <a:effectRef idx="0">
+            <a:schemeClr val="accent1"/>
+          </a:effectRef>
+          <a:fontRef idx="minor">
+            <a:schemeClr val="lt1"/>
+          </a:fontRef>
+        </p:style>
+        <p:txBody>
+          <a:bodyPr rtlCol="0" anchor="ctr"/>
+          <a:lstStyle/>
+          <a:p>
+            <a:pPr algn="ctr"/>
+            <a:endParaRPr lang="ko-KR" altLang="en-US"/>
+          </a:p>
+        </p:txBody>
+      </p:sp>
+      <p:sp>
+        <p:nvSpPr>
+          <p:cNvPr id="14" name="직사각형 13"/>
+          <p:cNvSpPr/>
+          <p:nvPr/>
+        </p:nvSpPr>
+        <p:spPr>
+          <a:xfrm>
+            <a:off x="3699163" y="5652654"/>
+            <a:ext cx="3620655" cy="563419"/>
+          </a:xfrm>
+          <a:prstGeom prst="rect">
+            <a:avLst/>
+          </a:prstGeom>
+        </p:spPr>
+        <p:style>
+          <a:lnRef idx="2">
+            <a:schemeClr val="accent1">
+              <a:shade val="50000"/>
+            </a:schemeClr>
+          </a:lnRef>
+          <a:fillRef idx="1">
+            <a:schemeClr val="accent1"/>
+          </a:fillRef>
+          <a:effectRef idx="0">
+            <a:schemeClr val="accent1"/>
+          </a:effectRef>
+          <a:fontRef idx="minor">
+            <a:schemeClr val="lt1"/>
+          </a:fontRef>
+        </p:style>
+        <p:txBody>
+          <a:bodyPr rtlCol="0" anchor="ctr"/>
+          <a:lstStyle/>
+          <a:p>
+            <a:pPr algn="ctr"/>
+            <a:r>
+              <a:rPr lang="ko-KR" altLang="en-US" smtClean="0"/>
+              <a:t>수정</a:t>
+            </a:r>
+            <a:endParaRPr lang="ko-KR" altLang="en-US"/>
+          </a:p>
+        </p:txBody>
+      </p:sp>
+    </p:spTree>
+    <p:extLst>
+      <p:ext uri="{BB962C8B-B14F-4D97-AF65-F5344CB8AC3E}">
+        <p14:creationId xmlns:p14="http://schemas.microsoft.com/office/powerpoint/2010/main" val="4018499996"/>
+      </p:ext>
+    </p:extLst>
+  </p:cSld>
+  <p:clrMapOvr>
+    <a:masterClrMapping/>
+  </p:clrMapOvr>
+  <p:timing>
+    <p:tnLst>
+      <p:par>
+        <p:cTn id="1" dur="indefinite" restart="never" nodeType="tmRoot"/>
+      </p:par>
+    </p:tnLst>
+  </p:timing>
 </p:sld>
 </file>
 
@@ -4063,11 +7559,11 @@
           <a:lstStyle/>
           <a:p>
             <a:r>
-              <a:rPr lang="ko-KR" altLang="en-US" dirty="0" err="1" smtClean="0"/>
+              <a:rPr lang="ko-KR" altLang="en-US" err="1" smtClean="0"/>
               <a:t>세미나존</a:t>
             </a:r>
             <a:r>
-              <a:rPr lang="ko-KR" altLang="en-US" dirty="0"/>
+              <a:rPr lang="ko-KR" altLang="en-US"/>
               <a:t> </a:t>
             </a:r>
           </a:p>
@@ -4166,10 +7662,10 @@
           <a:lstStyle/>
           <a:p>
             <a:r>
-              <a:rPr lang="ko-KR" altLang="en-US" dirty="0" smtClean="0"/>
+              <a:rPr lang="ko-KR" altLang="en-US" smtClean="0"/>
               <a:t>추천 세미나 </a:t>
             </a:r>
-            <a:endParaRPr lang="ko-KR" altLang="en-US" dirty="0"/>
+            <a:endParaRPr lang="ko-KR" altLang="en-US"/>
           </a:p>
         </p:txBody>
       </p:sp>
@@ -4207,6 +7703,13 @@
   <p:clrMapOvr>
     <a:masterClrMapping/>
   </p:clrMapOvr>
+  <p:timing>
+    <p:tnLst>
+      <p:par>
+        <p:cTn id="1" dur="indefinite" restart="never" nodeType="tmRoot"/>
+      </p:par>
+    </p:tnLst>
+  </p:timing>
 </p:sld>
 </file>
 
@@ -4352,14 +7855,14 @@
           <a:lstStyle/>
           <a:p>
             <a:r>
-              <a:rPr lang="ko-KR" altLang="en-US" dirty="0" smtClean="0"/>
+              <a:rPr lang="ko-KR" altLang="en-US" smtClean="0"/>
               <a:t>아이디 </a:t>
             </a:r>
             <a:r>
-              <a:rPr lang="en-US" altLang="ko-KR" dirty="0" smtClean="0"/>
+              <a:rPr lang="en-US" altLang="ko-KR" smtClean="0"/>
               <a:t>: </a:t>
             </a:r>
-            <a:endParaRPr lang="ko-KR" altLang="en-US" dirty="0"/>
+            <a:endParaRPr lang="ko-KR" altLang="en-US"/>
           </a:p>
         </p:txBody>
       </p:sp>
@@ -4436,10 +7939,10 @@
               <a:t>비밀번호 </a:t>
             </a:r>
             <a:r>
-              <a:rPr lang="en-US" altLang="ko-KR" dirty="0" smtClean="0"/>
+              <a:rPr lang="en-US" altLang="ko-KR" smtClean="0"/>
               <a:t>: </a:t>
             </a:r>
-            <a:endParaRPr lang="ko-KR" altLang="en-US" dirty="0"/>
+            <a:endParaRPr lang="ko-KR" altLang="en-US"/>
           </a:p>
         </p:txBody>
       </p:sp>
@@ -4526,10 +8029,10 @@
           <a:p>
             <a:pPr algn="ctr"/>
             <a:r>
-              <a:rPr lang="ko-KR" altLang="en-US" dirty="0" smtClean="0"/>
+              <a:rPr lang="ko-KR" altLang="en-US" smtClean="0"/>
               <a:t>로그인</a:t>
             </a:r>
-            <a:endParaRPr lang="ko-KR" altLang="en-US" dirty="0"/>
+            <a:endParaRPr lang="ko-KR" altLang="en-US"/>
           </a:p>
         </p:txBody>
       </p:sp>
@@ -4604,18 +8107,18 @@
           <a:lstStyle/>
           <a:p>
             <a:r>
-              <a:rPr lang="ko-KR" altLang="en-US" dirty="0" smtClean="0"/>
+              <a:rPr lang="ko-KR" altLang="en-US" smtClean="0"/>
               <a:t>아이디 </a:t>
             </a:r>
             <a:r>
-              <a:rPr lang="en-US" altLang="ko-KR" dirty="0" smtClean="0"/>
+              <a:rPr lang="en-US" altLang="ko-KR" smtClean="0"/>
               <a:t>/ </a:t>
             </a:r>
             <a:r>
-              <a:rPr lang="ko-KR" altLang="en-US" dirty="0" smtClean="0"/>
+              <a:rPr lang="ko-KR" altLang="en-US" smtClean="0"/>
               <a:t>비밀번호 찾기</a:t>
             </a:r>
-            <a:endParaRPr lang="ko-KR" altLang="en-US" dirty="0"/>
+            <a:endParaRPr lang="ko-KR" altLang="en-US"/>
           </a:p>
         </p:txBody>
       </p:sp>
@@ -4642,10 +8145,10 @@
           <a:lstStyle/>
           <a:p>
             <a:r>
-              <a:rPr lang="ko-KR" altLang="en-US" sz="1400" u="sng" dirty="0" smtClean="0"/>
+              <a:rPr lang="ko-KR" altLang="en-US" sz="1400" u="sng" smtClean="0"/>
               <a:t>회 원 가 입</a:t>
             </a:r>
-            <a:endParaRPr lang="ko-KR" altLang="en-US" sz="1400" u="sng" dirty="0"/>
+            <a:endParaRPr lang="ko-KR" altLang="en-US" sz="1400" u="sng"/>
           </a:p>
         </p:txBody>
       </p:sp>
@@ -4768,14 +8271,14 @@
           <a:p>
             <a:pPr algn="ctr"/>
             <a:r>
-              <a:rPr lang="ko-KR" altLang="en-US" dirty="0" smtClean="0">
+              <a:rPr lang="ko-KR" altLang="en-US" smtClean="0">
                 <a:solidFill>
                   <a:schemeClr val="tx1"/>
                 </a:solidFill>
               </a:rPr>
               <a:t>로고</a:t>
             </a:r>
-            <a:endParaRPr lang="ko-KR" altLang="en-US" dirty="0">
+            <a:endParaRPr lang="ko-KR" altLang="en-US">
               <a:solidFill>
                 <a:schemeClr val="tx1"/>
               </a:solidFill>
@@ -4880,14 +8383,14 @@
           <a:p>
             <a:pPr algn="ctr"/>
             <a:r>
-              <a:rPr lang="ko-KR" altLang="en-US" dirty="0" smtClean="0">
+              <a:rPr lang="ko-KR" altLang="en-US" smtClean="0">
                 <a:solidFill>
                   <a:schemeClr val="tx1"/>
                 </a:solidFill>
               </a:rPr>
               <a:t>배너</a:t>
             </a:r>
-            <a:endParaRPr lang="ko-KR" altLang="en-US" dirty="0">
+            <a:endParaRPr lang="ko-KR" altLang="en-US">
               <a:solidFill>
                 <a:schemeClr val="tx1"/>
               </a:solidFill>
@@ -4945,7 +8448,7 @@
               </a:rPr>
               <a:t>세미나존</a:t>
             </a:r>
-            <a:endParaRPr lang="ko-KR" altLang="en-US" dirty="0">
+            <a:endParaRPr lang="ko-KR" altLang="en-US">
               <a:solidFill>
                 <a:schemeClr val="tx1"/>
               </a:solidFill>
@@ -4996,14 +8499,14 @@
           <a:p>
             <a:pPr algn="ctr"/>
             <a:r>
-              <a:rPr lang="ko-KR" altLang="en-US" dirty="0" smtClean="0">
+              <a:rPr lang="ko-KR" altLang="en-US" smtClean="0">
                 <a:solidFill>
                   <a:schemeClr val="tx1"/>
                 </a:solidFill>
               </a:rPr>
               <a:t>추천 세미나</a:t>
             </a:r>
-            <a:endParaRPr lang="ko-KR" altLang="en-US" dirty="0">
+            <a:endParaRPr lang="ko-KR" altLang="en-US">
               <a:solidFill>
                 <a:schemeClr val="tx1"/>
               </a:solidFill>
@@ -5110,14 +8613,14 @@
           <a:lstStyle/>
           <a:p>
             <a:r>
-              <a:rPr lang="ko-KR" altLang="en-US" dirty="0" smtClean="0"/>
+              <a:rPr lang="ko-KR" altLang="en-US" smtClean="0"/>
               <a:t>아이디 </a:t>
             </a:r>
             <a:r>
-              <a:rPr lang="en-US" altLang="ko-KR" dirty="0" smtClean="0"/>
+              <a:rPr lang="en-US" altLang="ko-KR" smtClean="0"/>
               <a:t>: </a:t>
             </a:r>
-            <a:endParaRPr lang="ko-KR" altLang="en-US" dirty="0"/>
+            <a:endParaRPr lang="ko-KR" altLang="en-US"/>
           </a:p>
         </p:txBody>
       </p:sp>
@@ -5194,10 +8697,10 @@
               <a:t>비밀번호 </a:t>
             </a:r>
             <a:r>
-              <a:rPr lang="en-US" altLang="ko-KR" sz="1600" dirty="0" smtClean="0"/>
+              <a:rPr lang="en-US" altLang="ko-KR" sz="1600" smtClean="0"/>
               <a:t>: </a:t>
             </a:r>
-            <a:endParaRPr lang="ko-KR" altLang="en-US" sz="1600" dirty="0"/>
+            <a:endParaRPr lang="ko-KR" altLang="en-US" sz="1600"/>
           </a:p>
         </p:txBody>
       </p:sp>
@@ -5284,10 +8787,10 @@
           <a:p>
             <a:pPr algn="ctr"/>
             <a:r>
-              <a:rPr lang="ko-KR" altLang="en-US" dirty="0" smtClean="0"/>
+              <a:rPr lang="ko-KR" altLang="en-US" smtClean="0"/>
               <a:t>로그인</a:t>
             </a:r>
-            <a:endParaRPr lang="ko-KR" altLang="en-US" dirty="0"/>
+            <a:endParaRPr lang="ko-KR" altLang="en-US"/>
           </a:p>
         </p:txBody>
       </p:sp>
@@ -5362,18 +8865,18 @@
           <a:lstStyle/>
           <a:p>
             <a:r>
-              <a:rPr lang="ko-KR" altLang="en-US" dirty="0" smtClean="0"/>
+              <a:rPr lang="ko-KR" altLang="en-US" smtClean="0"/>
               <a:t>아이디 </a:t>
             </a:r>
             <a:r>
-              <a:rPr lang="en-US" altLang="ko-KR" dirty="0" smtClean="0"/>
+              <a:rPr lang="en-US" altLang="ko-KR" smtClean="0"/>
               <a:t>/ </a:t>
             </a:r>
             <a:r>
-              <a:rPr lang="ko-KR" altLang="en-US" dirty="0" smtClean="0"/>
+              <a:rPr lang="ko-KR" altLang="en-US" smtClean="0"/>
               <a:t>비밀번호 찾기</a:t>
             </a:r>
-            <a:endParaRPr lang="ko-KR" altLang="en-US" dirty="0"/>
+            <a:endParaRPr lang="ko-KR" altLang="en-US"/>
           </a:p>
         </p:txBody>
       </p:sp>
@@ -5400,10 +8903,10 @@
           <a:lstStyle/>
           <a:p>
             <a:r>
-              <a:rPr lang="ko-KR" altLang="en-US" sz="1400" u="sng" dirty="0" smtClean="0"/>
+              <a:rPr lang="ko-KR" altLang="en-US" sz="1400" u="sng" smtClean="0"/>
               <a:t>회 원 가 입</a:t>
             </a:r>
-            <a:endParaRPr lang="ko-KR" altLang="en-US" sz="1400" u="sng" dirty="0"/>
+            <a:endParaRPr lang="ko-KR" altLang="en-US" sz="1400" u="sng"/>
           </a:p>
         </p:txBody>
       </p:sp>
@@ -5417,6 +8920,1430 @@
   <p:clrMapOvr>
     <a:masterClrMapping/>
   </p:clrMapOvr>
+  <p:timing>
+    <p:tnLst>
+      <p:par>
+        <p:cTn id="1" dur="indefinite" restart="never" nodeType="tmRoot"/>
+      </p:par>
+    </p:tnLst>
+  </p:timing>
+</p:sld>
+</file>
+
+<file path=ppt/slides/slide7.xml><?xml version="1.0" encoding="utf-8"?>
+<p:sld xmlns:a="http://schemas.openxmlformats.org/drawingml/2006/main" xmlns:r="http://schemas.openxmlformats.org/officeDocument/2006/relationships" xmlns:p="http://schemas.openxmlformats.org/presentationml/2006/main">
+  <p:cSld>
+    <p:spTree>
+      <p:nvGrpSpPr>
+        <p:cNvPr id="1" name=""/>
+        <p:cNvGrpSpPr/>
+        <p:nvPr/>
+      </p:nvGrpSpPr>
+      <p:grpSpPr>
+        <a:xfrm>
+          <a:off x="0" y="0"/>
+          <a:ext cx="0" cy="0"/>
+          <a:chOff x="0" y="0"/>
+          <a:chExt cx="0" cy="0"/>
+        </a:xfrm>
+      </p:grpSpPr>
+      <p:sp>
+        <p:nvSpPr>
+          <p:cNvPr id="4" name="직사각형 3"/>
+          <p:cNvSpPr/>
+          <p:nvPr/>
+        </p:nvSpPr>
+        <p:spPr>
+          <a:xfrm>
+            <a:off x="955589" y="329513"/>
+            <a:ext cx="9951308" cy="6302196"/>
+          </a:xfrm>
+          <a:prstGeom prst="rect">
+            <a:avLst/>
+          </a:prstGeom>
+          <a:noFill/>
+          <a:ln w="25400">
+            <a:solidFill>
+              <a:schemeClr val="tx1"/>
+            </a:solidFill>
+          </a:ln>
+        </p:spPr>
+        <p:style>
+          <a:lnRef idx="2">
+            <a:schemeClr val="accent1">
+              <a:shade val="50000"/>
+            </a:schemeClr>
+          </a:lnRef>
+          <a:fillRef idx="1">
+            <a:schemeClr val="accent1"/>
+          </a:fillRef>
+          <a:effectRef idx="0">
+            <a:schemeClr val="accent1"/>
+          </a:effectRef>
+          <a:fontRef idx="minor">
+            <a:schemeClr val="lt1"/>
+          </a:fontRef>
+        </p:style>
+        <p:txBody>
+          <a:bodyPr rtlCol="0" anchor="ctr"/>
+          <a:lstStyle/>
+          <a:p>
+            <a:pPr algn="ctr"/>
+            <a:endParaRPr lang="ko-KR" altLang="en-US"/>
+          </a:p>
+        </p:txBody>
+      </p:sp>
+      <p:sp>
+        <p:nvSpPr>
+          <p:cNvPr id="5" name="직사각형 4"/>
+          <p:cNvSpPr/>
+          <p:nvPr/>
+        </p:nvSpPr>
+        <p:spPr>
+          <a:xfrm>
+            <a:off x="1216892" y="1434128"/>
+            <a:ext cx="9392569" cy="1607128"/>
+          </a:xfrm>
+          <a:prstGeom prst="rect">
+            <a:avLst/>
+          </a:prstGeom>
+          <a:noFill/>
+          <a:ln w="25400">
+            <a:solidFill>
+              <a:schemeClr val="tx1"/>
+            </a:solidFill>
+          </a:ln>
+        </p:spPr>
+        <p:style>
+          <a:lnRef idx="2">
+            <a:schemeClr val="accent1">
+              <a:shade val="50000"/>
+            </a:schemeClr>
+          </a:lnRef>
+          <a:fillRef idx="1">
+            <a:schemeClr val="accent1"/>
+          </a:fillRef>
+          <a:effectRef idx="0">
+            <a:schemeClr val="accent1"/>
+          </a:effectRef>
+          <a:fontRef idx="minor">
+            <a:schemeClr val="lt1"/>
+          </a:fontRef>
+        </p:style>
+        <p:txBody>
+          <a:bodyPr rtlCol="0" anchor="ctr"/>
+          <a:lstStyle/>
+          <a:p>
+            <a:pPr algn="ctr"/>
+            <a:r>
+              <a:rPr lang="ko-KR" altLang="en-US" smtClean="0">
+                <a:solidFill>
+                  <a:schemeClr val="tx1"/>
+                </a:solidFill>
+              </a:rPr>
+              <a:t>이미지</a:t>
+            </a:r>
+            <a:endParaRPr lang="ko-KR" altLang="en-US">
+              <a:solidFill>
+                <a:schemeClr val="tx1"/>
+              </a:solidFill>
+            </a:endParaRPr>
+          </a:p>
+        </p:txBody>
+      </p:sp>
+      <p:sp>
+        <p:nvSpPr>
+          <p:cNvPr id="10" name="직사각형 9"/>
+          <p:cNvSpPr/>
+          <p:nvPr/>
+        </p:nvSpPr>
+        <p:spPr>
+          <a:xfrm>
+            <a:off x="1253025" y="3169564"/>
+            <a:ext cx="9356436" cy="942109"/>
+          </a:xfrm>
+          <a:prstGeom prst="rect">
+            <a:avLst/>
+          </a:prstGeom>
+          <a:noFill/>
+          <a:ln w="25400">
+            <a:solidFill>
+              <a:schemeClr val="tx1"/>
+            </a:solidFill>
+          </a:ln>
+        </p:spPr>
+        <p:style>
+          <a:lnRef idx="2">
+            <a:schemeClr val="accent1">
+              <a:shade val="50000"/>
+            </a:schemeClr>
+          </a:lnRef>
+          <a:fillRef idx="1">
+            <a:schemeClr val="accent1"/>
+          </a:fillRef>
+          <a:effectRef idx="0">
+            <a:schemeClr val="accent1"/>
+          </a:effectRef>
+          <a:fontRef idx="minor">
+            <a:schemeClr val="lt1"/>
+          </a:fontRef>
+        </p:style>
+        <p:txBody>
+          <a:bodyPr rtlCol="0" anchor="ctr"/>
+          <a:lstStyle/>
+          <a:p>
+            <a:pPr algn="ctr"/>
+            <a:r>
+              <a:rPr lang="ko-KR" altLang="en-US" smtClean="0">
+                <a:solidFill>
+                  <a:schemeClr val="tx1"/>
+                </a:solidFill>
+              </a:rPr>
+              <a:t>공간소개</a:t>
+            </a:r>
+            <a:endParaRPr lang="ko-KR" altLang="en-US">
+              <a:solidFill>
+                <a:schemeClr val="tx1"/>
+              </a:solidFill>
+            </a:endParaRPr>
+          </a:p>
+        </p:txBody>
+      </p:sp>
+      <p:sp>
+        <p:nvSpPr>
+          <p:cNvPr id="11" name="직사각형 10"/>
+          <p:cNvSpPr/>
+          <p:nvPr/>
+        </p:nvSpPr>
+        <p:spPr>
+          <a:xfrm>
+            <a:off x="1253025" y="4211143"/>
+            <a:ext cx="9356436" cy="733862"/>
+          </a:xfrm>
+          <a:prstGeom prst="rect">
+            <a:avLst/>
+          </a:prstGeom>
+          <a:noFill/>
+          <a:ln w="25400">
+            <a:solidFill>
+              <a:schemeClr val="tx1"/>
+            </a:solidFill>
+          </a:ln>
+        </p:spPr>
+        <p:style>
+          <a:lnRef idx="2">
+            <a:schemeClr val="accent1">
+              <a:shade val="50000"/>
+            </a:schemeClr>
+          </a:lnRef>
+          <a:fillRef idx="1">
+            <a:schemeClr val="accent1"/>
+          </a:fillRef>
+          <a:effectRef idx="0">
+            <a:schemeClr val="accent1"/>
+          </a:effectRef>
+          <a:fontRef idx="minor">
+            <a:schemeClr val="lt1"/>
+          </a:fontRef>
+        </p:style>
+        <p:txBody>
+          <a:bodyPr rtlCol="0" anchor="ctr"/>
+          <a:lstStyle/>
+          <a:p>
+            <a:pPr algn="ctr"/>
+            <a:r>
+              <a:rPr lang="ko-KR" altLang="en-US" err="1" smtClean="0">
+                <a:solidFill>
+                  <a:schemeClr val="tx1"/>
+                </a:solidFill>
+              </a:rPr>
+              <a:t>예약시</a:t>
+            </a:r>
+            <a:r>
+              <a:rPr lang="ko-KR" altLang="en-US" smtClean="0">
+                <a:solidFill>
+                  <a:schemeClr val="tx1"/>
+                </a:solidFill>
+              </a:rPr>
+              <a:t> 주의사항</a:t>
+            </a:r>
+            <a:endParaRPr lang="ko-KR" altLang="en-US">
+              <a:solidFill>
+                <a:schemeClr val="tx1"/>
+              </a:solidFill>
+            </a:endParaRPr>
+          </a:p>
+        </p:txBody>
+      </p:sp>
+      <p:sp>
+        <p:nvSpPr>
+          <p:cNvPr id="12" name="직사각형 11"/>
+          <p:cNvSpPr/>
+          <p:nvPr/>
+        </p:nvSpPr>
+        <p:spPr>
+          <a:xfrm>
+            <a:off x="1234958" y="5146766"/>
+            <a:ext cx="9356436" cy="961391"/>
+          </a:xfrm>
+          <a:prstGeom prst="rect">
+            <a:avLst/>
+          </a:prstGeom>
+          <a:noFill/>
+          <a:ln w="25400">
+            <a:solidFill>
+              <a:schemeClr val="tx1"/>
+            </a:solidFill>
+          </a:ln>
+        </p:spPr>
+        <p:style>
+          <a:lnRef idx="2">
+            <a:schemeClr val="accent1">
+              <a:shade val="50000"/>
+            </a:schemeClr>
+          </a:lnRef>
+          <a:fillRef idx="1">
+            <a:schemeClr val="accent1"/>
+          </a:fillRef>
+          <a:effectRef idx="0">
+            <a:schemeClr val="accent1"/>
+          </a:effectRef>
+          <a:fontRef idx="minor">
+            <a:schemeClr val="lt1"/>
+          </a:fontRef>
+        </p:style>
+        <p:txBody>
+          <a:bodyPr rtlCol="0" anchor="ctr"/>
+          <a:lstStyle/>
+          <a:p>
+            <a:pPr algn="ctr"/>
+            <a:r>
+              <a:rPr lang="ko-KR" altLang="en-US" smtClean="0">
+                <a:solidFill>
+                  <a:schemeClr val="tx1"/>
+                </a:solidFill>
+              </a:rPr>
+              <a:t>환불규정 안내</a:t>
+            </a:r>
+            <a:endParaRPr lang="ko-KR" altLang="en-US">
+              <a:solidFill>
+                <a:schemeClr val="tx1"/>
+              </a:solidFill>
+            </a:endParaRPr>
+          </a:p>
+        </p:txBody>
+      </p:sp>
+      <p:sp>
+        <p:nvSpPr>
+          <p:cNvPr id="13" name="TextBox 12"/>
+          <p:cNvSpPr txBox="1"/>
+          <p:nvPr/>
+        </p:nvSpPr>
+        <p:spPr>
+          <a:xfrm>
+            <a:off x="5024169" y="717611"/>
+            <a:ext cx="1651414" cy="369332"/>
+          </a:xfrm>
+          <a:prstGeom prst="rect">
+            <a:avLst/>
+          </a:prstGeom>
+          <a:noFill/>
+        </p:spPr>
+        <p:txBody>
+          <a:bodyPr wrap="none" rtlCol="0">
+            <a:spAutoFit/>
+          </a:bodyPr>
+          <a:lstStyle/>
+          <a:p>
+            <a:r>
+              <a:rPr lang="ko-KR" altLang="en-US" err="1" smtClean="0"/>
+              <a:t>세미나존</a:t>
+            </a:r>
+            <a:r>
+              <a:rPr lang="ko-KR" altLang="en-US" smtClean="0"/>
+              <a:t> 이름</a:t>
+            </a:r>
+            <a:endParaRPr lang="ko-KR" altLang="en-US"/>
+          </a:p>
+        </p:txBody>
+      </p:sp>
+    </p:spTree>
+    <p:extLst>
+      <p:ext uri="{BB962C8B-B14F-4D97-AF65-F5344CB8AC3E}">
+        <p14:creationId xmlns:p14="http://schemas.microsoft.com/office/powerpoint/2010/main" val="2615801459"/>
+      </p:ext>
+    </p:extLst>
+  </p:cSld>
+  <p:clrMapOvr>
+    <a:masterClrMapping/>
+  </p:clrMapOvr>
+  <p:timing>
+    <p:tnLst>
+      <p:par>
+        <p:cTn id="1" dur="indefinite" restart="never" nodeType="tmRoot"/>
+      </p:par>
+    </p:tnLst>
+  </p:timing>
+</p:sld>
+</file>
+
+<file path=ppt/slides/slide8.xml><?xml version="1.0" encoding="utf-8"?>
+<p:sld xmlns:a="http://schemas.openxmlformats.org/drawingml/2006/main" xmlns:r="http://schemas.openxmlformats.org/officeDocument/2006/relationships" xmlns:p="http://schemas.openxmlformats.org/presentationml/2006/main">
+  <p:cSld>
+    <p:spTree>
+      <p:nvGrpSpPr>
+        <p:cNvPr id="1" name=""/>
+        <p:cNvGrpSpPr/>
+        <p:nvPr/>
+      </p:nvGrpSpPr>
+      <p:grpSpPr>
+        <a:xfrm>
+          <a:off x="0" y="0"/>
+          <a:ext cx="0" cy="0"/>
+          <a:chOff x="0" y="0"/>
+          <a:chExt cx="0" cy="0"/>
+        </a:xfrm>
+      </p:grpSpPr>
+      <p:sp>
+        <p:nvSpPr>
+          <p:cNvPr id="4" name="직사각형 3"/>
+          <p:cNvSpPr/>
+          <p:nvPr/>
+        </p:nvSpPr>
+        <p:spPr>
+          <a:xfrm>
+            <a:off x="3496230" y="258619"/>
+            <a:ext cx="4756727" cy="5966691"/>
+          </a:xfrm>
+          <a:prstGeom prst="rect">
+            <a:avLst/>
+          </a:prstGeom>
+          <a:noFill/>
+          <a:ln w="25400">
+            <a:solidFill>
+              <a:schemeClr val="tx1"/>
+            </a:solidFill>
+          </a:ln>
+        </p:spPr>
+        <p:style>
+          <a:lnRef idx="2">
+            <a:schemeClr val="accent1">
+              <a:shade val="50000"/>
+            </a:schemeClr>
+          </a:lnRef>
+          <a:fillRef idx="1">
+            <a:schemeClr val="accent1"/>
+          </a:fillRef>
+          <a:effectRef idx="0">
+            <a:schemeClr val="accent1"/>
+          </a:effectRef>
+          <a:fontRef idx="minor">
+            <a:schemeClr val="lt1"/>
+          </a:fontRef>
+        </p:style>
+        <p:txBody>
+          <a:bodyPr rtlCol="0" anchor="ctr"/>
+          <a:lstStyle/>
+          <a:p>
+            <a:pPr algn="ctr"/>
+            <a:endParaRPr lang="ko-KR" altLang="en-US"/>
+          </a:p>
+        </p:txBody>
+      </p:sp>
+      <p:sp>
+        <p:nvSpPr>
+          <p:cNvPr id="5" name="TextBox 4"/>
+          <p:cNvSpPr txBox="1"/>
+          <p:nvPr/>
+        </p:nvSpPr>
+        <p:spPr>
+          <a:xfrm>
+            <a:off x="5016293" y="505175"/>
+            <a:ext cx="1651414" cy="369332"/>
+          </a:xfrm>
+          <a:prstGeom prst="rect">
+            <a:avLst/>
+          </a:prstGeom>
+          <a:noFill/>
+        </p:spPr>
+        <p:txBody>
+          <a:bodyPr wrap="none" rtlCol="0">
+            <a:spAutoFit/>
+          </a:bodyPr>
+          <a:lstStyle/>
+          <a:p>
+            <a:r>
+              <a:rPr lang="ko-KR" altLang="en-US" err="1" smtClean="0"/>
+              <a:t>세미나존</a:t>
+            </a:r>
+            <a:r>
+              <a:rPr lang="ko-KR" altLang="en-US" smtClean="0"/>
+              <a:t> 이름</a:t>
+            </a:r>
+            <a:endParaRPr lang="ko-KR" altLang="en-US"/>
+          </a:p>
+        </p:txBody>
+      </p:sp>
+      <p:sp>
+        <p:nvSpPr>
+          <p:cNvPr id="6" name="직사각형 5"/>
+          <p:cNvSpPr/>
+          <p:nvPr/>
+        </p:nvSpPr>
+        <p:spPr>
+          <a:xfrm>
+            <a:off x="3652981" y="1047173"/>
+            <a:ext cx="4447975" cy="1607128"/>
+          </a:xfrm>
+          <a:prstGeom prst="rect">
+            <a:avLst/>
+          </a:prstGeom>
+          <a:noFill/>
+          <a:ln w="25400">
+            <a:solidFill>
+              <a:schemeClr val="tx1"/>
+            </a:solidFill>
+          </a:ln>
+        </p:spPr>
+        <p:style>
+          <a:lnRef idx="2">
+            <a:schemeClr val="accent1">
+              <a:shade val="50000"/>
+            </a:schemeClr>
+          </a:lnRef>
+          <a:fillRef idx="1">
+            <a:schemeClr val="accent1"/>
+          </a:fillRef>
+          <a:effectRef idx="0">
+            <a:schemeClr val="accent1"/>
+          </a:effectRef>
+          <a:fontRef idx="minor">
+            <a:schemeClr val="lt1"/>
+          </a:fontRef>
+        </p:style>
+        <p:txBody>
+          <a:bodyPr rtlCol="0" anchor="ctr"/>
+          <a:lstStyle/>
+          <a:p>
+            <a:pPr algn="ctr"/>
+            <a:r>
+              <a:rPr lang="ko-KR" altLang="en-US" smtClean="0">
+                <a:solidFill>
+                  <a:schemeClr val="tx1"/>
+                </a:solidFill>
+              </a:rPr>
+              <a:t>이미지</a:t>
+            </a:r>
+            <a:endParaRPr lang="ko-KR" altLang="en-US">
+              <a:solidFill>
+                <a:schemeClr val="tx1"/>
+              </a:solidFill>
+            </a:endParaRPr>
+          </a:p>
+        </p:txBody>
+      </p:sp>
+      <p:sp>
+        <p:nvSpPr>
+          <p:cNvPr id="10" name="직사각형 9"/>
+          <p:cNvSpPr/>
+          <p:nvPr/>
+        </p:nvSpPr>
+        <p:spPr>
+          <a:xfrm>
+            <a:off x="3702834" y="2770909"/>
+            <a:ext cx="4388886" cy="775855"/>
+          </a:xfrm>
+          <a:prstGeom prst="rect">
+            <a:avLst/>
+          </a:prstGeom>
+          <a:noFill/>
+          <a:ln w="25400">
+            <a:solidFill>
+              <a:schemeClr val="tx1"/>
+            </a:solidFill>
+          </a:ln>
+        </p:spPr>
+        <p:style>
+          <a:lnRef idx="2">
+            <a:schemeClr val="accent1">
+              <a:shade val="50000"/>
+            </a:schemeClr>
+          </a:lnRef>
+          <a:fillRef idx="1">
+            <a:schemeClr val="accent1"/>
+          </a:fillRef>
+          <a:effectRef idx="0">
+            <a:schemeClr val="accent1"/>
+          </a:effectRef>
+          <a:fontRef idx="minor">
+            <a:schemeClr val="lt1"/>
+          </a:fontRef>
+        </p:style>
+        <p:txBody>
+          <a:bodyPr rtlCol="0" anchor="ctr"/>
+          <a:lstStyle/>
+          <a:p>
+            <a:pPr algn="ctr"/>
+            <a:r>
+              <a:rPr lang="ko-KR" altLang="en-US" smtClean="0">
+                <a:solidFill>
+                  <a:schemeClr val="tx1"/>
+                </a:solidFill>
+              </a:rPr>
+              <a:t>공간소개</a:t>
+            </a:r>
+            <a:endParaRPr lang="ko-KR" altLang="en-US">
+              <a:solidFill>
+                <a:schemeClr val="tx1"/>
+              </a:solidFill>
+            </a:endParaRPr>
+          </a:p>
+        </p:txBody>
+      </p:sp>
+      <p:sp>
+        <p:nvSpPr>
+          <p:cNvPr id="11" name="직사각형 10"/>
+          <p:cNvSpPr/>
+          <p:nvPr/>
+        </p:nvSpPr>
+        <p:spPr>
+          <a:xfrm>
+            <a:off x="3702834" y="3720706"/>
+            <a:ext cx="4388886" cy="736167"/>
+          </a:xfrm>
+          <a:prstGeom prst="rect">
+            <a:avLst/>
+          </a:prstGeom>
+          <a:noFill/>
+          <a:ln w="25400">
+            <a:solidFill>
+              <a:schemeClr val="tx1"/>
+            </a:solidFill>
+          </a:ln>
+        </p:spPr>
+        <p:style>
+          <a:lnRef idx="2">
+            <a:schemeClr val="accent1">
+              <a:shade val="50000"/>
+            </a:schemeClr>
+          </a:lnRef>
+          <a:fillRef idx="1">
+            <a:schemeClr val="accent1"/>
+          </a:fillRef>
+          <a:effectRef idx="0">
+            <a:schemeClr val="accent1"/>
+          </a:effectRef>
+          <a:fontRef idx="minor">
+            <a:schemeClr val="lt1"/>
+          </a:fontRef>
+        </p:style>
+        <p:txBody>
+          <a:bodyPr rtlCol="0" anchor="ctr"/>
+          <a:lstStyle/>
+          <a:p>
+            <a:pPr algn="ctr"/>
+            <a:r>
+              <a:rPr lang="ko-KR" altLang="en-US" err="1" smtClean="0">
+                <a:solidFill>
+                  <a:schemeClr val="tx1"/>
+                </a:solidFill>
+              </a:rPr>
+              <a:t>예약시</a:t>
+            </a:r>
+            <a:r>
+              <a:rPr lang="ko-KR" altLang="en-US" smtClean="0">
+                <a:solidFill>
+                  <a:schemeClr val="tx1"/>
+                </a:solidFill>
+              </a:rPr>
+              <a:t> 주의사항</a:t>
+            </a:r>
+            <a:endParaRPr lang="ko-KR" altLang="en-US">
+              <a:solidFill>
+                <a:schemeClr val="tx1"/>
+              </a:solidFill>
+            </a:endParaRPr>
+          </a:p>
+        </p:txBody>
+      </p:sp>
+      <p:sp>
+        <p:nvSpPr>
+          <p:cNvPr id="12" name="직사각형 11"/>
+          <p:cNvSpPr/>
+          <p:nvPr/>
+        </p:nvSpPr>
+        <p:spPr>
+          <a:xfrm>
+            <a:off x="3702834" y="4630815"/>
+            <a:ext cx="4388886" cy="652385"/>
+          </a:xfrm>
+          <a:prstGeom prst="rect">
+            <a:avLst/>
+          </a:prstGeom>
+          <a:noFill/>
+          <a:ln w="25400">
+            <a:solidFill>
+              <a:schemeClr val="tx1"/>
+            </a:solidFill>
+          </a:ln>
+        </p:spPr>
+        <p:style>
+          <a:lnRef idx="2">
+            <a:schemeClr val="accent1">
+              <a:shade val="50000"/>
+            </a:schemeClr>
+          </a:lnRef>
+          <a:fillRef idx="1">
+            <a:schemeClr val="accent1"/>
+          </a:fillRef>
+          <a:effectRef idx="0">
+            <a:schemeClr val="accent1"/>
+          </a:effectRef>
+          <a:fontRef idx="minor">
+            <a:schemeClr val="lt1"/>
+          </a:fontRef>
+        </p:style>
+        <p:txBody>
+          <a:bodyPr rtlCol="0" anchor="ctr"/>
+          <a:lstStyle/>
+          <a:p>
+            <a:pPr algn="ctr"/>
+            <a:r>
+              <a:rPr lang="ko-KR" altLang="en-US" smtClean="0">
+                <a:solidFill>
+                  <a:schemeClr val="tx1"/>
+                </a:solidFill>
+              </a:rPr>
+              <a:t>환불규정 안내</a:t>
+            </a:r>
+            <a:endParaRPr lang="ko-KR" altLang="en-US">
+              <a:solidFill>
+                <a:schemeClr val="tx1"/>
+              </a:solidFill>
+            </a:endParaRPr>
+          </a:p>
+        </p:txBody>
+      </p:sp>
+      <p:sp>
+        <p:nvSpPr>
+          <p:cNvPr id="13" name="직사각형 12"/>
+          <p:cNvSpPr/>
+          <p:nvPr/>
+        </p:nvSpPr>
+        <p:spPr>
+          <a:xfrm>
+            <a:off x="3712071" y="5406670"/>
+            <a:ext cx="4388886" cy="652385"/>
+          </a:xfrm>
+          <a:prstGeom prst="rect">
+            <a:avLst/>
+          </a:prstGeom>
+          <a:noFill/>
+          <a:ln w="25400">
+            <a:solidFill>
+              <a:schemeClr val="tx1"/>
+            </a:solidFill>
+          </a:ln>
+        </p:spPr>
+        <p:style>
+          <a:lnRef idx="2">
+            <a:schemeClr val="accent1">
+              <a:shade val="50000"/>
+            </a:schemeClr>
+          </a:lnRef>
+          <a:fillRef idx="1">
+            <a:schemeClr val="accent1"/>
+          </a:fillRef>
+          <a:effectRef idx="0">
+            <a:schemeClr val="accent1"/>
+          </a:effectRef>
+          <a:fontRef idx="minor">
+            <a:schemeClr val="lt1"/>
+          </a:fontRef>
+        </p:style>
+        <p:txBody>
+          <a:bodyPr rtlCol="0" anchor="ctr"/>
+          <a:lstStyle/>
+          <a:p>
+            <a:pPr algn="ctr"/>
+            <a:r>
+              <a:rPr lang="ko-KR" altLang="en-US" smtClean="0">
+                <a:solidFill>
+                  <a:schemeClr val="tx1"/>
+                </a:solidFill>
+              </a:rPr>
+              <a:t>후기</a:t>
+            </a:r>
+            <a:endParaRPr lang="ko-KR" altLang="en-US">
+              <a:solidFill>
+                <a:schemeClr val="tx1"/>
+              </a:solidFill>
+            </a:endParaRPr>
+          </a:p>
+        </p:txBody>
+      </p:sp>
+    </p:spTree>
+    <p:extLst>
+      <p:ext uri="{BB962C8B-B14F-4D97-AF65-F5344CB8AC3E}">
+        <p14:creationId xmlns:p14="http://schemas.microsoft.com/office/powerpoint/2010/main" val="2959927147"/>
+      </p:ext>
+    </p:extLst>
+  </p:cSld>
+  <p:clrMapOvr>
+    <a:masterClrMapping/>
+  </p:clrMapOvr>
+  <p:timing>
+    <p:tnLst>
+      <p:par>
+        <p:cTn id="1" dur="indefinite" restart="never" nodeType="tmRoot"/>
+      </p:par>
+    </p:tnLst>
+  </p:timing>
+</p:sld>
+</file>
+
+<file path=ppt/slides/slide9.xml><?xml version="1.0" encoding="utf-8"?>
+<p:sld xmlns:a="http://schemas.openxmlformats.org/drawingml/2006/main" xmlns:r="http://schemas.openxmlformats.org/officeDocument/2006/relationships" xmlns:p="http://schemas.openxmlformats.org/presentationml/2006/main">
+  <p:cSld>
+    <p:spTree>
+      <p:nvGrpSpPr>
+        <p:cNvPr id="1" name=""/>
+        <p:cNvGrpSpPr/>
+        <p:nvPr/>
+      </p:nvGrpSpPr>
+      <p:grpSpPr>
+        <a:xfrm>
+          <a:off x="0" y="0"/>
+          <a:ext cx="0" cy="0"/>
+          <a:chOff x="0" y="0"/>
+          <a:chExt cx="0" cy="0"/>
+        </a:xfrm>
+      </p:grpSpPr>
+      <p:sp>
+        <p:nvSpPr>
+          <p:cNvPr id="4" name="직사각형 3"/>
+          <p:cNvSpPr/>
+          <p:nvPr/>
+        </p:nvSpPr>
+        <p:spPr>
+          <a:xfrm>
+            <a:off x="4193177" y="522514"/>
+            <a:ext cx="3892731" cy="5669280"/>
+          </a:xfrm>
+          <a:prstGeom prst="rect">
+            <a:avLst/>
+          </a:prstGeom>
+          <a:noFill/>
+          <a:ln w="25400">
+            <a:solidFill>
+              <a:schemeClr val="tx1"/>
+            </a:solidFill>
+          </a:ln>
+        </p:spPr>
+        <p:style>
+          <a:lnRef idx="2">
+            <a:schemeClr val="accent1">
+              <a:shade val="50000"/>
+            </a:schemeClr>
+          </a:lnRef>
+          <a:fillRef idx="1">
+            <a:schemeClr val="accent1"/>
+          </a:fillRef>
+          <a:effectRef idx="0">
+            <a:schemeClr val="accent1"/>
+          </a:effectRef>
+          <a:fontRef idx="minor">
+            <a:schemeClr val="lt1"/>
+          </a:fontRef>
+        </p:style>
+        <p:txBody>
+          <a:bodyPr rtlCol="0" anchor="ctr"/>
+          <a:lstStyle/>
+          <a:p>
+            <a:pPr algn="ctr"/>
+            <a:endParaRPr lang="ko-KR" altLang="en-US"/>
+          </a:p>
+        </p:txBody>
+      </p:sp>
+      <p:sp>
+        <p:nvSpPr>
+          <p:cNvPr id="5" name="TextBox 4"/>
+          <p:cNvSpPr txBox="1"/>
+          <p:nvPr/>
+        </p:nvSpPr>
+        <p:spPr>
+          <a:xfrm>
+            <a:off x="4767732" y="752209"/>
+            <a:ext cx="2327881" cy="369332"/>
+          </a:xfrm>
+          <a:prstGeom prst="rect">
+            <a:avLst/>
+          </a:prstGeom>
+          <a:noFill/>
+        </p:spPr>
+        <p:txBody>
+          <a:bodyPr wrap="none" rtlCol="0">
+            <a:spAutoFit/>
+          </a:bodyPr>
+          <a:lstStyle/>
+          <a:p>
+            <a:r>
+              <a:rPr lang="ko-KR" altLang="en-US" smtClean="0"/>
+              <a:t>예약자 이름 </a:t>
+            </a:r>
+            <a:r>
+              <a:rPr lang="en-US" altLang="ko-KR" smtClean="0"/>
+              <a:t>: </a:t>
+            </a:r>
+            <a:r>
+              <a:rPr lang="ko-KR" altLang="en-US" smtClean="0"/>
+              <a:t>권기범</a:t>
+            </a:r>
+            <a:endParaRPr lang="ko-KR" altLang="en-US"/>
+          </a:p>
+        </p:txBody>
+      </p:sp>
+      <p:sp>
+        <p:nvSpPr>
+          <p:cNvPr id="6" name="TextBox 5"/>
+          <p:cNvSpPr txBox="1"/>
+          <p:nvPr/>
+        </p:nvSpPr>
+        <p:spPr>
+          <a:xfrm>
+            <a:off x="4767732" y="1166570"/>
+            <a:ext cx="646331" cy="369332"/>
+          </a:xfrm>
+          <a:prstGeom prst="rect">
+            <a:avLst/>
+          </a:prstGeom>
+          <a:noFill/>
+        </p:spPr>
+        <p:txBody>
+          <a:bodyPr wrap="none" rtlCol="0">
+            <a:spAutoFit/>
+          </a:bodyPr>
+          <a:lstStyle/>
+          <a:p>
+            <a:r>
+              <a:rPr lang="ko-KR" altLang="en-US" smtClean="0"/>
+              <a:t>날짜</a:t>
+            </a:r>
+            <a:endParaRPr lang="ko-KR" altLang="en-US"/>
+          </a:p>
+        </p:txBody>
+      </p:sp>
+      <p:sp>
+        <p:nvSpPr>
+          <p:cNvPr id="7" name="직사각형 6"/>
+          <p:cNvSpPr/>
+          <p:nvPr/>
+        </p:nvSpPr>
+        <p:spPr>
+          <a:xfrm>
+            <a:off x="4870896" y="1580931"/>
+            <a:ext cx="2224717" cy="406400"/>
+          </a:xfrm>
+          <a:prstGeom prst="rect">
+            <a:avLst/>
+          </a:prstGeom>
+          <a:noFill/>
+          <a:ln w="25400"/>
+        </p:spPr>
+        <p:style>
+          <a:lnRef idx="2">
+            <a:schemeClr val="accent1">
+              <a:shade val="50000"/>
+            </a:schemeClr>
+          </a:lnRef>
+          <a:fillRef idx="1">
+            <a:schemeClr val="accent1"/>
+          </a:fillRef>
+          <a:effectRef idx="0">
+            <a:schemeClr val="accent1"/>
+          </a:effectRef>
+          <a:fontRef idx="minor">
+            <a:schemeClr val="lt1"/>
+          </a:fontRef>
+        </p:style>
+        <p:txBody>
+          <a:bodyPr rtlCol="0" anchor="ctr"/>
+          <a:lstStyle/>
+          <a:p>
+            <a:pPr algn="ctr"/>
+            <a:endParaRPr lang="ko-KR" altLang="en-US"/>
+          </a:p>
+        </p:txBody>
+      </p:sp>
+      <p:sp>
+        <p:nvSpPr>
+          <p:cNvPr id="8" name="TextBox 7"/>
+          <p:cNvSpPr txBox="1"/>
+          <p:nvPr/>
+        </p:nvSpPr>
+        <p:spPr>
+          <a:xfrm>
+            <a:off x="4767731" y="2077389"/>
+            <a:ext cx="646331" cy="369332"/>
+          </a:xfrm>
+          <a:prstGeom prst="rect">
+            <a:avLst/>
+          </a:prstGeom>
+          <a:noFill/>
+        </p:spPr>
+        <p:txBody>
+          <a:bodyPr wrap="none" rtlCol="0">
+            <a:spAutoFit/>
+          </a:bodyPr>
+          <a:lstStyle/>
+          <a:p>
+            <a:r>
+              <a:rPr lang="ko-KR" altLang="en-US" smtClean="0"/>
+              <a:t>시간</a:t>
+            </a:r>
+            <a:endParaRPr lang="ko-KR" altLang="en-US"/>
+          </a:p>
+        </p:txBody>
+      </p:sp>
+      <p:sp>
+        <p:nvSpPr>
+          <p:cNvPr id="9" name="직사각형 8"/>
+          <p:cNvSpPr/>
+          <p:nvPr/>
+        </p:nvSpPr>
+        <p:spPr>
+          <a:xfrm>
+            <a:off x="4821126" y="2499675"/>
+            <a:ext cx="2587996" cy="406400"/>
+          </a:xfrm>
+          <a:prstGeom prst="rect">
+            <a:avLst/>
+          </a:prstGeom>
+          <a:noFill/>
+          <a:ln w="25400"/>
+        </p:spPr>
+        <p:style>
+          <a:lnRef idx="2">
+            <a:schemeClr val="accent1">
+              <a:shade val="50000"/>
+            </a:schemeClr>
+          </a:lnRef>
+          <a:fillRef idx="1">
+            <a:schemeClr val="accent1"/>
+          </a:fillRef>
+          <a:effectRef idx="0">
+            <a:schemeClr val="accent1"/>
+          </a:effectRef>
+          <a:fontRef idx="minor">
+            <a:schemeClr val="lt1"/>
+          </a:fontRef>
+        </p:style>
+        <p:txBody>
+          <a:bodyPr rtlCol="0" anchor="ctr"/>
+          <a:lstStyle/>
+          <a:p>
+            <a:pPr algn="ctr"/>
+            <a:endParaRPr lang="ko-KR" altLang="en-US"/>
+          </a:p>
+        </p:txBody>
+      </p:sp>
+      <p:sp>
+        <p:nvSpPr>
+          <p:cNvPr id="10" name="이등변 삼각형 9"/>
+          <p:cNvSpPr/>
+          <p:nvPr/>
+        </p:nvSpPr>
+        <p:spPr>
+          <a:xfrm rot="10800000">
+            <a:off x="7095613" y="2555093"/>
+            <a:ext cx="228142" cy="258495"/>
+          </a:xfrm>
+          <a:prstGeom prst="triangle">
+            <a:avLst/>
+          </a:prstGeom>
+        </p:spPr>
+        <p:style>
+          <a:lnRef idx="2">
+            <a:schemeClr val="accent1">
+              <a:shade val="50000"/>
+            </a:schemeClr>
+          </a:lnRef>
+          <a:fillRef idx="1">
+            <a:schemeClr val="accent1"/>
+          </a:fillRef>
+          <a:effectRef idx="0">
+            <a:schemeClr val="accent1"/>
+          </a:effectRef>
+          <a:fontRef idx="minor">
+            <a:schemeClr val="lt1"/>
+          </a:fontRef>
+        </p:style>
+        <p:txBody>
+          <a:bodyPr rtlCol="0" anchor="ctr"/>
+          <a:lstStyle/>
+          <a:p>
+            <a:pPr algn="ctr"/>
+            <a:endParaRPr lang="ko-KR" altLang="en-US"/>
+          </a:p>
+        </p:txBody>
+      </p:sp>
+      <p:sp>
+        <p:nvSpPr>
+          <p:cNvPr id="11" name="TextBox 10"/>
+          <p:cNvSpPr txBox="1"/>
+          <p:nvPr/>
+        </p:nvSpPr>
+        <p:spPr>
+          <a:xfrm>
+            <a:off x="4871189" y="2499675"/>
+            <a:ext cx="1625929" cy="369332"/>
+          </a:xfrm>
+          <a:prstGeom prst="rect">
+            <a:avLst/>
+          </a:prstGeom>
+          <a:noFill/>
+        </p:spPr>
+        <p:txBody>
+          <a:bodyPr wrap="square" rtlCol="0">
+            <a:spAutoFit/>
+          </a:bodyPr>
+          <a:lstStyle/>
+          <a:p>
+            <a:r>
+              <a:rPr lang="ko-KR" altLang="en-US" smtClean="0"/>
+              <a:t>오전 </a:t>
+            </a:r>
+            <a:r>
+              <a:rPr lang="en-US" altLang="ko-KR" smtClean="0"/>
+              <a:t>(9~12</a:t>
+            </a:r>
+            <a:r>
+              <a:rPr lang="ko-KR" altLang="en-US" smtClean="0"/>
+              <a:t>시</a:t>
+            </a:r>
+            <a:r>
+              <a:rPr lang="en-US" altLang="ko-KR" smtClean="0"/>
+              <a:t>)</a:t>
+            </a:r>
+            <a:endParaRPr lang="ko-KR" altLang="en-US"/>
+          </a:p>
+        </p:txBody>
+      </p:sp>
+      <p:sp>
+        <p:nvSpPr>
+          <p:cNvPr id="12" name="TextBox 11"/>
+          <p:cNvSpPr txBox="1"/>
+          <p:nvPr/>
+        </p:nvSpPr>
+        <p:spPr>
+          <a:xfrm>
+            <a:off x="4821126" y="3114149"/>
+            <a:ext cx="1189749" cy="369332"/>
+          </a:xfrm>
+          <a:prstGeom prst="rect">
+            <a:avLst/>
+          </a:prstGeom>
+          <a:noFill/>
+        </p:spPr>
+        <p:txBody>
+          <a:bodyPr wrap="none" rtlCol="0">
+            <a:spAutoFit/>
+          </a:bodyPr>
+          <a:lstStyle/>
+          <a:p>
+            <a:r>
+              <a:rPr lang="ko-KR" altLang="en-US" smtClean="0"/>
+              <a:t>예약 구분</a:t>
+            </a:r>
+            <a:endParaRPr lang="ko-KR" altLang="en-US"/>
+          </a:p>
+        </p:txBody>
+      </p:sp>
+      <p:sp>
+        <p:nvSpPr>
+          <p:cNvPr id="13" name="직사각형 12"/>
+          <p:cNvSpPr/>
+          <p:nvPr/>
+        </p:nvSpPr>
+        <p:spPr>
+          <a:xfrm>
+            <a:off x="4870896" y="3558092"/>
+            <a:ext cx="2587996" cy="406400"/>
+          </a:xfrm>
+          <a:prstGeom prst="rect">
+            <a:avLst/>
+          </a:prstGeom>
+          <a:noFill/>
+          <a:ln w="25400"/>
+        </p:spPr>
+        <p:style>
+          <a:lnRef idx="2">
+            <a:schemeClr val="accent1">
+              <a:shade val="50000"/>
+            </a:schemeClr>
+          </a:lnRef>
+          <a:fillRef idx="1">
+            <a:schemeClr val="accent1"/>
+          </a:fillRef>
+          <a:effectRef idx="0">
+            <a:schemeClr val="accent1"/>
+          </a:effectRef>
+          <a:fontRef idx="minor">
+            <a:schemeClr val="lt1"/>
+          </a:fontRef>
+        </p:style>
+        <p:txBody>
+          <a:bodyPr rtlCol="0" anchor="ctr"/>
+          <a:lstStyle/>
+          <a:p>
+            <a:pPr algn="ctr"/>
+            <a:endParaRPr lang="ko-KR" altLang="en-US"/>
+          </a:p>
+        </p:txBody>
+      </p:sp>
+      <p:sp>
+        <p:nvSpPr>
+          <p:cNvPr id="14" name="이등변 삼각형 13"/>
+          <p:cNvSpPr/>
+          <p:nvPr/>
+        </p:nvSpPr>
+        <p:spPr>
+          <a:xfrm rot="10800000">
+            <a:off x="7095613" y="3668743"/>
+            <a:ext cx="228142" cy="258495"/>
+          </a:xfrm>
+          <a:prstGeom prst="triangle">
+            <a:avLst/>
+          </a:prstGeom>
+        </p:spPr>
+        <p:style>
+          <a:lnRef idx="2">
+            <a:schemeClr val="accent1">
+              <a:shade val="50000"/>
+            </a:schemeClr>
+          </a:lnRef>
+          <a:fillRef idx="1">
+            <a:schemeClr val="accent1"/>
+          </a:fillRef>
+          <a:effectRef idx="0">
+            <a:schemeClr val="accent1"/>
+          </a:effectRef>
+          <a:fontRef idx="minor">
+            <a:schemeClr val="lt1"/>
+          </a:fontRef>
+        </p:style>
+        <p:txBody>
+          <a:bodyPr rtlCol="0" anchor="ctr"/>
+          <a:lstStyle/>
+          <a:p>
+            <a:pPr algn="ctr"/>
+            <a:endParaRPr lang="ko-KR" altLang="en-US"/>
+          </a:p>
+        </p:txBody>
+      </p:sp>
+      <p:sp>
+        <p:nvSpPr>
+          <p:cNvPr id="15" name="TextBox 14"/>
+          <p:cNvSpPr txBox="1"/>
+          <p:nvPr/>
+        </p:nvSpPr>
+        <p:spPr>
+          <a:xfrm>
+            <a:off x="4870896" y="3613324"/>
+            <a:ext cx="877163" cy="369332"/>
+          </a:xfrm>
+          <a:prstGeom prst="rect">
+            <a:avLst/>
+          </a:prstGeom>
+          <a:noFill/>
+        </p:spPr>
+        <p:txBody>
+          <a:bodyPr wrap="none" rtlCol="0">
+            <a:spAutoFit/>
+          </a:bodyPr>
+          <a:lstStyle/>
+          <a:p>
+            <a:r>
+              <a:rPr lang="ko-KR" altLang="en-US" smtClean="0"/>
+              <a:t>세미나</a:t>
+            </a:r>
+            <a:endParaRPr lang="ko-KR" altLang="en-US"/>
+          </a:p>
+        </p:txBody>
+      </p:sp>
+      <p:sp>
+        <p:nvSpPr>
+          <p:cNvPr id="16" name="TextBox 15"/>
+          <p:cNvSpPr txBox="1"/>
+          <p:nvPr/>
+        </p:nvSpPr>
+        <p:spPr>
+          <a:xfrm>
+            <a:off x="4806990" y="4070883"/>
+            <a:ext cx="1107996" cy="369332"/>
+          </a:xfrm>
+          <a:prstGeom prst="rect">
+            <a:avLst/>
+          </a:prstGeom>
+          <a:noFill/>
+        </p:spPr>
+        <p:txBody>
+          <a:bodyPr wrap="none" rtlCol="0">
+            <a:spAutoFit/>
+          </a:bodyPr>
+          <a:lstStyle/>
+          <a:p>
+            <a:r>
+              <a:rPr lang="ko-KR" altLang="en-US" smtClean="0"/>
+              <a:t>입금은행</a:t>
+            </a:r>
+            <a:endParaRPr lang="ko-KR" altLang="en-US"/>
+          </a:p>
+        </p:txBody>
+      </p:sp>
+      <p:sp>
+        <p:nvSpPr>
+          <p:cNvPr id="17" name="직사각형 16"/>
+          <p:cNvSpPr/>
+          <p:nvPr/>
+        </p:nvSpPr>
+        <p:spPr>
+          <a:xfrm>
+            <a:off x="4821126" y="4473179"/>
+            <a:ext cx="2587996" cy="406400"/>
+          </a:xfrm>
+          <a:prstGeom prst="rect">
+            <a:avLst/>
+          </a:prstGeom>
+          <a:noFill/>
+          <a:ln w="25400"/>
+        </p:spPr>
+        <p:style>
+          <a:lnRef idx="2">
+            <a:schemeClr val="accent1">
+              <a:shade val="50000"/>
+            </a:schemeClr>
+          </a:lnRef>
+          <a:fillRef idx="1">
+            <a:schemeClr val="accent1"/>
+          </a:fillRef>
+          <a:effectRef idx="0">
+            <a:schemeClr val="accent1"/>
+          </a:effectRef>
+          <a:fontRef idx="minor">
+            <a:schemeClr val="lt1"/>
+          </a:fontRef>
+        </p:style>
+        <p:txBody>
+          <a:bodyPr rtlCol="0" anchor="ctr"/>
+          <a:lstStyle/>
+          <a:p>
+            <a:pPr algn="ctr"/>
+            <a:endParaRPr lang="ko-KR" altLang="en-US"/>
+          </a:p>
+        </p:txBody>
+      </p:sp>
+      <p:sp>
+        <p:nvSpPr>
+          <p:cNvPr id="18" name="이등변 삼각형 17"/>
+          <p:cNvSpPr/>
+          <p:nvPr/>
+        </p:nvSpPr>
+        <p:spPr>
+          <a:xfrm rot="10800000">
+            <a:off x="7045843" y="4583830"/>
+            <a:ext cx="228142" cy="258495"/>
+          </a:xfrm>
+          <a:prstGeom prst="triangle">
+            <a:avLst/>
+          </a:prstGeom>
+        </p:spPr>
+        <p:style>
+          <a:lnRef idx="2">
+            <a:schemeClr val="accent1">
+              <a:shade val="50000"/>
+            </a:schemeClr>
+          </a:lnRef>
+          <a:fillRef idx="1">
+            <a:schemeClr val="accent1"/>
+          </a:fillRef>
+          <a:effectRef idx="0">
+            <a:schemeClr val="accent1"/>
+          </a:effectRef>
+          <a:fontRef idx="minor">
+            <a:schemeClr val="lt1"/>
+          </a:fontRef>
+        </p:style>
+        <p:txBody>
+          <a:bodyPr rtlCol="0" anchor="ctr"/>
+          <a:lstStyle/>
+          <a:p>
+            <a:pPr algn="ctr"/>
+            <a:endParaRPr lang="ko-KR" altLang="en-US"/>
+          </a:p>
+        </p:txBody>
+      </p:sp>
+      <p:sp>
+        <p:nvSpPr>
+          <p:cNvPr id="19" name="직사각형 18"/>
+          <p:cNvSpPr/>
+          <p:nvPr/>
+        </p:nvSpPr>
+        <p:spPr>
+          <a:xfrm>
+            <a:off x="4659427" y="5258039"/>
+            <a:ext cx="2960230" cy="591127"/>
+          </a:xfrm>
+          <a:prstGeom prst="rect">
+            <a:avLst/>
+          </a:prstGeom>
+        </p:spPr>
+        <p:style>
+          <a:lnRef idx="2">
+            <a:schemeClr val="accent1">
+              <a:shade val="50000"/>
+            </a:schemeClr>
+          </a:lnRef>
+          <a:fillRef idx="1">
+            <a:schemeClr val="accent1"/>
+          </a:fillRef>
+          <a:effectRef idx="0">
+            <a:schemeClr val="accent1"/>
+          </a:effectRef>
+          <a:fontRef idx="minor">
+            <a:schemeClr val="lt1"/>
+          </a:fontRef>
+        </p:style>
+        <p:txBody>
+          <a:bodyPr rtlCol="0" anchor="ctr"/>
+          <a:lstStyle/>
+          <a:p>
+            <a:pPr algn="ctr"/>
+            <a:r>
+              <a:rPr lang="ko-KR" altLang="en-US" smtClean="0"/>
+              <a:t>예약 신청</a:t>
+            </a:r>
+            <a:endParaRPr lang="ko-KR" altLang="en-US"/>
+          </a:p>
+        </p:txBody>
+      </p:sp>
+    </p:spTree>
+    <p:extLst>
+      <p:ext uri="{BB962C8B-B14F-4D97-AF65-F5344CB8AC3E}">
+        <p14:creationId xmlns:p14="http://schemas.microsoft.com/office/powerpoint/2010/main" val="4116147241"/>
+      </p:ext>
+    </p:extLst>
+  </p:cSld>
+  <p:clrMapOvr>
+    <a:masterClrMapping/>
+  </p:clrMapOvr>
+  <p:timing>
+    <p:tnLst>
+      <p:par>
+        <p:cTn id="1" dur="indefinite" restart="never" nodeType="tmRoot"/>
+      </p:par>
+    </p:tnLst>
+  </p:timing>
 </p:sld>
 </file>
 

--- a/gr2_kkb/기범- 화면설계(Project5).pptx
+++ b/gr2_kkb/기범- 화면설계(Project5).pptx
@@ -13,14 +13,13 @@
     <p:sldId id="261" r:id="rId7"/>
     <p:sldId id="262" r:id="rId8"/>
     <p:sldId id="264" r:id="rId9"/>
-    <p:sldId id="271" r:id="rId10"/>
-    <p:sldId id="265" r:id="rId11"/>
-    <p:sldId id="266" r:id="rId12"/>
-    <p:sldId id="267" r:id="rId13"/>
-    <p:sldId id="268" r:id="rId14"/>
-    <p:sldId id="272" r:id="rId15"/>
-    <p:sldId id="273" r:id="rId16"/>
-    <p:sldId id="274" r:id="rId17"/>
+    <p:sldId id="265" r:id="rId10"/>
+    <p:sldId id="266" r:id="rId11"/>
+    <p:sldId id="267" r:id="rId12"/>
+    <p:sldId id="268" r:id="rId13"/>
+    <p:sldId id="272" r:id="rId14"/>
+    <p:sldId id="273" r:id="rId15"/>
+    <p:sldId id="274" r:id="rId16"/>
   </p:sldIdLst>
   <p:sldSz cx="12192000" cy="6858000"/>
   <p:notesSz cx="6858000" cy="9144000"/>
@@ -3520,7 +3519,7 @@
         <p:spPr>
           <a:xfrm>
             <a:off x="4058061" y="2097662"/>
-            <a:ext cx="1830950" cy="369332"/>
+            <a:ext cx="1749197" cy="369332"/>
           </a:xfrm>
           <a:prstGeom prst="rect">
             <a:avLst/>
@@ -3539,7 +3538,7 @@
             </a:r>
             <a:r>
               <a:rPr lang="ko-KR" altLang="en-US" smtClean="0"/>
-              <a:t>세미나실 정보</a:t>
+              <a:t>다이아몬드존</a:t>
             </a:r>
             <a:endParaRPr lang="ko-KR" altLang="en-US"/>
           </a:p>
@@ -3554,7 +3553,7 @@
         <p:spPr>
           <a:xfrm>
             <a:off x="4058061" y="2481704"/>
-            <a:ext cx="2334293" cy="646331"/>
+            <a:ext cx="1627369" cy="646331"/>
           </a:xfrm>
           <a:prstGeom prst="rect">
             <a:avLst/>
@@ -3573,14 +3572,18 @@
             </a:pPr>
             <a:r>
               <a:rPr lang="ko-KR" altLang="en-US" smtClean="0"/>
-              <a:t>세미나실 대관 및 </a:t>
+              <a:t>프리미엄존</a:t>
             </a:r>
             <a:endParaRPr lang="en-US" altLang="ko-KR" smtClean="0"/>
           </a:p>
           <a:p>
-            <a:r>
-              <a:rPr lang="ko-KR" altLang="en-US" smtClean="0"/>
-              <a:t>    세미나실 등록</a:t>
+            <a:pPr marL="285750" indent="-285750">
+              <a:buFont typeface="Arial" panose="020B0604020202020204" pitchFamily="34" charset="0"/>
+              <a:buChar char="•"/>
+            </a:pPr>
+            <a:r>
+              <a:rPr lang="ko-KR" altLang="en-US" smtClean="0"/>
+              <a:t>골드존</a:t>
             </a:r>
             <a:endParaRPr lang="ko-KR" altLang="en-US"/>
           </a:p>
@@ -3704,7 +3707,7 @@
         <p:spPr>
           <a:xfrm>
             <a:off x="2444920" y="852891"/>
-            <a:ext cx="6588244" cy="516284"/>
+            <a:ext cx="5221009" cy="516284"/>
           </a:xfrm>
           <a:prstGeom prst="rect">
             <a:avLst/>
@@ -4012,6 +4015,71 @@
             <a:r>
               <a:rPr lang="ko-KR" altLang="en-US" smtClean="0"/>
               <a:t> 후기</a:t>
+            </a:r>
+            <a:endParaRPr lang="ko-KR" altLang="en-US"/>
+          </a:p>
+        </p:txBody>
+      </p:sp>
+      <p:cxnSp>
+        <p:nvCxnSpPr>
+          <p:cNvPr id="3" name="직선 연결선 2"/>
+          <p:cNvCxnSpPr/>
+          <p:nvPr/>
+        </p:nvCxnSpPr>
+        <p:spPr>
+          <a:xfrm>
+            <a:off x="7728559" y="822038"/>
+            <a:ext cx="0" cy="547137"/>
+          </a:xfrm>
+          <a:prstGeom prst="line">
+            <a:avLst/>
+          </a:prstGeom>
+          <a:ln w="25400">
+            <a:solidFill>
+              <a:schemeClr val="tx1"/>
+            </a:solidFill>
+          </a:ln>
+        </p:spPr>
+        <p:style>
+          <a:lnRef idx="1">
+            <a:schemeClr val="accent1"/>
+          </a:lnRef>
+          <a:fillRef idx="0">
+            <a:schemeClr val="accent1"/>
+          </a:fillRef>
+          <a:effectRef idx="0">
+            <a:schemeClr val="accent1"/>
+          </a:effectRef>
+          <a:fontRef idx="minor">
+            <a:schemeClr val="tx1"/>
+          </a:fontRef>
+        </p:style>
+      </p:cxnSp>
+      <p:sp>
+        <p:nvSpPr>
+          <p:cNvPr id="12" name="TextBox 11"/>
+          <p:cNvSpPr txBox="1"/>
+          <p:nvPr/>
+        </p:nvSpPr>
+        <p:spPr>
+          <a:xfrm>
+            <a:off x="7783455" y="972192"/>
+            <a:ext cx="1420582" cy="369332"/>
+          </a:xfrm>
+          <a:prstGeom prst="rect">
+            <a:avLst/>
+          </a:prstGeom>
+          <a:noFill/>
+        </p:spPr>
+        <p:txBody>
+          <a:bodyPr wrap="none" rtlCol="0">
+            <a:spAutoFit/>
+          </a:bodyPr>
+          <a:lstStyle/>
+          <a:p>
+            <a:r>
+              <a:rPr lang="ko-KR" altLang="en-US" smtClean="0"/>
+              <a:t>세미나 등록</a:t>
             </a:r>
             <a:endParaRPr lang="ko-KR" altLang="en-US"/>
           </a:p>
@@ -4049,555 +4117,24 @@
       </p:grpSpPr>
       <p:sp>
         <p:nvSpPr>
-          <p:cNvPr id="5" name="TextBox 4"/>
-          <p:cNvSpPr txBox="1"/>
-          <p:nvPr/>
-        </p:nvSpPr>
-        <p:spPr>
-          <a:xfrm>
-            <a:off x="4553527" y="701963"/>
-            <a:ext cx="1651414" cy="369332"/>
+          <p:cNvPr id="4" name="직사각형 3"/>
+          <p:cNvSpPr/>
+          <p:nvPr/>
+        </p:nvSpPr>
+        <p:spPr>
+          <a:xfrm>
+            <a:off x="1062182" y="221674"/>
+            <a:ext cx="10344729" cy="6142182"/>
           </a:xfrm>
           <a:prstGeom prst="rect">
             <a:avLst/>
           </a:prstGeom>
           <a:noFill/>
-        </p:spPr>
-        <p:txBody>
-          <a:bodyPr wrap="none" rtlCol="0">
-            <a:spAutoFit/>
-          </a:bodyPr>
-          <a:lstStyle/>
-          <a:p>
-            <a:r>
-              <a:rPr lang="ko-KR" altLang="en-US" err="1" smtClean="0"/>
-              <a:t>세미나존</a:t>
-            </a:r>
-            <a:r>
-              <a:rPr lang="ko-KR" altLang="en-US" smtClean="0"/>
-              <a:t> 후기</a:t>
-            </a:r>
-            <a:endParaRPr lang="ko-KR" altLang="en-US"/>
-          </a:p>
-        </p:txBody>
-      </p:sp>
-      <p:graphicFrame>
-        <p:nvGraphicFramePr>
-          <p:cNvPr id="6" name="표 5"/>
-          <p:cNvGraphicFramePr>
-            <a:graphicFrameLocks noGrp="1"/>
-          </p:cNvGraphicFramePr>
-          <p:nvPr>
-            <p:extLst>
-              <p:ext uri="{D42A27DB-BD31-4B8C-83A1-F6EECF244321}">
-                <p14:modId xmlns:p14="http://schemas.microsoft.com/office/powerpoint/2010/main" val="1292496662"/>
-              </p:ext>
-            </p:extLst>
-          </p:nvPr>
-        </p:nvGraphicFramePr>
-        <p:xfrm>
-          <a:off x="1782618" y="1283084"/>
-          <a:ext cx="8128000" cy="2225040"/>
-        </p:xfrm>
-        <a:graphic>
-          <a:graphicData uri="http://schemas.openxmlformats.org/drawingml/2006/table">
-            <a:tbl>
-              <a:tblPr firstRow="1" bandRow="1">
-                <a:tableStyleId>{5C22544A-7EE6-4342-B048-85BDC9FD1C3A}</a:tableStyleId>
-              </a:tblPr>
-              <a:tblGrid>
-                <a:gridCol w="1062182"/>
-                <a:gridCol w="1727200"/>
-                <a:gridCol w="2272145"/>
-                <a:gridCol w="1634837"/>
-                <a:gridCol w="1431636"/>
-              </a:tblGrid>
-              <a:tr h="370840">
-                <a:tc>
-                  <a:txBody>
-                    <a:bodyPr/>
-                    <a:lstStyle/>
-                    <a:p>
-                      <a:pPr algn="ctr" latinLnBrk="1"/>
-                      <a:r>
-                        <a:rPr lang="ko-KR" altLang="en-US" smtClean="0"/>
-                        <a:t>글 번호</a:t>
-                      </a:r>
-                      <a:endParaRPr lang="ko-KR" altLang="en-US"/>
-                    </a:p>
-                  </a:txBody>
-                  <a:tcPr/>
-                </a:tc>
-                <a:tc>
-                  <a:txBody>
-                    <a:bodyPr/>
-                    <a:lstStyle/>
-                    <a:p>
-                      <a:pPr algn="ctr" latinLnBrk="1"/>
-                      <a:r>
-                        <a:rPr lang="ko-KR" altLang="en-US" err="1" smtClean="0"/>
-                        <a:t>세미나존</a:t>
-                      </a:r>
-                      <a:r>
-                        <a:rPr lang="ko-KR" altLang="en-US" smtClean="0"/>
-                        <a:t> 이름</a:t>
-                      </a:r>
-                      <a:endParaRPr lang="ko-KR" altLang="en-US"/>
-                    </a:p>
-                  </a:txBody>
-                  <a:tcPr/>
-                </a:tc>
-                <a:tc>
-                  <a:txBody>
-                    <a:bodyPr/>
-                    <a:lstStyle/>
-                    <a:p>
-                      <a:pPr algn="ctr" latinLnBrk="1"/>
-                      <a:r>
-                        <a:rPr lang="ko-KR" altLang="en-US" smtClean="0"/>
-                        <a:t>세미나 타이틀</a:t>
-                      </a:r>
-                      <a:endParaRPr lang="ko-KR" altLang="en-US"/>
-                    </a:p>
-                  </a:txBody>
-                  <a:tcPr/>
-                </a:tc>
-                <a:tc>
-                  <a:txBody>
-                    <a:bodyPr/>
-                    <a:lstStyle/>
-                    <a:p>
-                      <a:pPr algn="ctr" latinLnBrk="1"/>
-                      <a:r>
-                        <a:rPr lang="ko-KR" altLang="en-US" smtClean="0"/>
-                        <a:t>날짜</a:t>
-                      </a:r>
-                      <a:endParaRPr lang="ko-KR" altLang="en-US"/>
-                    </a:p>
-                  </a:txBody>
-                  <a:tcPr/>
-                </a:tc>
-                <a:tc>
-                  <a:txBody>
-                    <a:bodyPr/>
-                    <a:lstStyle/>
-                    <a:p>
-                      <a:pPr algn="ctr" latinLnBrk="1"/>
-                      <a:r>
-                        <a:rPr lang="ko-KR" altLang="en-US" smtClean="0"/>
-                        <a:t>글쓴이</a:t>
-                      </a:r>
-                      <a:endParaRPr lang="ko-KR" altLang="en-US"/>
-                    </a:p>
-                  </a:txBody>
-                  <a:tcPr/>
-                </a:tc>
-              </a:tr>
-              <a:tr h="370840">
-                <a:tc>
-                  <a:txBody>
-                    <a:bodyPr/>
-                    <a:lstStyle/>
-                    <a:p>
-                      <a:pPr algn="ctr" latinLnBrk="1"/>
-                      <a:r>
-                        <a:rPr lang="en-US" altLang="ko-KR" smtClean="0"/>
-                        <a:t>1</a:t>
-                      </a:r>
-                      <a:endParaRPr lang="ko-KR" altLang="en-US"/>
-                    </a:p>
-                  </a:txBody>
-                  <a:tcPr/>
-                </a:tc>
-                <a:tc>
-                  <a:txBody>
-                    <a:bodyPr/>
-                    <a:lstStyle/>
-                    <a:p>
-                      <a:pPr algn="ctr" latinLnBrk="1"/>
-                      <a:r>
-                        <a:rPr lang="ko-KR" altLang="en-US" err="1" smtClean="0"/>
-                        <a:t>프리미엄존</a:t>
-                      </a:r>
-                      <a:endParaRPr lang="ko-KR" altLang="en-US"/>
-                    </a:p>
-                  </a:txBody>
-                  <a:tcPr/>
-                </a:tc>
-                <a:tc>
-                  <a:txBody>
-                    <a:bodyPr/>
-                    <a:lstStyle/>
-                    <a:p>
-                      <a:pPr algn="ctr" latinLnBrk="1"/>
-                      <a:r>
-                        <a:rPr lang="ko-KR" altLang="en-US" err="1" smtClean="0"/>
-                        <a:t>정말좋았어요</a:t>
-                      </a:r>
-                      <a:endParaRPr lang="ko-KR" altLang="en-US"/>
-                    </a:p>
-                  </a:txBody>
-                  <a:tcPr/>
-                </a:tc>
-                <a:tc>
-                  <a:txBody>
-                    <a:bodyPr/>
-                    <a:lstStyle/>
-                    <a:p>
-                      <a:pPr algn="ctr" latinLnBrk="1"/>
-                      <a:r>
-                        <a:rPr lang="en-US" altLang="ko-KR" smtClean="0"/>
-                        <a:t>2020.03.31</a:t>
-                      </a:r>
-                      <a:endParaRPr lang="ko-KR" altLang="en-US"/>
-                    </a:p>
-                  </a:txBody>
-                  <a:tcPr/>
-                </a:tc>
-                <a:tc>
-                  <a:txBody>
-                    <a:bodyPr/>
-                    <a:lstStyle/>
-                    <a:p>
-                      <a:pPr algn="ctr" latinLnBrk="1"/>
-                      <a:r>
-                        <a:rPr lang="en-US" altLang="ko-KR" err="1" smtClean="0"/>
-                        <a:t>ezenkb</a:t>
-                      </a:r>
-                      <a:endParaRPr lang="ko-KR" altLang="en-US"/>
-                    </a:p>
-                  </a:txBody>
-                  <a:tcPr/>
-                </a:tc>
-              </a:tr>
-              <a:tr h="370840">
-                <a:tc>
-                  <a:txBody>
-                    <a:bodyPr/>
-                    <a:lstStyle/>
-                    <a:p>
-                      <a:pPr algn="ctr" latinLnBrk="1"/>
-                      <a:r>
-                        <a:rPr lang="en-US" altLang="ko-KR" smtClean="0"/>
-                        <a:t>2</a:t>
-                      </a:r>
-                      <a:endParaRPr lang="ko-KR" altLang="en-US"/>
-                    </a:p>
-                  </a:txBody>
-                  <a:tcPr/>
-                </a:tc>
-                <a:tc>
-                  <a:txBody>
-                    <a:bodyPr/>
-                    <a:lstStyle/>
-                    <a:p>
-                      <a:pPr algn="ctr" latinLnBrk="1"/>
-                      <a:r>
-                        <a:rPr lang="ko-KR" altLang="en-US" err="1" smtClean="0"/>
-                        <a:t>골드존</a:t>
-                      </a:r>
-                      <a:endParaRPr lang="ko-KR" altLang="en-US"/>
-                    </a:p>
-                  </a:txBody>
-                  <a:tcPr/>
-                </a:tc>
-                <a:tc>
-                  <a:txBody>
-                    <a:bodyPr/>
-                    <a:lstStyle/>
-                    <a:p>
-                      <a:pPr algn="ctr" latinLnBrk="1"/>
-                      <a:r>
-                        <a:rPr lang="ko-KR" altLang="en-US" smtClean="0"/>
-                        <a:t>좋았습니다</a:t>
-                      </a:r>
-                      <a:endParaRPr lang="ko-KR" altLang="en-US"/>
-                    </a:p>
-                  </a:txBody>
-                  <a:tcPr/>
-                </a:tc>
-                <a:tc>
-                  <a:txBody>
-                    <a:bodyPr/>
-                    <a:lstStyle/>
-                    <a:p>
-                      <a:pPr algn="ctr" latinLnBrk="1"/>
-                      <a:r>
-                        <a:rPr lang="en-US" altLang="ko-KR" smtClean="0"/>
-                        <a:t>2020.03.31</a:t>
-                      </a:r>
-                      <a:endParaRPr lang="ko-KR" altLang="en-US"/>
-                    </a:p>
-                  </a:txBody>
-                  <a:tcPr/>
-                </a:tc>
-                <a:tc>
-                  <a:txBody>
-                    <a:bodyPr/>
-                    <a:lstStyle/>
-                    <a:p>
-                      <a:pPr algn="ctr" latinLnBrk="1"/>
-                      <a:r>
-                        <a:rPr lang="en-US" altLang="ko-KR" err="1" smtClean="0"/>
-                        <a:t>ezenkb</a:t>
-                      </a:r>
-                      <a:endParaRPr lang="ko-KR" altLang="en-US"/>
-                    </a:p>
-                  </a:txBody>
-                  <a:tcPr/>
-                </a:tc>
-              </a:tr>
-              <a:tr h="370840">
-                <a:tc>
-                  <a:txBody>
-                    <a:bodyPr/>
-                    <a:lstStyle/>
-                    <a:p>
-                      <a:pPr algn="ctr" latinLnBrk="1"/>
-                      <a:r>
-                        <a:rPr lang="en-US" altLang="ko-KR" smtClean="0"/>
-                        <a:t>3</a:t>
-                      </a:r>
-                      <a:endParaRPr lang="ko-KR" altLang="en-US"/>
-                    </a:p>
-                  </a:txBody>
-                  <a:tcPr/>
-                </a:tc>
-                <a:tc>
-                  <a:txBody>
-                    <a:bodyPr/>
-                    <a:lstStyle/>
-                    <a:p>
-                      <a:pPr algn="ctr" latinLnBrk="1"/>
-                      <a:r>
-                        <a:rPr lang="ko-KR" altLang="en-US" smtClean="0"/>
-                        <a:t>실버존</a:t>
-                      </a:r>
-                      <a:endParaRPr lang="ko-KR" altLang="en-US"/>
-                    </a:p>
-                  </a:txBody>
-                  <a:tcPr/>
-                </a:tc>
-                <a:tc>
-                  <a:txBody>
-                    <a:bodyPr/>
-                    <a:lstStyle/>
-                    <a:p>
-                      <a:pPr algn="ctr" latinLnBrk="1"/>
-                      <a:r>
-                        <a:rPr lang="ko-KR" altLang="en-US" err="1" smtClean="0"/>
-                        <a:t>정말좋았어요</a:t>
-                      </a:r>
-                      <a:endParaRPr lang="ko-KR" altLang="en-US"/>
-                    </a:p>
-                  </a:txBody>
-                  <a:tcPr/>
-                </a:tc>
-                <a:tc>
-                  <a:txBody>
-                    <a:bodyPr/>
-                    <a:lstStyle/>
-                    <a:p>
-                      <a:pPr algn="ctr" latinLnBrk="1"/>
-                      <a:r>
-                        <a:rPr lang="en-US" altLang="ko-KR" smtClean="0"/>
-                        <a:t>2020.03.31</a:t>
-                      </a:r>
-                      <a:endParaRPr lang="ko-KR" altLang="en-US"/>
-                    </a:p>
-                  </a:txBody>
-                  <a:tcPr/>
-                </a:tc>
-                <a:tc>
-                  <a:txBody>
-                    <a:bodyPr/>
-                    <a:lstStyle/>
-                    <a:p>
-                      <a:pPr algn="ctr" latinLnBrk="1"/>
-                      <a:r>
-                        <a:rPr lang="en-US" altLang="ko-KR" err="1" smtClean="0"/>
-                        <a:t>ezenkb</a:t>
-                      </a:r>
-                      <a:endParaRPr lang="ko-KR" altLang="en-US"/>
-                    </a:p>
-                  </a:txBody>
-                  <a:tcPr/>
-                </a:tc>
-              </a:tr>
-              <a:tr h="370840">
-                <a:tc>
-                  <a:txBody>
-                    <a:bodyPr/>
-                    <a:lstStyle/>
-                    <a:p>
-                      <a:pPr algn="ctr" latinLnBrk="1"/>
-                      <a:r>
-                        <a:rPr lang="en-US" altLang="ko-KR" smtClean="0"/>
-                        <a:t>4</a:t>
-                      </a:r>
-                      <a:endParaRPr lang="ko-KR" altLang="en-US"/>
-                    </a:p>
-                  </a:txBody>
-                  <a:tcPr/>
-                </a:tc>
-                <a:tc>
-                  <a:txBody>
-                    <a:bodyPr/>
-                    <a:lstStyle/>
-                    <a:p>
-                      <a:pPr algn="ctr" latinLnBrk="1"/>
-                      <a:r>
-                        <a:rPr lang="ko-KR" altLang="en-US" smtClean="0"/>
-                        <a:t>다이아몬드존</a:t>
-                      </a:r>
-                      <a:endParaRPr lang="ko-KR" altLang="en-US"/>
-                    </a:p>
-                  </a:txBody>
-                  <a:tcPr/>
-                </a:tc>
-                <a:tc>
-                  <a:txBody>
-                    <a:bodyPr/>
-                    <a:lstStyle/>
-                    <a:p>
-                      <a:pPr algn="ctr" latinLnBrk="1"/>
-                      <a:r>
-                        <a:rPr lang="ko-KR" altLang="en-US" err="1" smtClean="0"/>
-                        <a:t>정말좋았어요</a:t>
-                      </a:r>
-                      <a:endParaRPr lang="ko-KR" altLang="en-US"/>
-                    </a:p>
-                  </a:txBody>
-                  <a:tcPr/>
-                </a:tc>
-                <a:tc>
-                  <a:txBody>
-                    <a:bodyPr/>
-                    <a:lstStyle/>
-                    <a:p>
-                      <a:pPr algn="ctr" latinLnBrk="1"/>
-                      <a:r>
-                        <a:rPr lang="en-US" altLang="ko-KR" smtClean="0"/>
-                        <a:t>2020.03.31</a:t>
-                      </a:r>
-                      <a:endParaRPr lang="ko-KR" altLang="en-US"/>
-                    </a:p>
-                  </a:txBody>
-                  <a:tcPr/>
-                </a:tc>
-                <a:tc>
-                  <a:txBody>
-                    <a:bodyPr/>
-                    <a:lstStyle/>
-                    <a:p>
-                      <a:pPr algn="ctr" latinLnBrk="1"/>
-                      <a:r>
-                        <a:rPr lang="en-US" altLang="ko-KR" err="1" smtClean="0"/>
-                        <a:t>ezenkb</a:t>
-                      </a:r>
-                      <a:endParaRPr lang="ko-KR" altLang="en-US"/>
-                    </a:p>
-                  </a:txBody>
-                  <a:tcPr/>
-                </a:tc>
-              </a:tr>
-              <a:tr h="370840">
-                <a:tc>
-                  <a:txBody>
-                    <a:bodyPr/>
-                    <a:lstStyle/>
-                    <a:p>
-                      <a:pPr algn="ctr" latinLnBrk="1"/>
-                      <a:r>
-                        <a:rPr lang="en-US" altLang="ko-KR" smtClean="0"/>
-                        <a:t>5</a:t>
-                      </a:r>
-                      <a:endParaRPr lang="ko-KR" altLang="en-US"/>
-                    </a:p>
-                  </a:txBody>
-                  <a:tcPr/>
-                </a:tc>
-                <a:tc>
-                  <a:txBody>
-                    <a:bodyPr/>
-                    <a:lstStyle/>
-                    <a:p>
-                      <a:pPr algn="ctr" latinLnBrk="1"/>
-                      <a:r>
-                        <a:rPr lang="ko-KR" altLang="en-US" err="1" smtClean="0"/>
-                        <a:t>프리미엄존</a:t>
-                      </a:r>
-                      <a:endParaRPr lang="ko-KR" altLang="en-US"/>
-                    </a:p>
-                  </a:txBody>
-                  <a:tcPr/>
-                </a:tc>
-                <a:tc>
-                  <a:txBody>
-                    <a:bodyPr/>
-                    <a:lstStyle/>
-                    <a:p>
-                      <a:pPr algn="ctr" latinLnBrk="1"/>
-                      <a:r>
-                        <a:rPr lang="ko-KR" altLang="en-US" err="1" smtClean="0"/>
-                        <a:t>정말좋았어요</a:t>
-                      </a:r>
-                      <a:endParaRPr lang="ko-KR" altLang="en-US"/>
-                    </a:p>
-                  </a:txBody>
-                  <a:tcPr/>
-                </a:tc>
-                <a:tc>
-                  <a:txBody>
-                    <a:bodyPr/>
-                    <a:lstStyle/>
-                    <a:p>
-                      <a:pPr algn="ctr" latinLnBrk="1"/>
-                      <a:r>
-                        <a:rPr lang="en-US" altLang="ko-KR" smtClean="0"/>
-                        <a:t>2020.03.31</a:t>
-                      </a:r>
-                      <a:endParaRPr lang="ko-KR" altLang="en-US"/>
-                    </a:p>
-                  </a:txBody>
-                  <a:tcPr/>
-                </a:tc>
-                <a:tc>
-                  <a:txBody>
-                    <a:bodyPr/>
-                    <a:lstStyle/>
-                    <a:p>
-                      <a:pPr algn="ctr" latinLnBrk="1"/>
-                      <a:r>
-                        <a:rPr lang="en-US" altLang="ko-KR" err="1" smtClean="0"/>
-                        <a:t>ezenkb</a:t>
-                      </a:r>
-                      <a:endParaRPr lang="ko-KR" altLang="en-US"/>
-                    </a:p>
-                  </a:txBody>
-                  <a:tcPr/>
-                </a:tc>
-              </a:tr>
-            </a:tbl>
-          </a:graphicData>
-        </a:graphic>
-      </p:graphicFrame>
-      <p:sp>
-        <p:nvSpPr>
-          <p:cNvPr id="7" name="직사각형 6"/>
-          <p:cNvSpPr/>
-          <p:nvPr/>
-        </p:nvSpPr>
-        <p:spPr>
-          <a:xfrm>
-            <a:off x="8190410" y="770790"/>
-            <a:ext cx="1720207" cy="406400"/>
-          </a:xfrm>
-          <a:prstGeom prst="rect">
-            <a:avLst/>
-          </a:prstGeom>
-          <a:noFill/>
-          <a:ln w="25400"/>
+          <a:ln w="25400">
+            <a:solidFill>
+              <a:schemeClr val="tx1"/>
+            </a:solidFill>
+          </a:ln>
         </p:spPr>
         <p:style>
           <a:lnRef idx="2">
@@ -4626,18 +4163,24 @@
       </p:sp>
       <p:sp>
         <p:nvSpPr>
-          <p:cNvPr id="8" name="이등변 삼각형 7"/>
+          <p:cNvPr id="5" name="직사각형 4"/>
           <p:cNvSpPr/>
           <p:nvPr/>
         </p:nvSpPr>
         <p:spPr>
-          <a:xfrm rot="10800000">
-            <a:off x="9481129" y="855250"/>
-            <a:ext cx="295563" cy="258495"/>
-          </a:xfrm>
-          <a:prstGeom prst="triangle">
-            <a:avLst/>
-          </a:prstGeom>
+          <a:xfrm>
+            <a:off x="1283855" y="443345"/>
+            <a:ext cx="9845963" cy="572655"/>
+          </a:xfrm>
+          <a:prstGeom prst="rect">
+            <a:avLst/>
+          </a:prstGeom>
+          <a:noFill/>
+          <a:ln w="25400">
+            <a:solidFill>
+              <a:schemeClr val="tx1"/>
+            </a:solidFill>
+          </a:ln>
         </p:spPr>
         <p:style>
           <a:lnRef idx="2">
@@ -4660,24 +4203,42 @@
           <a:lstStyle/>
           <a:p>
             <a:pPr algn="ctr"/>
-            <a:endParaRPr lang="ko-KR" altLang="en-US"/>
-          </a:p>
-        </p:txBody>
-      </p:sp>
-      <p:sp>
-        <p:nvSpPr>
-          <p:cNvPr id="9" name="직사각형 8"/>
+            <a:r>
+              <a:rPr lang="ko-KR" altLang="en-US" smtClean="0">
+                <a:solidFill>
+                  <a:schemeClr val="tx1"/>
+                </a:solidFill>
+              </a:rPr>
+              <a:t>세미나 타이틀</a:t>
+            </a:r>
+            <a:endParaRPr lang="ko-KR" altLang="en-US">
+              <a:solidFill>
+                <a:schemeClr val="tx1"/>
+              </a:solidFill>
+            </a:endParaRPr>
+          </a:p>
+        </p:txBody>
+      </p:sp>
+      <p:sp>
+        <p:nvSpPr>
+          <p:cNvPr id="6" name="직사각형 5"/>
           <p:cNvSpPr/>
           <p:nvPr/>
         </p:nvSpPr>
         <p:spPr>
           <a:xfrm>
-            <a:off x="3918857" y="3749040"/>
-            <a:ext cx="548640" cy="457200"/>
-          </a:xfrm>
-          <a:prstGeom prst="rect">
-            <a:avLst/>
-          </a:prstGeom>
+            <a:off x="6818811" y="1162594"/>
+            <a:ext cx="4311007" cy="522515"/>
+          </a:xfrm>
+          <a:prstGeom prst="rect">
+            <a:avLst/>
+          </a:prstGeom>
+          <a:noFill/>
+          <a:ln w="25400">
+            <a:solidFill>
+              <a:schemeClr val="tx1"/>
+            </a:solidFill>
+          </a:ln>
         </p:spPr>
         <p:style>
           <a:lnRef idx="2">
@@ -4701,27 +4262,57 @@
           <a:p>
             <a:pPr algn="ctr"/>
             <a:r>
-              <a:rPr lang="en-US" altLang="ko-KR" smtClean="0"/>
-              <a:t>&lt;&lt;</a:t>
-            </a:r>
-            <a:endParaRPr lang="ko-KR" altLang="en-US"/>
-          </a:p>
-        </p:txBody>
-      </p:sp>
-      <p:sp>
-        <p:nvSpPr>
-          <p:cNvPr id="10" name="직사각형 9"/>
+              <a:rPr lang="ko-KR" altLang="en-US" smtClean="0">
+                <a:solidFill>
+                  <a:schemeClr val="tx1"/>
+                </a:solidFill>
+              </a:rPr>
+              <a:t>글쓴이 </a:t>
+            </a:r>
+            <a:r>
+              <a:rPr lang="en-US" altLang="ko-KR" smtClean="0">
+                <a:solidFill>
+                  <a:schemeClr val="tx1"/>
+                </a:solidFill>
+              </a:rPr>
+              <a:t>/ </a:t>
+            </a:r>
+            <a:r>
+              <a:rPr lang="ko-KR" altLang="en-US" smtClean="0">
+                <a:solidFill>
+                  <a:schemeClr val="tx1"/>
+                </a:solidFill>
+              </a:rPr>
+              <a:t>등록날짜</a:t>
+            </a:r>
+            <a:endParaRPr lang="ko-KR" altLang="en-US">
+              <a:solidFill>
+                <a:schemeClr val="tx1"/>
+              </a:solidFill>
+            </a:endParaRPr>
+          </a:p>
+        </p:txBody>
+      </p:sp>
+      <p:sp>
+        <p:nvSpPr>
+          <p:cNvPr id="7" name="직사각형 6"/>
           <p:cNvSpPr/>
           <p:nvPr/>
         </p:nvSpPr>
         <p:spPr>
           <a:xfrm>
-            <a:off x="4598125" y="3749040"/>
-            <a:ext cx="548640" cy="457200"/>
-          </a:xfrm>
-          <a:prstGeom prst="rect">
-            <a:avLst/>
-          </a:prstGeom>
+            <a:off x="1420751" y="1946366"/>
+            <a:ext cx="9627589" cy="3670663"/>
+          </a:xfrm>
+          <a:prstGeom prst="rect">
+            <a:avLst/>
+          </a:prstGeom>
+          <a:noFill/>
+          <a:ln w="25400">
+            <a:solidFill>
+              <a:schemeClr val="tx1"/>
+            </a:solidFill>
+          </a:ln>
         </p:spPr>
         <p:style>
           <a:lnRef idx="2">
@@ -4745,27 +4336,41 @@
           <a:p>
             <a:pPr algn="ctr"/>
             <a:r>
-              <a:rPr lang="en-US" altLang="ko-KR" smtClean="0"/>
-              <a:t>1</a:t>
-            </a:r>
-            <a:endParaRPr lang="ko-KR" altLang="en-US"/>
-          </a:p>
-        </p:txBody>
-      </p:sp>
-      <p:sp>
-        <p:nvSpPr>
-          <p:cNvPr id="11" name="직사각형 10"/>
+              <a:rPr lang="ko-KR" altLang="en-US" smtClean="0">
+                <a:solidFill>
+                  <a:schemeClr val="tx1"/>
+                </a:solidFill>
+              </a:rPr>
+              <a:t>후기 내용</a:t>
+            </a:r>
+            <a:endParaRPr lang="ko-KR" altLang="en-US">
+              <a:solidFill>
+                <a:schemeClr val="tx1"/>
+              </a:solidFill>
+            </a:endParaRPr>
+          </a:p>
+        </p:txBody>
+      </p:sp>
+      <p:sp>
+        <p:nvSpPr>
+          <p:cNvPr id="8" name="직사각형 7"/>
           <p:cNvSpPr/>
           <p:nvPr/>
         </p:nvSpPr>
         <p:spPr>
           <a:xfrm>
-            <a:off x="5303520" y="3742509"/>
-            <a:ext cx="548640" cy="457200"/>
-          </a:xfrm>
-          <a:prstGeom prst="rect">
-            <a:avLst/>
-          </a:prstGeom>
+            <a:off x="4062548" y="5734594"/>
+            <a:ext cx="4311007" cy="522515"/>
+          </a:xfrm>
+          <a:prstGeom prst="rect">
+            <a:avLst/>
+          </a:prstGeom>
+          <a:noFill/>
+          <a:ln w="25400">
+            <a:solidFill>
+              <a:schemeClr val="tx1"/>
+            </a:solidFill>
+          </a:ln>
         </p:spPr>
         <p:style>
           <a:lnRef idx="2">
@@ -4789,149 +4394,25 @@
           <a:p>
             <a:pPr algn="ctr"/>
             <a:r>
-              <a:rPr lang="en-US" altLang="ko-KR" smtClean="0"/>
-              <a:t>2</a:t>
-            </a:r>
-            <a:endParaRPr lang="ko-KR" altLang="en-US"/>
-          </a:p>
-        </p:txBody>
-      </p:sp>
-      <p:sp>
-        <p:nvSpPr>
-          <p:cNvPr id="12" name="직사각형 11"/>
-          <p:cNvSpPr/>
-          <p:nvPr/>
-        </p:nvSpPr>
-        <p:spPr>
-          <a:xfrm>
-            <a:off x="6008915" y="3749040"/>
-            <a:ext cx="548640" cy="457200"/>
-          </a:xfrm>
-          <a:prstGeom prst="rect">
-            <a:avLst/>
-          </a:prstGeom>
-        </p:spPr>
-        <p:style>
-          <a:lnRef idx="2">
-            <a:schemeClr val="accent1">
-              <a:shade val="50000"/>
-            </a:schemeClr>
-          </a:lnRef>
-          <a:fillRef idx="1">
-            <a:schemeClr val="accent1"/>
-          </a:fillRef>
-          <a:effectRef idx="0">
-            <a:schemeClr val="accent1"/>
-          </a:effectRef>
-          <a:fontRef idx="minor">
-            <a:schemeClr val="lt1"/>
-          </a:fontRef>
-        </p:style>
-        <p:txBody>
-          <a:bodyPr rtlCol="0" anchor="ctr"/>
-          <a:lstStyle/>
-          <a:p>
-            <a:pPr algn="ctr"/>
-            <a:r>
-              <a:rPr lang="en-US" altLang="ko-KR" smtClean="0"/>
-              <a:t>3</a:t>
-            </a:r>
-            <a:endParaRPr lang="ko-KR" altLang="en-US"/>
-          </a:p>
-        </p:txBody>
-      </p:sp>
-      <p:sp>
-        <p:nvSpPr>
-          <p:cNvPr id="13" name="직사각형 12"/>
-          <p:cNvSpPr/>
-          <p:nvPr/>
-        </p:nvSpPr>
-        <p:spPr>
-          <a:xfrm>
-            <a:off x="6714310" y="3749040"/>
-            <a:ext cx="548640" cy="457200"/>
-          </a:xfrm>
-          <a:prstGeom prst="rect">
-            <a:avLst/>
-          </a:prstGeom>
-        </p:spPr>
-        <p:style>
-          <a:lnRef idx="2">
-            <a:schemeClr val="accent1">
-              <a:shade val="50000"/>
-            </a:schemeClr>
-          </a:lnRef>
-          <a:fillRef idx="1">
-            <a:schemeClr val="accent1"/>
-          </a:fillRef>
-          <a:effectRef idx="0">
-            <a:schemeClr val="accent1"/>
-          </a:effectRef>
-          <a:fontRef idx="minor">
-            <a:schemeClr val="lt1"/>
-          </a:fontRef>
-        </p:style>
-        <p:txBody>
-          <a:bodyPr rtlCol="0" anchor="ctr"/>
-          <a:lstStyle/>
-          <a:p>
-            <a:pPr algn="ctr"/>
-            <a:r>
-              <a:rPr lang="en-US" altLang="ko-KR" smtClean="0"/>
-              <a:t>4</a:t>
-            </a:r>
-            <a:endParaRPr lang="ko-KR" altLang="en-US"/>
-          </a:p>
-        </p:txBody>
-      </p:sp>
-      <p:sp>
-        <p:nvSpPr>
-          <p:cNvPr id="14" name="직사각형 13"/>
-          <p:cNvSpPr/>
-          <p:nvPr/>
-        </p:nvSpPr>
-        <p:spPr>
-          <a:xfrm>
-            <a:off x="7419705" y="3742509"/>
-            <a:ext cx="548640" cy="457200"/>
-          </a:xfrm>
-          <a:prstGeom prst="rect">
-            <a:avLst/>
-          </a:prstGeom>
-        </p:spPr>
-        <p:style>
-          <a:lnRef idx="2">
-            <a:schemeClr val="accent1">
-              <a:shade val="50000"/>
-            </a:schemeClr>
-          </a:lnRef>
-          <a:fillRef idx="1">
-            <a:schemeClr val="accent1"/>
-          </a:fillRef>
-          <a:effectRef idx="0">
-            <a:schemeClr val="accent1"/>
-          </a:effectRef>
-          <a:fontRef idx="minor">
-            <a:schemeClr val="lt1"/>
-          </a:fontRef>
-        </p:style>
-        <p:txBody>
-          <a:bodyPr rtlCol="0" anchor="ctr"/>
-          <a:lstStyle/>
-          <a:p>
-            <a:pPr algn="ctr"/>
-            <a:r>
-              <a:rPr lang="en-US" altLang="ko-KR" smtClean="0"/>
-              <a:t>&gt;&gt;</a:t>
-            </a:r>
-            <a:endParaRPr lang="ko-KR" altLang="en-US"/>
+              <a:rPr lang="ko-KR" altLang="en-US" smtClean="0">
+                <a:solidFill>
+                  <a:schemeClr val="tx1"/>
+                </a:solidFill>
+              </a:rPr>
+              <a:t>목록보기</a:t>
+            </a:r>
+            <a:endParaRPr lang="ko-KR" altLang="en-US">
+              <a:solidFill>
+                <a:schemeClr val="tx1"/>
+              </a:solidFill>
+            </a:endParaRPr>
           </a:p>
         </p:txBody>
       </p:sp>
     </p:spTree>
     <p:extLst>
       <p:ext uri="{BB962C8B-B14F-4D97-AF65-F5344CB8AC3E}">
-        <p14:creationId xmlns:p14="http://schemas.microsoft.com/office/powerpoint/2010/main" val="1644527118"/>
+        <p14:creationId xmlns:p14="http://schemas.microsoft.com/office/powerpoint/2010/main" val="3074771721"/>
       </p:ext>
     </p:extLst>
   </p:cSld>
@@ -4973,8 +4454,8 @@
         </p:nvSpPr>
         <p:spPr>
           <a:xfrm>
-            <a:off x="1062182" y="221674"/>
-            <a:ext cx="10344729" cy="6142182"/>
+            <a:off x="3735977" y="274320"/>
+            <a:ext cx="5042263" cy="6100354"/>
           </a:xfrm>
           <a:prstGeom prst="rect">
             <a:avLst/>
@@ -5013,240 +4494,567 @@
       </p:sp>
       <p:sp>
         <p:nvSpPr>
-          <p:cNvPr id="5" name="직사각형 4"/>
-          <p:cNvSpPr/>
-          <p:nvPr/>
-        </p:nvSpPr>
-        <p:spPr>
-          <a:xfrm>
-            <a:off x="1283855" y="443345"/>
-            <a:ext cx="9845963" cy="572655"/>
+          <p:cNvPr id="5" name="TextBox 4"/>
+          <p:cNvSpPr txBox="1"/>
+          <p:nvPr/>
+        </p:nvSpPr>
+        <p:spPr>
+          <a:xfrm>
+            <a:off x="5196269" y="571334"/>
+            <a:ext cx="1651414" cy="369332"/>
           </a:xfrm>
           <a:prstGeom prst="rect">
             <a:avLst/>
           </a:prstGeom>
           <a:noFill/>
-          <a:ln w="25400">
-            <a:solidFill>
-              <a:schemeClr val="tx1"/>
-            </a:solidFill>
-          </a:ln>
-        </p:spPr>
-        <p:style>
-          <a:lnRef idx="2">
-            <a:schemeClr val="accent1">
-              <a:shade val="50000"/>
-            </a:schemeClr>
-          </a:lnRef>
-          <a:fillRef idx="1">
-            <a:schemeClr val="accent1"/>
-          </a:fillRef>
-          <a:effectRef idx="0">
-            <a:schemeClr val="accent1"/>
-          </a:effectRef>
-          <a:fontRef idx="minor">
-            <a:schemeClr val="lt1"/>
-          </a:fontRef>
-        </p:style>
-        <p:txBody>
-          <a:bodyPr rtlCol="0" anchor="ctr"/>
-          <a:lstStyle/>
-          <a:p>
-            <a:pPr algn="ctr"/>
-            <a:r>
-              <a:rPr lang="ko-KR" altLang="en-US" smtClean="0">
-                <a:solidFill>
-                  <a:schemeClr val="tx1"/>
-                </a:solidFill>
-              </a:rPr>
-              <a:t>세미나 타이틀</a:t>
-            </a:r>
-            <a:endParaRPr lang="ko-KR" altLang="en-US">
-              <a:solidFill>
-                <a:schemeClr val="tx1"/>
-              </a:solidFill>
-            </a:endParaRPr>
-          </a:p>
-        </p:txBody>
-      </p:sp>
-      <p:sp>
-        <p:nvSpPr>
-          <p:cNvPr id="6" name="직사각형 5"/>
-          <p:cNvSpPr/>
-          <p:nvPr/>
-        </p:nvSpPr>
-        <p:spPr>
-          <a:xfrm>
-            <a:off x="6818811" y="1162594"/>
-            <a:ext cx="4311007" cy="522515"/>
-          </a:xfrm>
-          <a:prstGeom prst="rect">
-            <a:avLst/>
-          </a:prstGeom>
-          <a:noFill/>
-          <a:ln w="25400">
-            <a:solidFill>
-              <a:schemeClr val="tx1"/>
-            </a:solidFill>
-          </a:ln>
-        </p:spPr>
-        <p:style>
-          <a:lnRef idx="2">
-            <a:schemeClr val="accent1">
-              <a:shade val="50000"/>
-            </a:schemeClr>
-          </a:lnRef>
-          <a:fillRef idx="1">
-            <a:schemeClr val="accent1"/>
-          </a:fillRef>
-          <a:effectRef idx="0">
-            <a:schemeClr val="accent1"/>
-          </a:effectRef>
-          <a:fontRef idx="minor">
-            <a:schemeClr val="lt1"/>
-          </a:fontRef>
-        </p:style>
-        <p:txBody>
-          <a:bodyPr rtlCol="0" anchor="ctr"/>
-          <a:lstStyle/>
-          <a:p>
-            <a:pPr algn="ctr"/>
-            <a:r>
-              <a:rPr lang="ko-KR" altLang="en-US" smtClean="0">
-                <a:solidFill>
-                  <a:schemeClr val="tx1"/>
-                </a:solidFill>
-              </a:rPr>
-              <a:t>등록날짜</a:t>
-            </a:r>
-            <a:endParaRPr lang="ko-KR" altLang="en-US">
-              <a:solidFill>
-                <a:schemeClr val="tx1"/>
-              </a:solidFill>
-            </a:endParaRPr>
-          </a:p>
-        </p:txBody>
-      </p:sp>
-      <p:sp>
-        <p:nvSpPr>
-          <p:cNvPr id="7" name="직사각형 6"/>
-          <p:cNvSpPr/>
-          <p:nvPr/>
-        </p:nvSpPr>
-        <p:spPr>
-          <a:xfrm>
-            <a:off x="1420751" y="1946366"/>
-            <a:ext cx="9627589" cy="3670663"/>
-          </a:xfrm>
-          <a:prstGeom prst="rect">
-            <a:avLst/>
-          </a:prstGeom>
-          <a:noFill/>
-          <a:ln w="25400">
-            <a:solidFill>
-              <a:schemeClr val="tx1"/>
-            </a:solidFill>
-          </a:ln>
-        </p:spPr>
-        <p:style>
-          <a:lnRef idx="2">
-            <a:schemeClr val="accent1">
-              <a:shade val="50000"/>
-            </a:schemeClr>
-          </a:lnRef>
-          <a:fillRef idx="1">
-            <a:schemeClr val="accent1"/>
-          </a:fillRef>
-          <a:effectRef idx="0">
-            <a:schemeClr val="accent1"/>
-          </a:effectRef>
-          <a:fontRef idx="minor">
-            <a:schemeClr val="lt1"/>
-          </a:fontRef>
-        </p:style>
-        <p:txBody>
-          <a:bodyPr rtlCol="0" anchor="ctr"/>
-          <a:lstStyle/>
-          <a:p>
-            <a:pPr algn="ctr"/>
-            <a:r>
-              <a:rPr lang="ko-KR" altLang="en-US" smtClean="0">
-                <a:solidFill>
-                  <a:schemeClr val="tx1"/>
-                </a:solidFill>
-              </a:rPr>
-              <a:t>후기 내용</a:t>
-            </a:r>
-            <a:endParaRPr lang="ko-KR" altLang="en-US">
-              <a:solidFill>
-                <a:schemeClr val="tx1"/>
-              </a:solidFill>
-            </a:endParaRPr>
-          </a:p>
-        </p:txBody>
-      </p:sp>
-      <p:sp>
-        <p:nvSpPr>
-          <p:cNvPr id="8" name="직사각형 7"/>
-          <p:cNvSpPr/>
-          <p:nvPr/>
-        </p:nvSpPr>
-        <p:spPr>
-          <a:xfrm>
-            <a:off x="4062548" y="5734594"/>
-            <a:ext cx="4311007" cy="522515"/>
-          </a:xfrm>
-          <a:prstGeom prst="rect">
-            <a:avLst/>
-          </a:prstGeom>
-          <a:noFill/>
-          <a:ln w="25400">
-            <a:solidFill>
-              <a:schemeClr val="tx1"/>
-            </a:solidFill>
-          </a:ln>
-        </p:spPr>
-        <p:style>
-          <a:lnRef idx="2">
-            <a:schemeClr val="accent1">
-              <a:shade val="50000"/>
-            </a:schemeClr>
-          </a:lnRef>
-          <a:fillRef idx="1">
-            <a:schemeClr val="accent1"/>
-          </a:fillRef>
-          <a:effectRef idx="0">
-            <a:schemeClr val="accent1"/>
-          </a:effectRef>
-          <a:fontRef idx="minor">
-            <a:schemeClr val="lt1"/>
-          </a:fontRef>
-        </p:style>
-        <p:txBody>
-          <a:bodyPr rtlCol="0" anchor="ctr"/>
-          <a:lstStyle/>
-          <a:p>
-            <a:pPr algn="ctr"/>
-            <a:r>
-              <a:rPr lang="ko-KR" altLang="en-US" smtClean="0">
-                <a:solidFill>
-                  <a:schemeClr val="tx1"/>
-                </a:solidFill>
-              </a:rPr>
-              <a:t>목록보기</a:t>
-            </a:r>
-            <a:endParaRPr lang="ko-KR" altLang="en-US">
-              <a:solidFill>
-                <a:schemeClr val="tx1"/>
-              </a:solidFill>
-            </a:endParaRPr>
-          </a:p>
-        </p:txBody>
-      </p:sp>
+        </p:spPr>
+        <p:txBody>
+          <a:bodyPr wrap="none" rtlCol="0">
+            <a:spAutoFit/>
+          </a:bodyPr>
+          <a:lstStyle/>
+          <a:p>
+            <a:r>
+              <a:rPr lang="ko-KR" altLang="en-US" err="1" smtClean="0"/>
+              <a:t>세미나존</a:t>
+            </a:r>
+            <a:r>
+              <a:rPr lang="ko-KR" altLang="en-US" smtClean="0"/>
+              <a:t> 후기</a:t>
+            </a:r>
+            <a:endParaRPr lang="ko-KR" altLang="en-US"/>
+          </a:p>
+        </p:txBody>
+      </p:sp>
+      <p:graphicFrame>
+        <p:nvGraphicFramePr>
+          <p:cNvPr id="6" name="표 5"/>
+          <p:cNvGraphicFramePr>
+            <a:graphicFrameLocks noGrp="1"/>
+          </p:cNvGraphicFramePr>
+          <p:nvPr>
+            <p:extLst>
+              <p:ext uri="{D42A27DB-BD31-4B8C-83A1-F6EECF244321}">
+                <p14:modId xmlns:p14="http://schemas.microsoft.com/office/powerpoint/2010/main" val="677095620"/>
+              </p:ext>
+            </p:extLst>
+          </p:nvPr>
+        </p:nvGraphicFramePr>
+        <p:xfrm>
+          <a:off x="4153988" y="1410789"/>
+          <a:ext cx="4206240" cy="2756261"/>
+        </p:xfrm>
+        <a:graphic>
+          <a:graphicData uri="http://schemas.openxmlformats.org/drawingml/2006/table">
+            <a:tbl>
+              <a:tblPr firstRow="1" bandRow="1">
+                <a:tableStyleId>{5C22544A-7EE6-4342-B048-85BDC9FD1C3A}</a:tableStyleId>
+              </a:tblPr>
+              <a:tblGrid>
+                <a:gridCol w="549679"/>
+                <a:gridCol w="893826"/>
+                <a:gridCol w="1175835"/>
+                <a:gridCol w="846028"/>
+                <a:gridCol w="740872"/>
+              </a:tblGrid>
+              <a:tr h="476821">
+                <a:tc>
+                  <a:txBody>
+                    <a:bodyPr/>
+                    <a:lstStyle/>
+                    <a:p>
+                      <a:pPr algn="ctr" latinLnBrk="1"/>
+                      <a:r>
+                        <a:rPr lang="ko-KR" altLang="en-US" sz="1100" smtClean="0"/>
+                        <a:t>번호</a:t>
+                      </a:r>
+                      <a:endParaRPr lang="ko-KR" altLang="en-US" sz="1100"/>
+                    </a:p>
+                  </a:txBody>
+                  <a:tcPr anchor="ctr"/>
+                </a:tc>
+                <a:tc>
+                  <a:txBody>
+                    <a:bodyPr/>
+                    <a:lstStyle/>
+                    <a:p>
+                      <a:pPr algn="ctr" latinLnBrk="1"/>
+                      <a:r>
+                        <a:rPr lang="ko-KR" altLang="en-US" sz="1100" err="1" smtClean="0"/>
+                        <a:t>세미나존</a:t>
+                      </a:r>
+                      <a:r>
+                        <a:rPr lang="ko-KR" altLang="en-US" sz="1100" smtClean="0"/>
+                        <a:t> 이름</a:t>
+                      </a:r>
+                      <a:endParaRPr lang="ko-KR" altLang="en-US" sz="1100"/>
+                    </a:p>
+                  </a:txBody>
+                  <a:tcPr anchor="ctr"/>
+                </a:tc>
+                <a:tc>
+                  <a:txBody>
+                    <a:bodyPr/>
+                    <a:lstStyle/>
+                    <a:p>
+                      <a:pPr algn="ctr" latinLnBrk="1"/>
+                      <a:r>
+                        <a:rPr lang="ko-KR" altLang="en-US" sz="1100" smtClean="0"/>
+                        <a:t>세미나 타이틀</a:t>
+                      </a:r>
+                      <a:endParaRPr lang="ko-KR" altLang="en-US" sz="1100"/>
+                    </a:p>
+                  </a:txBody>
+                  <a:tcPr anchor="ctr"/>
+                </a:tc>
+                <a:tc>
+                  <a:txBody>
+                    <a:bodyPr/>
+                    <a:lstStyle/>
+                    <a:p>
+                      <a:pPr algn="ctr" latinLnBrk="1"/>
+                      <a:r>
+                        <a:rPr lang="ko-KR" altLang="en-US" sz="1100" smtClean="0"/>
+                        <a:t>날짜</a:t>
+                      </a:r>
+                      <a:endParaRPr lang="ko-KR" altLang="en-US" sz="1100"/>
+                    </a:p>
+                  </a:txBody>
+                  <a:tcPr anchor="ctr"/>
+                </a:tc>
+                <a:tc>
+                  <a:txBody>
+                    <a:bodyPr/>
+                    <a:lstStyle/>
+                    <a:p>
+                      <a:pPr algn="ctr" latinLnBrk="1"/>
+                      <a:r>
+                        <a:rPr lang="ko-KR" altLang="en-US" sz="1100" smtClean="0"/>
+                        <a:t>글쓴이</a:t>
+                      </a:r>
+                      <a:endParaRPr lang="ko-KR" altLang="en-US" sz="1100"/>
+                    </a:p>
+                  </a:txBody>
+                  <a:tcPr anchor="ctr"/>
+                </a:tc>
+              </a:tr>
+              <a:tr h="455888">
+                <a:tc>
+                  <a:txBody>
+                    <a:bodyPr/>
+                    <a:lstStyle/>
+                    <a:p>
+                      <a:pPr algn="ctr" latinLnBrk="1"/>
+                      <a:r>
+                        <a:rPr lang="en-US" altLang="ko-KR" sz="1100" smtClean="0"/>
+                        <a:t>1</a:t>
+                      </a:r>
+                      <a:endParaRPr lang="ko-KR" altLang="en-US" sz="1100"/>
+                    </a:p>
+                  </a:txBody>
+                  <a:tcPr anchor="ctr"/>
+                </a:tc>
+                <a:tc>
+                  <a:txBody>
+                    <a:bodyPr/>
+                    <a:lstStyle/>
+                    <a:p>
+                      <a:pPr algn="ctr" latinLnBrk="1"/>
+                      <a:r>
+                        <a:rPr lang="ko-KR" altLang="en-US" sz="1100" err="1" smtClean="0"/>
+                        <a:t>프리미엄존</a:t>
+                      </a:r>
+                      <a:endParaRPr lang="ko-KR" altLang="en-US" sz="1100"/>
+                    </a:p>
+                  </a:txBody>
+                  <a:tcPr anchor="ctr"/>
+                </a:tc>
+                <a:tc>
+                  <a:txBody>
+                    <a:bodyPr/>
+                    <a:lstStyle/>
+                    <a:p>
+                      <a:pPr algn="ctr" latinLnBrk="1"/>
+                      <a:r>
+                        <a:rPr lang="ko-KR" altLang="en-US" sz="1100" err="1" smtClean="0"/>
+                        <a:t>정말좋았어요</a:t>
+                      </a:r>
+                      <a:endParaRPr lang="ko-KR" altLang="en-US" sz="1100"/>
+                    </a:p>
+                  </a:txBody>
+                  <a:tcPr anchor="ctr"/>
+                </a:tc>
+                <a:tc>
+                  <a:txBody>
+                    <a:bodyPr/>
+                    <a:lstStyle/>
+                    <a:p>
+                      <a:pPr algn="ctr" latinLnBrk="1"/>
+                      <a:r>
+                        <a:rPr lang="en-US" altLang="ko-KR" sz="1100" smtClean="0"/>
+                        <a:t>2020.03.31</a:t>
+                      </a:r>
+                      <a:endParaRPr lang="ko-KR" altLang="en-US" sz="1100"/>
+                    </a:p>
+                  </a:txBody>
+                  <a:tcPr anchor="ctr"/>
+                </a:tc>
+                <a:tc>
+                  <a:txBody>
+                    <a:bodyPr/>
+                    <a:lstStyle/>
+                    <a:p>
+                      <a:pPr algn="ctr" latinLnBrk="1"/>
+                      <a:r>
+                        <a:rPr lang="en-US" altLang="ko-KR" sz="1100" err="1" smtClean="0"/>
+                        <a:t>ezenkb</a:t>
+                      </a:r>
+                      <a:endParaRPr lang="ko-KR" altLang="en-US" sz="1100"/>
+                    </a:p>
+                  </a:txBody>
+                  <a:tcPr anchor="ctr"/>
+                </a:tc>
+              </a:tr>
+              <a:tr h="455888">
+                <a:tc>
+                  <a:txBody>
+                    <a:bodyPr/>
+                    <a:lstStyle/>
+                    <a:p>
+                      <a:pPr algn="ctr" latinLnBrk="1"/>
+                      <a:r>
+                        <a:rPr lang="en-US" altLang="ko-KR" sz="1100" smtClean="0"/>
+                        <a:t>2</a:t>
+                      </a:r>
+                      <a:endParaRPr lang="ko-KR" altLang="en-US" sz="1100"/>
+                    </a:p>
+                  </a:txBody>
+                  <a:tcPr anchor="ctr"/>
+                </a:tc>
+                <a:tc>
+                  <a:txBody>
+                    <a:bodyPr/>
+                    <a:lstStyle/>
+                    <a:p>
+                      <a:pPr algn="ctr" latinLnBrk="1"/>
+                      <a:r>
+                        <a:rPr lang="ko-KR" altLang="en-US" sz="1100" err="1" smtClean="0"/>
+                        <a:t>골드존</a:t>
+                      </a:r>
+                      <a:endParaRPr lang="ko-KR" altLang="en-US" sz="1100"/>
+                    </a:p>
+                  </a:txBody>
+                  <a:tcPr anchor="ctr"/>
+                </a:tc>
+                <a:tc>
+                  <a:txBody>
+                    <a:bodyPr/>
+                    <a:lstStyle/>
+                    <a:p>
+                      <a:pPr algn="ctr" latinLnBrk="1"/>
+                      <a:r>
+                        <a:rPr lang="ko-KR" altLang="en-US" sz="1100" smtClean="0"/>
+                        <a:t>좋았습니다</a:t>
+                      </a:r>
+                      <a:endParaRPr lang="ko-KR" altLang="en-US" sz="1100"/>
+                    </a:p>
+                  </a:txBody>
+                  <a:tcPr anchor="ctr"/>
+                </a:tc>
+                <a:tc>
+                  <a:txBody>
+                    <a:bodyPr/>
+                    <a:lstStyle/>
+                    <a:p>
+                      <a:pPr algn="ctr" latinLnBrk="1"/>
+                      <a:r>
+                        <a:rPr lang="en-US" altLang="ko-KR" sz="1100" smtClean="0"/>
+                        <a:t>2020.03.31</a:t>
+                      </a:r>
+                      <a:endParaRPr lang="ko-KR" altLang="en-US" sz="1100"/>
+                    </a:p>
+                  </a:txBody>
+                  <a:tcPr anchor="ctr"/>
+                </a:tc>
+                <a:tc>
+                  <a:txBody>
+                    <a:bodyPr/>
+                    <a:lstStyle/>
+                    <a:p>
+                      <a:pPr algn="ctr" latinLnBrk="1"/>
+                      <a:r>
+                        <a:rPr lang="en-US" altLang="ko-KR" sz="1100" err="1" smtClean="0"/>
+                        <a:t>ezenkb</a:t>
+                      </a:r>
+                      <a:endParaRPr lang="ko-KR" altLang="en-US" sz="1100"/>
+                    </a:p>
+                  </a:txBody>
+                  <a:tcPr anchor="ctr"/>
+                </a:tc>
+              </a:tr>
+              <a:tr h="455888">
+                <a:tc>
+                  <a:txBody>
+                    <a:bodyPr/>
+                    <a:lstStyle/>
+                    <a:p>
+                      <a:pPr algn="ctr" latinLnBrk="1"/>
+                      <a:r>
+                        <a:rPr lang="en-US" altLang="ko-KR" sz="1100" smtClean="0"/>
+                        <a:t>3</a:t>
+                      </a:r>
+                      <a:endParaRPr lang="ko-KR" altLang="en-US" sz="1100"/>
+                    </a:p>
+                  </a:txBody>
+                  <a:tcPr anchor="ctr"/>
+                </a:tc>
+                <a:tc>
+                  <a:txBody>
+                    <a:bodyPr/>
+                    <a:lstStyle/>
+                    <a:p>
+                      <a:pPr algn="ctr" latinLnBrk="1"/>
+                      <a:r>
+                        <a:rPr lang="ko-KR" altLang="en-US" sz="1100" smtClean="0"/>
+                        <a:t>실버존</a:t>
+                      </a:r>
+                      <a:endParaRPr lang="ko-KR" altLang="en-US" sz="1100"/>
+                    </a:p>
+                  </a:txBody>
+                  <a:tcPr anchor="ctr"/>
+                </a:tc>
+                <a:tc>
+                  <a:txBody>
+                    <a:bodyPr/>
+                    <a:lstStyle/>
+                    <a:p>
+                      <a:pPr algn="ctr" latinLnBrk="1"/>
+                      <a:r>
+                        <a:rPr lang="ko-KR" altLang="en-US" sz="1100" err="1" smtClean="0"/>
+                        <a:t>정말좋았어요</a:t>
+                      </a:r>
+                      <a:endParaRPr lang="ko-KR" altLang="en-US" sz="1100"/>
+                    </a:p>
+                  </a:txBody>
+                  <a:tcPr anchor="ctr"/>
+                </a:tc>
+                <a:tc>
+                  <a:txBody>
+                    <a:bodyPr/>
+                    <a:lstStyle/>
+                    <a:p>
+                      <a:pPr algn="ctr" latinLnBrk="1"/>
+                      <a:r>
+                        <a:rPr lang="en-US" altLang="ko-KR" sz="1100" smtClean="0"/>
+                        <a:t>2020.03.31</a:t>
+                      </a:r>
+                      <a:endParaRPr lang="ko-KR" altLang="en-US" sz="1100"/>
+                    </a:p>
+                  </a:txBody>
+                  <a:tcPr anchor="ctr"/>
+                </a:tc>
+                <a:tc>
+                  <a:txBody>
+                    <a:bodyPr/>
+                    <a:lstStyle/>
+                    <a:p>
+                      <a:pPr algn="ctr" latinLnBrk="1"/>
+                      <a:r>
+                        <a:rPr lang="en-US" altLang="ko-KR" sz="1100" err="1" smtClean="0"/>
+                        <a:t>ezenkb</a:t>
+                      </a:r>
+                      <a:endParaRPr lang="ko-KR" altLang="en-US" sz="1100"/>
+                    </a:p>
+                  </a:txBody>
+                  <a:tcPr anchor="ctr"/>
+                </a:tc>
+              </a:tr>
+              <a:tr h="455888">
+                <a:tc>
+                  <a:txBody>
+                    <a:bodyPr/>
+                    <a:lstStyle/>
+                    <a:p>
+                      <a:pPr algn="ctr" latinLnBrk="1"/>
+                      <a:r>
+                        <a:rPr lang="en-US" altLang="ko-KR" sz="1100" smtClean="0"/>
+                        <a:t>4</a:t>
+                      </a:r>
+                      <a:endParaRPr lang="ko-KR" altLang="en-US" sz="1100"/>
+                    </a:p>
+                  </a:txBody>
+                  <a:tcPr anchor="ctr"/>
+                </a:tc>
+                <a:tc>
+                  <a:txBody>
+                    <a:bodyPr/>
+                    <a:lstStyle/>
+                    <a:p>
+                      <a:pPr algn="ctr" latinLnBrk="1"/>
+                      <a:r>
+                        <a:rPr lang="ko-KR" altLang="en-US" sz="1100" smtClean="0"/>
+                        <a:t>다이아몬드존</a:t>
+                      </a:r>
+                      <a:endParaRPr lang="ko-KR" altLang="en-US" sz="1100"/>
+                    </a:p>
+                  </a:txBody>
+                  <a:tcPr anchor="ctr"/>
+                </a:tc>
+                <a:tc>
+                  <a:txBody>
+                    <a:bodyPr/>
+                    <a:lstStyle/>
+                    <a:p>
+                      <a:pPr algn="ctr" latinLnBrk="1"/>
+                      <a:r>
+                        <a:rPr lang="ko-KR" altLang="en-US" sz="1100" err="1" smtClean="0"/>
+                        <a:t>정말좋았어요</a:t>
+                      </a:r>
+                      <a:endParaRPr lang="ko-KR" altLang="en-US" sz="1100"/>
+                    </a:p>
+                  </a:txBody>
+                  <a:tcPr anchor="ctr"/>
+                </a:tc>
+                <a:tc>
+                  <a:txBody>
+                    <a:bodyPr/>
+                    <a:lstStyle/>
+                    <a:p>
+                      <a:pPr algn="ctr" latinLnBrk="1"/>
+                      <a:r>
+                        <a:rPr lang="en-US" altLang="ko-KR" sz="1100" smtClean="0"/>
+                        <a:t>2020.03.31</a:t>
+                      </a:r>
+                      <a:endParaRPr lang="ko-KR" altLang="en-US" sz="1100"/>
+                    </a:p>
+                  </a:txBody>
+                  <a:tcPr anchor="ctr"/>
+                </a:tc>
+                <a:tc>
+                  <a:txBody>
+                    <a:bodyPr/>
+                    <a:lstStyle/>
+                    <a:p>
+                      <a:pPr algn="ctr" latinLnBrk="1"/>
+                      <a:r>
+                        <a:rPr lang="en-US" altLang="ko-KR" sz="1100" err="1" smtClean="0"/>
+                        <a:t>ezenkb</a:t>
+                      </a:r>
+                      <a:endParaRPr lang="ko-KR" altLang="en-US" sz="1100"/>
+                    </a:p>
+                  </a:txBody>
+                  <a:tcPr anchor="ctr"/>
+                </a:tc>
+              </a:tr>
+              <a:tr h="455888">
+                <a:tc>
+                  <a:txBody>
+                    <a:bodyPr/>
+                    <a:lstStyle/>
+                    <a:p>
+                      <a:pPr algn="ctr" latinLnBrk="1"/>
+                      <a:r>
+                        <a:rPr lang="en-US" altLang="ko-KR" sz="1100" smtClean="0"/>
+                        <a:t>5</a:t>
+                      </a:r>
+                      <a:endParaRPr lang="ko-KR" altLang="en-US" sz="1100"/>
+                    </a:p>
+                  </a:txBody>
+                  <a:tcPr anchor="ctr"/>
+                </a:tc>
+                <a:tc>
+                  <a:txBody>
+                    <a:bodyPr/>
+                    <a:lstStyle/>
+                    <a:p>
+                      <a:pPr algn="ctr" latinLnBrk="1"/>
+                      <a:r>
+                        <a:rPr lang="ko-KR" altLang="en-US" sz="1100" err="1" smtClean="0"/>
+                        <a:t>프리미엄존</a:t>
+                      </a:r>
+                      <a:endParaRPr lang="ko-KR" altLang="en-US" sz="1100"/>
+                    </a:p>
+                  </a:txBody>
+                  <a:tcPr anchor="ctr"/>
+                </a:tc>
+                <a:tc>
+                  <a:txBody>
+                    <a:bodyPr/>
+                    <a:lstStyle/>
+                    <a:p>
+                      <a:pPr algn="ctr" latinLnBrk="1"/>
+                      <a:r>
+                        <a:rPr lang="ko-KR" altLang="en-US" sz="1100" err="1" smtClean="0"/>
+                        <a:t>정말좋았어요</a:t>
+                      </a:r>
+                      <a:endParaRPr lang="ko-KR" altLang="en-US" sz="1100"/>
+                    </a:p>
+                  </a:txBody>
+                  <a:tcPr anchor="ctr"/>
+                </a:tc>
+                <a:tc>
+                  <a:txBody>
+                    <a:bodyPr/>
+                    <a:lstStyle/>
+                    <a:p>
+                      <a:pPr algn="ctr" latinLnBrk="1"/>
+                      <a:r>
+                        <a:rPr lang="en-US" altLang="ko-KR" sz="1100" smtClean="0"/>
+                        <a:t>2020.03.31</a:t>
+                      </a:r>
+                      <a:endParaRPr lang="ko-KR" altLang="en-US" sz="1100"/>
+                    </a:p>
+                  </a:txBody>
+                  <a:tcPr anchor="ctr"/>
+                </a:tc>
+                <a:tc>
+                  <a:txBody>
+                    <a:bodyPr/>
+                    <a:lstStyle/>
+                    <a:p>
+                      <a:pPr algn="ctr" latinLnBrk="1"/>
+                      <a:r>
+                        <a:rPr lang="en-US" altLang="ko-KR" sz="1100" err="1" smtClean="0"/>
+                        <a:t>ezenkb</a:t>
+                      </a:r>
+                      <a:endParaRPr lang="ko-KR" altLang="en-US" sz="1100"/>
+                    </a:p>
+                  </a:txBody>
+                  <a:tcPr anchor="ctr"/>
+                </a:tc>
+              </a:tr>
+            </a:tbl>
+          </a:graphicData>
+        </a:graphic>
+      </p:graphicFrame>
+      <p:pic>
+        <p:nvPicPr>
+          <p:cNvPr id="8" name="그림 7"/>
+          <p:cNvPicPr>
+            <a:picLocks noChangeAspect="1"/>
+          </p:cNvPicPr>
+          <p:nvPr/>
+        </p:nvPicPr>
+        <p:blipFill>
+          <a:blip r:embed="rId2"/>
+          <a:stretch>
+            <a:fillRect/>
+          </a:stretch>
+        </p:blipFill>
+        <p:spPr>
+          <a:xfrm>
+            <a:off x="4652145" y="4327610"/>
+            <a:ext cx="3209925" cy="619125"/>
+          </a:xfrm>
+          <a:prstGeom prst="rect">
+            <a:avLst/>
+          </a:prstGeom>
+        </p:spPr>
+      </p:pic>
     </p:spTree>
     <p:extLst>
       <p:ext uri="{BB962C8B-B14F-4D97-AF65-F5344CB8AC3E}">
-        <p14:creationId xmlns:p14="http://schemas.microsoft.com/office/powerpoint/2010/main" val="3074771721"/>
+        <p14:creationId xmlns:p14="http://schemas.microsoft.com/office/powerpoint/2010/main" val="962733116"/>
       </p:ext>
     </p:extLst>
   </p:cSld>
@@ -5288,8 +5096,8 @@
         </p:nvSpPr>
         <p:spPr>
           <a:xfrm>
-            <a:off x="3735977" y="274320"/>
-            <a:ext cx="5042263" cy="6100354"/>
+            <a:off x="3409405" y="431075"/>
+            <a:ext cx="4036423" cy="5865223"/>
           </a:xfrm>
           <a:prstGeom prst="rect">
             <a:avLst/>
@@ -5328,567 +5136,256 @@
       </p:sp>
       <p:sp>
         <p:nvSpPr>
-          <p:cNvPr id="5" name="TextBox 4"/>
-          <p:cNvSpPr txBox="1"/>
-          <p:nvPr/>
-        </p:nvSpPr>
-        <p:spPr>
-          <a:xfrm>
-            <a:off x="5196269" y="571334"/>
-            <a:ext cx="1651414" cy="369332"/>
+          <p:cNvPr id="5" name="직사각형 4"/>
+          <p:cNvSpPr/>
+          <p:nvPr/>
+        </p:nvSpPr>
+        <p:spPr>
+          <a:xfrm>
+            <a:off x="3657600" y="627017"/>
+            <a:ext cx="3331029" cy="483326"/>
           </a:xfrm>
           <a:prstGeom prst="rect">
             <a:avLst/>
           </a:prstGeom>
           <a:noFill/>
-        </p:spPr>
-        <p:txBody>
-          <a:bodyPr wrap="none" rtlCol="0">
-            <a:spAutoFit/>
-          </a:bodyPr>
-          <a:lstStyle/>
-          <a:p>
-            <a:r>
-              <a:rPr lang="ko-KR" altLang="en-US" err="1" smtClean="0"/>
-              <a:t>세미나존</a:t>
-            </a:r>
-            <a:r>
-              <a:rPr lang="ko-KR" altLang="en-US" smtClean="0"/>
-              <a:t> 후기</a:t>
-            </a:r>
-            <a:endParaRPr lang="ko-KR" altLang="en-US"/>
-          </a:p>
-        </p:txBody>
-      </p:sp>
-      <p:graphicFrame>
-        <p:nvGraphicFramePr>
-          <p:cNvPr id="6" name="표 5"/>
-          <p:cNvGraphicFramePr>
-            <a:graphicFrameLocks noGrp="1"/>
-          </p:cNvGraphicFramePr>
-          <p:nvPr>
-            <p:extLst>
-              <p:ext uri="{D42A27DB-BD31-4B8C-83A1-F6EECF244321}">
-                <p14:modId xmlns:p14="http://schemas.microsoft.com/office/powerpoint/2010/main" val="677095620"/>
-              </p:ext>
-            </p:extLst>
-          </p:nvPr>
-        </p:nvGraphicFramePr>
-        <p:xfrm>
-          <a:off x="4153988" y="1410789"/>
-          <a:ext cx="4206240" cy="2756261"/>
-        </p:xfrm>
-        <a:graphic>
-          <a:graphicData uri="http://schemas.openxmlformats.org/drawingml/2006/table">
-            <a:tbl>
-              <a:tblPr firstRow="1" bandRow="1">
-                <a:tableStyleId>{5C22544A-7EE6-4342-B048-85BDC9FD1C3A}</a:tableStyleId>
-              </a:tblPr>
-              <a:tblGrid>
-                <a:gridCol w="549679"/>
-                <a:gridCol w="893826"/>
-                <a:gridCol w="1175835"/>
-                <a:gridCol w="846028"/>
-                <a:gridCol w="740872"/>
-              </a:tblGrid>
-              <a:tr h="476821">
-                <a:tc>
-                  <a:txBody>
-                    <a:bodyPr/>
-                    <a:lstStyle/>
-                    <a:p>
-                      <a:pPr algn="ctr" latinLnBrk="1"/>
-                      <a:r>
-                        <a:rPr lang="ko-KR" altLang="en-US" sz="1100" smtClean="0"/>
-                        <a:t>번호</a:t>
-                      </a:r>
-                      <a:endParaRPr lang="ko-KR" altLang="en-US" sz="1100"/>
-                    </a:p>
-                  </a:txBody>
-                  <a:tcPr anchor="ctr"/>
-                </a:tc>
-                <a:tc>
-                  <a:txBody>
-                    <a:bodyPr/>
-                    <a:lstStyle/>
-                    <a:p>
-                      <a:pPr algn="ctr" latinLnBrk="1"/>
-                      <a:r>
-                        <a:rPr lang="ko-KR" altLang="en-US" sz="1100" err="1" smtClean="0"/>
-                        <a:t>세미나존</a:t>
-                      </a:r>
-                      <a:r>
-                        <a:rPr lang="ko-KR" altLang="en-US" sz="1100" smtClean="0"/>
-                        <a:t> 이름</a:t>
-                      </a:r>
-                      <a:endParaRPr lang="ko-KR" altLang="en-US" sz="1100"/>
-                    </a:p>
-                  </a:txBody>
-                  <a:tcPr anchor="ctr"/>
-                </a:tc>
-                <a:tc>
-                  <a:txBody>
-                    <a:bodyPr/>
-                    <a:lstStyle/>
-                    <a:p>
-                      <a:pPr algn="ctr" latinLnBrk="1"/>
-                      <a:r>
-                        <a:rPr lang="ko-KR" altLang="en-US" sz="1100" smtClean="0"/>
-                        <a:t>세미나 타이틀</a:t>
-                      </a:r>
-                      <a:endParaRPr lang="ko-KR" altLang="en-US" sz="1100"/>
-                    </a:p>
-                  </a:txBody>
-                  <a:tcPr anchor="ctr"/>
-                </a:tc>
-                <a:tc>
-                  <a:txBody>
-                    <a:bodyPr/>
-                    <a:lstStyle/>
-                    <a:p>
-                      <a:pPr algn="ctr" latinLnBrk="1"/>
-                      <a:r>
-                        <a:rPr lang="ko-KR" altLang="en-US" sz="1100" smtClean="0"/>
-                        <a:t>날짜</a:t>
-                      </a:r>
-                      <a:endParaRPr lang="ko-KR" altLang="en-US" sz="1100"/>
-                    </a:p>
-                  </a:txBody>
-                  <a:tcPr anchor="ctr"/>
-                </a:tc>
-                <a:tc>
-                  <a:txBody>
-                    <a:bodyPr/>
-                    <a:lstStyle/>
-                    <a:p>
-                      <a:pPr algn="ctr" latinLnBrk="1"/>
-                      <a:r>
-                        <a:rPr lang="ko-KR" altLang="en-US" sz="1100" smtClean="0"/>
-                        <a:t>글쓴이</a:t>
-                      </a:r>
-                      <a:endParaRPr lang="ko-KR" altLang="en-US" sz="1100"/>
-                    </a:p>
-                  </a:txBody>
-                  <a:tcPr anchor="ctr"/>
-                </a:tc>
-              </a:tr>
-              <a:tr h="455888">
-                <a:tc>
-                  <a:txBody>
-                    <a:bodyPr/>
-                    <a:lstStyle/>
-                    <a:p>
-                      <a:pPr algn="ctr" latinLnBrk="1"/>
-                      <a:r>
-                        <a:rPr lang="en-US" altLang="ko-KR" sz="1100" smtClean="0"/>
-                        <a:t>1</a:t>
-                      </a:r>
-                      <a:endParaRPr lang="ko-KR" altLang="en-US" sz="1100"/>
-                    </a:p>
-                  </a:txBody>
-                  <a:tcPr anchor="ctr"/>
-                </a:tc>
-                <a:tc>
-                  <a:txBody>
-                    <a:bodyPr/>
-                    <a:lstStyle/>
-                    <a:p>
-                      <a:pPr algn="ctr" latinLnBrk="1"/>
-                      <a:r>
-                        <a:rPr lang="ko-KR" altLang="en-US" sz="1100" err="1" smtClean="0"/>
-                        <a:t>프리미엄존</a:t>
-                      </a:r>
-                      <a:endParaRPr lang="ko-KR" altLang="en-US" sz="1100"/>
-                    </a:p>
-                  </a:txBody>
-                  <a:tcPr anchor="ctr"/>
-                </a:tc>
-                <a:tc>
-                  <a:txBody>
-                    <a:bodyPr/>
-                    <a:lstStyle/>
-                    <a:p>
-                      <a:pPr algn="ctr" latinLnBrk="1"/>
-                      <a:r>
-                        <a:rPr lang="ko-KR" altLang="en-US" sz="1100" err="1" smtClean="0"/>
-                        <a:t>정말좋았어요</a:t>
-                      </a:r>
-                      <a:endParaRPr lang="ko-KR" altLang="en-US" sz="1100"/>
-                    </a:p>
-                  </a:txBody>
-                  <a:tcPr anchor="ctr"/>
-                </a:tc>
-                <a:tc>
-                  <a:txBody>
-                    <a:bodyPr/>
-                    <a:lstStyle/>
-                    <a:p>
-                      <a:pPr algn="ctr" latinLnBrk="1"/>
-                      <a:r>
-                        <a:rPr lang="en-US" altLang="ko-KR" sz="1100" smtClean="0"/>
-                        <a:t>2020.03.31</a:t>
-                      </a:r>
-                      <a:endParaRPr lang="ko-KR" altLang="en-US" sz="1100"/>
-                    </a:p>
-                  </a:txBody>
-                  <a:tcPr anchor="ctr"/>
-                </a:tc>
-                <a:tc>
-                  <a:txBody>
-                    <a:bodyPr/>
-                    <a:lstStyle/>
-                    <a:p>
-                      <a:pPr algn="ctr" latinLnBrk="1"/>
-                      <a:r>
-                        <a:rPr lang="en-US" altLang="ko-KR" sz="1100" err="1" smtClean="0"/>
-                        <a:t>ezenkb</a:t>
-                      </a:r>
-                      <a:endParaRPr lang="ko-KR" altLang="en-US" sz="1100"/>
-                    </a:p>
-                  </a:txBody>
-                  <a:tcPr anchor="ctr"/>
-                </a:tc>
-              </a:tr>
-              <a:tr h="455888">
-                <a:tc>
-                  <a:txBody>
-                    <a:bodyPr/>
-                    <a:lstStyle/>
-                    <a:p>
-                      <a:pPr algn="ctr" latinLnBrk="1"/>
-                      <a:r>
-                        <a:rPr lang="en-US" altLang="ko-KR" sz="1100" smtClean="0"/>
-                        <a:t>2</a:t>
-                      </a:r>
-                      <a:endParaRPr lang="ko-KR" altLang="en-US" sz="1100"/>
-                    </a:p>
-                  </a:txBody>
-                  <a:tcPr anchor="ctr"/>
-                </a:tc>
-                <a:tc>
-                  <a:txBody>
-                    <a:bodyPr/>
-                    <a:lstStyle/>
-                    <a:p>
-                      <a:pPr algn="ctr" latinLnBrk="1"/>
-                      <a:r>
-                        <a:rPr lang="ko-KR" altLang="en-US" sz="1100" err="1" smtClean="0"/>
-                        <a:t>골드존</a:t>
-                      </a:r>
-                      <a:endParaRPr lang="ko-KR" altLang="en-US" sz="1100"/>
-                    </a:p>
-                  </a:txBody>
-                  <a:tcPr anchor="ctr"/>
-                </a:tc>
-                <a:tc>
-                  <a:txBody>
-                    <a:bodyPr/>
-                    <a:lstStyle/>
-                    <a:p>
-                      <a:pPr algn="ctr" latinLnBrk="1"/>
-                      <a:r>
-                        <a:rPr lang="ko-KR" altLang="en-US" sz="1100" smtClean="0"/>
-                        <a:t>좋았습니다</a:t>
-                      </a:r>
-                      <a:endParaRPr lang="ko-KR" altLang="en-US" sz="1100"/>
-                    </a:p>
-                  </a:txBody>
-                  <a:tcPr anchor="ctr"/>
-                </a:tc>
-                <a:tc>
-                  <a:txBody>
-                    <a:bodyPr/>
-                    <a:lstStyle/>
-                    <a:p>
-                      <a:pPr algn="ctr" latinLnBrk="1"/>
-                      <a:r>
-                        <a:rPr lang="en-US" altLang="ko-KR" sz="1100" smtClean="0"/>
-                        <a:t>2020.03.31</a:t>
-                      </a:r>
-                      <a:endParaRPr lang="ko-KR" altLang="en-US" sz="1100"/>
-                    </a:p>
-                  </a:txBody>
-                  <a:tcPr anchor="ctr"/>
-                </a:tc>
-                <a:tc>
-                  <a:txBody>
-                    <a:bodyPr/>
-                    <a:lstStyle/>
-                    <a:p>
-                      <a:pPr algn="ctr" latinLnBrk="1"/>
-                      <a:r>
-                        <a:rPr lang="en-US" altLang="ko-KR" sz="1100" err="1" smtClean="0"/>
-                        <a:t>ezenkb</a:t>
-                      </a:r>
-                      <a:endParaRPr lang="ko-KR" altLang="en-US" sz="1100"/>
-                    </a:p>
-                  </a:txBody>
-                  <a:tcPr anchor="ctr"/>
-                </a:tc>
-              </a:tr>
-              <a:tr h="455888">
-                <a:tc>
-                  <a:txBody>
-                    <a:bodyPr/>
-                    <a:lstStyle/>
-                    <a:p>
-                      <a:pPr algn="ctr" latinLnBrk="1"/>
-                      <a:r>
-                        <a:rPr lang="en-US" altLang="ko-KR" sz="1100" smtClean="0"/>
-                        <a:t>3</a:t>
-                      </a:r>
-                      <a:endParaRPr lang="ko-KR" altLang="en-US" sz="1100"/>
-                    </a:p>
-                  </a:txBody>
-                  <a:tcPr anchor="ctr"/>
-                </a:tc>
-                <a:tc>
-                  <a:txBody>
-                    <a:bodyPr/>
-                    <a:lstStyle/>
-                    <a:p>
-                      <a:pPr algn="ctr" latinLnBrk="1"/>
-                      <a:r>
-                        <a:rPr lang="ko-KR" altLang="en-US" sz="1100" smtClean="0"/>
-                        <a:t>실버존</a:t>
-                      </a:r>
-                      <a:endParaRPr lang="ko-KR" altLang="en-US" sz="1100"/>
-                    </a:p>
-                  </a:txBody>
-                  <a:tcPr anchor="ctr"/>
-                </a:tc>
-                <a:tc>
-                  <a:txBody>
-                    <a:bodyPr/>
-                    <a:lstStyle/>
-                    <a:p>
-                      <a:pPr algn="ctr" latinLnBrk="1"/>
-                      <a:r>
-                        <a:rPr lang="ko-KR" altLang="en-US" sz="1100" err="1" smtClean="0"/>
-                        <a:t>정말좋았어요</a:t>
-                      </a:r>
-                      <a:endParaRPr lang="ko-KR" altLang="en-US" sz="1100"/>
-                    </a:p>
-                  </a:txBody>
-                  <a:tcPr anchor="ctr"/>
-                </a:tc>
-                <a:tc>
-                  <a:txBody>
-                    <a:bodyPr/>
-                    <a:lstStyle/>
-                    <a:p>
-                      <a:pPr algn="ctr" latinLnBrk="1"/>
-                      <a:r>
-                        <a:rPr lang="en-US" altLang="ko-KR" sz="1100" smtClean="0"/>
-                        <a:t>2020.03.31</a:t>
-                      </a:r>
-                      <a:endParaRPr lang="ko-KR" altLang="en-US" sz="1100"/>
-                    </a:p>
-                  </a:txBody>
-                  <a:tcPr anchor="ctr"/>
-                </a:tc>
-                <a:tc>
-                  <a:txBody>
-                    <a:bodyPr/>
-                    <a:lstStyle/>
-                    <a:p>
-                      <a:pPr algn="ctr" latinLnBrk="1"/>
-                      <a:r>
-                        <a:rPr lang="en-US" altLang="ko-KR" sz="1100" err="1" smtClean="0"/>
-                        <a:t>ezenkb</a:t>
-                      </a:r>
-                      <a:endParaRPr lang="ko-KR" altLang="en-US" sz="1100"/>
-                    </a:p>
-                  </a:txBody>
-                  <a:tcPr anchor="ctr"/>
-                </a:tc>
-              </a:tr>
-              <a:tr h="455888">
-                <a:tc>
-                  <a:txBody>
-                    <a:bodyPr/>
-                    <a:lstStyle/>
-                    <a:p>
-                      <a:pPr algn="ctr" latinLnBrk="1"/>
-                      <a:r>
-                        <a:rPr lang="en-US" altLang="ko-KR" sz="1100" smtClean="0"/>
-                        <a:t>4</a:t>
-                      </a:r>
-                      <a:endParaRPr lang="ko-KR" altLang="en-US" sz="1100"/>
-                    </a:p>
-                  </a:txBody>
-                  <a:tcPr anchor="ctr"/>
-                </a:tc>
-                <a:tc>
-                  <a:txBody>
-                    <a:bodyPr/>
-                    <a:lstStyle/>
-                    <a:p>
-                      <a:pPr algn="ctr" latinLnBrk="1"/>
-                      <a:r>
-                        <a:rPr lang="ko-KR" altLang="en-US" sz="1100" smtClean="0"/>
-                        <a:t>다이아몬드존</a:t>
-                      </a:r>
-                      <a:endParaRPr lang="ko-KR" altLang="en-US" sz="1100"/>
-                    </a:p>
-                  </a:txBody>
-                  <a:tcPr anchor="ctr"/>
-                </a:tc>
-                <a:tc>
-                  <a:txBody>
-                    <a:bodyPr/>
-                    <a:lstStyle/>
-                    <a:p>
-                      <a:pPr algn="ctr" latinLnBrk="1"/>
-                      <a:r>
-                        <a:rPr lang="ko-KR" altLang="en-US" sz="1100" err="1" smtClean="0"/>
-                        <a:t>정말좋았어요</a:t>
-                      </a:r>
-                      <a:endParaRPr lang="ko-KR" altLang="en-US" sz="1100"/>
-                    </a:p>
-                  </a:txBody>
-                  <a:tcPr anchor="ctr"/>
-                </a:tc>
-                <a:tc>
-                  <a:txBody>
-                    <a:bodyPr/>
-                    <a:lstStyle/>
-                    <a:p>
-                      <a:pPr algn="ctr" latinLnBrk="1"/>
-                      <a:r>
-                        <a:rPr lang="en-US" altLang="ko-KR" sz="1100" smtClean="0"/>
-                        <a:t>2020.03.31</a:t>
-                      </a:r>
-                      <a:endParaRPr lang="ko-KR" altLang="en-US" sz="1100"/>
-                    </a:p>
-                  </a:txBody>
-                  <a:tcPr anchor="ctr"/>
-                </a:tc>
-                <a:tc>
-                  <a:txBody>
-                    <a:bodyPr/>
-                    <a:lstStyle/>
-                    <a:p>
-                      <a:pPr algn="ctr" latinLnBrk="1"/>
-                      <a:r>
-                        <a:rPr lang="en-US" altLang="ko-KR" sz="1100" err="1" smtClean="0"/>
-                        <a:t>ezenkb</a:t>
-                      </a:r>
-                      <a:endParaRPr lang="ko-KR" altLang="en-US" sz="1100"/>
-                    </a:p>
-                  </a:txBody>
-                  <a:tcPr anchor="ctr"/>
-                </a:tc>
-              </a:tr>
-              <a:tr h="455888">
-                <a:tc>
-                  <a:txBody>
-                    <a:bodyPr/>
-                    <a:lstStyle/>
-                    <a:p>
-                      <a:pPr algn="ctr" latinLnBrk="1"/>
-                      <a:r>
-                        <a:rPr lang="en-US" altLang="ko-KR" sz="1100" smtClean="0"/>
-                        <a:t>5</a:t>
-                      </a:r>
-                      <a:endParaRPr lang="ko-KR" altLang="en-US" sz="1100"/>
-                    </a:p>
-                  </a:txBody>
-                  <a:tcPr anchor="ctr"/>
-                </a:tc>
-                <a:tc>
-                  <a:txBody>
-                    <a:bodyPr/>
-                    <a:lstStyle/>
-                    <a:p>
-                      <a:pPr algn="ctr" latinLnBrk="1"/>
-                      <a:r>
-                        <a:rPr lang="ko-KR" altLang="en-US" sz="1100" err="1" smtClean="0"/>
-                        <a:t>프리미엄존</a:t>
-                      </a:r>
-                      <a:endParaRPr lang="ko-KR" altLang="en-US" sz="1100"/>
-                    </a:p>
-                  </a:txBody>
-                  <a:tcPr anchor="ctr"/>
-                </a:tc>
-                <a:tc>
-                  <a:txBody>
-                    <a:bodyPr/>
-                    <a:lstStyle/>
-                    <a:p>
-                      <a:pPr algn="ctr" latinLnBrk="1"/>
-                      <a:r>
-                        <a:rPr lang="ko-KR" altLang="en-US" sz="1100" err="1" smtClean="0"/>
-                        <a:t>정말좋았어요</a:t>
-                      </a:r>
-                      <a:endParaRPr lang="ko-KR" altLang="en-US" sz="1100"/>
-                    </a:p>
-                  </a:txBody>
-                  <a:tcPr anchor="ctr"/>
-                </a:tc>
-                <a:tc>
-                  <a:txBody>
-                    <a:bodyPr/>
-                    <a:lstStyle/>
-                    <a:p>
-                      <a:pPr algn="ctr" latinLnBrk="1"/>
-                      <a:r>
-                        <a:rPr lang="en-US" altLang="ko-KR" sz="1100" smtClean="0"/>
-                        <a:t>2020.03.31</a:t>
-                      </a:r>
-                      <a:endParaRPr lang="ko-KR" altLang="en-US" sz="1100"/>
-                    </a:p>
-                  </a:txBody>
-                  <a:tcPr anchor="ctr"/>
-                </a:tc>
-                <a:tc>
-                  <a:txBody>
-                    <a:bodyPr/>
-                    <a:lstStyle/>
-                    <a:p>
-                      <a:pPr algn="ctr" latinLnBrk="1"/>
-                      <a:r>
-                        <a:rPr lang="en-US" altLang="ko-KR" sz="1100" err="1" smtClean="0"/>
-                        <a:t>ezenkb</a:t>
-                      </a:r>
-                      <a:endParaRPr lang="ko-KR" altLang="en-US" sz="1100"/>
-                    </a:p>
-                  </a:txBody>
-                  <a:tcPr anchor="ctr"/>
-                </a:tc>
-              </a:tr>
-            </a:tbl>
-          </a:graphicData>
-        </a:graphic>
-      </p:graphicFrame>
-      <p:pic>
-        <p:nvPicPr>
-          <p:cNvPr id="8" name="그림 7"/>
-          <p:cNvPicPr>
-            <a:picLocks noChangeAspect="1"/>
-          </p:cNvPicPr>
-          <p:nvPr/>
-        </p:nvPicPr>
-        <p:blipFill>
-          <a:blip r:embed="rId2"/>
-          <a:stretch>
-            <a:fillRect/>
-          </a:stretch>
-        </p:blipFill>
-        <p:spPr>
-          <a:xfrm>
-            <a:off x="4652145" y="4327610"/>
-            <a:ext cx="3209925" cy="619125"/>
-          </a:xfrm>
-          <a:prstGeom prst="rect">
-            <a:avLst/>
-          </a:prstGeom>
-        </p:spPr>
-      </p:pic>
+          <a:ln w="25400">
+            <a:solidFill>
+              <a:schemeClr val="tx1"/>
+            </a:solidFill>
+          </a:ln>
+        </p:spPr>
+        <p:style>
+          <a:lnRef idx="2">
+            <a:schemeClr val="accent1">
+              <a:shade val="50000"/>
+            </a:schemeClr>
+          </a:lnRef>
+          <a:fillRef idx="1">
+            <a:schemeClr val="accent1"/>
+          </a:fillRef>
+          <a:effectRef idx="0">
+            <a:schemeClr val="accent1"/>
+          </a:effectRef>
+          <a:fontRef idx="minor">
+            <a:schemeClr val="lt1"/>
+          </a:fontRef>
+        </p:style>
+        <p:txBody>
+          <a:bodyPr rtlCol="0" anchor="ctr"/>
+          <a:lstStyle/>
+          <a:p>
+            <a:pPr algn="ctr"/>
+            <a:r>
+              <a:rPr lang="ko-KR" altLang="en-US" smtClean="0">
+                <a:solidFill>
+                  <a:schemeClr val="tx1"/>
+                </a:solidFill>
+              </a:rPr>
+              <a:t>세미나 타이틀</a:t>
+            </a:r>
+            <a:endParaRPr lang="ko-KR" altLang="en-US">
+              <a:solidFill>
+                <a:schemeClr val="tx1"/>
+              </a:solidFill>
+            </a:endParaRPr>
+          </a:p>
+        </p:txBody>
+      </p:sp>
+      <p:sp>
+        <p:nvSpPr>
+          <p:cNvPr id="6" name="직사각형 5"/>
+          <p:cNvSpPr/>
+          <p:nvPr/>
+        </p:nvSpPr>
+        <p:spPr>
+          <a:xfrm>
+            <a:off x="3657600" y="1240971"/>
+            <a:ext cx="3331029" cy="483326"/>
+          </a:xfrm>
+          <a:prstGeom prst="rect">
+            <a:avLst/>
+          </a:prstGeom>
+          <a:noFill/>
+          <a:ln w="25400">
+            <a:solidFill>
+              <a:schemeClr val="tx1"/>
+            </a:solidFill>
+          </a:ln>
+        </p:spPr>
+        <p:style>
+          <a:lnRef idx="2">
+            <a:schemeClr val="accent1">
+              <a:shade val="50000"/>
+            </a:schemeClr>
+          </a:lnRef>
+          <a:fillRef idx="1">
+            <a:schemeClr val="accent1"/>
+          </a:fillRef>
+          <a:effectRef idx="0">
+            <a:schemeClr val="accent1"/>
+          </a:effectRef>
+          <a:fontRef idx="minor">
+            <a:schemeClr val="lt1"/>
+          </a:fontRef>
+        </p:style>
+        <p:txBody>
+          <a:bodyPr rtlCol="0" anchor="ctr"/>
+          <a:lstStyle/>
+          <a:p>
+            <a:pPr algn="ctr"/>
+            <a:r>
+              <a:rPr lang="ko-KR" altLang="en-US" smtClean="0">
+                <a:solidFill>
+                  <a:schemeClr val="tx1"/>
+                </a:solidFill>
+              </a:rPr>
+              <a:t>글쓴이 </a:t>
+            </a:r>
+            <a:r>
+              <a:rPr lang="en-US" altLang="ko-KR" smtClean="0">
+                <a:solidFill>
+                  <a:schemeClr val="tx1"/>
+                </a:solidFill>
+              </a:rPr>
+              <a:t>/ </a:t>
+            </a:r>
+            <a:r>
+              <a:rPr lang="ko-KR" altLang="en-US" smtClean="0">
+                <a:solidFill>
+                  <a:schemeClr val="tx1"/>
+                </a:solidFill>
+              </a:rPr>
+              <a:t>등록날짜</a:t>
+            </a:r>
+            <a:endParaRPr lang="ko-KR" altLang="en-US">
+              <a:solidFill>
+                <a:schemeClr val="tx1"/>
+              </a:solidFill>
+            </a:endParaRPr>
+          </a:p>
+        </p:txBody>
+      </p:sp>
+      <p:sp>
+        <p:nvSpPr>
+          <p:cNvPr id="7" name="직사각형 6"/>
+          <p:cNvSpPr/>
+          <p:nvPr/>
+        </p:nvSpPr>
+        <p:spPr>
+          <a:xfrm>
+            <a:off x="3657599" y="1854925"/>
+            <a:ext cx="3331029" cy="2429692"/>
+          </a:xfrm>
+          <a:prstGeom prst="rect">
+            <a:avLst/>
+          </a:prstGeom>
+          <a:noFill/>
+          <a:ln w="25400">
+            <a:solidFill>
+              <a:schemeClr val="tx1"/>
+            </a:solidFill>
+          </a:ln>
+        </p:spPr>
+        <p:style>
+          <a:lnRef idx="2">
+            <a:schemeClr val="accent1">
+              <a:shade val="50000"/>
+            </a:schemeClr>
+          </a:lnRef>
+          <a:fillRef idx="1">
+            <a:schemeClr val="accent1"/>
+          </a:fillRef>
+          <a:effectRef idx="0">
+            <a:schemeClr val="accent1"/>
+          </a:effectRef>
+          <a:fontRef idx="minor">
+            <a:schemeClr val="lt1"/>
+          </a:fontRef>
+        </p:style>
+        <p:txBody>
+          <a:bodyPr rtlCol="0" anchor="ctr"/>
+          <a:lstStyle/>
+          <a:p>
+            <a:pPr algn="ctr"/>
+            <a:r>
+              <a:rPr lang="ko-KR" altLang="en-US" smtClean="0">
+                <a:solidFill>
+                  <a:schemeClr val="tx1"/>
+                </a:solidFill>
+              </a:rPr>
+              <a:t>후기 내용</a:t>
+            </a:r>
+            <a:endParaRPr lang="ko-KR" altLang="en-US">
+              <a:solidFill>
+                <a:schemeClr val="tx1"/>
+              </a:solidFill>
+            </a:endParaRPr>
+          </a:p>
+        </p:txBody>
+      </p:sp>
+      <p:sp>
+        <p:nvSpPr>
+          <p:cNvPr id="8" name="직사각형 7"/>
+          <p:cNvSpPr/>
+          <p:nvPr/>
+        </p:nvSpPr>
+        <p:spPr>
+          <a:xfrm>
+            <a:off x="3657600" y="4898571"/>
+            <a:ext cx="3331029" cy="483326"/>
+          </a:xfrm>
+          <a:prstGeom prst="rect">
+            <a:avLst/>
+          </a:prstGeom>
+          <a:noFill/>
+          <a:ln w="25400">
+            <a:solidFill>
+              <a:schemeClr val="tx1"/>
+            </a:solidFill>
+          </a:ln>
+        </p:spPr>
+        <p:style>
+          <a:lnRef idx="2">
+            <a:schemeClr val="accent1">
+              <a:shade val="50000"/>
+            </a:schemeClr>
+          </a:lnRef>
+          <a:fillRef idx="1">
+            <a:schemeClr val="accent1"/>
+          </a:fillRef>
+          <a:effectRef idx="0">
+            <a:schemeClr val="accent1"/>
+          </a:effectRef>
+          <a:fontRef idx="minor">
+            <a:schemeClr val="lt1"/>
+          </a:fontRef>
+        </p:style>
+        <p:txBody>
+          <a:bodyPr rtlCol="0" anchor="ctr"/>
+          <a:lstStyle/>
+          <a:p>
+            <a:pPr algn="ctr"/>
+            <a:r>
+              <a:rPr lang="ko-KR" altLang="en-US" smtClean="0">
+                <a:solidFill>
+                  <a:schemeClr val="tx1"/>
+                </a:solidFill>
+              </a:rPr>
+              <a:t>목록내용</a:t>
+            </a:r>
+            <a:endParaRPr lang="ko-KR" altLang="en-US">
+              <a:solidFill>
+                <a:schemeClr val="tx1"/>
+              </a:solidFill>
+            </a:endParaRPr>
+          </a:p>
+        </p:txBody>
+      </p:sp>
     </p:spTree>
     <p:extLst>
       <p:ext uri="{BB962C8B-B14F-4D97-AF65-F5344CB8AC3E}">
-        <p14:creationId xmlns:p14="http://schemas.microsoft.com/office/powerpoint/2010/main" val="962733116"/>
+        <p14:creationId xmlns:p14="http://schemas.microsoft.com/office/powerpoint/2010/main" val="3268793221"/>
       </p:ext>
     </p:extLst>
   </p:cSld>
@@ -5922,304 +5419,434 @@
           <a:chExt cx="0" cy="0"/>
         </a:xfrm>
       </p:grpSpPr>
-      <p:sp>
-        <p:nvSpPr>
-          <p:cNvPr id="4" name="직사각형 3"/>
-          <p:cNvSpPr/>
-          <p:nvPr/>
-        </p:nvSpPr>
-        <p:spPr>
-          <a:xfrm>
-            <a:off x="3409405" y="431075"/>
-            <a:ext cx="4036423" cy="5865223"/>
+      <p:graphicFrame>
+        <p:nvGraphicFramePr>
+          <p:cNvPr id="5" name="표 4"/>
+          <p:cNvGraphicFramePr>
+            <a:graphicFrameLocks noGrp="1"/>
+          </p:cNvGraphicFramePr>
+          <p:nvPr>
+            <p:extLst>
+              <p:ext uri="{D42A27DB-BD31-4B8C-83A1-F6EECF244321}">
+                <p14:modId xmlns:p14="http://schemas.microsoft.com/office/powerpoint/2010/main" val="1160769019"/>
+              </p:ext>
+            </p:extLst>
+          </p:nvPr>
+        </p:nvGraphicFramePr>
+        <p:xfrm>
+          <a:off x="2227943" y="2039015"/>
+          <a:ext cx="8128000" cy="2988492"/>
+        </p:xfrm>
+        <a:graphic>
+          <a:graphicData uri="http://schemas.openxmlformats.org/drawingml/2006/table">
+            <a:tbl>
+              <a:tblPr firstRow="1" bandRow="1">
+                <a:tableStyleId>{5C22544A-7EE6-4342-B048-85BDC9FD1C3A}</a:tableStyleId>
+              </a:tblPr>
+              <a:tblGrid>
+                <a:gridCol w="2032000"/>
+                <a:gridCol w="2032000"/>
+                <a:gridCol w="2032000"/>
+                <a:gridCol w="2032000"/>
+              </a:tblGrid>
+              <a:tr h="498082">
+                <a:tc>
+                  <a:txBody>
+                    <a:bodyPr/>
+                    <a:lstStyle/>
+                    <a:p>
+                      <a:pPr algn="ctr" latinLnBrk="1"/>
+                      <a:r>
+                        <a:rPr lang="ko-KR" altLang="en-US" smtClean="0"/>
+                        <a:t>아이디</a:t>
+                      </a:r>
+                      <a:endParaRPr lang="ko-KR" altLang="en-US"/>
+                    </a:p>
+                  </a:txBody>
+                  <a:tcPr anchor="ctr"/>
+                </a:tc>
+                <a:tc>
+                  <a:txBody>
+                    <a:bodyPr/>
+                    <a:lstStyle/>
+                    <a:p>
+                      <a:pPr algn="ctr" latinLnBrk="1"/>
+                      <a:r>
+                        <a:rPr lang="ko-KR" altLang="en-US" smtClean="0"/>
+                        <a:t>이름</a:t>
+                      </a:r>
+                      <a:endParaRPr lang="ko-KR" altLang="en-US"/>
+                    </a:p>
+                  </a:txBody>
+                  <a:tcPr anchor="ctr"/>
+                </a:tc>
+                <a:tc>
+                  <a:txBody>
+                    <a:bodyPr/>
+                    <a:lstStyle/>
+                    <a:p>
+                      <a:pPr algn="ctr" latinLnBrk="1"/>
+                      <a:r>
+                        <a:rPr lang="ko-KR" altLang="en-US" smtClean="0"/>
+                        <a:t>수정</a:t>
+                      </a:r>
+                      <a:endParaRPr lang="ko-KR" altLang="en-US"/>
+                    </a:p>
+                  </a:txBody>
+                  <a:tcPr anchor="ctr"/>
+                </a:tc>
+                <a:tc>
+                  <a:txBody>
+                    <a:bodyPr/>
+                    <a:lstStyle/>
+                    <a:p>
+                      <a:pPr algn="ctr" latinLnBrk="1"/>
+                      <a:r>
+                        <a:rPr lang="ko-KR" altLang="en-US" smtClean="0"/>
+                        <a:t>해제</a:t>
+                      </a:r>
+                      <a:r>
+                        <a:rPr lang="ko-KR" altLang="en-US" baseline="0" smtClean="0"/>
+                        <a:t> 날짜</a:t>
+                      </a:r>
+                      <a:endParaRPr lang="ko-KR" altLang="en-US"/>
+                    </a:p>
+                  </a:txBody>
+                  <a:tcPr anchor="ctr"/>
+                </a:tc>
+              </a:tr>
+              <a:tr h="498082">
+                <a:tc>
+                  <a:txBody>
+                    <a:bodyPr/>
+                    <a:lstStyle/>
+                    <a:p>
+                      <a:pPr algn="ctr" latinLnBrk="1"/>
+                      <a:r>
+                        <a:rPr lang="en-US" altLang="ko-KR" smtClean="0"/>
+                        <a:t>Ezenkb77</a:t>
+                      </a:r>
+                      <a:endParaRPr lang="ko-KR" altLang="en-US"/>
+                    </a:p>
+                  </a:txBody>
+                  <a:tcPr anchor="ctr"/>
+                </a:tc>
+                <a:tc>
+                  <a:txBody>
+                    <a:bodyPr/>
+                    <a:lstStyle/>
+                    <a:p>
+                      <a:pPr algn="ctr" latinLnBrk="1"/>
+                      <a:r>
+                        <a:rPr lang="ko-KR" altLang="en-US" smtClean="0"/>
+                        <a:t>권기범</a:t>
+                      </a:r>
+                      <a:endParaRPr lang="ko-KR" altLang="en-US"/>
+                    </a:p>
+                  </a:txBody>
+                  <a:tcPr anchor="ctr"/>
+                </a:tc>
+                <a:tc>
+                  <a:txBody>
+                    <a:bodyPr/>
+                    <a:lstStyle/>
+                    <a:p>
+                      <a:pPr algn="ctr" latinLnBrk="1"/>
+                      <a:r>
+                        <a:rPr lang="ko-KR" altLang="en-US" smtClean="0"/>
+                        <a:t>수정</a:t>
+                      </a:r>
+                      <a:endParaRPr lang="ko-KR" altLang="en-US"/>
+                    </a:p>
+                  </a:txBody>
+                  <a:tcPr anchor="ctr"/>
+                </a:tc>
+                <a:tc>
+                  <a:txBody>
+                    <a:bodyPr/>
+                    <a:lstStyle/>
+                    <a:p>
+                      <a:pPr algn="ctr" latinLnBrk="1"/>
+                      <a:endParaRPr lang="ko-KR" altLang="en-US"/>
+                    </a:p>
+                  </a:txBody>
+                  <a:tcPr anchor="ctr"/>
+                </a:tc>
+              </a:tr>
+              <a:tr h="498082">
+                <a:tc>
+                  <a:txBody>
+                    <a:bodyPr/>
+                    <a:lstStyle/>
+                    <a:p>
+                      <a:pPr algn="ctr" latinLnBrk="1"/>
+                      <a:r>
+                        <a:rPr lang="en-US" altLang="ko-KR" smtClean="0"/>
+                        <a:t>Ezenht77</a:t>
+                      </a:r>
+                      <a:endParaRPr lang="ko-KR" altLang="en-US"/>
+                    </a:p>
+                  </a:txBody>
+                  <a:tcPr anchor="ctr"/>
+                </a:tc>
+                <a:tc>
+                  <a:txBody>
+                    <a:bodyPr/>
+                    <a:lstStyle/>
+                    <a:p>
+                      <a:pPr algn="ctr" latinLnBrk="1"/>
+                      <a:r>
+                        <a:rPr lang="ko-KR" altLang="en-US" smtClean="0"/>
+                        <a:t>김현태</a:t>
+                      </a:r>
+                      <a:endParaRPr lang="ko-KR" altLang="en-US"/>
+                    </a:p>
+                  </a:txBody>
+                  <a:tcPr anchor="ctr"/>
+                </a:tc>
+                <a:tc>
+                  <a:txBody>
+                    <a:bodyPr/>
+                    <a:lstStyle/>
+                    <a:p>
+                      <a:pPr algn="ctr" latinLnBrk="1"/>
+                      <a:r>
+                        <a:rPr lang="ko-KR" altLang="en-US" smtClean="0"/>
+                        <a:t>수정</a:t>
+                      </a:r>
+                      <a:endParaRPr lang="ko-KR" altLang="en-US"/>
+                    </a:p>
+                  </a:txBody>
+                  <a:tcPr anchor="ctr"/>
+                </a:tc>
+                <a:tc>
+                  <a:txBody>
+                    <a:bodyPr/>
+                    <a:lstStyle/>
+                    <a:p>
+                      <a:pPr algn="ctr" latinLnBrk="1"/>
+                      <a:endParaRPr lang="ko-KR" altLang="en-US"/>
+                    </a:p>
+                  </a:txBody>
+                  <a:tcPr anchor="ctr"/>
+                </a:tc>
+              </a:tr>
+              <a:tr h="498082">
+                <a:tc>
+                  <a:txBody>
+                    <a:bodyPr/>
+                    <a:lstStyle/>
+                    <a:p>
+                      <a:pPr algn="ctr" latinLnBrk="1"/>
+                      <a:r>
+                        <a:rPr lang="en-US" altLang="ko-KR" smtClean="0"/>
+                        <a:t>Ezenhj77</a:t>
+                      </a:r>
+                      <a:endParaRPr lang="ko-KR" altLang="en-US"/>
+                    </a:p>
+                  </a:txBody>
+                  <a:tcPr anchor="ctr"/>
+                </a:tc>
+                <a:tc>
+                  <a:txBody>
+                    <a:bodyPr/>
+                    <a:lstStyle/>
+                    <a:p>
+                      <a:pPr algn="ctr" latinLnBrk="1"/>
+                      <a:r>
+                        <a:rPr lang="ko-KR" altLang="en-US" smtClean="0"/>
+                        <a:t>이형준</a:t>
+                      </a:r>
+                      <a:endParaRPr lang="ko-KR" altLang="en-US"/>
+                    </a:p>
+                  </a:txBody>
+                  <a:tcPr anchor="ctr"/>
+                </a:tc>
+                <a:tc>
+                  <a:txBody>
+                    <a:bodyPr/>
+                    <a:lstStyle/>
+                    <a:p>
+                      <a:pPr algn="ctr" latinLnBrk="1"/>
+                      <a:r>
+                        <a:rPr lang="ko-KR" altLang="en-US" smtClean="0"/>
+                        <a:t>수정</a:t>
+                      </a:r>
+                      <a:endParaRPr lang="ko-KR" altLang="en-US"/>
+                    </a:p>
+                  </a:txBody>
+                  <a:tcPr anchor="ctr"/>
+                </a:tc>
+                <a:tc>
+                  <a:txBody>
+                    <a:bodyPr/>
+                    <a:lstStyle/>
+                    <a:p>
+                      <a:pPr algn="ctr" latinLnBrk="1"/>
+                      <a:endParaRPr lang="ko-KR" altLang="en-US"/>
+                    </a:p>
+                  </a:txBody>
+                  <a:tcPr anchor="ctr"/>
+                </a:tc>
+              </a:tr>
+              <a:tr h="498082">
+                <a:tc>
+                  <a:txBody>
+                    <a:bodyPr/>
+                    <a:lstStyle/>
+                    <a:p>
+                      <a:pPr algn="ctr" latinLnBrk="1"/>
+                      <a:r>
+                        <a:rPr lang="en-US" altLang="ko-KR" smtClean="0"/>
+                        <a:t>Ezensh77</a:t>
+                      </a:r>
+                      <a:endParaRPr lang="ko-KR" altLang="en-US"/>
+                    </a:p>
+                  </a:txBody>
+                  <a:tcPr anchor="ctr"/>
+                </a:tc>
+                <a:tc>
+                  <a:txBody>
+                    <a:bodyPr/>
+                    <a:lstStyle/>
+                    <a:p>
+                      <a:pPr algn="ctr" latinLnBrk="1"/>
+                      <a:r>
+                        <a:rPr lang="ko-KR" altLang="en-US" smtClean="0"/>
+                        <a:t>유서희</a:t>
+                      </a:r>
+                      <a:endParaRPr lang="ko-KR" altLang="en-US"/>
+                    </a:p>
+                  </a:txBody>
+                  <a:tcPr anchor="ctr"/>
+                </a:tc>
+                <a:tc>
+                  <a:txBody>
+                    <a:bodyPr/>
+                    <a:lstStyle/>
+                    <a:p>
+                      <a:pPr algn="ctr" latinLnBrk="1"/>
+                      <a:r>
+                        <a:rPr lang="ko-KR" altLang="en-US" smtClean="0"/>
+                        <a:t>수정</a:t>
+                      </a:r>
+                      <a:endParaRPr lang="ko-KR" altLang="en-US"/>
+                    </a:p>
+                  </a:txBody>
+                  <a:tcPr anchor="ctr"/>
+                </a:tc>
+                <a:tc>
+                  <a:txBody>
+                    <a:bodyPr/>
+                    <a:lstStyle/>
+                    <a:p>
+                      <a:pPr algn="ctr" latinLnBrk="1"/>
+                      <a:endParaRPr lang="ko-KR" altLang="en-US"/>
+                    </a:p>
+                  </a:txBody>
+                  <a:tcPr anchor="ctr"/>
+                </a:tc>
+              </a:tr>
+              <a:tr h="498082">
+                <a:tc>
+                  <a:txBody>
+                    <a:bodyPr/>
+                    <a:lstStyle/>
+                    <a:p>
+                      <a:pPr algn="ctr" latinLnBrk="1"/>
+                      <a:r>
+                        <a:rPr lang="en-US" altLang="ko-KR" smtClean="0"/>
+                        <a:t>Ezenys77</a:t>
+                      </a:r>
+                      <a:endParaRPr lang="ko-KR" altLang="en-US"/>
+                    </a:p>
+                  </a:txBody>
+                  <a:tcPr anchor="ctr"/>
+                </a:tc>
+                <a:tc>
+                  <a:txBody>
+                    <a:bodyPr/>
+                    <a:lstStyle/>
+                    <a:p>
+                      <a:pPr algn="ctr" latinLnBrk="1"/>
+                      <a:r>
+                        <a:rPr lang="ko-KR" altLang="en-US" smtClean="0"/>
+                        <a:t>김용승</a:t>
+                      </a:r>
+                      <a:endParaRPr lang="ko-KR" altLang="en-US"/>
+                    </a:p>
+                  </a:txBody>
+                  <a:tcPr anchor="ctr"/>
+                </a:tc>
+                <a:tc>
+                  <a:txBody>
+                    <a:bodyPr/>
+                    <a:lstStyle/>
+                    <a:p>
+                      <a:pPr algn="ctr" latinLnBrk="1"/>
+                      <a:r>
+                        <a:rPr lang="ko-KR" altLang="en-US" smtClean="0"/>
+                        <a:t>수정</a:t>
+                      </a:r>
+                      <a:endParaRPr lang="ko-KR" altLang="en-US"/>
+                    </a:p>
+                  </a:txBody>
+                  <a:tcPr anchor="ctr"/>
+                </a:tc>
+                <a:tc>
+                  <a:txBody>
+                    <a:bodyPr/>
+                    <a:lstStyle/>
+                    <a:p>
+                      <a:pPr algn="ctr" latinLnBrk="1"/>
+                      <a:r>
+                        <a:rPr lang="en-US" altLang="ko-KR" smtClean="0"/>
+                        <a:t>9999.12.31</a:t>
+                      </a:r>
+                      <a:endParaRPr lang="ko-KR" altLang="en-US"/>
+                    </a:p>
+                  </a:txBody>
+                  <a:tcPr anchor="ctr"/>
+                </a:tc>
+              </a:tr>
+            </a:tbl>
+          </a:graphicData>
+        </a:graphic>
+      </p:graphicFrame>
+      <p:sp>
+        <p:nvSpPr>
+          <p:cNvPr id="6" name="TextBox 5"/>
+          <p:cNvSpPr txBox="1"/>
+          <p:nvPr/>
+        </p:nvSpPr>
+        <p:spPr>
+          <a:xfrm>
+            <a:off x="2227943" y="1267097"/>
+            <a:ext cx="1415772" cy="461665"/>
           </a:xfrm>
           <a:prstGeom prst="rect">
             <a:avLst/>
           </a:prstGeom>
           <a:noFill/>
-          <a:ln w="25400">
-            <a:solidFill>
-              <a:schemeClr val="tx1"/>
-            </a:solidFill>
-          </a:ln>
-        </p:spPr>
-        <p:style>
-          <a:lnRef idx="2">
-            <a:schemeClr val="accent1">
-              <a:shade val="50000"/>
-            </a:schemeClr>
-          </a:lnRef>
-          <a:fillRef idx="1">
-            <a:schemeClr val="accent1"/>
-          </a:fillRef>
-          <a:effectRef idx="0">
-            <a:schemeClr val="accent1"/>
-          </a:effectRef>
-          <a:fontRef idx="minor">
-            <a:schemeClr val="lt1"/>
-          </a:fontRef>
-        </p:style>
-        <p:txBody>
-          <a:bodyPr rtlCol="0" anchor="ctr"/>
-          <a:lstStyle/>
-          <a:p>
-            <a:pPr algn="ctr"/>
-            <a:endParaRPr lang="ko-KR" altLang="en-US"/>
-          </a:p>
-        </p:txBody>
-      </p:sp>
-      <p:sp>
-        <p:nvSpPr>
-          <p:cNvPr id="5" name="직사각형 4"/>
-          <p:cNvSpPr/>
-          <p:nvPr/>
-        </p:nvSpPr>
-        <p:spPr>
-          <a:xfrm>
-            <a:off x="3657600" y="627017"/>
-            <a:ext cx="3331029" cy="483326"/>
-          </a:xfrm>
-          <a:prstGeom prst="rect">
-            <a:avLst/>
-          </a:prstGeom>
-          <a:noFill/>
-          <a:ln w="25400">
-            <a:solidFill>
-              <a:schemeClr val="tx1"/>
-            </a:solidFill>
-          </a:ln>
-        </p:spPr>
-        <p:style>
-          <a:lnRef idx="2">
-            <a:schemeClr val="accent1">
-              <a:shade val="50000"/>
-            </a:schemeClr>
-          </a:lnRef>
-          <a:fillRef idx="1">
-            <a:schemeClr val="accent1"/>
-          </a:fillRef>
-          <a:effectRef idx="0">
-            <a:schemeClr val="accent1"/>
-          </a:effectRef>
-          <a:fontRef idx="minor">
-            <a:schemeClr val="lt1"/>
-          </a:fontRef>
-        </p:style>
-        <p:txBody>
-          <a:bodyPr rtlCol="0" anchor="ctr"/>
-          <a:lstStyle/>
-          <a:p>
-            <a:pPr algn="ctr"/>
-            <a:r>
-              <a:rPr lang="ko-KR" altLang="en-US" smtClean="0">
-                <a:solidFill>
-                  <a:schemeClr val="tx1"/>
-                </a:solidFill>
-              </a:rPr>
-              <a:t>세미나 타이틀</a:t>
-            </a:r>
-            <a:endParaRPr lang="ko-KR" altLang="en-US">
-              <a:solidFill>
-                <a:schemeClr val="tx1"/>
-              </a:solidFill>
-            </a:endParaRPr>
-          </a:p>
-        </p:txBody>
-      </p:sp>
-      <p:sp>
-        <p:nvSpPr>
-          <p:cNvPr id="6" name="직사각형 5"/>
-          <p:cNvSpPr/>
-          <p:nvPr/>
-        </p:nvSpPr>
-        <p:spPr>
-          <a:xfrm>
-            <a:off x="3657600" y="1240971"/>
-            <a:ext cx="3331029" cy="483326"/>
-          </a:xfrm>
-          <a:prstGeom prst="rect">
-            <a:avLst/>
-          </a:prstGeom>
-          <a:noFill/>
-          <a:ln w="25400">
-            <a:solidFill>
-              <a:schemeClr val="tx1"/>
-            </a:solidFill>
-          </a:ln>
-        </p:spPr>
-        <p:style>
-          <a:lnRef idx="2">
-            <a:schemeClr val="accent1">
-              <a:shade val="50000"/>
-            </a:schemeClr>
-          </a:lnRef>
-          <a:fillRef idx="1">
-            <a:schemeClr val="accent1"/>
-          </a:fillRef>
-          <a:effectRef idx="0">
-            <a:schemeClr val="accent1"/>
-          </a:effectRef>
-          <a:fontRef idx="minor">
-            <a:schemeClr val="lt1"/>
-          </a:fontRef>
-        </p:style>
-        <p:txBody>
-          <a:bodyPr rtlCol="0" anchor="ctr"/>
-          <a:lstStyle/>
-          <a:p>
-            <a:pPr algn="ctr"/>
-            <a:r>
-              <a:rPr lang="ko-KR" altLang="en-US" smtClean="0">
-                <a:solidFill>
-                  <a:schemeClr val="tx1"/>
-                </a:solidFill>
-              </a:rPr>
-              <a:t>글쓴이 </a:t>
-            </a:r>
-            <a:r>
-              <a:rPr lang="en-US" altLang="ko-KR" smtClean="0">
-                <a:solidFill>
-                  <a:schemeClr val="tx1"/>
-                </a:solidFill>
-              </a:rPr>
-              <a:t>/ </a:t>
-            </a:r>
-            <a:r>
-              <a:rPr lang="ko-KR" altLang="en-US" smtClean="0">
-                <a:solidFill>
-                  <a:schemeClr val="tx1"/>
-                </a:solidFill>
-              </a:rPr>
-              <a:t>등록날짜</a:t>
-            </a:r>
-            <a:endParaRPr lang="ko-KR" altLang="en-US">
-              <a:solidFill>
-                <a:schemeClr val="tx1"/>
-              </a:solidFill>
-            </a:endParaRPr>
-          </a:p>
-        </p:txBody>
-      </p:sp>
-      <p:sp>
-        <p:nvSpPr>
-          <p:cNvPr id="7" name="직사각형 6"/>
-          <p:cNvSpPr/>
-          <p:nvPr/>
-        </p:nvSpPr>
-        <p:spPr>
-          <a:xfrm>
-            <a:off x="3657599" y="1854925"/>
-            <a:ext cx="3331029" cy="2429692"/>
-          </a:xfrm>
-          <a:prstGeom prst="rect">
-            <a:avLst/>
-          </a:prstGeom>
-          <a:noFill/>
-          <a:ln w="25400">
-            <a:solidFill>
-              <a:schemeClr val="tx1"/>
-            </a:solidFill>
-          </a:ln>
-        </p:spPr>
-        <p:style>
-          <a:lnRef idx="2">
-            <a:schemeClr val="accent1">
-              <a:shade val="50000"/>
-            </a:schemeClr>
-          </a:lnRef>
-          <a:fillRef idx="1">
-            <a:schemeClr val="accent1"/>
-          </a:fillRef>
-          <a:effectRef idx="0">
-            <a:schemeClr val="accent1"/>
-          </a:effectRef>
-          <a:fontRef idx="minor">
-            <a:schemeClr val="lt1"/>
-          </a:fontRef>
-        </p:style>
-        <p:txBody>
-          <a:bodyPr rtlCol="0" anchor="ctr"/>
-          <a:lstStyle/>
-          <a:p>
-            <a:pPr algn="ctr"/>
-            <a:r>
-              <a:rPr lang="ko-KR" altLang="en-US" smtClean="0">
-                <a:solidFill>
-                  <a:schemeClr val="tx1"/>
-                </a:solidFill>
-              </a:rPr>
-              <a:t>후기 내용</a:t>
-            </a:r>
-            <a:endParaRPr lang="ko-KR" altLang="en-US">
-              <a:solidFill>
-                <a:schemeClr val="tx1"/>
-              </a:solidFill>
-            </a:endParaRPr>
-          </a:p>
-        </p:txBody>
-      </p:sp>
-      <p:sp>
-        <p:nvSpPr>
-          <p:cNvPr id="8" name="직사각형 7"/>
-          <p:cNvSpPr/>
-          <p:nvPr/>
-        </p:nvSpPr>
-        <p:spPr>
-          <a:xfrm>
-            <a:off x="3657600" y="4898571"/>
-            <a:ext cx="3331029" cy="483326"/>
-          </a:xfrm>
-          <a:prstGeom prst="rect">
-            <a:avLst/>
-          </a:prstGeom>
-          <a:noFill/>
-          <a:ln w="25400">
-            <a:solidFill>
-              <a:schemeClr val="tx1"/>
-            </a:solidFill>
-          </a:ln>
-        </p:spPr>
-        <p:style>
-          <a:lnRef idx="2">
-            <a:schemeClr val="accent1">
-              <a:shade val="50000"/>
-            </a:schemeClr>
-          </a:lnRef>
-          <a:fillRef idx="1">
-            <a:schemeClr val="accent1"/>
-          </a:fillRef>
-          <a:effectRef idx="0">
-            <a:schemeClr val="accent1"/>
-          </a:effectRef>
-          <a:fontRef idx="minor">
-            <a:schemeClr val="lt1"/>
-          </a:fontRef>
-        </p:style>
-        <p:txBody>
-          <a:bodyPr rtlCol="0" anchor="ctr"/>
-          <a:lstStyle/>
-          <a:p>
-            <a:pPr algn="ctr"/>
-            <a:r>
-              <a:rPr lang="ko-KR" altLang="en-US" smtClean="0">
-                <a:solidFill>
-                  <a:schemeClr val="tx1"/>
-                </a:solidFill>
-              </a:rPr>
-              <a:t>목록내용</a:t>
-            </a:r>
-            <a:endParaRPr lang="ko-KR" altLang="en-US">
-              <a:solidFill>
-                <a:schemeClr val="tx1"/>
-              </a:solidFill>
-            </a:endParaRPr>
+        </p:spPr>
+        <p:txBody>
+          <a:bodyPr wrap="none" rtlCol="0">
+            <a:spAutoFit/>
+          </a:bodyPr>
+          <a:lstStyle/>
+          <a:p>
+            <a:r>
+              <a:rPr lang="ko-KR" altLang="en-US" sz="2400" smtClean="0"/>
+              <a:t>회원정보</a:t>
+            </a:r>
+            <a:endParaRPr lang="ko-KR" altLang="en-US" sz="2400"/>
           </a:p>
         </p:txBody>
       </p:sp>
     </p:spTree>
     <p:extLst>
       <p:ext uri="{BB962C8B-B14F-4D97-AF65-F5344CB8AC3E}">
-        <p14:creationId xmlns:p14="http://schemas.microsoft.com/office/powerpoint/2010/main" val="3268793221"/>
+        <p14:creationId xmlns:p14="http://schemas.microsoft.com/office/powerpoint/2010/main" val="4247573446"/>
       </p:ext>
     </p:extLst>
   </p:cSld>
@@ -6255,21 +5882,21 @@
       </p:grpSpPr>
       <p:graphicFrame>
         <p:nvGraphicFramePr>
-          <p:cNvPr id="5" name="표 4"/>
+          <p:cNvPr id="4" name="표 3"/>
           <p:cNvGraphicFramePr>
             <a:graphicFrameLocks noGrp="1"/>
           </p:cNvGraphicFramePr>
           <p:nvPr>
             <p:extLst>
               <p:ext uri="{D42A27DB-BD31-4B8C-83A1-F6EECF244321}">
-                <p14:modId xmlns:p14="http://schemas.microsoft.com/office/powerpoint/2010/main" val="3715512570"/>
+                <p14:modId xmlns:p14="http://schemas.microsoft.com/office/powerpoint/2010/main" val="805489798"/>
               </p:ext>
             </p:extLst>
           </p:nvPr>
         </p:nvGraphicFramePr>
         <p:xfrm>
-          <a:off x="2227943" y="2039015"/>
-          <a:ext cx="8128000" cy="2988492"/>
+          <a:off x="2227941" y="2039015"/>
+          <a:ext cx="7412448" cy="2490410"/>
         </p:xfrm>
         <a:graphic>
           <a:graphicData uri="http://schemas.openxmlformats.org/drawingml/2006/table">
@@ -6278,10 +5905,10 @@
                 <a:tableStyleId>{5C22544A-7EE6-4342-B048-85BDC9FD1C3A}</a:tableStyleId>
               </a:tblPr>
               <a:tblGrid>
-                <a:gridCol w="2032000"/>
-                <a:gridCol w="2032000"/>
-                <a:gridCol w="2032000"/>
-                <a:gridCol w="2032000"/>
+                <a:gridCol w="2348228"/>
+                <a:gridCol w="2348228"/>
+                <a:gridCol w="1357996"/>
+                <a:gridCol w="1357996"/>
               </a:tblGrid>
               <a:tr h="498082">
                 <a:tc>
@@ -6292,7 +5919,7 @@
                       <a:pPr algn="ctr" latinLnBrk="1"/>
                       <a:r>
                         <a:rPr lang="ko-KR" altLang="en-US" smtClean="0"/>
-                        <a:t>아이디</a:t>
+                        <a:t>세미나존</a:t>
                       </a:r>
                       <a:endParaRPr lang="ko-KR" altLang="en-US"/>
                     </a:p>
@@ -6306,10 +5933,10 @@
                     <a:p>
                       <a:pPr algn="ctr" latinLnBrk="1"/>
                       <a:r>
-                        <a:rPr lang="ko-KR" altLang="en-US" smtClean="0"/>
-                        <a:t>이름</a:t>
-                      </a:r>
-                      <a:endParaRPr lang="ko-KR" altLang="en-US"/>
+                        <a:rPr lang="ko-KR" altLang="en-US" sz="1800" smtClean="0"/>
+                        <a:t>최근 업데이트 날짜</a:t>
+                      </a:r>
+                      <a:endParaRPr lang="ko-KR" altLang="en-US" sz="1800"/>
                     </a:p>
                   </a:txBody>
                   <a:tcPr anchor="ctr"/>
@@ -6337,7 +5964,7 @@
                       <a:pPr algn="ctr" latinLnBrk="1"/>
                       <a:r>
                         <a:rPr lang="ko-KR" altLang="en-US" smtClean="0"/>
-                        <a:t>상태</a:t>
+                        <a:t>삭제</a:t>
                       </a:r>
                       <a:endParaRPr lang="ko-KR" altLang="en-US"/>
                     </a:p>
@@ -6353,23 +5980,23 @@
                     <a:p>
                       <a:pPr algn="ctr" latinLnBrk="1"/>
                       <a:r>
+                        <a:rPr lang="ko-KR" altLang="en-US" smtClean="0"/>
+                        <a:t>다이아몬드존</a:t>
+                      </a:r>
+                      <a:endParaRPr lang="ko-KR" altLang="en-US"/>
+                    </a:p>
+                  </a:txBody>
+                  <a:tcPr anchor="ctr"/>
+                </a:tc>
+                <a:tc>
+                  <a:txBody>
+                    <a:bodyPr/>
+                    <a:lstStyle/>
+                    <a:p>
+                      <a:pPr algn="ctr" latinLnBrk="1"/>
+                      <a:r>
                         <a:rPr lang="en-US" altLang="ko-KR" smtClean="0"/>
-                        <a:t>Ezenkb77</a:t>
-                      </a:r>
-                      <a:endParaRPr lang="ko-KR" altLang="en-US"/>
-                    </a:p>
-                  </a:txBody>
-                  <a:tcPr anchor="ctr"/>
-                </a:tc>
-                <a:tc>
-                  <a:txBody>
-                    <a:bodyPr/>
-                    <a:lstStyle/>
-                    <a:p>
-                      <a:pPr algn="ctr" latinLnBrk="1"/>
-                      <a:r>
-                        <a:rPr lang="ko-KR" altLang="en-US" smtClean="0"/>
-                        <a:t>권기범</a:t>
+                        <a:t>2020.03.30</a:t>
                       </a:r>
                       <a:endParaRPr lang="ko-KR" altLang="en-US"/>
                     </a:p>
@@ -6399,7 +6026,7 @@
                       <a:pPr algn="ctr" latinLnBrk="1"/>
                       <a:r>
                         <a:rPr lang="ko-KR" altLang="en-US" smtClean="0"/>
-                        <a:t>활성화</a:t>
+                        <a:t>삭제</a:t>
                       </a:r>
                       <a:endParaRPr lang="ko-KR" altLang="en-US"/>
                     </a:p>
@@ -6415,23 +6042,23 @@
                     <a:p>
                       <a:pPr algn="ctr" latinLnBrk="1"/>
                       <a:r>
+                        <a:rPr lang="ko-KR" altLang="en-US" smtClean="0"/>
+                        <a:t>프리미엄존</a:t>
+                      </a:r>
+                      <a:endParaRPr lang="ko-KR" altLang="en-US"/>
+                    </a:p>
+                  </a:txBody>
+                  <a:tcPr anchor="ctr"/>
+                </a:tc>
+                <a:tc>
+                  <a:txBody>
+                    <a:bodyPr/>
+                    <a:lstStyle/>
+                    <a:p>
+                      <a:pPr algn="ctr" latinLnBrk="1"/>
+                      <a:r>
                         <a:rPr lang="en-US" altLang="ko-KR" smtClean="0"/>
-                        <a:t>Ezenht77</a:t>
-                      </a:r>
-                      <a:endParaRPr lang="ko-KR" altLang="en-US"/>
-                    </a:p>
-                  </a:txBody>
-                  <a:tcPr anchor="ctr"/>
-                </a:tc>
-                <a:tc>
-                  <a:txBody>
-                    <a:bodyPr/>
-                    <a:lstStyle/>
-                    <a:p>
-                      <a:pPr algn="ctr" latinLnBrk="1"/>
-                      <a:r>
-                        <a:rPr lang="ko-KR" altLang="en-US" smtClean="0"/>
-                        <a:t>김현태</a:t>
+                        <a:t>2020.03.31</a:t>
                       </a:r>
                       <a:endParaRPr lang="ko-KR" altLang="en-US"/>
                     </a:p>
@@ -6461,7 +6088,7 @@
                       <a:pPr algn="ctr" latinLnBrk="1"/>
                       <a:r>
                         <a:rPr lang="ko-KR" altLang="en-US" smtClean="0"/>
-                        <a:t>활성화</a:t>
+                        <a:t>삭제</a:t>
                       </a:r>
                       <a:endParaRPr lang="ko-KR" altLang="en-US"/>
                     </a:p>
@@ -6477,23 +6104,23 @@
                     <a:p>
                       <a:pPr algn="ctr" latinLnBrk="1"/>
                       <a:r>
+                        <a:rPr lang="ko-KR" altLang="en-US" smtClean="0"/>
+                        <a:t>골드존</a:t>
+                      </a:r>
+                      <a:endParaRPr lang="ko-KR" altLang="en-US"/>
+                    </a:p>
+                  </a:txBody>
+                  <a:tcPr anchor="ctr"/>
+                </a:tc>
+                <a:tc>
+                  <a:txBody>
+                    <a:bodyPr/>
+                    <a:lstStyle/>
+                    <a:p>
+                      <a:pPr algn="ctr" latinLnBrk="1"/>
+                      <a:r>
                         <a:rPr lang="en-US" altLang="ko-KR" smtClean="0"/>
-                        <a:t>Ezenhj77</a:t>
-                      </a:r>
-                      <a:endParaRPr lang="ko-KR" altLang="en-US"/>
-                    </a:p>
-                  </a:txBody>
-                  <a:tcPr anchor="ctr"/>
-                </a:tc>
-                <a:tc>
-                  <a:txBody>
-                    <a:bodyPr/>
-                    <a:lstStyle/>
-                    <a:p>
-                      <a:pPr algn="ctr" latinLnBrk="1"/>
-                      <a:r>
-                        <a:rPr lang="ko-KR" altLang="en-US" smtClean="0"/>
-                        <a:t>이형준</a:t>
+                        <a:t>2020.03.29</a:t>
                       </a:r>
                       <a:endParaRPr lang="ko-KR" altLang="en-US"/>
                     </a:p>
@@ -6523,7 +6150,7 @@
                       <a:pPr algn="ctr" latinLnBrk="1"/>
                       <a:r>
                         <a:rPr lang="ko-KR" altLang="en-US" smtClean="0"/>
-                        <a:t>활성화</a:t>
+                        <a:t>삭제</a:t>
                       </a:r>
                       <a:endParaRPr lang="ko-KR" altLang="en-US"/>
                     </a:p>
@@ -6539,23 +6166,23 @@
                     <a:p>
                       <a:pPr algn="ctr" latinLnBrk="1"/>
                       <a:r>
+                        <a:rPr lang="ko-KR" altLang="en-US" smtClean="0"/>
+                        <a:t>실버존</a:t>
+                      </a:r>
+                      <a:endParaRPr lang="ko-KR" altLang="en-US"/>
+                    </a:p>
+                  </a:txBody>
+                  <a:tcPr anchor="ctr"/>
+                </a:tc>
+                <a:tc>
+                  <a:txBody>
+                    <a:bodyPr/>
+                    <a:lstStyle/>
+                    <a:p>
+                      <a:pPr algn="ctr" latinLnBrk="1"/>
+                      <a:r>
                         <a:rPr lang="en-US" altLang="ko-KR" smtClean="0"/>
-                        <a:t>Ezensh77</a:t>
-                      </a:r>
-                      <a:endParaRPr lang="ko-KR" altLang="en-US"/>
-                    </a:p>
-                  </a:txBody>
-                  <a:tcPr anchor="ctr"/>
-                </a:tc>
-                <a:tc>
-                  <a:txBody>
-                    <a:bodyPr/>
-                    <a:lstStyle/>
-                    <a:p>
-                      <a:pPr algn="ctr" latinLnBrk="1"/>
-                      <a:r>
-                        <a:rPr lang="ko-KR" altLang="en-US" smtClean="0"/>
-                        <a:t>유서희</a:t>
+                        <a:t>2020.03.30</a:t>
                       </a:r>
                       <a:endParaRPr lang="ko-KR" altLang="en-US"/>
                     </a:p>
@@ -6585,69 +6212,7 @@
                       <a:pPr algn="ctr" latinLnBrk="1"/>
                       <a:r>
                         <a:rPr lang="ko-KR" altLang="en-US" smtClean="0"/>
-                        <a:t>활성화</a:t>
-                      </a:r>
-                      <a:endParaRPr lang="ko-KR" altLang="en-US"/>
-                    </a:p>
-                  </a:txBody>
-                  <a:tcPr anchor="ctr"/>
-                </a:tc>
-              </a:tr>
-              <a:tr h="498082">
-                <a:tc>
-                  <a:txBody>
-                    <a:bodyPr/>
-                    <a:lstStyle/>
-                    <a:p>
-                      <a:pPr algn="ctr" latinLnBrk="1"/>
-                      <a:r>
-                        <a:rPr lang="en-US" altLang="ko-KR" smtClean="0"/>
-                        <a:t>Ezenys77</a:t>
-                      </a:r>
-                      <a:endParaRPr lang="ko-KR" altLang="en-US"/>
-                    </a:p>
-                  </a:txBody>
-                  <a:tcPr anchor="ctr"/>
-                </a:tc>
-                <a:tc>
-                  <a:txBody>
-                    <a:bodyPr/>
-                    <a:lstStyle/>
-                    <a:p>
-                      <a:pPr algn="ctr" latinLnBrk="1"/>
-                      <a:r>
-                        <a:rPr lang="ko-KR" altLang="en-US" smtClean="0"/>
-                        <a:t>김용승</a:t>
-                      </a:r>
-                      <a:endParaRPr lang="ko-KR" altLang="en-US"/>
-                    </a:p>
-                  </a:txBody>
-                  <a:tcPr anchor="ctr"/>
-                </a:tc>
-                <a:tc>
-                  <a:txBody>
-                    <a:bodyPr/>
-                    <a:lstStyle/>
-                    <a:p>
-                      <a:pPr algn="ctr" latinLnBrk="1"/>
-                      <a:r>
-                        <a:rPr lang="ko-KR" altLang="en-US" smtClean="0"/>
-                        <a:t>수정</a:t>
-                      </a:r>
-                      <a:endParaRPr lang="ko-KR" altLang="en-US"/>
-                    </a:p>
-                  </a:txBody>
-                  <a:tcPr anchor="ctr"/>
-                </a:tc>
-                <a:tc>
-                  <a:txBody>
-                    <a:bodyPr/>
-                    <a:lstStyle/>
-                    <a:p>
-                      <a:pPr algn="ctr" latinLnBrk="1"/>
-                      <a:r>
-                        <a:rPr lang="ko-KR" altLang="en-US" smtClean="0"/>
-                        <a:t>비활성화</a:t>
+                        <a:t>삭제</a:t>
                       </a:r>
                       <a:endParaRPr lang="ko-KR" altLang="en-US"/>
                     </a:p>
@@ -6661,14 +6226,14 @@
       </p:graphicFrame>
       <p:sp>
         <p:nvSpPr>
-          <p:cNvPr id="6" name="TextBox 5"/>
+          <p:cNvPr id="5" name="TextBox 4"/>
           <p:cNvSpPr txBox="1"/>
           <p:nvPr/>
         </p:nvSpPr>
         <p:spPr>
           <a:xfrm>
-            <a:off x="2227943" y="1267097"/>
-            <a:ext cx="1415772" cy="461665"/>
+            <a:off x="2227941" y="1487054"/>
+            <a:ext cx="1733167" cy="369332"/>
           </a:xfrm>
           <a:prstGeom prst="rect">
             <a:avLst/>
@@ -6682,343 +6247,52 @@
           <a:lstStyle/>
           <a:p>
             <a:r>
-              <a:rPr lang="ko-KR" altLang="en-US" sz="2400" smtClean="0"/>
-              <a:t>회원정보</a:t>
-            </a:r>
-            <a:endParaRPr lang="ko-KR" altLang="en-US" sz="2400"/>
-          </a:p>
-        </p:txBody>
-      </p:sp>
-    </p:spTree>
-    <p:extLst>
-      <p:ext uri="{BB962C8B-B14F-4D97-AF65-F5344CB8AC3E}">
-        <p14:creationId xmlns:p14="http://schemas.microsoft.com/office/powerpoint/2010/main" val="4247573446"/>
-      </p:ext>
-    </p:extLst>
-  </p:cSld>
-  <p:clrMapOvr>
-    <a:masterClrMapping/>
-  </p:clrMapOvr>
-  <p:timing>
-    <p:tnLst>
-      <p:par>
-        <p:cTn id="1" dur="indefinite" restart="never" nodeType="tmRoot"/>
-      </p:par>
-    </p:tnLst>
-  </p:timing>
-</p:sld>
-</file>
-
-<file path=ppt/slides/slide15.xml><?xml version="1.0" encoding="utf-8"?>
-<p:sld xmlns:a="http://schemas.openxmlformats.org/drawingml/2006/main" xmlns:r="http://schemas.openxmlformats.org/officeDocument/2006/relationships" xmlns:p="http://schemas.openxmlformats.org/presentationml/2006/main">
-  <p:cSld>
-    <p:spTree>
-      <p:nvGrpSpPr>
-        <p:cNvPr id="1" name=""/>
-        <p:cNvGrpSpPr/>
-        <p:nvPr/>
-      </p:nvGrpSpPr>
-      <p:grpSpPr>
-        <a:xfrm>
-          <a:off x="0" y="0"/>
-          <a:ext cx="0" cy="0"/>
-          <a:chOff x="0" y="0"/>
-          <a:chExt cx="0" cy="0"/>
-        </a:xfrm>
-      </p:grpSpPr>
-      <p:graphicFrame>
-        <p:nvGraphicFramePr>
-          <p:cNvPr id="4" name="표 3"/>
-          <p:cNvGraphicFramePr>
-            <a:graphicFrameLocks noGrp="1"/>
-          </p:cNvGraphicFramePr>
-          <p:nvPr>
-            <p:extLst>
-              <p:ext uri="{D42A27DB-BD31-4B8C-83A1-F6EECF244321}">
-                <p14:modId xmlns:p14="http://schemas.microsoft.com/office/powerpoint/2010/main" val="951036568"/>
-              </p:ext>
-            </p:extLst>
-          </p:nvPr>
-        </p:nvGraphicFramePr>
-        <p:xfrm>
-          <a:off x="2227941" y="2039015"/>
-          <a:ext cx="8624787" cy="2490410"/>
-        </p:xfrm>
-        <a:graphic>
-          <a:graphicData uri="http://schemas.openxmlformats.org/drawingml/2006/table">
-            <a:tbl>
-              <a:tblPr firstRow="1" bandRow="1">
-                <a:tableStyleId>{5C22544A-7EE6-4342-B048-85BDC9FD1C3A}</a:tableStyleId>
-              </a:tblPr>
-              <a:tblGrid>
-                <a:gridCol w="2874929"/>
-                <a:gridCol w="2874929"/>
-                <a:gridCol w="2874929"/>
-              </a:tblGrid>
-              <a:tr h="498082">
-                <a:tc>
-                  <a:txBody>
-                    <a:bodyPr/>
-                    <a:lstStyle/>
-                    <a:p>
-                      <a:pPr algn="ctr" latinLnBrk="1"/>
-                      <a:r>
-                        <a:rPr lang="ko-KR" altLang="en-US" smtClean="0"/>
-                        <a:t>세미나존</a:t>
-                      </a:r>
-                      <a:endParaRPr lang="ko-KR" altLang="en-US"/>
-                    </a:p>
-                  </a:txBody>
-                  <a:tcPr anchor="ctr"/>
-                </a:tc>
-                <a:tc>
-                  <a:txBody>
-                    <a:bodyPr/>
-                    <a:lstStyle/>
-                    <a:p>
-                      <a:pPr algn="ctr" latinLnBrk="1"/>
-                      <a:r>
-                        <a:rPr lang="ko-KR" altLang="en-US" sz="1800" smtClean="0"/>
-                        <a:t>최근 업데이트 날짜</a:t>
-                      </a:r>
-                      <a:endParaRPr lang="ko-KR" altLang="en-US" sz="1800"/>
-                    </a:p>
-                  </a:txBody>
-                  <a:tcPr anchor="ctr"/>
-                </a:tc>
-                <a:tc>
-                  <a:txBody>
-                    <a:bodyPr/>
-                    <a:lstStyle/>
-                    <a:p>
-                      <a:pPr algn="ctr" latinLnBrk="1"/>
-                      <a:r>
-                        <a:rPr lang="ko-KR" altLang="en-US" smtClean="0"/>
-                        <a:t>수정</a:t>
-                      </a:r>
-                      <a:endParaRPr lang="ko-KR" altLang="en-US"/>
-                    </a:p>
-                  </a:txBody>
-                  <a:tcPr anchor="ctr"/>
-                </a:tc>
-              </a:tr>
-              <a:tr h="498082">
-                <a:tc>
-                  <a:txBody>
-                    <a:bodyPr/>
-                    <a:lstStyle/>
-                    <a:p>
-                      <a:pPr algn="ctr" latinLnBrk="1"/>
-                      <a:r>
-                        <a:rPr lang="ko-KR" altLang="en-US" smtClean="0"/>
-                        <a:t>다이아몬드존</a:t>
-                      </a:r>
-                      <a:endParaRPr lang="ko-KR" altLang="en-US"/>
-                    </a:p>
-                  </a:txBody>
-                  <a:tcPr anchor="ctr"/>
-                </a:tc>
-                <a:tc>
-                  <a:txBody>
-                    <a:bodyPr/>
-                    <a:lstStyle/>
-                    <a:p>
-                      <a:pPr algn="ctr" latinLnBrk="1"/>
-                      <a:r>
-                        <a:rPr lang="en-US" altLang="ko-KR" smtClean="0"/>
-                        <a:t>2020.03.30</a:t>
-                      </a:r>
-                      <a:endParaRPr lang="ko-KR" altLang="en-US"/>
-                    </a:p>
-                  </a:txBody>
-                  <a:tcPr anchor="ctr"/>
-                </a:tc>
-                <a:tc>
-                  <a:txBody>
-                    <a:bodyPr/>
-                    <a:lstStyle/>
-                    <a:p>
-                      <a:pPr algn="ctr" latinLnBrk="1"/>
-                      <a:r>
-                        <a:rPr lang="ko-KR" altLang="en-US" smtClean="0"/>
-                        <a:t>수정</a:t>
-                      </a:r>
-                      <a:endParaRPr lang="ko-KR" altLang="en-US"/>
-                    </a:p>
-                  </a:txBody>
-                  <a:tcPr anchor="ctr"/>
-                </a:tc>
-              </a:tr>
-              <a:tr h="498082">
-                <a:tc>
-                  <a:txBody>
-                    <a:bodyPr/>
-                    <a:lstStyle/>
-                    <a:p>
-                      <a:pPr algn="ctr" latinLnBrk="1"/>
-                      <a:r>
-                        <a:rPr lang="ko-KR" altLang="en-US" smtClean="0"/>
-                        <a:t>프리미엄존</a:t>
-                      </a:r>
-                      <a:endParaRPr lang="ko-KR" altLang="en-US"/>
-                    </a:p>
-                  </a:txBody>
-                  <a:tcPr anchor="ctr"/>
-                </a:tc>
-                <a:tc>
-                  <a:txBody>
-                    <a:bodyPr/>
-                    <a:lstStyle/>
-                    <a:p>
-                      <a:pPr algn="ctr" latinLnBrk="1"/>
-                      <a:r>
-                        <a:rPr lang="en-US" altLang="ko-KR" smtClean="0"/>
-                        <a:t>2020.03.31</a:t>
-                      </a:r>
-                      <a:endParaRPr lang="ko-KR" altLang="en-US"/>
-                    </a:p>
-                  </a:txBody>
-                  <a:tcPr anchor="ctr"/>
-                </a:tc>
-                <a:tc>
-                  <a:txBody>
-                    <a:bodyPr/>
-                    <a:lstStyle/>
-                    <a:p>
-                      <a:pPr algn="ctr" latinLnBrk="1"/>
-                      <a:r>
-                        <a:rPr lang="ko-KR" altLang="en-US" smtClean="0"/>
-                        <a:t>수정</a:t>
-                      </a:r>
-                      <a:endParaRPr lang="ko-KR" altLang="en-US"/>
-                    </a:p>
-                  </a:txBody>
-                  <a:tcPr anchor="ctr"/>
-                </a:tc>
-              </a:tr>
-              <a:tr h="498082">
-                <a:tc>
-                  <a:txBody>
-                    <a:bodyPr/>
-                    <a:lstStyle/>
-                    <a:p>
-                      <a:pPr algn="ctr" latinLnBrk="1"/>
-                      <a:r>
-                        <a:rPr lang="ko-KR" altLang="en-US" smtClean="0"/>
-                        <a:t>골드존</a:t>
-                      </a:r>
-                      <a:endParaRPr lang="ko-KR" altLang="en-US"/>
-                    </a:p>
-                  </a:txBody>
-                  <a:tcPr anchor="ctr"/>
-                </a:tc>
-                <a:tc>
-                  <a:txBody>
-                    <a:bodyPr/>
-                    <a:lstStyle/>
-                    <a:p>
-                      <a:pPr algn="ctr" latinLnBrk="1"/>
-                      <a:r>
-                        <a:rPr lang="en-US" altLang="ko-KR" smtClean="0"/>
-                        <a:t>2020.03.29</a:t>
-                      </a:r>
-                      <a:endParaRPr lang="ko-KR" altLang="en-US"/>
-                    </a:p>
-                  </a:txBody>
-                  <a:tcPr anchor="ctr"/>
-                </a:tc>
-                <a:tc>
-                  <a:txBody>
-                    <a:bodyPr/>
-                    <a:lstStyle/>
-                    <a:p>
-                      <a:pPr algn="ctr" latinLnBrk="1"/>
-                      <a:r>
-                        <a:rPr lang="ko-KR" altLang="en-US" smtClean="0"/>
-                        <a:t>수정</a:t>
-                      </a:r>
-                      <a:endParaRPr lang="ko-KR" altLang="en-US"/>
-                    </a:p>
-                  </a:txBody>
-                  <a:tcPr anchor="ctr"/>
-                </a:tc>
-              </a:tr>
-              <a:tr h="498082">
-                <a:tc>
-                  <a:txBody>
-                    <a:bodyPr/>
-                    <a:lstStyle/>
-                    <a:p>
-                      <a:pPr algn="ctr" latinLnBrk="1"/>
-                      <a:r>
-                        <a:rPr lang="ko-KR" altLang="en-US" smtClean="0"/>
-                        <a:t>실버존</a:t>
-                      </a:r>
-                      <a:endParaRPr lang="ko-KR" altLang="en-US"/>
-                    </a:p>
-                  </a:txBody>
-                  <a:tcPr anchor="ctr"/>
-                </a:tc>
-                <a:tc>
-                  <a:txBody>
-                    <a:bodyPr/>
-                    <a:lstStyle/>
-                    <a:p>
-                      <a:pPr algn="ctr" latinLnBrk="1"/>
-                      <a:r>
-                        <a:rPr lang="en-US" altLang="ko-KR" smtClean="0"/>
-                        <a:t>2020.03.30</a:t>
-                      </a:r>
-                      <a:endParaRPr lang="ko-KR" altLang="en-US"/>
-                    </a:p>
-                  </a:txBody>
-                  <a:tcPr anchor="ctr"/>
-                </a:tc>
-                <a:tc>
-                  <a:txBody>
-                    <a:bodyPr/>
-                    <a:lstStyle/>
-                    <a:p>
-                      <a:pPr algn="ctr" latinLnBrk="1"/>
-                      <a:r>
-                        <a:rPr lang="ko-KR" altLang="en-US" smtClean="0"/>
-                        <a:t>수정</a:t>
-                      </a:r>
-                      <a:endParaRPr lang="ko-KR" altLang="en-US"/>
-                    </a:p>
-                  </a:txBody>
-                  <a:tcPr anchor="ctr"/>
-                </a:tc>
-              </a:tr>
-            </a:tbl>
-          </a:graphicData>
-        </a:graphic>
-      </p:graphicFrame>
-      <p:sp>
-        <p:nvSpPr>
-          <p:cNvPr id="5" name="TextBox 4"/>
-          <p:cNvSpPr txBox="1"/>
-          <p:nvPr/>
-        </p:nvSpPr>
-        <p:spPr>
-          <a:xfrm>
-            <a:off x="2227941" y="1487054"/>
-            <a:ext cx="1733167" cy="369332"/>
-          </a:xfrm>
-          <a:prstGeom prst="rect">
-            <a:avLst/>
-          </a:prstGeom>
-          <a:noFill/>
-        </p:spPr>
-        <p:txBody>
-          <a:bodyPr wrap="none" rtlCol="0">
-            <a:spAutoFit/>
-          </a:bodyPr>
-          <a:lstStyle/>
-          <a:p>
-            <a:r>
               <a:rPr lang="ko-KR" altLang="en-US" smtClean="0"/>
               <a:t>대관 시설 관리</a:t>
+            </a:r>
+            <a:endParaRPr lang="ko-KR" altLang="en-US"/>
+          </a:p>
+        </p:txBody>
+      </p:sp>
+      <p:sp>
+        <p:nvSpPr>
+          <p:cNvPr id="2" name="직사각형 1"/>
+          <p:cNvSpPr/>
+          <p:nvPr/>
+        </p:nvSpPr>
+        <p:spPr>
+          <a:xfrm>
+            <a:off x="7341326" y="4741817"/>
+            <a:ext cx="2155371" cy="535577"/>
+          </a:xfrm>
+          <a:prstGeom prst="rect">
+            <a:avLst/>
+          </a:prstGeom>
+        </p:spPr>
+        <p:style>
+          <a:lnRef idx="2">
+            <a:schemeClr val="accent1">
+              <a:shade val="50000"/>
+            </a:schemeClr>
+          </a:lnRef>
+          <a:fillRef idx="1">
+            <a:schemeClr val="accent1"/>
+          </a:fillRef>
+          <a:effectRef idx="0">
+            <a:schemeClr val="accent1"/>
+          </a:effectRef>
+          <a:fontRef idx="minor">
+            <a:schemeClr val="lt1"/>
+          </a:fontRef>
+        </p:style>
+        <p:txBody>
+          <a:bodyPr rtlCol="0" anchor="ctr"/>
+          <a:lstStyle/>
+          <a:p>
+            <a:pPr algn="ctr"/>
+            <a:r>
+              <a:rPr lang="ko-KR" altLang="en-US" smtClean="0"/>
+              <a:t>등록</a:t>
             </a:r>
             <a:endParaRPr lang="ko-KR" altLang="en-US"/>
           </a:p>
@@ -7044,7 +6318,7 @@
 </p:sld>
 </file>
 
-<file path=ppt/slides/slide16.xml><?xml version="1.0" encoding="utf-8"?>
+<file path=ppt/slides/slide15.xml><?xml version="1.0" encoding="utf-8"?>
 <p:sld xmlns:a="http://schemas.openxmlformats.org/drawingml/2006/main" xmlns:r="http://schemas.openxmlformats.org/officeDocument/2006/relationships" xmlns:p="http://schemas.openxmlformats.org/presentationml/2006/main">
   <p:cSld>
     <p:spTree>
@@ -9721,24 +8995,555 @@
       </p:grpSpPr>
       <p:sp>
         <p:nvSpPr>
-          <p:cNvPr id="4" name="직사각형 3"/>
+          <p:cNvPr id="5" name="TextBox 4"/>
+          <p:cNvSpPr txBox="1"/>
+          <p:nvPr/>
+        </p:nvSpPr>
+        <p:spPr>
+          <a:xfrm>
+            <a:off x="4553527" y="701963"/>
+            <a:ext cx="1651414" cy="369332"/>
+          </a:xfrm>
+          <a:prstGeom prst="rect">
+            <a:avLst/>
+          </a:prstGeom>
+          <a:noFill/>
+        </p:spPr>
+        <p:txBody>
+          <a:bodyPr wrap="none" rtlCol="0">
+            <a:spAutoFit/>
+          </a:bodyPr>
+          <a:lstStyle/>
+          <a:p>
+            <a:r>
+              <a:rPr lang="ko-KR" altLang="en-US" err="1" smtClean="0"/>
+              <a:t>세미나존</a:t>
+            </a:r>
+            <a:r>
+              <a:rPr lang="ko-KR" altLang="en-US" smtClean="0"/>
+              <a:t> 후기</a:t>
+            </a:r>
+            <a:endParaRPr lang="ko-KR" altLang="en-US"/>
+          </a:p>
+        </p:txBody>
+      </p:sp>
+      <p:graphicFrame>
+        <p:nvGraphicFramePr>
+          <p:cNvPr id="6" name="표 5"/>
+          <p:cNvGraphicFramePr>
+            <a:graphicFrameLocks noGrp="1"/>
+          </p:cNvGraphicFramePr>
+          <p:nvPr>
+            <p:extLst>
+              <p:ext uri="{D42A27DB-BD31-4B8C-83A1-F6EECF244321}">
+                <p14:modId xmlns:p14="http://schemas.microsoft.com/office/powerpoint/2010/main" val="1292496662"/>
+              </p:ext>
+            </p:extLst>
+          </p:nvPr>
+        </p:nvGraphicFramePr>
+        <p:xfrm>
+          <a:off x="1782618" y="1283084"/>
+          <a:ext cx="8128000" cy="2225040"/>
+        </p:xfrm>
+        <a:graphic>
+          <a:graphicData uri="http://schemas.openxmlformats.org/drawingml/2006/table">
+            <a:tbl>
+              <a:tblPr firstRow="1" bandRow="1">
+                <a:tableStyleId>{5C22544A-7EE6-4342-B048-85BDC9FD1C3A}</a:tableStyleId>
+              </a:tblPr>
+              <a:tblGrid>
+                <a:gridCol w="1062182"/>
+                <a:gridCol w="1727200"/>
+                <a:gridCol w="2272145"/>
+                <a:gridCol w="1634837"/>
+                <a:gridCol w="1431636"/>
+              </a:tblGrid>
+              <a:tr h="370840">
+                <a:tc>
+                  <a:txBody>
+                    <a:bodyPr/>
+                    <a:lstStyle/>
+                    <a:p>
+                      <a:pPr algn="ctr" latinLnBrk="1"/>
+                      <a:r>
+                        <a:rPr lang="ko-KR" altLang="en-US" smtClean="0"/>
+                        <a:t>글 번호</a:t>
+                      </a:r>
+                      <a:endParaRPr lang="ko-KR" altLang="en-US"/>
+                    </a:p>
+                  </a:txBody>
+                  <a:tcPr/>
+                </a:tc>
+                <a:tc>
+                  <a:txBody>
+                    <a:bodyPr/>
+                    <a:lstStyle/>
+                    <a:p>
+                      <a:pPr algn="ctr" latinLnBrk="1"/>
+                      <a:r>
+                        <a:rPr lang="ko-KR" altLang="en-US" err="1" smtClean="0"/>
+                        <a:t>세미나존</a:t>
+                      </a:r>
+                      <a:r>
+                        <a:rPr lang="ko-KR" altLang="en-US" smtClean="0"/>
+                        <a:t> 이름</a:t>
+                      </a:r>
+                      <a:endParaRPr lang="ko-KR" altLang="en-US"/>
+                    </a:p>
+                  </a:txBody>
+                  <a:tcPr/>
+                </a:tc>
+                <a:tc>
+                  <a:txBody>
+                    <a:bodyPr/>
+                    <a:lstStyle/>
+                    <a:p>
+                      <a:pPr algn="ctr" latinLnBrk="1"/>
+                      <a:r>
+                        <a:rPr lang="ko-KR" altLang="en-US" smtClean="0"/>
+                        <a:t>세미나 타이틀</a:t>
+                      </a:r>
+                      <a:endParaRPr lang="ko-KR" altLang="en-US"/>
+                    </a:p>
+                  </a:txBody>
+                  <a:tcPr/>
+                </a:tc>
+                <a:tc>
+                  <a:txBody>
+                    <a:bodyPr/>
+                    <a:lstStyle/>
+                    <a:p>
+                      <a:pPr algn="ctr" latinLnBrk="1"/>
+                      <a:r>
+                        <a:rPr lang="ko-KR" altLang="en-US" smtClean="0"/>
+                        <a:t>날짜</a:t>
+                      </a:r>
+                      <a:endParaRPr lang="ko-KR" altLang="en-US"/>
+                    </a:p>
+                  </a:txBody>
+                  <a:tcPr/>
+                </a:tc>
+                <a:tc>
+                  <a:txBody>
+                    <a:bodyPr/>
+                    <a:lstStyle/>
+                    <a:p>
+                      <a:pPr algn="ctr" latinLnBrk="1"/>
+                      <a:r>
+                        <a:rPr lang="ko-KR" altLang="en-US" smtClean="0"/>
+                        <a:t>글쓴이</a:t>
+                      </a:r>
+                      <a:endParaRPr lang="ko-KR" altLang="en-US"/>
+                    </a:p>
+                  </a:txBody>
+                  <a:tcPr/>
+                </a:tc>
+              </a:tr>
+              <a:tr h="370840">
+                <a:tc>
+                  <a:txBody>
+                    <a:bodyPr/>
+                    <a:lstStyle/>
+                    <a:p>
+                      <a:pPr algn="ctr" latinLnBrk="1"/>
+                      <a:r>
+                        <a:rPr lang="en-US" altLang="ko-KR" smtClean="0"/>
+                        <a:t>1</a:t>
+                      </a:r>
+                      <a:endParaRPr lang="ko-KR" altLang="en-US"/>
+                    </a:p>
+                  </a:txBody>
+                  <a:tcPr/>
+                </a:tc>
+                <a:tc>
+                  <a:txBody>
+                    <a:bodyPr/>
+                    <a:lstStyle/>
+                    <a:p>
+                      <a:pPr algn="ctr" latinLnBrk="1"/>
+                      <a:r>
+                        <a:rPr lang="ko-KR" altLang="en-US" err="1" smtClean="0"/>
+                        <a:t>프리미엄존</a:t>
+                      </a:r>
+                      <a:endParaRPr lang="ko-KR" altLang="en-US"/>
+                    </a:p>
+                  </a:txBody>
+                  <a:tcPr/>
+                </a:tc>
+                <a:tc>
+                  <a:txBody>
+                    <a:bodyPr/>
+                    <a:lstStyle/>
+                    <a:p>
+                      <a:pPr algn="ctr" latinLnBrk="1"/>
+                      <a:r>
+                        <a:rPr lang="ko-KR" altLang="en-US" err="1" smtClean="0"/>
+                        <a:t>정말좋았어요</a:t>
+                      </a:r>
+                      <a:endParaRPr lang="ko-KR" altLang="en-US"/>
+                    </a:p>
+                  </a:txBody>
+                  <a:tcPr/>
+                </a:tc>
+                <a:tc>
+                  <a:txBody>
+                    <a:bodyPr/>
+                    <a:lstStyle/>
+                    <a:p>
+                      <a:pPr algn="ctr" latinLnBrk="1"/>
+                      <a:r>
+                        <a:rPr lang="en-US" altLang="ko-KR" smtClean="0"/>
+                        <a:t>2020.03.31</a:t>
+                      </a:r>
+                      <a:endParaRPr lang="ko-KR" altLang="en-US"/>
+                    </a:p>
+                  </a:txBody>
+                  <a:tcPr/>
+                </a:tc>
+                <a:tc>
+                  <a:txBody>
+                    <a:bodyPr/>
+                    <a:lstStyle/>
+                    <a:p>
+                      <a:pPr algn="ctr" latinLnBrk="1"/>
+                      <a:r>
+                        <a:rPr lang="en-US" altLang="ko-KR" err="1" smtClean="0"/>
+                        <a:t>ezenkb</a:t>
+                      </a:r>
+                      <a:endParaRPr lang="ko-KR" altLang="en-US"/>
+                    </a:p>
+                  </a:txBody>
+                  <a:tcPr/>
+                </a:tc>
+              </a:tr>
+              <a:tr h="370840">
+                <a:tc>
+                  <a:txBody>
+                    <a:bodyPr/>
+                    <a:lstStyle/>
+                    <a:p>
+                      <a:pPr algn="ctr" latinLnBrk="1"/>
+                      <a:r>
+                        <a:rPr lang="en-US" altLang="ko-KR" smtClean="0"/>
+                        <a:t>2</a:t>
+                      </a:r>
+                      <a:endParaRPr lang="ko-KR" altLang="en-US"/>
+                    </a:p>
+                  </a:txBody>
+                  <a:tcPr/>
+                </a:tc>
+                <a:tc>
+                  <a:txBody>
+                    <a:bodyPr/>
+                    <a:lstStyle/>
+                    <a:p>
+                      <a:pPr algn="ctr" latinLnBrk="1"/>
+                      <a:r>
+                        <a:rPr lang="ko-KR" altLang="en-US" err="1" smtClean="0"/>
+                        <a:t>골드존</a:t>
+                      </a:r>
+                      <a:endParaRPr lang="ko-KR" altLang="en-US"/>
+                    </a:p>
+                  </a:txBody>
+                  <a:tcPr/>
+                </a:tc>
+                <a:tc>
+                  <a:txBody>
+                    <a:bodyPr/>
+                    <a:lstStyle/>
+                    <a:p>
+                      <a:pPr algn="ctr" latinLnBrk="1"/>
+                      <a:r>
+                        <a:rPr lang="ko-KR" altLang="en-US" smtClean="0"/>
+                        <a:t>좋았습니다</a:t>
+                      </a:r>
+                      <a:endParaRPr lang="ko-KR" altLang="en-US"/>
+                    </a:p>
+                  </a:txBody>
+                  <a:tcPr/>
+                </a:tc>
+                <a:tc>
+                  <a:txBody>
+                    <a:bodyPr/>
+                    <a:lstStyle/>
+                    <a:p>
+                      <a:pPr algn="ctr" latinLnBrk="1"/>
+                      <a:r>
+                        <a:rPr lang="en-US" altLang="ko-KR" smtClean="0"/>
+                        <a:t>2020.03.31</a:t>
+                      </a:r>
+                      <a:endParaRPr lang="ko-KR" altLang="en-US"/>
+                    </a:p>
+                  </a:txBody>
+                  <a:tcPr/>
+                </a:tc>
+                <a:tc>
+                  <a:txBody>
+                    <a:bodyPr/>
+                    <a:lstStyle/>
+                    <a:p>
+                      <a:pPr algn="ctr" latinLnBrk="1"/>
+                      <a:r>
+                        <a:rPr lang="en-US" altLang="ko-KR" err="1" smtClean="0"/>
+                        <a:t>ezenkb</a:t>
+                      </a:r>
+                      <a:endParaRPr lang="ko-KR" altLang="en-US"/>
+                    </a:p>
+                  </a:txBody>
+                  <a:tcPr/>
+                </a:tc>
+              </a:tr>
+              <a:tr h="370840">
+                <a:tc>
+                  <a:txBody>
+                    <a:bodyPr/>
+                    <a:lstStyle/>
+                    <a:p>
+                      <a:pPr algn="ctr" latinLnBrk="1"/>
+                      <a:r>
+                        <a:rPr lang="en-US" altLang="ko-KR" smtClean="0"/>
+                        <a:t>3</a:t>
+                      </a:r>
+                      <a:endParaRPr lang="ko-KR" altLang="en-US"/>
+                    </a:p>
+                  </a:txBody>
+                  <a:tcPr/>
+                </a:tc>
+                <a:tc>
+                  <a:txBody>
+                    <a:bodyPr/>
+                    <a:lstStyle/>
+                    <a:p>
+                      <a:pPr algn="ctr" latinLnBrk="1"/>
+                      <a:r>
+                        <a:rPr lang="ko-KR" altLang="en-US" smtClean="0"/>
+                        <a:t>실버존</a:t>
+                      </a:r>
+                      <a:endParaRPr lang="ko-KR" altLang="en-US"/>
+                    </a:p>
+                  </a:txBody>
+                  <a:tcPr/>
+                </a:tc>
+                <a:tc>
+                  <a:txBody>
+                    <a:bodyPr/>
+                    <a:lstStyle/>
+                    <a:p>
+                      <a:pPr algn="ctr" latinLnBrk="1"/>
+                      <a:r>
+                        <a:rPr lang="ko-KR" altLang="en-US" err="1" smtClean="0"/>
+                        <a:t>정말좋았어요</a:t>
+                      </a:r>
+                      <a:endParaRPr lang="ko-KR" altLang="en-US"/>
+                    </a:p>
+                  </a:txBody>
+                  <a:tcPr/>
+                </a:tc>
+                <a:tc>
+                  <a:txBody>
+                    <a:bodyPr/>
+                    <a:lstStyle/>
+                    <a:p>
+                      <a:pPr algn="ctr" latinLnBrk="1"/>
+                      <a:r>
+                        <a:rPr lang="en-US" altLang="ko-KR" smtClean="0"/>
+                        <a:t>2020.03.31</a:t>
+                      </a:r>
+                      <a:endParaRPr lang="ko-KR" altLang="en-US"/>
+                    </a:p>
+                  </a:txBody>
+                  <a:tcPr/>
+                </a:tc>
+                <a:tc>
+                  <a:txBody>
+                    <a:bodyPr/>
+                    <a:lstStyle/>
+                    <a:p>
+                      <a:pPr algn="ctr" latinLnBrk="1"/>
+                      <a:r>
+                        <a:rPr lang="en-US" altLang="ko-KR" err="1" smtClean="0"/>
+                        <a:t>ezenkb</a:t>
+                      </a:r>
+                      <a:endParaRPr lang="ko-KR" altLang="en-US"/>
+                    </a:p>
+                  </a:txBody>
+                  <a:tcPr/>
+                </a:tc>
+              </a:tr>
+              <a:tr h="370840">
+                <a:tc>
+                  <a:txBody>
+                    <a:bodyPr/>
+                    <a:lstStyle/>
+                    <a:p>
+                      <a:pPr algn="ctr" latinLnBrk="1"/>
+                      <a:r>
+                        <a:rPr lang="en-US" altLang="ko-KR" smtClean="0"/>
+                        <a:t>4</a:t>
+                      </a:r>
+                      <a:endParaRPr lang="ko-KR" altLang="en-US"/>
+                    </a:p>
+                  </a:txBody>
+                  <a:tcPr/>
+                </a:tc>
+                <a:tc>
+                  <a:txBody>
+                    <a:bodyPr/>
+                    <a:lstStyle/>
+                    <a:p>
+                      <a:pPr algn="ctr" latinLnBrk="1"/>
+                      <a:r>
+                        <a:rPr lang="ko-KR" altLang="en-US" smtClean="0"/>
+                        <a:t>다이아몬드존</a:t>
+                      </a:r>
+                      <a:endParaRPr lang="ko-KR" altLang="en-US"/>
+                    </a:p>
+                  </a:txBody>
+                  <a:tcPr/>
+                </a:tc>
+                <a:tc>
+                  <a:txBody>
+                    <a:bodyPr/>
+                    <a:lstStyle/>
+                    <a:p>
+                      <a:pPr algn="ctr" latinLnBrk="1"/>
+                      <a:r>
+                        <a:rPr lang="ko-KR" altLang="en-US" err="1" smtClean="0"/>
+                        <a:t>정말좋았어요</a:t>
+                      </a:r>
+                      <a:endParaRPr lang="ko-KR" altLang="en-US"/>
+                    </a:p>
+                  </a:txBody>
+                  <a:tcPr/>
+                </a:tc>
+                <a:tc>
+                  <a:txBody>
+                    <a:bodyPr/>
+                    <a:lstStyle/>
+                    <a:p>
+                      <a:pPr algn="ctr" latinLnBrk="1"/>
+                      <a:r>
+                        <a:rPr lang="en-US" altLang="ko-KR" smtClean="0"/>
+                        <a:t>2020.03.31</a:t>
+                      </a:r>
+                      <a:endParaRPr lang="ko-KR" altLang="en-US"/>
+                    </a:p>
+                  </a:txBody>
+                  <a:tcPr/>
+                </a:tc>
+                <a:tc>
+                  <a:txBody>
+                    <a:bodyPr/>
+                    <a:lstStyle/>
+                    <a:p>
+                      <a:pPr algn="ctr" latinLnBrk="1"/>
+                      <a:r>
+                        <a:rPr lang="en-US" altLang="ko-KR" err="1" smtClean="0"/>
+                        <a:t>ezenkb</a:t>
+                      </a:r>
+                      <a:endParaRPr lang="ko-KR" altLang="en-US"/>
+                    </a:p>
+                  </a:txBody>
+                  <a:tcPr/>
+                </a:tc>
+              </a:tr>
+              <a:tr h="370840">
+                <a:tc>
+                  <a:txBody>
+                    <a:bodyPr/>
+                    <a:lstStyle/>
+                    <a:p>
+                      <a:pPr algn="ctr" latinLnBrk="1"/>
+                      <a:r>
+                        <a:rPr lang="en-US" altLang="ko-KR" smtClean="0"/>
+                        <a:t>5</a:t>
+                      </a:r>
+                      <a:endParaRPr lang="ko-KR" altLang="en-US"/>
+                    </a:p>
+                  </a:txBody>
+                  <a:tcPr/>
+                </a:tc>
+                <a:tc>
+                  <a:txBody>
+                    <a:bodyPr/>
+                    <a:lstStyle/>
+                    <a:p>
+                      <a:pPr algn="ctr" latinLnBrk="1"/>
+                      <a:r>
+                        <a:rPr lang="ko-KR" altLang="en-US" err="1" smtClean="0"/>
+                        <a:t>프리미엄존</a:t>
+                      </a:r>
+                      <a:endParaRPr lang="ko-KR" altLang="en-US"/>
+                    </a:p>
+                  </a:txBody>
+                  <a:tcPr/>
+                </a:tc>
+                <a:tc>
+                  <a:txBody>
+                    <a:bodyPr/>
+                    <a:lstStyle/>
+                    <a:p>
+                      <a:pPr algn="ctr" latinLnBrk="1"/>
+                      <a:r>
+                        <a:rPr lang="ko-KR" altLang="en-US" err="1" smtClean="0"/>
+                        <a:t>정말좋았어요</a:t>
+                      </a:r>
+                      <a:endParaRPr lang="ko-KR" altLang="en-US"/>
+                    </a:p>
+                  </a:txBody>
+                  <a:tcPr/>
+                </a:tc>
+                <a:tc>
+                  <a:txBody>
+                    <a:bodyPr/>
+                    <a:lstStyle/>
+                    <a:p>
+                      <a:pPr algn="ctr" latinLnBrk="1"/>
+                      <a:r>
+                        <a:rPr lang="en-US" altLang="ko-KR" smtClean="0"/>
+                        <a:t>2020.03.31</a:t>
+                      </a:r>
+                      <a:endParaRPr lang="ko-KR" altLang="en-US"/>
+                    </a:p>
+                  </a:txBody>
+                  <a:tcPr/>
+                </a:tc>
+                <a:tc>
+                  <a:txBody>
+                    <a:bodyPr/>
+                    <a:lstStyle/>
+                    <a:p>
+                      <a:pPr algn="ctr" latinLnBrk="1"/>
+                      <a:r>
+                        <a:rPr lang="en-US" altLang="ko-KR" err="1" smtClean="0"/>
+                        <a:t>ezenkb</a:t>
+                      </a:r>
+                      <a:endParaRPr lang="ko-KR" altLang="en-US"/>
+                    </a:p>
+                  </a:txBody>
+                  <a:tcPr/>
+                </a:tc>
+              </a:tr>
+            </a:tbl>
+          </a:graphicData>
+        </a:graphic>
+      </p:graphicFrame>
+      <p:sp>
+        <p:nvSpPr>
+          <p:cNvPr id="7" name="직사각형 6"/>
           <p:cNvSpPr/>
           <p:nvPr/>
         </p:nvSpPr>
         <p:spPr>
           <a:xfrm>
-            <a:off x="4193177" y="522514"/>
-            <a:ext cx="3892731" cy="5669280"/>
+            <a:off x="8190410" y="770790"/>
+            <a:ext cx="1720207" cy="406400"/>
           </a:xfrm>
           <a:prstGeom prst="rect">
             <a:avLst/>
           </a:prstGeom>
           <a:noFill/>
-          <a:ln w="25400">
-            <a:solidFill>
-              <a:schemeClr val="tx1"/>
-            </a:solidFill>
-          </a:ln>
+          <a:ln w="25400"/>
         </p:spPr>
         <p:style>
           <a:lnRef idx="2">
@@ -9767,88 +9572,18 @@
       </p:sp>
       <p:sp>
         <p:nvSpPr>
-          <p:cNvPr id="5" name="TextBox 4"/>
-          <p:cNvSpPr txBox="1"/>
-          <p:nvPr/>
-        </p:nvSpPr>
-        <p:spPr>
-          <a:xfrm>
-            <a:off x="4767732" y="752209"/>
-            <a:ext cx="2327881" cy="369332"/>
-          </a:xfrm>
-          <a:prstGeom prst="rect">
-            <a:avLst/>
-          </a:prstGeom>
-          <a:noFill/>
-        </p:spPr>
-        <p:txBody>
-          <a:bodyPr wrap="none" rtlCol="0">
-            <a:spAutoFit/>
-          </a:bodyPr>
-          <a:lstStyle/>
-          <a:p>
-            <a:r>
-              <a:rPr lang="ko-KR" altLang="en-US" smtClean="0"/>
-              <a:t>예약자 이름 </a:t>
-            </a:r>
-            <a:r>
-              <a:rPr lang="en-US" altLang="ko-KR" smtClean="0"/>
-              <a:t>: </a:t>
-            </a:r>
-            <a:r>
-              <a:rPr lang="ko-KR" altLang="en-US" smtClean="0"/>
-              <a:t>권기범</a:t>
-            </a:r>
-            <a:endParaRPr lang="ko-KR" altLang="en-US"/>
-          </a:p>
-        </p:txBody>
-      </p:sp>
-      <p:sp>
-        <p:nvSpPr>
-          <p:cNvPr id="6" name="TextBox 5"/>
-          <p:cNvSpPr txBox="1"/>
-          <p:nvPr/>
-        </p:nvSpPr>
-        <p:spPr>
-          <a:xfrm>
-            <a:off x="4767732" y="1166570"/>
-            <a:ext cx="646331" cy="369332"/>
-          </a:xfrm>
-          <a:prstGeom prst="rect">
-            <a:avLst/>
-          </a:prstGeom>
-          <a:noFill/>
-        </p:spPr>
-        <p:txBody>
-          <a:bodyPr wrap="none" rtlCol="0">
-            <a:spAutoFit/>
-          </a:bodyPr>
-          <a:lstStyle/>
-          <a:p>
-            <a:r>
-              <a:rPr lang="ko-KR" altLang="en-US" smtClean="0"/>
-              <a:t>날짜</a:t>
-            </a:r>
-            <a:endParaRPr lang="ko-KR" altLang="en-US"/>
-          </a:p>
-        </p:txBody>
-      </p:sp>
-      <p:sp>
-        <p:nvSpPr>
-          <p:cNvPr id="7" name="직사각형 6"/>
+          <p:cNvPr id="8" name="이등변 삼각형 7"/>
           <p:cNvSpPr/>
           <p:nvPr/>
         </p:nvSpPr>
         <p:spPr>
-          <a:xfrm>
-            <a:off x="4870896" y="1580931"/>
-            <a:ext cx="2224717" cy="406400"/>
-          </a:xfrm>
-          <a:prstGeom prst="rect">
-            <a:avLst/>
-          </a:prstGeom>
-          <a:noFill/>
-          <a:ln w="25400"/>
+          <a:xfrm rot="10800000">
+            <a:off x="9481129" y="855250"/>
+            <a:ext cx="295563" cy="258495"/>
+          </a:xfrm>
+          <a:prstGeom prst="triangle">
+            <a:avLst/>
+          </a:prstGeom>
         </p:spPr>
         <p:style>
           <a:lnRef idx="2">
@@ -9877,50 +9612,18 @@
       </p:sp>
       <p:sp>
         <p:nvSpPr>
-          <p:cNvPr id="8" name="TextBox 7"/>
-          <p:cNvSpPr txBox="1"/>
-          <p:nvPr/>
-        </p:nvSpPr>
-        <p:spPr>
-          <a:xfrm>
-            <a:off x="4767731" y="2077389"/>
-            <a:ext cx="646331" cy="369332"/>
-          </a:xfrm>
-          <a:prstGeom prst="rect">
-            <a:avLst/>
-          </a:prstGeom>
-          <a:noFill/>
-        </p:spPr>
-        <p:txBody>
-          <a:bodyPr wrap="none" rtlCol="0">
-            <a:spAutoFit/>
-          </a:bodyPr>
-          <a:lstStyle/>
-          <a:p>
-            <a:r>
-              <a:rPr lang="ko-KR" altLang="en-US" smtClean="0"/>
-              <a:t>시간</a:t>
-            </a:r>
-            <a:endParaRPr lang="ko-KR" altLang="en-US"/>
-          </a:p>
-        </p:txBody>
-      </p:sp>
-      <p:sp>
-        <p:nvSpPr>
           <p:cNvPr id="9" name="직사각형 8"/>
           <p:cNvSpPr/>
           <p:nvPr/>
         </p:nvSpPr>
         <p:spPr>
           <a:xfrm>
-            <a:off x="4821126" y="2499675"/>
-            <a:ext cx="2587996" cy="406400"/>
-          </a:xfrm>
-          <a:prstGeom prst="rect">
-            <a:avLst/>
-          </a:prstGeom>
-          <a:noFill/>
-          <a:ln w="25400"/>
+            <a:off x="3918857" y="3749040"/>
+            <a:ext cx="548640" cy="457200"/>
+          </a:xfrm>
+          <a:prstGeom prst="rect">
+            <a:avLst/>
+          </a:prstGeom>
         </p:spPr>
         <p:style>
           <a:lnRef idx="2">
@@ -9943,22 +9646,26 @@
           <a:lstStyle/>
           <a:p>
             <a:pPr algn="ctr"/>
-            <a:endParaRPr lang="ko-KR" altLang="en-US"/>
-          </a:p>
-        </p:txBody>
-      </p:sp>
-      <p:sp>
-        <p:nvSpPr>
-          <p:cNvPr id="10" name="이등변 삼각형 9"/>
+            <a:r>
+              <a:rPr lang="en-US" altLang="ko-KR" smtClean="0"/>
+              <a:t>&lt;&lt;</a:t>
+            </a:r>
+            <a:endParaRPr lang="ko-KR" altLang="en-US"/>
+          </a:p>
+        </p:txBody>
+      </p:sp>
+      <p:sp>
+        <p:nvSpPr>
+          <p:cNvPr id="10" name="직사각형 9"/>
           <p:cNvSpPr/>
           <p:nvPr/>
         </p:nvSpPr>
         <p:spPr>
-          <a:xfrm rot="10800000">
-            <a:off x="7095613" y="2555093"/>
-            <a:ext cx="228142" cy="258495"/>
-          </a:xfrm>
-          <a:prstGeom prst="triangle">
+          <a:xfrm>
+            <a:off x="4598125" y="3749040"/>
+            <a:ext cx="548640" cy="457200"/>
+          </a:xfrm>
+          <a:prstGeom prst="rect">
             <a:avLst/>
           </a:prstGeom>
         </p:spPr>
@@ -9983,98 +9690,28 @@
           <a:lstStyle/>
           <a:p>
             <a:pPr algn="ctr"/>
-            <a:endParaRPr lang="ko-KR" altLang="en-US"/>
-          </a:p>
-        </p:txBody>
-      </p:sp>
-      <p:sp>
-        <p:nvSpPr>
-          <p:cNvPr id="11" name="TextBox 10"/>
-          <p:cNvSpPr txBox="1"/>
-          <p:nvPr/>
-        </p:nvSpPr>
-        <p:spPr>
-          <a:xfrm>
-            <a:off x="4871189" y="2499675"/>
-            <a:ext cx="1625929" cy="369332"/>
-          </a:xfrm>
-          <a:prstGeom prst="rect">
-            <a:avLst/>
-          </a:prstGeom>
-          <a:noFill/>
-        </p:spPr>
-        <p:txBody>
-          <a:bodyPr wrap="square" rtlCol="0">
-            <a:spAutoFit/>
-          </a:bodyPr>
-          <a:lstStyle/>
-          <a:p>
-            <a:r>
-              <a:rPr lang="ko-KR" altLang="en-US" smtClean="0"/>
-              <a:t>오전 </a:t>
-            </a:r>
             <a:r>
               <a:rPr lang="en-US" altLang="ko-KR" smtClean="0"/>
-              <a:t>(9~12</a:t>
-            </a:r>
-            <a:r>
-              <a:rPr lang="ko-KR" altLang="en-US" smtClean="0"/>
-              <a:t>시</a:t>
-            </a:r>
-            <a:r>
-              <a:rPr lang="en-US" altLang="ko-KR" smtClean="0"/>
-              <a:t>)</a:t>
-            </a:r>
-            <a:endParaRPr lang="ko-KR" altLang="en-US"/>
-          </a:p>
-        </p:txBody>
-      </p:sp>
-      <p:sp>
-        <p:nvSpPr>
-          <p:cNvPr id="12" name="TextBox 11"/>
-          <p:cNvSpPr txBox="1"/>
-          <p:nvPr/>
-        </p:nvSpPr>
-        <p:spPr>
-          <a:xfrm>
-            <a:off x="4821126" y="3114149"/>
-            <a:ext cx="1189749" cy="369332"/>
-          </a:xfrm>
-          <a:prstGeom prst="rect">
-            <a:avLst/>
-          </a:prstGeom>
-          <a:noFill/>
-        </p:spPr>
-        <p:txBody>
-          <a:bodyPr wrap="none" rtlCol="0">
-            <a:spAutoFit/>
-          </a:bodyPr>
-          <a:lstStyle/>
-          <a:p>
-            <a:r>
-              <a:rPr lang="ko-KR" altLang="en-US" smtClean="0"/>
-              <a:t>예약 구분</a:t>
-            </a:r>
-            <a:endParaRPr lang="ko-KR" altLang="en-US"/>
-          </a:p>
-        </p:txBody>
-      </p:sp>
-      <p:sp>
-        <p:nvSpPr>
-          <p:cNvPr id="13" name="직사각형 12"/>
+              <a:t>1</a:t>
+            </a:r>
+            <a:endParaRPr lang="ko-KR" altLang="en-US"/>
+          </a:p>
+        </p:txBody>
+      </p:sp>
+      <p:sp>
+        <p:nvSpPr>
+          <p:cNvPr id="11" name="직사각형 10"/>
           <p:cNvSpPr/>
           <p:nvPr/>
         </p:nvSpPr>
         <p:spPr>
           <a:xfrm>
-            <a:off x="4870896" y="3558092"/>
-            <a:ext cx="2587996" cy="406400"/>
-          </a:xfrm>
-          <a:prstGeom prst="rect">
-            <a:avLst/>
-          </a:prstGeom>
-          <a:noFill/>
-          <a:ln w="25400"/>
+            <a:off x="5303520" y="3742509"/>
+            <a:ext cx="548640" cy="457200"/>
+          </a:xfrm>
+          <a:prstGeom prst="rect">
+            <a:avLst/>
+          </a:prstGeom>
         </p:spPr>
         <p:style>
           <a:lnRef idx="2">
@@ -10097,22 +9734,26 @@
           <a:lstStyle/>
           <a:p>
             <a:pPr algn="ctr"/>
-            <a:endParaRPr lang="ko-KR" altLang="en-US"/>
-          </a:p>
-        </p:txBody>
-      </p:sp>
-      <p:sp>
-        <p:nvSpPr>
-          <p:cNvPr id="14" name="이등변 삼각형 13"/>
+            <a:r>
+              <a:rPr lang="en-US" altLang="ko-KR" smtClean="0"/>
+              <a:t>2</a:t>
+            </a:r>
+            <a:endParaRPr lang="ko-KR" altLang="en-US"/>
+          </a:p>
+        </p:txBody>
+      </p:sp>
+      <p:sp>
+        <p:nvSpPr>
+          <p:cNvPr id="12" name="직사각형 11"/>
           <p:cNvSpPr/>
           <p:nvPr/>
         </p:nvSpPr>
         <p:spPr>
-          <a:xfrm rot="10800000">
-            <a:off x="7095613" y="3668743"/>
-            <a:ext cx="228142" cy="258495"/>
-          </a:xfrm>
-          <a:prstGeom prst="triangle">
+          <a:xfrm>
+            <a:off x="6008915" y="3749040"/>
+            <a:ext cx="548640" cy="457200"/>
+          </a:xfrm>
+          <a:prstGeom prst="rect">
             <a:avLst/>
           </a:prstGeom>
         </p:spPr>
@@ -10137,86 +9778,28 @@
           <a:lstStyle/>
           <a:p>
             <a:pPr algn="ctr"/>
-            <a:endParaRPr lang="ko-KR" altLang="en-US"/>
-          </a:p>
-        </p:txBody>
-      </p:sp>
-      <p:sp>
-        <p:nvSpPr>
-          <p:cNvPr id="15" name="TextBox 14"/>
-          <p:cNvSpPr txBox="1"/>
-          <p:nvPr/>
-        </p:nvSpPr>
-        <p:spPr>
-          <a:xfrm>
-            <a:off x="4870896" y="3613324"/>
-            <a:ext cx="877163" cy="369332"/>
-          </a:xfrm>
-          <a:prstGeom prst="rect">
-            <a:avLst/>
-          </a:prstGeom>
-          <a:noFill/>
-        </p:spPr>
-        <p:txBody>
-          <a:bodyPr wrap="none" rtlCol="0">
-            <a:spAutoFit/>
-          </a:bodyPr>
-          <a:lstStyle/>
-          <a:p>
-            <a:r>
-              <a:rPr lang="ko-KR" altLang="en-US" smtClean="0"/>
-              <a:t>세미나</a:t>
-            </a:r>
-            <a:endParaRPr lang="ko-KR" altLang="en-US"/>
-          </a:p>
-        </p:txBody>
-      </p:sp>
-      <p:sp>
-        <p:nvSpPr>
-          <p:cNvPr id="16" name="TextBox 15"/>
-          <p:cNvSpPr txBox="1"/>
-          <p:nvPr/>
-        </p:nvSpPr>
-        <p:spPr>
-          <a:xfrm>
-            <a:off x="4806990" y="4070883"/>
-            <a:ext cx="1107996" cy="369332"/>
-          </a:xfrm>
-          <a:prstGeom prst="rect">
-            <a:avLst/>
-          </a:prstGeom>
-          <a:noFill/>
-        </p:spPr>
-        <p:txBody>
-          <a:bodyPr wrap="none" rtlCol="0">
-            <a:spAutoFit/>
-          </a:bodyPr>
-          <a:lstStyle/>
-          <a:p>
-            <a:r>
-              <a:rPr lang="ko-KR" altLang="en-US" smtClean="0"/>
-              <a:t>입금은행</a:t>
-            </a:r>
-            <a:endParaRPr lang="ko-KR" altLang="en-US"/>
-          </a:p>
-        </p:txBody>
-      </p:sp>
-      <p:sp>
-        <p:nvSpPr>
-          <p:cNvPr id="17" name="직사각형 16"/>
+            <a:r>
+              <a:rPr lang="en-US" altLang="ko-KR" smtClean="0"/>
+              <a:t>3</a:t>
+            </a:r>
+            <a:endParaRPr lang="ko-KR" altLang="en-US"/>
+          </a:p>
+        </p:txBody>
+      </p:sp>
+      <p:sp>
+        <p:nvSpPr>
+          <p:cNvPr id="13" name="직사각형 12"/>
           <p:cNvSpPr/>
           <p:nvPr/>
         </p:nvSpPr>
         <p:spPr>
           <a:xfrm>
-            <a:off x="4821126" y="4473179"/>
-            <a:ext cx="2587996" cy="406400"/>
-          </a:xfrm>
-          <a:prstGeom prst="rect">
-            <a:avLst/>
-          </a:prstGeom>
-          <a:noFill/>
-          <a:ln w="25400"/>
+            <a:off x="6714310" y="3749040"/>
+            <a:ext cx="548640" cy="457200"/>
+          </a:xfrm>
+          <a:prstGeom prst="rect">
+            <a:avLst/>
+          </a:prstGeom>
         </p:spPr>
         <p:style>
           <a:lnRef idx="2">
@@ -10239,22 +9822,26 @@
           <a:lstStyle/>
           <a:p>
             <a:pPr algn="ctr"/>
-            <a:endParaRPr lang="ko-KR" altLang="en-US"/>
-          </a:p>
-        </p:txBody>
-      </p:sp>
-      <p:sp>
-        <p:nvSpPr>
-          <p:cNvPr id="18" name="이등변 삼각형 17"/>
+            <a:r>
+              <a:rPr lang="en-US" altLang="ko-KR" smtClean="0"/>
+              <a:t>4</a:t>
+            </a:r>
+            <a:endParaRPr lang="ko-KR" altLang="en-US"/>
+          </a:p>
+        </p:txBody>
+      </p:sp>
+      <p:sp>
+        <p:nvSpPr>
+          <p:cNvPr id="14" name="직사각형 13"/>
           <p:cNvSpPr/>
           <p:nvPr/>
         </p:nvSpPr>
         <p:spPr>
-          <a:xfrm rot="10800000">
-            <a:off x="7045843" y="4583830"/>
-            <a:ext cx="228142" cy="258495"/>
-          </a:xfrm>
-          <a:prstGeom prst="triangle">
+          <a:xfrm>
+            <a:off x="7419705" y="3742509"/>
+            <a:ext cx="548640" cy="457200"/>
+          </a:xfrm>
+          <a:prstGeom prst="rect">
             <a:avLst/>
           </a:prstGeom>
         </p:spPr>
@@ -10279,49 +9866,9 @@
           <a:lstStyle/>
           <a:p>
             <a:pPr algn="ctr"/>
-            <a:endParaRPr lang="ko-KR" altLang="en-US"/>
-          </a:p>
-        </p:txBody>
-      </p:sp>
-      <p:sp>
-        <p:nvSpPr>
-          <p:cNvPr id="19" name="직사각형 18"/>
-          <p:cNvSpPr/>
-          <p:nvPr/>
-        </p:nvSpPr>
-        <p:spPr>
-          <a:xfrm>
-            <a:off x="4659427" y="5258039"/>
-            <a:ext cx="2960230" cy="591127"/>
-          </a:xfrm>
-          <a:prstGeom prst="rect">
-            <a:avLst/>
-          </a:prstGeom>
-        </p:spPr>
-        <p:style>
-          <a:lnRef idx="2">
-            <a:schemeClr val="accent1">
-              <a:shade val="50000"/>
-            </a:schemeClr>
-          </a:lnRef>
-          <a:fillRef idx="1">
-            <a:schemeClr val="accent1"/>
-          </a:fillRef>
-          <a:effectRef idx="0">
-            <a:schemeClr val="accent1"/>
-          </a:effectRef>
-          <a:fontRef idx="minor">
-            <a:schemeClr val="lt1"/>
-          </a:fontRef>
-        </p:style>
-        <p:txBody>
-          <a:bodyPr rtlCol="0" anchor="ctr"/>
-          <a:lstStyle/>
-          <a:p>
-            <a:pPr algn="ctr"/>
-            <a:r>
-              <a:rPr lang="ko-KR" altLang="en-US" smtClean="0"/>
-              <a:t>예약 신청</a:t>
+            <a:r>
+              <a:rPr lang="en-US" altLang="ko-KR" smtClean="0"/>
+              <a:t>&gt;&gt;</a:t>
             </a:r>
             <a:endParaRPr lang="ko-KR" altLang="en-US"/>
           </a:p>
@@ -10330,7 +9877,7 @@
     </p:spTree>
     <p:extLst>
       <p:ext uri="{BB962C8B-B14F-4D97-AF65-F5344CB8AC3E}">
-        <p14:creationId xmlns:p14="http://schemas.microsoft.com/office/powerpoint/2010/main" val="4116147241"/>
+        <p14:creationId xmlns:p14="http://schemas.microsoft.com/office/powerpoint/2010/main" val="1644527118"/>
       </p:ext>
     </p:extLst>
   </p:cSld>

--- a/gr2_kkb/기범- 화면설계(Project5).pptx
+++ b/gr2_kkb/기범- 화면설계(Project5).pptx
@@ -20,6 +20,9 @@
     <p:sldId id="272" r:id="rId14"/>
     <p:sldId id="273" r:id="rId15"/>
     <p:sldId id="274" r:id="rId16"/>
+    <p:sldId id="275" r:id="rId17"/>
+    <p:sldId id="276" r:id="rId18"/>
+    <p:sldId id="277" r:id="rId19"/>
   </p:sldIdLst>
   <p:sldSz cx="12192000" cy="6858000"/>
   <p:notesSz cx="6858000" cy="9144000"/>
@@ -257,7 +260,7 @@
           <a:p>
             <a:fld id="{9DD4B223-6D49-44B0-B9F8-07EF6F23F5E9}" type="datetimeFigureOut">
               <a:rPr lang="ko-KR" altLang="en-US" smtClean="0"/>
-              <a:t>2020-03-31</a:t>
+              <a:t>2020-04-09</a:t>
             </a:fld>
             <a:endParaRPr lang="ko-KR" altLang="en-US"/>
           </a:p>
@@ -427,7 +430,7 @@
           <a:p>
             <a:fld id="{9DD4B223-6D49-44B0-B9F8-07EF6F23F5E9}" type="datetimeFigureOut">
               <a:rPr lang="ko-KR" altLang="en-US" smtClean="0"/>
-              <a:t>2020-03-31</a:t>
+              <a:t>2020-04-09</a:t>
             </a:fld>
             <a:endParaRPr lang="ko-KR" altLang="en-US"/>
           </a:p>
@@ -607,7 +610,7 @@
           <a:p>
             <a:fld id="{9DD4B223-6D49-44B0-B9F8-07EF6F23F5E9}" type="datetimeFigureOut">
               <a:rPr lang="ko-KR" altLang="en-US" smtClean="0"/>
-              <a:t>2020-03-31</a:t>
+              <a:t>2020-04-09</a:t>
             </a:fld>
             <a:endParaRPr lang="ko-KR" altLang="en-US"/>
           </a:p>
@@ -777,7 +780,7 @@
           <a:p>
             <a:fld id="{9DD4B223-6D49-44B0-B9F8-07EF6F23F5E9}" type="datetimeFigureOut">
               <a:rPr lang="ko-KR" altLang="en-US" smtClean="0"/>
-              <a:t>2020-03-31</a:t>
+              <a:t>2020-04-09</a:t>
             </a:fld>
             <a:endParaRPr lang="ko-KR" altLang="en-US"/>
           </a:p>
@@ -1023,7 +1026,7 @@
           <a:p>
             <a:fld id="{9DD4B223-6D49-44B0-B9F8-07EF6F23F5E9}" type="datetimeFigureOut">
               <a:rPr lang="ko-KR" altLang="en-US" smtClean="0"/>
-              <a:t>2020-03-31</a:t>
+              <a:t>2020-04-09</a:t>
             </a:fld>
             <a:endParaRPr lang="ko-KR" altLang="en-US"/>
           </a:p>
@@ -1255,7 +1258,7 @@
           <a:p>
             <a:fld id="{9DD4B223-6D49-44B0-B9F8-07EF6F23F5E9}" type="datetimeFigureOut">
               <a:rPr lang="ko-KR" altLang="en-US" smtClean="0"/>
-              <a:t>2020-03-31</a:t>
+              <a:t>2020-04-09</a:t>
             </a:fld>
             <a:endParaRPr lang="ko-KR" altLang="en-US"/>
           </a:p>
@@ -1622,7 +1625,7 @@
           <a:p>
             <a:fld id="{9DD4B223-6D49-44B0-B9F8-07EF6F23F5E9}" type="datetimeFigureOut">
               <a:rPr lang="ko-KR" altLang="en-US" smtClean="0"/>
-              <a:t>2020-03-31</a:t>
+              <a:t>2020-04-09</a:t>
             </a:fld>
             <a:endParaRPr lang="ko-KR" altLang="en-US"/>
           </a:p>
@@ -1740,7 +1743,7 @@
           <a:p>
             <a:fld id="{9DD4B223-6D49-44B0-B9F8-07EF6F23F5E9}" type="datetimeFigureOut">
               <a:rPr lang="ko-KR" altLang="en-US" smtClean="0"/>
-              <a:t>2020-03-31</a:t>
+              <a:t>2020-04-09</a:t>
             </a:fld>
             <a:endParaRPr lang="ko-KR" altLang="en-US"/>
           </a:p>
@@ -1835,7 +1838,7 @@
           <a:p>
             <a:fld id="{9DD4B223-6D49-44B0-B9F8-07EF6F23F5E9}" type="datetimeFigureOut">
               <a:rPr lang="ko-KR" altLang="en-US" smtClean="0"/>
-              <a:t>2020-03-31</a:t>
+              <a:t>2020-04-09</a:t>
             </a:fld>
             <a:endParaRPr lang="ko-KR" altLang="en-US"/>
           </a:p>
@@ -2112,7 +2115,7 @@
           <a:p>
             <a:fld id="{9DD4B223-6D49-44B0-B9F8-07EF6F23F5E9}" type="datetimeFigureOut">
               <a:rPr lang="ko-KR" altLang="en-US" smtClean="0"/>
-              <a:t>2020-03-31</a:t>
+              <a:t>2020-04-09</a:t>
             </a:fld>
             <a:endParaRPr lang="ko-KR" altLang="en-US"/>
           </a:p>
@@ -2365,7 +2368,7 @@
           <a:p>
             <a:fld id="{9DD4B223-6D49-44B0-B9F8-07EF6F23F5E9}" type="datetimeFigureOut">
               <a:rPr lang="ko-KR" altLang="en-US" smtClean="0"/>
-              <a:t>2020-03-31</a:t>
+              <a:t>2020-04-09</a:t>
             </a:fld>
             <a:endParaRPr lang="ko-KR" altLang="en-US"/>
           </a:p>
@@ -2578,7 +2581,7 @@
           <a:p>
             <a:fld id="{9DD4B223-6D49-44B0-B9F8-07EF6F23F5E9}" type="datetimeFigureOut">
               <a:rPr lang="ko-KR" altLang="en-US" smtClean="0"/>
-              <a:t>2020-03-31</a:t>
+              <a:t>2020-04-09</a:t>
             </a:fld>
             <a:endParaRPr lang="ko-KR" altLang="en-US"/>
           </a:p>
@@ -6747,6 +6750,820 @@
 </p:sld>
 </file>
 
+<file path=ppt/slides/slide16.xml><?xml version="1.0" encoding="utf-8"?>
+<p:sld xmlns:a="http://schemas.openxmlformats.org/drawingml/2006/main" xmlns:r="http://schemas.openxmlformats.org/officeDocument/2006/relationships" xmlns:p="http://schemas.openxmlformats.org/presentationml/2006/main">
+  <p:cSld>
+    <p:spTree>
+      <p:nvGrpSpPr>
+        <p:cNvPr id="1" name=""/>
+        <p:cNvGrpSpPr/>
+        <p:nvPr/>
+      </p:nvGrpSpPr>
+      <p:grpSpPr>
+        <a:xfrm>
+          <a:off x="0" y="0"/>
+          <a:ext cx="0" cy="0"/>
+          <a:chOff x="0" y="0"/>
+          <a:chExt cx="0" cy="0"/>
+        </a:xfrm>
+      </p:grpSpPr>
+      <p:sp>
+        <p:nvSpPr>
+          <p:cNvPr id="4" name="직사각형 3"/>
+          <p:cNvSpPr/>
+          <p:nvPr/>
+        </p:nvSpPr>
+        <p:spPr>
+          <a:xfrm>
+            <a:off x="1966587" y="339634"/>
+            <a:ext cx="7766137" cy="5760541"/>
+          </a:xfrm>
+          <a:prstGeom prst="rect">
+            <a:avLst/>
+          </a:prstGeom>
+          <a:noFill/>
+          <a:ln w="25400">
+            <a:solidFill>
+              <a:schemeClr val="tx1"/>
+            </a:solidFill>
+          </a:ln>
+        </p:spPr>
+        <p:style>
+          <a:lnRef idx="2">
+            <a:schemeClr val="accent1">
+              <a:shade val="50000"/>
+            </a:schemeClr>
+          </a:lnRef>
+          <a:fillRef idx="1">
+            <a:schemeClr val="accent1"/>
+          </a:fillRef>
+          <a:effectRef idx="0">
+            <a:schemeClr val="accent1"/>
+          </a:effectRef>
+          <a:fontRef idx="minor">
+            <a:schemeClr val="lt1"/>
+          </a:fontRef>
+        </p:style>
+        <p:txBody>
+          <a:bodyPr rtlCol="0" anchor="ctr"/>
+          <a:lstStyle/>
+          <a:p>
+            <a:pPr algn="ctr"/>
+            <a:endParaRPr lang="ko-KR" altLang="en-US"/>
+          </a:p>
+        </p:txBody>
+      </p:sp>
+      <p:sp>
+        <p:nvSpPr>
+          <p:cNvPr id="5" name="TextBox 4"/>
+          <p:cNvSpPr txBox="1"/>
+          <p:nvPr/>
+        </p:nvSpPr>
+        <p:spPr>
+          <a:xfrm>
+            <a:off x="4663441" y="1045029"/>
+            <a:ext cx="2106667" cy="523220"/>
+          </a:xfrm>
+          <a:prstGeom prst="rect">
+            <a:avLst/>
+          </a:prstGeom>
+          <a:noFill/>
+        </p:spPr>
+        <p:txBody>
+          <a:bodyPr wrap="none" rtlCol="0">
+            <a:spAutoFit/>
+          </a:bodyPr>
+          <a:lstStyle/>
+          <a:p>
+            <a:r>
+              <a:rPr lang="ko-KR" altLang="en-US" sz="2800" smtClean="0"/>
+              <a:t>아이디</a:t>
+            </a:r>
+            <a:r>
+              <a:rPr lang="en-US" altLang="ko-KR" sz="2800"/>
+              <a:t> </a:t>
+            </a:r>
+            <a:r>
+              <a:rPr lang="ko-KR" altLang="en-US" sz="2800" smtClean="0"/>
+              <a:t>찾기</a:t>
+            </a:r>
+            <a:endParaRPr lang="ko-KR" altLang="en-US" sz="2800"/>
+          </a:p>
+        </p:txBody>
+      </p:sp>
+      <p:sp>
+        <p:nvSpPr>
+          <p:cNvPr id="6" name="직사각형 5"/>
+          <p:cNvSpPr/>
+          <p:nvPr/>
+        </p:nvSpPr>
+        <p:spPr>
+          <a:xfrm>
+            <a:off x="2744974" y="1672751"/>
+            <a:ext cx="5943600" cy="939820"/>
+          </a:xfrm>
+          <a:prstGeom prst="rect">
+            <a:avLst/>
+          </a:prstGeom>
+          <a:noFill/>
+          <a:ln w="25400">
+            <a:solidFill>
+              <a:schemeClr val="tx1"/>
+            </a:solidFill>
+          </a:ln>
+        </p:spPr>
+        <p:style>
+          <a:lnRef idx="2">
+            <a:schemeClr val="accent1">
+              <a:shade val="50000"/>
+            </a:schemeClr>
+          </a:lnRef>
+          <a:fillRef idx="1">
+            <a:schemeClr val="accent1"/>
+          </a:fillRef>
+          <a:effectRef idx="0">
+            <a:schemeClr val="accent1"/>
+          </a:effectRef>
+          <a:fontRef idx="minor">
+            <a:schemeClr val="lt1"/>
+          </a:fontRef>
+        </p:style>
+        <p:txBody>
+          <a:bodyPr rtlCol="0" anchor="ctr"/>
+          <a:lstStyle/>
+          <a:p>
+            <a:pPr algn="ctr"/>
+            <a:r>
+              <a:rPr lang="ko-KR" altLang="en-US" smtClean="0">
+                <a:solidFill>
+                  <a:schemeClr val="tx1"/>
+                </a:solidFill>
+              </a:rPr>
+              <a:t>이름</a:t>
+            </a:r>
+            <a:endParaRPr lang="ko-KR" altLang="en-US">
+              <a:solidFill>
+                <a:schemeClr val="tx1"/>
+              </a:solidFill>
+            </a:endParaRPr>
+          </a:p>
+        </p:txBody>
+      </p:sp>
+      <p:sp>
+        <p:nvSpPr>
+          <p:cNvPr id="7" name="직사각형 6"/>
+          <p:cNvSpPr/>
+          <p:nvPr/>
+        </p:nvSpPr>
+        <p:spPr>
+          <a:xfrm>
+            <a:off x="2744974" y="2874533"/>
+            <a:ext cx="5943600" cy="939820"/>
+          </a:xfrm>
+          <a:prstGeom prst="rect">
+            <a:avLst/>
+          </a:prstGeom>
+          <a:noFill/>
+          <a:ln w="25400">
+            <a:solidFill>
+              <a:schemeClr val="tx1"/>
+            </a:solidFill>
+          </a:ln>
+        </p:spPr>
+        <p:style>
+          <a:lnRef idx="2">
+            <a:schemeClr val="accent1">
+              <a:shade val="50000"/>
+            </a:schemeClr>
+          </a:lnRef>
+          <a:fillRef idx="1">
+            <a:schemeClr val="accent1"/>
+          </a:fillRef>
+          <a:effectRef idx="0">
+            <a:schemeClr val="accent1"/>
+          </a:effectRef>
+          <a:fontRef idx="minor">
+            <a:schemeClr val="lt1"/>
+          </a:fontRef>
+        </p:style>
+        <p:txBody>
+          <a:bodyPr rtlCol="0" anchor="ctr"/>
+          <a:lstStyle/>
+          <a:p>
+            <a:pPr algn="ctr"/>
+            <a:r>
+              <a:rPr lang="ko-KR" altLang="en-US" smtClean="0">
+                <a:solidFill>
+                  <a:schemeClr val="tx1"/>
+                </a:solidFill>
+              </a:rPr>
+              <a:t>이메일</a:t>
+            </a:r>
+            <a:endParaRPr lang="ko-KR" altLang="en-US">
+              <a:solidFill>
+                <a:schemeClr val="tx1"/>
+              </a:solidFill>
+            </a:endParaRPr>
+          </a:p>
+        </p:txBody>
+      </p:sp>
+      <p:sp>
+        <p:nvSpPr>
+          <p:cNvPr id="9" name="직사각형 8"/>
+          <p:cNvSpPr/>
+          <p:nvPr/>
+        </p:nvSpPr>
+        <p:spPr>
+          <a:xfrm>
+            <a:off x="2744974" y="4134304"/>
+            <a:ext cx="5943600" cy="822960"/>
+          </a:xfrm>
+          <a:prstGeom prst="rect">
+            <a:avLst/>
+          </a:prstGeom>
+        </p:spPr>
+        <p:style>
+          <a:lnRef idx="2">
+            <a:schemeClr val="accent1">
+              <a:shade val="50000"/>
+            </a:schemeClr>
+          </a:lnRef>
+          <a:fillRef idx="1">
+            <a:schemeClr val="accent1"/>
+          </a:fillRef>
+          <a:effectRef idx="0">
+            <a:schemeClr val="accent1"/>
+          </a:effectRef>
+          <a:fontRef idx="minor">
+            <a:schemeClr val="lt1"/>
+          </a:fontRef>
+        </p:style>
+        <p:txBody>
+          <a:bodyPr rtlCol="0" anchor="ctr"/>
+          <a:lstStyle/>
+          <a:p>
+            <a:pPr algn="ctr"/>
+            <a:r>
+              <a:rPr lang="ko-KR" altLang="en-US" smtClean="0"/>
+              <a:t>아이디 찾기</a:t>
+            </a:r>
+            <a:endParaRPr lang="ko-KR" altLang="en-US"/>
+          </a:p>
+        </p:txBody>
+      </p:sp>
+    </p:spTree>
+    <p:extLst>
+      <p:ext uri="{BB962C8B-B14F-4D97-AF65-F5344CB8AC3E}">
+        <p14:creationId xmlns:p14="http://schemas.microsoft.com/office/powerpoint/2010/main" val="1798502695"/>
+      </p:ext>
+    </p:extLst>
+  </p:cSld>
+  <p:clrMapOvr>
+    <a:masterClrMapping/>
+  </p:clrMapOvr>
+</p:sld>
+</file>
+
+<file path=ppt/slides/slide17.xml><?xml version="1.0" encoding="utf-8"?>
+<p:sld xmlns:a="http://schemas.openxmlformats.org/drawingml/2006/main" xmlns:r="http://schemas.openxmlformats.org/officeDocument/2006/relationships" xmlns:p="http://schemas.openxmlformats.org/presentationml/2006/main">
+  <p:cSld>
+    <p:spTree>
+      <p:nvGrpSpPr>
+        <p:cNvPr id="1" name=""/>
+        <p:cNvGrpSpPr/>
+        <p:nvPr/>
+      </p:nvGrpSpPr>
+      <p:grpSpPr>
+        <a:xfrm>
+          <a:off x="0" y="0"/>
+          <a:ext cx="0" cy="0"/>
+          <a:chOff x="0" y="0"/>
+          <a:chExt cx="0" cy="0"/>
+        </a:xfrm>
+      </p:grpSpPr>
+      <p:sp>
+        <p:nvSpPr>
+          <p:cNvPr id="4" name="직사각형 3"/>
+          <p:cNvSpPr/>
+          <p:nvPr/>
+        </p:nvSpPr>
+        <p:spPr>
+          <a:xfrm>
+            <a:off x="1966587" y="339634"/>
+            <a:ext cx="7766137" cy="5760541"/>
+          </a:xfrm>
+          <a:prstGeom prst="rect">
+            <a:avLst/>
+          </a:prstGeom>
+          <a:noFill/>
+          <a:ln w="25400">
+            <a:solidFill>
+              <a:schemeClr val="tx1"/>
+            </a:solidFill>
+          </a:ln>
+        </p:spPr>
+        <p:style>
+          <a:lnRef idx="2">
+            <a:schemeClr val="accent1">
+              <a:shade val="50000"/>
+            </a:schemeClr>
+          </a:lnRef>
+          <a:fillRef idx="1">
+            <a:schemeClr val="accent1"/>
+          </a:fillRef>
+          <a:effectRef idx="0">
+            <a:schemeClr val="accent1"/>
+          </a:effectRef>
+          <a:fontRef idx="minor">
+            <a:schemeClr val="lt1"/>
+          </a:fontRef>
+        </p:style>
+        <p:txBody>
+          <a:bodyPr rtlCol="0" anchor="ctr"/>
+          <a:lstStyle/>
+          <a:p>
+            <a:pPr algn="ctr"/>
+            <a:endParaRPr lang="ko-KR" altLang="en-US"/>
+          </a:p>
+        </p:txBody>
+      </p:sp>
+      <p:sp>
+        <p:nvSpPr>
+          <p:cNvPr id="5" name="TextBox 4"/>
+          <p:cNvSpPr txBox="1"/>
+          <p:nvPr/>
+        </p:nvSpPr>
+        <p:spPr>
+          <a:xfrm>
+            <a:off x="4483904" y="989556"/>
+            <a:ext cx="2465740" cy="523220"/>
+          </a:xfrm>
+          <a:prstGeom prst="rect">
+            <a:avLst/>
+          </a:prstGeom>
+          <a:noFill/>
+        </p:spPr>
+        <p:txBody>
+          <a:bodyPr wrap="none" rtlCol="0">
+            <a:spAutoFit/>
+          </a:bodyPr>
+          <a:lstStyle/>
+          <a:p>
+            <a:r>
+              <a:rPr lang="ko-KR" altLang="en-US" sz="2800" smtClean="0"/>
+              <a:t>비밀번호</a:t>
+            </a:r>
+            <a:r>
+              <a:rPr lang="en-US" altLang="ko-KR" sz="2800" smtClean="0"/>
+              <a:t> </a:t>
+            </a:r>
+            <a:r>
+              <a:rPr lang="ko-KR" altLang="en-US" sz="2800" smtClean="0"/>
+              <a:t>찾기</a:t>
+            </a:r>
+            <a:endParaRPr lang="ko-KR" altLang="en-US" sz="2800"/>
+          </a:p>
+        </p:txBody>
+      </p:sp>
+      <p:sp>
+        <p:nvSpPr>
+          <p:cNvPr id="6" name="직사각형 5"/>
+          <p:cNvSpPr/>
+          <p:nvPr/>
+        </p:nvSpPr>
+        <p:spPr>
+          <a:xfrm>
+            <a:off x="2744974" y="1672751"/>
+            <a:ext cx="5943600" cy="939820"/>
+          </a:xfrm>
+          <a:prstGeom prst="rect">
+            <a:avLst/>
+          </a:prstGeom>
+          <a:noFill/>
+          <a:ln w="25400">
+            <a:solidFill>
+              <a:schemeClr val="tx1"/>
+            </a:solidFill>
+          </a:ln>
+        </p:spPr>
+        <p:style>
+          <a:lnRef idx="2">
+            <a:schemeClr val="accent1">
+              <a:shade val="50000"/>
+            </a:schemeClr>
+          </a:lnRef>
+          <a:fillRef idx="1">
+            <a:schemeClr val="accent1"/>
+          </a:fillRef>
+          <a:effectRef idx="0">
+            <a:schemeClr val="accent1"/>
+          </a:effectRef>
+          <a:fontRef idx="minor">
+            <a:schemeClr val="lt1"/>
+          </a:fontRef>
+        </p:style>
+        <p:txBody>
+          <a:bodyPr rtlCol="0" anchor="ctr"/>
+          <a:lstStyle/>
+          <a:p>
+            <a:pPr algn="ctr"/>
+            <a:r>
+              <a:rPr lang="ko-KR" altLang="en-US" smtClean="0">
+                <a:solidFill>
+                  <a:schemeClr val="tx1"/>
+                </a:solidFill>
+              </a:rPr>
+              <a:t>아이디</a:t>
+            </a:r>
+            <a:endParaRPr lang="ko-KR" altLang="en-US">
+              <a:solidFill>
+                <a:schemeClr val="tx1"/>
+              </a:solidFill>
+            </a:endParaRPr>
+          </a:p>
+        </p:txBody>
+      </p:sp>
+      <p:sp>
+        <p:nvSpPr>
+          <p:cNvPr id="7" name="직사각형 6"/>
+          <p:cNvSpPr/>
+          <p:nvPr/>
+        </p:nvSpPr>
+        <p:spPr>
+          <a:xfrm>
+            <a:off x="2744974" y="2874533"/>
+            <a:ext cx="5943600" cy="939820"/>
+          </a:xfrm>
+          <a:prstGeom prst="rect">
+            <a:avLst/>
+          </a:prstGeom>
+          <a:noFill/>
+          <a:ln w="25400">
+            <a:solidFill>
+              <a:schemeClr val="tx1"/>
+            </a:solidFill>
+          </a:ln>
+        </p:spPr>
+        <p:style>
+          <a:lnRef idx="2">
+            <a:schemeClr val="accent1">
+              <a:shade val="50000"/>
+            </a:schemeClr>
+          </a:lnRef>
+          <a:fillRef idx="1">
+            <a:schemeClr val="accent1"/>
+          </a:fillRef>
+          <a:effectRef idx="0">
+            <a:schemeClr val="accent1"/>
+          </a:effectRef>
+          <a:fontRef idx="minor">
+            <a:schemeClr val="lt1"/>
+          </a:fontRef>
+        </p:style>
+        <p:txBody>
+          <a:bodyPr rtlCol="0" anchor="ctr"/>
+          <a:lstStyle/>
+          <a:p>
+            <a:pPr algn="ctr"/>
+            <a:r>
+              <a:rPr lang="ko-KR" altLang="en-US" smtClean="0">
+                <a:solidFill>
+                  <a:schemeClr val="tx1"/>
+                </a:solidFill>
+              </a:rPr>
+              <a:t>이메일</a:t>
+            </a:r>
+            <a:endParaRPr lang="ko-KR" altLang="en-US">
+              <a:solidFill>
+                <a:schemeClr val="tx1"/>
+              </a:solidFill>
+            </a:endParaRPr>
+          </a:p>
+        </p:txBody>
+      </p:sp>
+      <p:sp>
+        <p:nvSpPr>
+          <p:cNvPr id="8" name="직사각형 7"/>
+          <p:cNvSpPr/>
+          <p:nvPr/>
+        </p:nvSpPr>
+        <p:spPr>
+          <a:xfrm>
+            <a:off x="2744974" y="4134304"/>
+            <a:ext cx="5943600" cy="822960"/>
+          </a:xfrm>
+          <a:prstGeom prst="rect">
+            <a:avLst/>
+          </a:prstGeom>
+        </p:spPr>
+        <p:style>
+          <a:lnRef idx="2">
+            <a:schemeClr val="accent1">
+              <a:shade val="50000"/>
+            </a:schemeClr>
+          </a:lnRef>
+          <a:fillRef idx="1">
+            <a:schemeClr val="accent1"/>
+          </a:fillRef>
+          <a:effectRef idx="0">
+            <a:schemeClr val="accent1"/>
+          </a:effectRef>
+          <a:fontRef idx="minor">
+            <a:schemeClr val="lt1"/>
+          </a:fontRef>
+        </p:style>
+        <p:txBody>
+          <a:bodyPr rtlCol="0" anchor="ctr"/>
+          <a:lstStyle/>
+          <a:p>
+            <a:pPr algn="ctr"/>
+            <a:r>
+              <a:rPr lang="ko-KR" altLang="en-US" smtClean="0"/>
+              <a:t>비밀번호 찾기</a:t>
+            </a:r>
+            <a:endParaRPr lang="ko-KR" altLang="en-US"/>
+          </a:p>
+        </p:txBody>
+      </p:sp>
+    </p:spTree>
+    <p:extLst>
+      <p:ext uri="{BB962C8B-B14F-4D97-AF65-F5344CB8AC3E}">
+        <p14:creationId xmlns:p14="http://schemas.microsoft.com/office/powerpoint/2010/main" val="309952826"/>
+      </p:ext>
+    </p:extLst>
+  </p:cSld>
+  <p:clrMapOvr>
+    <a:masterClrMapping/>
+  </p:clrMapOvr>
+</p:sld>
+</file>
+
+<file path=ppt/slides/slide18.xml><?xml version="1.0" encoding="utf-8"?>
+<p:sld xmlns:a="http://schemas.openxmlformats.org/drawingml/2006/main" xmlns:r="http://schemas.openxmlformats.org/officeDocument/2006/relationships" xmlns:p="http://schemas.openxmlformats.org/presentationml/2006/main">
+  <p:cSld>
+    <p:spTree>
+      <p:nvGrpSpPr>
+        <p:cNvPr id="1" name=""/>
+        <p:cNvGrpSpPr/>
+        <p:nvPr/>
+      </p:nvGrpSpPr>
+      <p:grpSpPr>
+        <a:xfrm>
+          <a:off x="0" y="0"/>
+          <a:ext cx="0" cy="0"/>
+          <a:chOff x="0" y="0"/>
+          <a:chExt cx="0" cy="0"/>
+        </a:xfrm>
+      </p:grpSpPr>
+      <p:sp>
+        <p:nvSpPr>
+          <p:cNvPr id="4" name="직사각형 3"/>
+          <p:cNvSpPr/>
+          <p:nvPr/>
+        </p:nvSpPr>
+        <p:spPr>
+          <a:xfrm>
+            <a:off x="1966587" y="339634"/>
+            <a:ext cx="7766137" cy="5760541"/>
+          </a:xfrm>
+          <a:prstGeom prst="rect">
+            <a:avLst/>
+          </a:prstGeom>
+          <a:noFill/>
+          <a:ln w="25400">
+            <a:solidFill>
+              <a:schemeClr val="tx1"/>
+            </a:solidFill>
+          </a:ln>
+        </p:spPr>
+        <p:style>
+          <a:lnRef idx="2">
+            <a:schemeClr val="accent1">
+              <a:shade val="50000"/>
+            </a:schemeClr>
+          </a:lnRef>
+          <a:fillRef idx="1">
+            <a:schemeClr val="accent1"/>
+          </a:fillRef>
+          <a:effectRef idx="0">
+            <a:schemeClr val="accent1"/>
+          </a:effectRef>
+          <a:fontRef idx="minor">
+            <a:schemeClr val="lt1"/>
+          </a:fontRef>
+        </p:style>
+        <p:txBody>
+          <a:bodyPr rtlCol="0" anchor="ctr"/>
+          <a:lstStyle/>
+          <a:p>
+            <a:pPr algn="ctr"/>
+            <a:endParaRPr lang="ko-KR" altLang="en-US"/>
+          </a:p>
+        </p:txBody>
+      </p:sp>
+      <p:sp>
+        <p:nvSpPr>
+          <p:cNvPr id="5" name="TextBox 4"/>
+          <p:cNvSpPr txBox="1"/>
+          <p:nvPr/>
+        </p:nvSpPr>
+        <p:spPr>
+          <a:xfrm>
+            <a:off x="4663441" y="1045029"/>
+            <a:ext cx="2465740" cy="523220"/>
+          </a:xfrm>
+          <a:prstGeom prst="rect">
+            <a:avLst/>
+          </a:prstGeom>
+          <a:noFill/>
+        </p:spPr>
+        <p:txBody>
+          <a:bodyPr wrap="none" rtlCol="0">
+            <a:spAutoFit/>
+          </a:bodyPr>
+          <a:lstStyle/>
+          <a:p>
+            <a:r>
+              <a:rPr lang="ko-KR" altLang="en-US" sz="2800" smtClean="0"/>
+              <a:t>비밀번호 변경</a:t>
+            </a:r>
+            <a:endParaRPr lang="ko-KR" altLang="en-US" sz="2800"/>
+          </a:p>
+        </p:txBody>
+      </p:sp>
+      <p:sp>
+        <p:nvSpPr>
+          <p:cNvPr id="6" name="직사각형 5"/>
+          <p:cNvSpPr/>
+          <p:nvPr/>
+        </p:nvSpPr>
+        <p:spPr>
+          <a:xfrm>
+            <a:off x="2744974" y="1672751"/>
+            <a:ext cx="5943600" cy="939820"/>
+          </a:xfrm>
+          <a:prstGeom prst="rect">
+            <a:avLst/>
+          </a:prstGeom>
+          <a:noFill/>
+          <a:ln w="25400">
+            <a:solidFill>
+              <a:schemeClr val="tx1"/>
+            </a:solidFill>
+          </a:ln>
+        </p:spPr>
+        <p:style>
+          <a:lnRef idx="2">
+            <a:schemeClr val="accent1">
+              <a:shade val="50000"/>
+            </a:schemeClr>
+          </a:lnRef>
+          <a:fillRef idx="1">
+            <a:schemeClr val="accent1"/>
+          </a:fillRef>
+          <a:effectRef idx="0">
+            <a:schemeClr val="accent1"/>
+          </a:effectRef>
+          <a:fontRef idx="minor">
+            <a:schemeClr val="lt1"/>
+          </a:fontRef>
+        </p:style>
+        <p:txBody>
+          <a:bodyPr rtlCol="0" anchor="ctr"/>
+          <a:lstStyle/>
+          <a:p>
+            <a:pPr algn="ctr"/>
+            <a:r>
+              <a:rPr lang="ko-KR" altLang="en-US" smtClean="0">
+                <a:solidFill>
+                  <a:schemeClr val="tx1"/>
+                </a:solidFill>
+              </a:rPr>
+              <a:t>변경할 비밀번호</a:t>
+            </a:r>
+            <a:endParaRPr lang="ko-KR" altLang="en-US">
+              <a:solidFill>
+                <a:schemeClr val="tx1"/>
+              </a:solidFill>
+            </a:endParaRPr>
+          </a:p>
+        </p:txBody>
+      </p:sp>
+      <p:sp>
+        <p:nvSpPr>
+          <p:cNvPr id="7" name="직사각형 6"/>
+          <p:cNvSpPr/>
+          <p:nvPr/>
+        </p:nvSpPr>
+        <p:spPr>
+          <a:xfrm>
+            <a:off x="2744974" y="2874533"/>
+            <a:ext cx="5943600" cy="939820"/>
+          </a:xfrm>
+          <a:prstGeom prst="rect">
+            <a:avLst/>
+          </a:prstGeom>
+          <a:noFill/>
+          <a:ln w="25400">
+            <a:solidFill>
+              <a:schemeClr val="tx1"/>
+            </a:solidFill>
+          </a:ln>
+        </p:spPr>
+        <p:style>
+          <a:lnRef idx="2">
+            <a:schemeClr val="accent1">
+              <a:shade val="50000"/>
+            </a:schemeClr>
+          </a:lnRef>
+          <a:fillRef idx="1">
+            <a:schemeClr val="accent1"/>
+          </a:fillRef>
+          <a:effectRef idx="0">
+            <a:schemeClr val="accent1"/>
+          </a:effectRef>
+          <a:fontRef idx="minor">
+            <a:schemeClr val="lt1"/>
+          </a:fontRef>
+        </p:style>
+        <p:txBody>
+          <a:bodyPr rtlCol="0" anchor="ctr"/>
+          <a:lstStyle/>
+          <a:p>
+            <a:pPr algn="ctr"/>
+            <a:r>
+              <a:rPr lang="ko-KR" altLang="en-US" smtClean="0">
+                <a:solidFill>
+                  <a:schemeClr val="tx1"/>
+                </a:solidFill>
+              </a:rPr>
+              <a:t>변경할 비밀번호 확인</a:t>
+            </a:r>
+            <a:endParaRPr lang="ko-KR" altLang="en-US">
+              <a:solidFill>
+                <a:schemeClr val="tx1"/>
+              </a:solidFill>
+            </a:endParaRPr>
+          </a:p>
+        </p:txBody>
+      </p:sp>
+      <p:sp>
+        <p:nvSpPr>
+          <p:cNvPr id="8" name="직사각형 7"/>
+          <p:cNvSpPr/>
+          <p:nvPr/>
+        </p:nvSpPr>
+        <p:spPr>
+          <a:xfrm>
+            <a:off x="2744974" y="4134304"/>
+            <a:ext cx="5943600" cy="822960"/>
+          </a:xfrm>
+          <a:prstGeom prst="rect">
+            <a:avLst/>
+          </a:prstGeom>
+        </p:spPr>
+        <p:style>
+          <a:lnRef idx="2">
+            <a:schemeClr val="accent1">
+              <a:shade val="50000"/>
+            </a:schemeClr>
+          </a:lnRef>
+          <a:fillRef idx="1">
+            <a:schemeClr val="accent1"/>
+          </a:fillRef>
+          <a:effectRef idx="0">
+            <a:schemeClr val="accent1"/>
+          </a:effectRef>
+          <a:fontRef idx="minor">
+            <a:schemeClr val="lt1"/>
+          </a:fontRef>
+        </p:style>
+        <p:txBody>
+          <a:bodyPr rtlCol="0" anchor="ctr"/>
+          <a:lstStyle/>
+          <a:p>
+            <a:pPr algn="ctr"/>
+            <a:r>
+              <a:rPr lang="ko-KR" altLang="en-US" smtClean="0"/>
+              <a:t>비밀번호 변경</a:t>
+            </a:r>
+            <a:endParaRPr lang="ko-KR" altLang="en-US"/>
+          </a:p>
+        </p:txBody>
+      </p:sp>
+    </p:spTree>
+    <p:extLst>
+      <p:ext uri="{BB962C8B-B14F-4D97-AF65-F5344CB8AC3E}">
+        <p14:creationId xmlns:p14="http://schemas.microsoft.com/office/powerpoint/2010/main" val="1864190523"/>
+      </p:ext>
+    </p:extLst>
+  </p:cSld>
+  <p:clrMapOvr>
+    <a:masterClrMapping/>
+  </p:clrMapOvr>
+</p:sld>
+</file>
+
 <file path=ppt/slides/slide2.xml><?xml version="1.0" encoding="utf-8"?>
 <p:sld xmlns:a="http://schemas.openxmlformats.org/drawingml/2006/main" xmlns:r="http://schemas.openxmlformats.org/officeDocument/2006/relationships" xmlns:p="http://schemas.openxmlformats.org/presentationml/2006/main">
   <p:cSld>
